--- a/Document/PPT/Billy.pptx
+++ b/Document/PPT/Billy.pptx
@@ -6,34 +6,32 @@
   </p:sldMasterIdLst>
   <p:sldIdLst>
     <p:sldId id="256" r:id="rId2"/>
-    <p:sldId id="348" r:id="rId3"/>
-    <p:sldId id="349" r:id="rId4"/>
-    <p:sldId id="257" r:id="rId5"/>
-    <p:sldId id="264" r:id="rId6"/>
-    <p:sldId id="259" r:id="rId7"/>
-    <p:sldId id="260" r:id="rId8"/>
-    <p:sldId id="261" r:id="rId9"/>
-    <p:sldId id="363" r:id="rId10"/>
-    <p:sldId id="262" r:id="rId11"/>
-    <p:sldId id="263" r:id="rId12"/>
-    <p:sldId id="265" r:id="rId13"/>
-    <p:sldId id="266" r:id="rId14"/>
-    <p:sldId id="346" r:id="rId15"/>
-    <p:sldId id="345" r:id="rId16"/>
-    <p:sldId id="268" r:id="rId17"/>
-    <p:sldId id="364" r:id="rId18"/>
-    <p:sldId id="269" r:id="rId19"/>
-    <p:sldId id="270" r:id="rId20"/>
-    <p:sldId id="271" r:id="rId21"/>
-    <p:sldId id="272" r:id="rId22"/>
-    <p:sldId id="274" r:id="rId23"/>
-    <p:sldId id="353" r:id="rId24"/>
-    <p:sldId id="365" r:id="rId25"/>
-    <p:sldId id="366" r:id="rId26"/>
-    <p:sldId id="367" r:id="rId27"/>
-    <p:sldId id="368" r:id="rId28"/>
-    <p:sldId id="292" r:id="rId29"/>
-    <p:sldId id="369" r:id="rId30"/>
+    <p:sldId id="257" r:id="rId3"/>
+    <p:sldId id="264" r:id="rId4"/>
+    <p:sldId id="259" r:id="rId5"/>
+    <p:sldId id="260" r:id="rId6"/>
+    <p:sldId id="261" r:id="rId7"/>
+    <p:sldId id="363" r:id="rId8"/>
+    <p:sldId id="262" r:id="rId9"/>
+    <p:sldId id="263" r:id="rId10"/>
+    <p:sldId id="265" r:id="rId11"/>
+    <p:sldId id="266" r:id="rId12"/>
+    <p:sldId id="346" r:id="rId13"/>
+    <p:sldId id="345" r:id="rId14"/>
+    <p:sldId id="268" r:id="rId15"/>
+    <p:sldId id="364" r:id="rId16"/>
+    <p:sldId id="269" r:id="rId17"/>
+    <p:sldId id="270" r:id="rId18"/>
+    <p:sldId id="271" r:id="rId19"/>
+    <p:sldId id="272" r:id="rId20"/>
+    <p:sldId id="274" r:id="rId21"/>
+    <p:sldId id="353" r:id="rId22"/>
+    <p:sldId id="365" r:id="rId23"/>
+    <p:sldId id="366" r:id="rId24"/>
+    <p:sldId id="367" r:id="rId25"/>
+    <p:sldId id="368" r:id="rId26"/>
+    <p:sldId id="292" r:id="rId27"/>
+    <p:sldId id="369" r:id="rId28"/>
   </p:sldIdLst>
   <p:sldSz cx="9144000" cy="6858000" type="screen4x3"/>
   <p:notesSz cx="6858000" cy="9144000"/>
@@ -283,7 +281,7 @@
           <a:p>
             <a:fld id="{33EDE7BA-5B6C-4896-A2E5-6A9DEAA77EB7}" type="datetimeFigureOut">
               <a:rPr lang="en-IN" smtClean="0"/>
-              <a:t>27-09-2022</a:t>
+              <a:t>16-10-2022</a:t>
             </a:fld>
             <a:endParaRPr lang="en-IN"/>
           </a:p>
@@ -453,7 +451,7 @@
           <a:p>
             <a:fld id="{33EDE7BA-5B6C-4896-A2E5-6A9DEAA77EB7}" type="datetimeFigureOut">
               <a:rPr lang="en-IN" smtClean="0"/>
-              <a:t>27-09-2022</a:t>
+              <a:t>16-10-2022</a:t>
             </a:fld>
             <a:endParaRPr lang="en-IN"/>
           </a:p>
@@ -633,7 +631,7 @@
           <a:p>
             <a:fld id="{33EDE7BA-5B6C-4896-A2E5-6A9DEAA77EB7}" type="datetimeFigureOut">
               <a:rPr lang="en-IN" smtClean="0"/>
-              <a:t>27-09-2022</a:t>
+              <a:t>16-10-2022</a:t>
             </a:fld>
             <a:endParaRPr lang="en-IN"/>
           </a:p>
@@ -803,7 +801,7 @@
           <a:p>
             <a:fld id="{33EDE7BA-5B6C-4896-A2E5-6A9DEAA77EB7}" type="datetimeFigureOut">
               <a:rPr lang="en-IN" smtClean="0"/>
-              <a:t>27-09-2022</a:t>
+              <a:t>16-10-2022</a:t>
             </a:fld>
             <a:endParaRPr lang="en-IN"/>
           </a:p>
@@ -1047,7 +1045,7 @@
           <a:p>
             <a:fld id="{33EDE7BA-5B6C-4896-A2E5-6A9DEAA77EB7}" type="datetimeFigureOut">
               <a:rPr lang="en-IN" smtClean="0"/>
-              <a:t>27-09-2022</a:t>
+              <a:t>16-10-2022</a:t>
             </a:fld>
             <a:endParaRPr lang="en-IN"/>
           </a:p>
@@ -1279,7 +1277,7 @@
           <a:p>
             <a:fld id="{33EDE7BA-5B6C-4896-A2E5-6A9DEAA77EB7}" type="datetimeFigureOut">
               <a:rPr lang="en-IN" smtClean="0"/>
-              <a:t>27-09-2022</a:t>
+              <a:t>16-10-2022</a:t>
             </a:fld>
             <a:endParaRPr lang="en-IN"/>
           </a:p>
@@ -1646,7 +1644,7 @@
           <a:p>
             <a:fld id="{33EDE7BA-5B6C-4896-A2E5-6A9DEAA77EB7}" type="datetimeFigureOut">
               <a:rPr lang="en-IN" smtClean="0"/>
-              <a:t>27-09-2022</a:t>
+              <a:t>16-10-2022</a:t>
             </a:fld>
             <a:endParaRPr lang="en-IN"/>
           </a:p>
@@ -1764,7 +1762,7 @@
           <a:p>
             <a:fld id="{33EDE7BA-5B6C-4896-A2E5-6A9DEAA77EB7}" type="datetimeFigureOut">
               <a:rPr lang="en-IN" smtClean="0"/>
-              <a:t>27-09-2022</a:t>
+              <a:t>16-10-2022</a:t>
             </a:fld>
             <a:endParaRPr lang="en-IN"/>
           </a:p>
@@ -1859,7 +1857,7 @@
           <a:p>
             <a:fld id="{33EDE7BA-5B6C-4896-A2E5-6A9DEAA77EB7}" type="datetimeFigureOut">
               <a:rPr lang="en-IN" smtClean="0"/>
-              <a:t>27-09-2022</a:t>
+              <a:t>16-10-2022</a:t>
             </a:fld>
             <a:endParaRPr lang="en-IN"/>
           </a:p>
@@ -2136,7 +2134,7 @@
           <a:p>
             <a:fld id="{33EDE7BA-5B6C-4896-A2E5-6A9DEAA77EB7}" type="datetimeFigureOut">
               <a:rPr lang="en-IN" smtClean="0"/>
-              <a:t>27-09-2022</a:t>
+              <a:t>16-10-2022</a:t>
             </a:fld>
             <a:endParaRPr lang="en-IN"/>
           </a:p>
@@ -2393,7 +2391,7 @@
           <a:p>
             <a:fld id="{33EDE7BA-5B6C-4896-A2E5-6A9DEAA77EB7}" type="datetimeFigureOut">
               <a:rPr lang="en-IN" smtClean="0"/>
-              <a:t>27-09-2022</a:t>
+              <a:t>16-10-2022</a:t>
             </a:fld>
             <a:endParaRPr lang="en-IN"/>
           </a:p>
@@ -2606,7 +2604,7 @@
           <a:p>
             <a:fld id="{33EDE7BA-5B6C-4896-A2E5-6A9DEAA77EB7}" type="datetimeFigureOut">
               <a:rPr lang="en-IN" smtClean="0"/>
-              <a:t>27-09-2022</a:t>
+              <a:t>16-10-2022</a:t>
             </a:fld>
             <a:endParaRPr lang="en-IN"/>
           </a:p>
@@ -3192,8 +3190,8 @@
         </p:nvSpPr>
         <p:spPr>
           <a:xfrm>
-            <a:off x="628650" y="365127"/>
-            <a:ext cx="7886700" cy="643542"/>
+            <a:off x="628650" y="85884"/>
+            <a:ext cx="7886700" cy="500668"/>
           </a:xfrm>
         </p:spPr>
         <p:txBody>
@@ -3208,170 +3206,116 @@
                 <a:latin typeface="Times New Roman" panose="02020603050405020304" pitchFamily="18" charset="0"/>
                 <a:cs typeface="Times New Roman" panose="02020603050405020304" pitchFamily="18" charset="0"/>
               </a:rPr>
-              <a:t>Non-Functional Requirement</a:t>
+              <a:t>Activity Diagram</a:t>
             </a:r>
           </a:p>
         </p:txBody>
       </p:sp>
       <p:sp>
         <p:nvSpPr>
-          <p:cNvPr id="3" name="Content Placeholder 2">
+          <p:cNvPr id="4" name="Title 1">
             <a:extLst>
               <a:ext uri="{FF2B5EF4-FFF2-40B4-BE49-F238E27FC236}">
-                <a16:creationId xmlns:a16="http://schemas.microsoft.com/office/drawing/2014/main" id="{E1A2DE00-B63B-482A-8267-C160DAC309B1}"/>
+                <a16:creationId xmlns:a16="http://schemas.microsoft.com/office/drawing/2014/main" id="{20E24DCC-CDEC-4606-A49F-60496ABFB501}"/>
               </a:ext>
             </a:extLst>
           </p:cNvPr>
-          <p:cNvSpPr>
-            <a:spLocks noGrp="1"/>
+          <p:cNvSpPr txBox="1">
+            <a:spLocks/>
           </p:cNvSpPr>
+          <p:nvPr/>
+        </p:nvSpPr>
+        <p:spPr>
+          <a:xfrm>
+            <a:off x="628650" y="592079"/>
+            <a:ext cx="7886700" cy="500668"/>
+          </a:xfrm>
+          <a:prstGeom prst="rect">
+            <a:avLst/>
+          </a:prstGeom>
+        </p:spPr>
+        <p:txBody>
+          <a:bodyPr vert="horz" lIns="91440" tIns="45720" rIns="91440" bIns="45720" rtlCol="0" anchor="ctr">
+            <a:normAutofit/>
+          </a:bodyPr>
+          <a:lstStyle>
+            <a:lvl1pPr algn="l" defTabSz="914400" rtl="0" eaLnBrk="1" latinLnBrk="0" hangingPunct="1">
+              <a:lnSpc>
+                <a:spcPct val="90000"/>
+              </a:lnSpc>
+              <a:spcBef>
+                <a:spcPct val="0"/>
+              </a:spcBef>
+              <a:buNone/>
+              <a:defRPr sz="4400" kern="1200">
+                <a:solidFill>
+                  <a:schemeClr val="tx1"/>
+                </a:solidFill>
+                <a:latin typeface="+mj-lt"/>
+                <a:ea typeface="+mj-ea"/>
+                <a:cs typeface="+mj-cs"/>
+              </a:defRPr>
+            </a:lvl1pPr>
+          </a:lstStyle>
+          <a:p>
+            <a:pPr marL="342900" indent="-342900">
+              <a:buFont typeface="+mj-lt"/>
+              <a:buAutoNum type="arabicPeriod"/>
+            </a:pPr>
+            <a:r>
+              <a:rPr lang="en-US" sz="2200" dirty="0">
+                <a:effectLst/>
+                <a:latin typeface="Times New Roman" panose="02020603050405020304" pitchFamily="18" charset="0"/>
+                <a:ea typeface="Calibri" panose="020F0502020204030204" pitchFamily="34" charset="0"/>
+              </a:rPr>
+              <a:t>Activity Diagram for Manage Menu</a:t>
+            </a:r>
+            <a:endParaRPr lang="en-IN" sz="2200" dirty="0">
+              <a:latin typeface="Times New Roman" panose="02020603050405020304" pitchFamily="18" charset="0"/>
+              <a:cs typeface="Times New Roman" panose="02020603050405020304" pitchFamily="18" charset="0"/>
+            </a:endParaRPr>
+          </a:p>
+        </p:txBody>
+      </p:sp>
+      <p:pic>
+        <p:nvPicPr>
+          <p:cNvPr id="7" name="Content Placeholder 6">
+            <a:extLst>
+              <a:ext uri="{FF2B5EF4-FFF2-40B4-BE49-F238E27FC236}">
+                <a16:creationId xmlns:a16="http://schemas.microsoft.com/office/drawing/2014/main" id="{CA95A523-7296-D645-F9B6-F482ADE103AD}"/>
+              </a:ext>
+            </a:extLst>
+          </p:cNvPr>
+          <p:cNvPicPr>
+            <a:picLocks noGrp="1" noChangeAspect="1"/>
+          </p:cNvPicPr>
           <p:nvPr>
             <p:ph idx="1"/>
           </p:nvPr>
-        </p:nvSpPr>
+        </p:nvPicPr>
+        <p:blipFill>
+          <a:blip r:embed="rId2">
+            <a:extLst>
+              <a:ext uri="{28A0092B-C50C-407E-A947-70E740481C1C}">
+                <a14:useLocalDpi xmlns:a14="http://schemas.microsoft.com/office/drawing/2010/main" val="0"/>
+              </a:ext>
+            </a:extLst>
+          </a:blip>
+          <a:stretch>
+            <a:fillRect/>
+          </a:stretch>
+        </p:blipFill>
         <p:spPr>
           <a:xfrm>
-            <a:off x="628650" y="1060114"/>
-            <a:ext cx="7886700" cy="5648694"/>
+            <a:off x="2761947" y="1002161"/>
+            <a:ext cx="3838878" cy="5674864"/>
           </a:xfrm>
         </p:spPr>
-        <p:txBody>
-          <a:bodyPr>
-            <a:noAutofit/>
-          </a:bodyPr>
-          <a:lstStyle/>
-          <a:p>
-            <a:pPr marL="457200" indent="-457200" algn="just">
-              <a:lnSpc>
-                <a:spcPct val="100000"/>
-              </a:lnSpc>
-              <a:buFont typeface="+mj-lt"/>
-              <a:buAutoNum type="arabicPeriod"/>
-            </a:pPr>
-            <a:r>
-              <a:rPr lang="en-US" sz="2100" dirty="0">
-                <a:effectLst/>
-                <a:latin typeface="Times New Roman" panose="02020603050405020304" pitchFamily="18" charset="0"/>
-                <a:ea typeface="Calibri" panose="020F0502020204030204" pitchFamily="34" charset="0"/>
-                <a:cs typeface="Times New Roman" panose="02020603050405020304" pitchFamily="18" charset="0"/>
-              </a:rPr>
-              <a:t>This system has one feature called email verification. The user's entered email id is also verified by the system.</a:t>
-            </a:r>
-          </a:p>
-          <a:p>
-            <a:pPr marL="457200" indent="-457200" algn="just">
-              <a:lnSpc>
-                <a:spcPct val="100000"/>
-              </a:lnSpc>
-              <a:buFont typeface="+mj-lt"/>
-              <a:buAutoNum type="arabicPeriod"/>
-            </a:pPr>
-            <a:r>
-              <a:rPr lang="en-US" sz="2100" dirty="0">
-                <a:effectLst/>
-                <a:latin typeface="Times New Roman" panose="02020603050405020304" pitchFamily="18" charset="0"/>
-                <a:ea typeface="Calibri" panose="020F0502020204030204" pitchFamily="34" charset="0"/>
-                <a:cs typeface="Times New Roman" panose="02020603050405020304" pitchFamily="18" charset="0"/>
-              </a:rPr>
-              <a:t>This system prevents spam user attacks and automated software (bots) by using ReCAPTCHA.</a:t>
-            </a:r>
-          </a:p>
-          <a:p>
-            <a:pPr marL="457200" indent="-457200" algn="just">
-              <a:lnSpc>
-                <a:spcPct val="100000"/>
-              </a:lnSpc>
-              <a:buFont typeface="+mj-lt"/>
-              <a:buAutoNum type="arabicPeriod"/>
-            </a:pPr>
-            <a:r>
-              <a:rPr lang="en-US" sz="2100" dirty="0">
-                <a:effectLst/>
-                <a:latin typeface="Times New Roman" panose="02020603050405020304" pitchFamily="18" charset="0"/>
-                <a:ea typeface="Calibri" panose="020F0502020204030204" pitchFamily="34" charset="0"/>
-                <a:cs typeface="Times New Roman" panose="02020603050405020304" pitchFamily="18" charset="0"/>
-              </a:rPr>
-              <a:t>The architecture of our system is based on a typical MVC model.</a:t>
-            </a:r>
-          </a:p>
-          <a:p>
-            <a:pPr marL="457200" indent="-457200" algn="just">
-              <a:lnSpc>
-                <a:spcPct val="100000"/>
-              </a:lnSpc>
-              <a:buFont typeface="+mj-lt"/>
-              <a:buAutoNum type="arabicPeriod"/>
-            </a:pPr>
-            <a:r>
-              <a:rPr lang="en-US" sz="2100" dirty="0">
-                <a:effectLst/>
-                <a:latin typeface="Times New Roman" panose="02020603050405020304" pitchFamily="18" charset="0"/>
-                <a:ea typeface="Calibri" panose="020F0502020204030204" pitchFamily="34" charset="0"/>
-                <a:cs typeface="Times New Roman" panose="02020603050405020304" pitchFamily="18" charset="0"/>
-              </a:rPr>
-              <a:t>This system is SEO-friendly means that we apply the on-page SEO in this system.</a:t>
-            </a:r>
-          </a:p>
-          <a:p>
-            <a:pPr marL="457200" indent="-457200" algn="just">
-              <a:lnSpc>
-                <a:spcPct val="100000"/>
-              </a:lnSpc>
-              <a:buFont typeface="+mj-lt"/>
-              <a:buAutoNum type="arabicPeriod"/>
-            </a:pPr>
-            <a:r>
-              <a:rPr lang="en-US" sz="2100" dirty="0">
-                <a:effectLst/>
-                <a:latin typeface="Times New Roman" panose="02020603050405020304" pitchFamily="18" charset="0"/>
-                <a:ea typeface="Calibri" panose="020F0502020204030204" pitchFamily="34" charset="0"/>
-                <a:cs typeface="Times New Roman" panose="02020603050405020304" pitchFamily="18" charset="0"/>
-              </a:rPr>
-              <a:t>To send coupon codes to users the system provides the facility of sending bulk emails.</a:t>
-            </a:r>
-          </a:p>
-          <a:p>
-            <a:pPr marL="457200" indent="-457200" algn="just">
-              <a:lnSpc>
-                <a:spcPct val="100000"/>
-              </a:lnSpc>
-              <a:buFont typeface="+mj-lt"/>
-              <a:buAutoNum type="arabicPeriod"/>
-            </a:pPr>
-            <a:r>
-              <a:rPr lang="en-US" sz="2100" dirty="0">
-                <a:effectLst/>
-                <a:latin typeface="Times New Roman" panose="02020603050405020304" pitchFamily="18" charset="0"/>
-                <a:ea typeface="Calibri" panose="020F0502020204030204" pitchFamily="34" charset="0"/>
-                <a:cs typeface="Times New Roman" panose="02020603050405020304" pitchFamily="18" charset="0"/>
-              </a:rPr>
-              <a:t>The system has feature translator users can change the system language according to their regional.</a:t>
-            </a:r>
-          </a:p>
-          <a:p>
-            <a:pPr marL="457200" indent="-457200" algn="just">
-              <a:lnSpc>
-                <a:spcPct val="100000"/>
-              </a:lnSpc>
-              <a:buFont typeface="+mj-lt"/>
-              <a:buAutoNum type="arabicPeriod"/>
-            </a:pPr>
-            <a:r>
-              <a:rPr lang="en-US" sz="2100" dirty="0">
-                <a:effectLst/>
-                <a:latin typeface="Times New Roman" panose="02020603050405020304" pitchFamily="18" charset="0"/>
-                <a:ea typeface="Calibri" panose="020F0502020204030204" pitchFamily="34" charset="0"/>
-                <a:cs typeface="Times New Roman" panose="02020603050405020304" pitchFamily="18" charset="0"/>
-              </a:rPr>
-              <a:t>The system is provided with a mechanism to verify the owner of certain JSON data using JWT token authentication.</a:t>
-            </a:r>
-          </a:p>
-        </p:txBody>
-      </p:sp>
+      </p:pic>
     </p:spTree>
     <p:extLst>
       <p:ext uri="{BB962C8B-B14F-4D97-AF65-F5344CB8AC3E}">
-        <p14:creationId xmlns:p14="http://schemas.microsoft.com/office/powerpoint/2010/main" val="1360177045"/>
+        <p14:creationId xmlns:p14="http://schemas.microsoft.com/office/powerpoint/2010/main" val="2865461725"/>
       </p:ext>
     </p:extLst>
   </p:cSld>
@@ -3416,7 +3360,7 @@
         </p:nvSpPr>
         <p:spPr>
           <a:xfrm>
-            <a:off x="628650" y="57309"/>
+            <a:off x="628650" y="85884"/>
             <a:ext cx="7886700" cy="500668"/>
           </a:xfrm>
         </p:spPr>
@@ -3432,98 +3376,116 @@
                 <a:latin typeface="Times New Roman" panose="02020603050405020304" pitchFamily="18" charset="0"/>
                 <a:cs typeface="Times New Roman" panose="02020603050405020304" pitchFamily="18" charset="0"/>
               </a:rPr>
-              <a:t>Use case Diagram </a:t>
+              <a:t>Activity Diagram</a:t>
             </a:r>
           </a:p>
         </p:txBody>
       </p:sp>
       <p:sp>
         <p:nvSpPr>
-          <p:cNvPr id="9" name="Content Placeholder 8">
+          <p:cNvPr id="4" name="Title 1">
             <a:extLst>
               <a:ext uri="{FF2B5EF4-FFF2-40B4-BE49-F238E27FC236}">
-                <a16:creationId xmlns:a16="http://schemas.microsoft.com/office/drawing/2014/main" id="{69EE997F-63B1-5FF0-BBA8-0B36E99527AA}"/>
+                <a16:creationId xmlns:a16="http://schemas.microsoft.com/office/drawing/2014/main" id="{20E24DCC-CDEC-4606-A49F-60496ABFB501}"/>
               </a:ext>
             </a:extLst>
           </p:cNvPr>
-          <p:cNvSpPr>
-            <a:spLocks noGrp="1"/>
+          <p:cNvSpPr txBox="1">
+            <a:spLocks/>
           </p:cNvSpPr>
+          <p:nvPr/>
+        </p:nvSpPr>
+        <p:spPr>
+          <a:xfrm>
+            <a:off x="628650" y="592079"/>
+            <a:ext cx="7886700" cy="500668"/>
+          </a:xfrm>
+          <a:prstGeom prst="rect">
+            <a:avLst/>
+          </a:prstGeom>
+        </p:spPr>
+        <p:txBody>
+          <a:bodyPr vert="horz" lIns="91440" tIns="45720" rIns="91440" bIns="45720" rtlCol="0" anchor="ctr">
+            <a:normAutofit/>
+          </a:bodyPr>
+          <a:lstStyle>
+            <a:lvl1pPr algn="l" defTabSz="914400" rtl="0" eaLnBrk="1" latinLnBrk="0" hangingPunct="1">
+              <a:lnSpc>
+                <a:spcPct val="90000"/>
+              </a:lnSpc>
+              <a:spcBef>
+                <a:spcPct val="0"/>
+              </a:spcBef>
+              <a:buNone/>
+              <a:defRPr sz="4400" kern="1200">
+                <a:solidFill>
+                  <a:schemeClr val="tx1"/>
+                </a:solidFill>
+                <a:latin typeface="+mj-lt"/>
+                <a:ea typeface="+mj-ea"/>
+                <a:cs typeface="+mj-cs"/>
+              </a:defRPr>
+            </a:lvl1pPr>
+          </a:lstStyle>
+          <a:p>
+            <a:pPr marL="457200" indent="-457200">
+              <a:buFont typeface="+mj-lt"/>
+              <a:buAutoNum type="arabicPeriod" startAt="2"/>
+            </a:pPr>
+            <a:r>
+              <a:rPr lang="en-US" sz="2200" dirty="0">
+                <a:effectLst/>
+                <a:latin typeface="Times New Roman" panose="02020603050405020304" pitchFamily="18" charset="0"/>
+                <a:ea typeface="Calibri" panose="020F0502020204030204" pitchFamily="34" charset="0"/>
+              </a:rPr>
+              <a:t>Activity Diagram for Checkout</a:t>
+            </a:r>
+            <a:endParaRPr lang="en-IN" sz="2200" dirty="0">
+              <a:latin typeface="Times New Roman" panose="02020603050405020304" pitchFamily="18" charset="0"/>
+              <a:cs typeface="Times New Roman" panose="02020603050405020304" pitchFamily="18" charset="0"/>
+            </a:endParaRPr>
+          </a:p>
+        </p:txBody>
+      </p:sp>
+      <p:pic>
+        <p:nvPicPr>
+          <p:cNvPr id="8" name="Content Placeholder 7">
+            <a:extLst>
+              <a:ext uri="{FF2B5EF4-FFF2-40B4-BE49-F238E27FC236}">
+                <a16:creationId xmlns:a16="http://schemas.microsoft.com/office/drawing/2014/main" id="{9BBA1924-8AFE-B5EE-ED96-ECC8F42E8BDE}"/>
+              </a:ext>
+            </a:extLst>
+          </p:cNvPr>
+          <p:cNvPicPr>
+            <a:picLocks noGrp="1" noChangeAspect="1"/>
+          </p:cNvPicPr>
           <p:nvPr>
             <p:ph idx="1"/>
           </p:nvPr>
-        </p:nvSpPr>
+        </p:nvPicPr>
+        <p:blipFill>
+          <a:blip r:embed="rId2">
+            <a:extLst>
+              <a:ext uri="{28A0092B-C50C-407E-A947-70E740481C1C}">
+                <a14:useLocalDpi xmlns:a14="http://schemas.microsoft.com/office/drawing/2010/main" val="0"/>
+              </a:ext>
+            </a:extLst>
+          </a:blip>
+          <a:stretch>
+            <a:fillRect/>
+          </a:stretch>
+        </p:blipFill>
         <p:spPr>
           <a:xfrm>
-            <a:off x="628650" y="1253331"/>
-            <a:ext cx="7886700" cy="4351338"/>
+            <a:off x="2987631" y="986198"/>
+            <a:ext cx="3489369" cy="5709877"/>
           </a:xfrm>
         </p:spPr>
-        <p:txBody>
-          <a:bodyPr/>
-          <a:lstStyle/>
-          <a:p>
-            <a:pPr>
-              <a:lnSpc>
-                <a:spcPct val="150000"/>
-              </a:lnSpc>
-            </a:pPr>
-            <a:r>
-              <a:rPr lang="en-IN" dirty="0">
-                <a:hlinkClick r:id="rId2" action="ppaction://hlinkfile"/>
-              </a:rPr>
-              <a:t>Use case Diagram – Admin</a:t>
-            </a:r>
-            <a:endParaRPr lang="en-IN" dirty="0"/>
-          </a:p>
-          <a:p>
-            <a:pPr>
-              <a:lnSpc>
-                <a:spcPct val="150000"/>
-              </a:lnSpc>
-            </a:pPr>
-            <a:r>
-              <a:rPr lang="en-IN" dirty="0">
-                <a:hlinkClick r:id="rId3" action="ppaction://hlinkfile"/>
-              </a:rPr>
-              <a:t>Use case Diagram – Partner</a:t>
-            </a:r>
-            <a:endParaRPr lang="en-IN" dirty="0"/>
-          </a:p>
-          <a:p>
-            <a:pPr>
-              <a:lnSpc>
-                <a:spcPct val="150000"/>
-              </a:lnSpc>
-            </a:pPr>
-            <a:r>
-              <a:rPr lang="en-IN" dirty="0">
-                <a:hlinkClick r:id="rId4" action="ppaction://hlinkfile"/>
-              </a:rPr>
-              <a:t>Use case Diagram – Customer</a:t>
-            </a:r>
-            <a:endParaRPr lang="en-IN" dirty="0"/>
-          </a:p>
-          <a:p>
-            <a:pPr>
-              <a:lnSpc>
-                <a:spcPct val="150000"/>
-              </a:lnSpc>
-            </a:pPr>
-            <a:r>
-              <a:rPr lang="en-IN" dirty="0">
-                <a:hlinkClick r:id="rId5" action="ppaction://hlinkfile"/>
-              </a:rPr>
-              <a:t>Use case Diagram - Delivery Boy</a:t>
-            </a:r>
-            <a:endParaRPr lang="en-IN" dirty="0"/>
-          </a:p>
-        </p:txBody>
-      </p:sp>
+      </p:pic>
     </p:spTree>
     <p:extLst>
       <p:ext uri="{BB962C8B-B14F-4D97-AF65-F5344CB8AC3E}">
-        <p14:creationId xmlns:p14="http://schemas.microsoft.com/office/powerpoint/2010/main" val="3507719754"/>
+        <p14:creationId xmlns:p14="http://schemas.microsoft.com/office/powerpoint/2010/main" val="3952014318"/>
       </p:ext>
     </p:extLst>
   </p:cSld>
@@ -3636,9 +3598,9 @@
             </a:lvl1pPr>
           </a:lstStyle>
           <a:p>
-            <a:pPr marL="342900" indent="-342900">
+            <a:pPr marL="457200" indent="-457200">
               <a:buFont typeface="+mj-lt"/>
-              <a:buAutoNum type="arabicPeriod"/>
+              <a:buAutoNum type="arabicPeriod" startAt="3"/>
             </a:pPr>
             <a:r>
               <a:rPr lang="en-US" sz="2200" dirty="0">
@@ -3646,7 +3608,7 @@
                 <a:latin typeface="Times New Roman" panose="02020603050405020304" pitchFamily="18" charset="0"/>
                 <a:ea typeface="Calibri" panose="020F0502020204030204" pitchFamily="34" charset="0"/>
               </a:rPr>
-              <a:t>Activity Diagram for Manage Menu</a:t>
+              <a:t>Activity Diagram for User Registration</a:t>
             </a:r>
             <a:endParaRPr lang="en-IN" sz="2200" dirty="0">
               <a:latin typeface="Times New Roman" panose="02020603050405020304" pitchFamily="18" charset="0"/>
@@ -3657,10 +3619,10 @@
       </p:sp>
       <p:pic>
         <p:nvPicPr>
-          <p:cNvPr id="7" name="Content Placeholder 6">
+          <p:cNvPr id="8" name="Content Placeholder 7">
             <a:extLst>
               <a:ext uri="{FF2B5EF4-FFF2-40B4-BE49-F238E27FC236}">
-                <a16:creationId xmlns:a16="http://schemas.microsoft.com/office/drawing/2014/main" id="{CA95A523-7296-D645-F9B6-F482ADE103AD}"/>
+                <a16:creationId xmlns:a16="http://schemas.microsoft.com/office/drawing/2014/main" id="{E939CFB8-E1C1-A27B-BA13-87678A16F620}"/>
               </a:ext>
             </a:extLst>
           </p:cNvPr>
@@ -3685,15 +3647,15 @@
         </p:blipFill>
         <p:spPr>
           <a:xfrm>
-            <a:off x="2761947" y="1002161"/>
-            <a:ext cx="3838878" cy="5674864"/>
+            <a:off x="1809750" y="1047780"/>
+            <a:ext cx="5838825" cy="5605273"/>
           </a:xfrm>
         </p:spPr>
       </p:pic>
     </p:spTree>
     <p:extLst>
       <p:ext uri="{BB962C8B-B14F-4D97-AF65-F5344CB8AC3E}">
-        <p14:creationId xmlns:p14="http://schemas.microsoft.com/office/powerpoint/2010/main" val="2865461725"/>
+        <p14:creationId xmlns:p14="http://schemas.microsoft.com/office/powerpoint/2010/main" val="3183667888"/>
       </p:ext>
     </p:extLst>
   </p:cSld>
@@ -3808,7 +3770,7 @@
           <a:p>
             <a:pPr marL="457200" indent="-457200">
               <a:buFont typeface="+mj-lt"/>
-              <a:buAutoNum type="arabicPeriod" startAt="2"/>
+              <a:buAutoNum type="arabicPeriod" startAt="4"/>
             </a:pPr>
             <a:r>
               <a:rPr lang="en-US" sz="2200" dirty="0">
@@ -3816,7 +3778,7 @@
                 <a:latin typeface="Times New Roman" panose="02020603050405020304" pitchFamily="18" charset="0"/>
                 <a:ea typeface="Calibri" panose="020F0502020204030204" pitchFamily="34" charset="0"/>
               </a:rPr>
-              <a:t>Activity Diagram for Checkout</a:t>
+              <a:t>Activity Diagram for Change Password</a:t>
             </a:r>
             <a:endParaRPr lang="en-IN" sz="2200" dirty="0">
               <a:latin typeface="Times New Roman" panose="02020603050405020304" pitchFamily="18" charset="0"/>
@@ -3830,7 +3792,7 @@
           <p:cNvPr id="8" name="Content Placeholder 7">
             <a:extLst>
               <a:ext uri="{FF2B5EF4-FFF2-40B4-BE49-F238E27FC236}">
-                <a16:creationId xmlns:a16="http://schemas.microsoft.com/office/drawing/2014/main" id="{9BBA1924-8AFE-B5EE-ED96-ECC8F42E8BDE}"/>
+                <a16:creationId xmlns:a16="http://schemas.microsoft.com/office/drawing/2014/main" id="{40E5475A-B199-1F84-787D-74DCFB129BA5}"/>
               </a:ext>
             </a:extLst>
           </p:cNvPr>
@@ -3855,15 +3817,15 @@
         </p:blipFill>
         <p:spPr>
           <a:xfrm>
-            <a:off x="2987631" y="986198"/>
-            <a:ext cx="3489369" cy="5709877"/>
+            <a:off x="2409825" y="1071835"/>
+            <a:ext cx="4324350" cy="5700281"/>
           </a:xfrm>
         </p:spPr>
       </p:pic>
     </p:spTree>
     <p:extLst>
       <p:ext uri="{BB962C8B-B14F-4D97-AF65-F5344CB8AC3E}">
-        <p14:creationId xmlns:p14="http://schemas.microsoft.com/office/powerpoint/2010/main" val="3952014318"/>
+        <p14:creationId xmlns:p14="http://schemas.microsoft.com/office/powerpoint/2010/main" val="2436048589"/>
       </p:ext>
     </p:extLst>
   </p:cSld>
@@ -3908,8 +3870,8 @@
         </p:nvSpPr>
         <p:spPr>
           <a:xfrm>
-            <a:off x="628650" y="85884"/>
-            <a:ext cx="7886700" cy="500668"/>
+            <a:off x="628650" y="365127"/>
+            <a:ext cx="7886700" cy="643542"/>
           </a:xfrm>
         </p:spPr>
         <p:txBody>
@@ -3924,116 +3886,428 @@
                 <a:latin typeface="Times New Roman" panose="02020603050405020304" pitchFamily="18" charset="0"/>
                 <a:cs typeface="Times New Roman" panose="02020603050405020304" pitchFamily="18" charset="0"/>
               </a:rPr>
-              <a:t>Activity Diagram</a:t>
+              <a:t>Database Design</a:t>
             </a:r>
           </a:p>
         </p:txBody>
       </p:sp>
       <p:sp>
         <p:nvSpPr>
-          <p:cNvPr id="4" name="Title 1">
+          <p:cNvPr id="3" name="Content Placeholder 2">
             <a:extLst>
               <a:ext uri="{FF2B5EF4-FFF2-40B4-BE49-F238E27FC236}">
-                <a16:creationId xmlns:a16="http://schemas.microsoft.com/office/drawing/2014/main" id="{20E24DCC-CDEC-4606-A49F-60496ABFB501}"/>
+                <a16:creationId xmlns:a16="http://schemas.microsoft.com/office/drawing/2014/main" id="{E1A2DE00-B63B-482A-8267-C160DAC309B1}"/>
               </a:ext>
             </a:extLst>
           </p:cNvPr>
-          <p:cNvSpPr txBox="1">
-            <a:spLocks/>
+          <p:cNvSpPr>
+            <a:spLocks noGrp="1"/>
           </p:cNvSpPr>
-          <p:nvPr/>
+          <p:nvPr>
+            <p:ph idx="1"/>
+          </p:nvPr>
         </p:nvSpPr>
         <p:spPr>
           <a:xfrm>
-            <a:off x="628650" y="592079"/>
-            <a:ext cx="7886700" cy="500668"/>
+            <a:off x="628650" y="878584"/>
+            <a:ext cx="7886700" cy="5614289"/>
           </a:xfrm>
-          <a:prstGeom prst="rect">
-            <a:avLst/>
-          </a:prstGeom>
         </p:spPr>
         <p:txBody>
-          <a:bodyPr vert="horz" lIns="91440" tIns="45720" rIns="91440" bIns="45720" rtlCol="0" anchor="ctr">
-            <a:normAutofit/>
+          <a:bodyPr>
+            <a:noAutofit/>
           </a:bodyPr>
-          <a:lstStyle>
-            <a:lvl1pPr algn="l" defTabSz="914400" rtl="0" eaLnBrk="1" latinLnBrk="0" hangingPunct="1">
-              <a:lnSpc>
-                <a:spcPct val="90000"/>
-              </a:lnSpc>
-              <a:spcBef>
-                <a:spcPct val="0"/>
-              </a:spcBef>
-              <a:buNone/>
-              <a:defRPr sz="4400" kern="1200">
-                <a:solidFill>
-                  <a:schemeClr val="tx1"/>
-                </a:solidFill>
-                <a:latin typeface="+mj-lt"/>
-                <a:ea typeface="+mj-ea"/>
-                <a:cs typeface="+mj-cs"/>
-              </a:defRPr>
-            </a:lvl1pPr>
-          </a:lstStyle>
-          <a:p>
-            <a:pPr marL="457200" indent="-457200">
-              <a:buFont typeface="+mj-lt"/>
-              <a:buAutoNum type="arabicPeriod" startAt="3"/>
+          <a:lstStyle/>
+          <a:p>
+            <a:pPr algn="just">
+              <a:lnSpc>
+                <a:spcPct val="100000"/>
+              </a:lnSpc>
             </a:pPr>
             <a:r>
-              <a:rPr lang="en-US" sz="2200" dirty="0">
-                <a:effectLst/>
-                <a:latin typeface="Times New Roman" panose="02020603050405020304" pitchFamily="18" charset="0"/>
-                <a:ea typeface="Calibri" panose="020F0502020204030204" pitchFamily="34" charset="0"/>
-              </a:rPr>
-              <a:t>Activity Diagram for User Registration</a:t>
-            </a:r>
-            <a:endParaRPr lang="en-IN" sz="2200" dirty="0">
+              <a:rPr lang="en-IN" sz="2400" b="1" dirty="0">
+                <a:effectLst/>
+                <a:latin typeface="Times New Roman" panose="02020603050405020304" pitchFamily="18" charset="0"/>
+                <a:ea typeface="Calibri" panose="020F0502020204030204" pitchFamily="34" charset="0"/>
+                <a:cs typeface="Times New Roman" panose="02020603050405020304" pitchFamily="18" charset="0"/>
+              </a:rPr>
+              <a:t>Database Schema</a:t>
+            </a:r>
+            <a:endParaRPr lang="en-IN" sz="2200" b="1" dirty="0">
+              <a:effectLst/>
               <a:latin typeface="Times New Roman" panose="02020603050405020304" pitchFamily="18" charset="0"/>
+              <a:ea typeface="Calibri" panose="020F0502020204030204" pitchFamily="34" charset="0"/>
               <a:cs typeface="Times New Roman" panose="02020603050405020304" pitchFamily="18" charset="0"/>
             </a:endParaRPr>
           </a:p>
+          <a:p>
+            <a:pPr marL="457200" marR="0" lvl="0" indent="-457200" algn="just">
+              <a:lnSpc>
+                <a:spcPct val="150000"/>
+              </a:lnSpc>
+              <a:spcBef>
+                <a:spcPts val="0"/>
+              </a:spcBef>
+              <a:spcAft>
+                <a:spcPts val="0"/>
+              </a:spcAft>
+              <a:buFont typeface="+mj-lt"/>
+              <a:buAutoNum type="arabicPeriod"/>
+            </a:pPr>
+            <a:r>
+              <a:rPr lang="en-IN" sz="2000" dirty="0">
+                <a:solidFill>
+                  <a:srgbClr val="000000"/>
+                </a:solidFill>
+                <a:effectLst/>
+                <a:latin typeface="Times New Roman" panose="02020603050405020304" pitchFamily="18" charset="0"/>
+                <a:ea typeface="Caladea"/>
+                <a:cs typeface="Times New Roman" panose="02020603050405020304" pitchFamily="18" charset="0"/>
+              </a:rPr>
+              <a:t>Admin Table</a:t>
+            </a:r>
+            <a:endParaRPr lang="en-IN" sz="2000" dirty="0">
+              <a:effectLst/>
+              <a:latin typeface="Times New Roman" panose="02020603050405020304" pitchFamily="18" charset="0"/>
+              <a:ea typeface="Caladea"/>
+              <a:cs typeface="Times New Roman" panose="02020603050405020304" pitchFamily="18" charset="0"/>
+            </a:endParaRPr>
+          </a:p>
+          <a:p>
+            <a:pPr marL="0" marR="0" indent="0" algn="just">
+              <a:lnSpc>
+                <a:spcPct val="150000"/>
+              </a:lnSpc>
+              <a:spcBef>
+                <a:spcPts val="0"/>
+              </a:spcBef>
+              <a:spcAft>
+                <a:spcPts val="0"/>
+              </a:spcAft>
+              <a:buNone/>
+            </a:pPr>
+            <a:r>
+              <a:rPr lang="en-IN" sz="2000" dirty="0">
+                <a:solidFill>
+                  <a:srgbClr val="000000"/>
+                </a:solidFill>
+                <a:effectLst/>
+                <a:latin typeface="Times New Roman" panose="02020603050405020304" pitchFamily="18" charset="0"/>
+                <a:ea typeface="Calibri" panose="020F0502020204030204" pitchFamily="34" charset="0"/>
+                <a:cs typeface="Times New Roman" panose="02020603050405020304" pitchFamily="18" charset="0"/>
+              </a:rPr>
+              <a:t>admin (ID[PK], Name, Username, Password, Email, </a:t>
+            </a:r>
+            <a:r>
+              <a:rPr lang="en-IN" sz="2000" dirty="0" err="1">
+                <a:solidFill>
+                  <a:srgbClr val="000000"/>
+                </a:solidFill>
+                <a:effectLst/>
+                <a:latin typeface="Times New Roman" panose="02020603050405020304" pitchFamily="18" charset="0"/>
+                <a:ea typeface="Calibri" panose="020F0502020204030204" pitchFamily="34" charset="0"/>
+                <a:cs typeface="Times New Roman" panose="02020603050405020304" pitchFamily="18" charset="0"/>
+              </a:rPr>
+              <a:t>createdAt</a:t>
+            </a:r>
+            <a:r>
+              <a:rPr lang="en-IN" sz="2000" dirty="0">
+                <a:solidFill>
+                  <a:srgbClr val="000000"/>
+                </a:solidFill>
+                <a:effectLst/>
+                <a:latin typeface="Times New Roman" panose="02020603050405020304" pitchFamily="18" charset="0"/>
+                <a:ea typeface="Calibri" panose="020F0502020204030204" pitchFamily="34" charset="0"/>
+                <a:cs typeface="Times New Roman" panose="02020603050405020304" pitchFamily="18" charset="0"/>
+              </a:rPr>
+              <a:t>, </a:t>
+            </a:r>
+            <a:r>
+              <a:rPr lang="en-IN" sz="2000" dirty="0" err="1">
+                <a:solidFill>
+                  <a:srgbClr val="000000"/>
+                </a:solidFill>
+                <a:effectLst/>
+                <a:latin typeface="Times New Roman" panose="02020603050405020304" pitchFamily="18" charset="0"/>
+                <a:ea typeface="Calibri" panose="020F0502020204030204" pitchFamily="34" charset="0"/>
+                <a:cs typeface="Times New Roman" panose="02020603050405020304" pitchFamily="18" charset="0"/>
+              </a:rPr>
+              <a:t>updatedAt</a:t>
+            </a:r>
+            <a:r>
+              <a:rPr lang="en-IN" sz="2000" dirty="0">
+                <a:solidFill>
+                  <a:srgbClr val="000000"/>
+                </a:solidFill>
+                <a:effectLst/>
+                <a:latin typeface="Times New Roman" panose="02020603050405020304" pitchFamily="18" charset="0"/>
+                <a:ea typeface="Calibri" panose="020F0502020204030204" pitchFamily="34" charset="0"/>
+                <a:cs typeface="Times New Roman" panose="02020603050405020304" pitchFamily="18" charset="0"/>
+              </a:rPr>
+              <a:t>) </a:t>
+            </a:r>
+          </a:p>
+          <a:p>
+            <a:pPr marL="0" marR="0" indent="0" algn="just">
+              <a:lnSpc>
+                <a:spcPct val="150000"/>
+              </a:lnSpc>
+              <a:spcBef>
+                <a:spcPts val="0"/>
+              </a:spcBef>
+              <a:spcAft>
+                <a:spcPts val="0"/>
+              </a:spcAft>
+              <a:buNone/>
+            </a:pPr>
+            <a:r>
+              <a:rPr lang="en-IN" sz="2000" dirty="0">
+                <a:solidFill>
+                  <a:srgbClr val="000000"/>
+                </a:solidFill>
+                <a:effectLst/>
+                <a:latin typeface="Times New Roman" panose="02020603050405020304" pitchFamily="18" charset="0"/>
+                <a:ea typeface="Calibri" panose="020F0502020204030204" pitchFamily="34" charset="0"/>
+                <a:cs typeface="Times New Roman" panose="02020603050405020304" pitchFamily="18" charset="0"/>
+              </a:rPr>
+              <a:t>FD: ID-&gt; {Name, Username, Password, Email, </a:t>
+            </a:r>
+            <a:r>
+              <a:rPr lang="en-IN" sz="2000" dirty="0" err="1">
+                <a:solidFill>
+                  <a:srgbClr val="000000"/>
+                </a:solidFill>
+                <a:effectLst/>
+                <a:latin typeface="Times New Roman" panose="02020603050405020304" pitchFamily="18" charset="0"/>
+                <a:ea typeface="Calibri" panose="020F0502020204030204" pitchFamily="34" charset="0"/>
+                <a:cs typeface="Times New Roman" panose="02020603050405020304" pitchFamily="18" charset="0"/>
+              </a:rPr>
+              <a:t>createdAt</a:t>
+            </a:r>
+            <a:r>
+              <a:rPr lang="en-IN" sz="2000" dirty="0">
+                <a:solidFill>
+                  <a:srgbClr val="000000"/>
+                </a:solidFill>
+                <a:effectLst/>
+                <a:latin typeface="Times New Roman" panose="02020603050405020304" pitchFamily="18" charset="0"/>
+                <a:ea typeface="Calibri" panose="020F0502020204030204" pitchFamily="34" charset="0"/>
+                <a:cs typeface="Times New Roman" panose="02020603050405020304" pitchFamily="18" charset="0"/>
+              </a:rPr>
+              <a:t>, </a:t>
+            </a:r>
+            <a:r>
+              <a:rPr lang="en-IN" sz="2000" dirty="0" err="1">
+                <a:solidFill>
+                  <a:srgbClr val="000000"/>
+                </a:solidFill>
+                <a:effectLst/>
+                <a:latin typeface="Times New Roman" panose="02020603050405020304" pitchFamily="18" charset="0"/>
+                <a:ea typeface="Calibri" panose="020F0502020204030204" pitchFamily="34" charset="0"/>
+                <a:cs typeface="Times New Roman" panose="02020603050405020304" pitchFamily="18" charset="0"/>
+              </a:rPr>
+              <a:t>updatedAt</a:t>
+            </a:r>
+            <a:r>
+              <a:rPr lang="en-IN" sz="2000" dirty="0">
+                <a:solidFill>
+                  <a:srgbClr val="000000"/>
+                </a:solidFill>
+                <a:effectLst/>
+                <a:latin typeface="Times New Roman" panose="02020603050405020304" pitchFamily="18" charset="0"/>
+                <a:ea typeface="Calibri" panose="020F0502020204030204" pitchFamily="34" charset="0"/>
+                <a:cs typeface="Times New Roman" panose="02020603050405020304" pitchFamily="18" charset="0"/>
+              </a:rPr>
+              <a:t>}</a:t>
+            </a:r>
+          </a:p>
+          <a:p>
+            <a:pPr marL="457200" marR="0" lvl="0" indent="-457200" algn="just">
+              <a:lnSpc>
+                <a:spcPct val="200000"/>
+              </a:lnSpc>
+              <a:spcBef>
+                <a:spcPts val="0"/>
+              </a:spcBef>
+              <a:spcAft>
+                <a:spcPts val="0"/>
+              </a:spcAft>
+              <a:buFont typeface="+mj-lt"/>
+              <a:buAutoNum type="arabicPeriod" startAt="2"/>
+            </a:pPr>
+            <a:r>
+              <a:rPr lang="en-IN" sz="2000" dirty="0">
+                <a:solidFill>
+                  <a:srgbClr val="000000"/>
+                </a:solidFill>
+                <a:effectLst/>
+                <a:latin typeface="Times New Roman" panose="02020603050405020304" pitchFamily="18" charset="0"/>
+                <a:ea typeface="Caladea"/>
+                <a:cs typeface="Times New Roman" panose="02020603050405020304" pitchFamily="18" charset="0"/>
+              </a:rPr>
+              <a:t>Cuisines Table</a:t>
+            </a:r>
+            <a:endParaRPr lang="en-IN" sz="2000" dirty="0">
+              <a:effectLst/>
+              <a:latin typeface="Times New Roman" panose="02020603050405020304" pitchFamily="18" charset="0"/>
+              <a:ea typeface="Caladea"/>
+              <a:cs typeface="Times New Roman" panose="02020603050405020304" pitchFamily="18" charset="0"/>
+            </a:endParaRPr>
+          </a:p>
+          <a:p>
+            <a:pPr marL="0" marR="0" indent="0" algn="just">
+              <a:lnSpc>
+                <a:spcPct val="150000"/>
+              </a:lnSpc>
+              <a:spcBef>
+                <a:spcPts val="0"/>
+              </a:spcBef>
+              <a:spcAft>
+                <a:spcPts val="0"/>
+              </a:spcAft>
+              <a:buNone/>
+            </a:pPr>
+            <a:r>
+              <a:rPr lang="en-IN" sz="2000" dirty="0">
+                <a:solidFill>
+                  <a:srgbClr val="000000"/>
+                </a:solidFill>
+                <a:effectLst/>
+                <a:latin typeface="Times New Roman" panose="02020603050405020304" pitchFamily="18" charset="0"/>
+                <a:ea typeface="Calibri" panose="020F0502020204030204" pitchFamily="34" charset="0"/>
+                <a:cs typeface="Times New Roman" panose="02020603050405020304" pitchFamily="18" charset="0"/>
+              </a:rPr>
+              <a:t>cuisines (ID[PK], Name, Image, Description, Banner, Status, </a:t>
+            </a:r>
+            <a:r>
+              <a:rPr lang="en-IN" sz="2000" dirty="0" err="1">
+                <a:solidFill>
+                  <a:srgbClr val="000000"/>
+                </a:solidFill>
+                <a:effectLst/>
+                <a:latin typeface="Times New Roman" panose="02020603050405020304" pitchFamily="18" charset="0"/>
+                <a:ea typeface="Calibri" panose="020F0502020204030204" pitchFamily="34" charset="0"/>
+                <a:cs typeface="Times New Roman" panose="02020603050405020304" pitchFamily="18" charset="0"/>
+              </a:rPr>
+              <a:t>createdAt</a:t>
+            </a:r>
+            <a:r>
+              <a:rPr lang="en-IN" sz="2000" dirty="0">
+                <a:solidFill>
+                  <a:srgbClr val="000000"/>
+                </a:solidFill>
+                <a:effectLst/>
+                <a:latin typeface="Times New Roman" panose="02020603050405020304" pitchFamily="18" charset="0"/>
+                <a:ea typeface="Calibri" panose="020F0502020204030204" pitchFamily="34" charset="0"/>
+                <a:cs typeface="Times New Roman" panose="02020603050405020304" pitchFamily="18" charset="0"/>
+              </a:rPr>
+              <a:t>, </a:t>
+            </a:r>
+            <a:r>
+              <a:rPr lang="en-IN" sz="2000" dirty="0" err="1">
+                <a:solidFill>
+                  <a:srgbClr val="000000"/>
+                </a:solidFill>
+                <a:effectLst/>
+                <a:latin typeface="Times New Roman" panose="02020603050405020304" pitchFamily="18" charset="0"/>
+                <a:ea typeface="Calibri" panose="020F0502020204030204" pitchFamily="34" charset="0"/>
+                <a:cs typeface="Times New Roman" panose="02020603050405020304" pitchFamily="18" charset="0"/>
+              </a:rPr>
+              <a:t>updatedAt</a:t>
+            </a:r>
+            <a:r>
+              <a:rPr lang="en-IN" sz="2000" dirty="0">
+                <a:solidFill>
+                  <a:srgbClr val="000000"/>
+                </a:solidFill>
+                <a:effectLst/>
+                <a:latin typeface="Times New Roman" panose="02020603050405020304" pitchFamily="18" charset="0"/>
+                <a:ea typeface="Calibri" panose="020F0502020204030204" pitchFamily="34" charset="0"/>
+                <a:cs typeface="Times New Roman" panose="02020603050405020304" pitchFamily="18" charset="0"/>
+              </a:rPr>
+              <a:t>)</a:t>
+            </a:r>
+          </a:p>
+          <a:p>
+            <a:pPr marL="0" marR="0" indent="0" algn="just">
+              <a:lnSpc>
+                <a:spcPct val="150000"/>
+              </a:lnSpc>
+              <a:spcBef>
+                <a:spcPts val="0"/>
+              </a:spcBef>
+              <a:spcAft>
+                <a:spcPts val="0"/>
+              </a:spcAft>
+              <a:buNone/>
+            </a:pPr>
+            <a:r>
+              <a:rPr lang="en-IN" sz="2000" dirty="0">
+                <a:solidFill>
+                  <a:srgbClr val="000000"/>
+                </a:solidFill>
+                <a:effectLst/>
+                <a:latin typeface="Times New Roman" panose="02020603050405020304" pitchFamily="18" charset="0"/>
+                <a:ea typeface="Calibri" panose="020F0502020204030204" pitchFamily="34" charset="0"/>
+                <a:cs typeface="Times New Roman" panose="02020603050405020304" pitchFamily="18" charset="0"/>
+              </a:rPr>
+              <a:t> FD: ID-&gt; {Name, Image, Description, Banner, Status, </a:t>
+            </a:r>
+            <a:r>
+              <a:rPr lang="en-IN" sz="2000" dirty="0" err="1">
+                <a:solidFill>
+                  <a:srgbClr val="000000"/>
+                </a:solidFill>
+                <a:effectLst/>
+                <a:latin typeface="Times New Roman" panose="02020603050405020304" pitchFamily="18" charset="0"/>
+                <a:ea typeface="Calibri" panose="020F0502020204030204" pitchFamily="34" charset="0"/>
+                <a:cs typeface="Times New Roman" panose="02020603050405020304" pitchFamily="18" charset="0"/>
+              </a:rPr>
+              <a:t>createdAt</a:t>
+            </a:r>
+            <a:r>
+              <a:rPr lang="en-IN" sz="2000" dirty="0">
+                <a:solidFill>
+                  <a:srgbClr val="000000"/>
+                </a:solidFill>
+                <a:effectLst/>
+                <a:latin typeface="Times New Roman" panose="02020603050405020304" pitchFamily="18" charset="0"/>
+                <a:ea typeface="Calibri" panose="020F0502020204030204" pitchFamily="34" charset="0"/>
+                <a:cs typeface="Times New Roman" panose="02020603050405020304" pitchFamily="18" charset="0"/>
+              </a:rPr>
+              <a:t>, </a:t>
+            </a:r>
+            <a:r>
+              <a:rPr lang="en-IN" sz="2000" dirty="0" err="1">
+                <a:solidFill>
+                  <a:srgbClr val="000000"/>
+                </a:solidFill>
+                <a:effectLst/>
+                <a:latin typeface="Times New Roman" panose="02020603050405020304" pitchFamily="18" charset="0"/>
+                <a:ea typeface="Calibri" panose="020F0502020204030204" pitchFamily="34" charset="0"/>
+                <a:cs typeface="Times New Roman" panose="02020603050405020304" pitchFamily="18" charset="0"/>
+              </a:rPr>
+              <a:t>updatedAt</a:t>
+            </a:r>
+            <a:r>
+              <a:rPr lang="en-IN" sz="2000" dirty="0">
+                <a:solidFill>
+                  <a:srgbClr val="000000"/>
+                </a:solidFill>
+                <a:effectLst/>
+                <a:latin typeface="Times New Roman" panose="02020603050405020304" pitchFamily="18" charset="0"/>
+                <a:ea typeface="Calibri" panose="020F0502020204030204" pitchFamily="34" charset="0"/>
+                <a:cs typeface="Times New Roman" panose="02020603050405020304" pitchFamily="18" charset="0"/>
+              </a:rPr>
+              <a:t>}</a:t>
+            </a:r>
+          </a:p>
         </p:txBody>
       </p:sp>
-      <p:pic>
-        <p:nvPicPr>
-          <p:cNvPr id="8" name="Content Placeholder 7">
-            <a:extLst>
-              <a:ext uri="{FF2B5EF4-FFF2-40B4-BE49-F238E27FC236}">
-                <a16:creationId xmlns:a16="http://schemas.microsoft.com/office/drawing/2014/main" id="{E939CFB8-E1C1-A27B-BA13-87678A16F620}"/>
-              </a:ext>
-            </a:extLst>
-          </p:cNvPr>
-          <p:cNvPicPr>
-            <a:picLocks noGrp="1" noChangeAspect="1"/>
-          </p:cNvPicPr>
-          <p:nvPr>
-            <p:ph idx="1"/>
-          </p:nvPr>
-        </p:nvPicPr>
-        <p:blipFill>
-          <a:blip r:embed="rId2">
-            <a:extLst>
-              <a:ext uri="{28A0092B-C50C-407E-A947-70E740481C1C}">
-                <a14:useLocalDpi xmlns:a14="http://schemas.microsoft.com/office/drawing/2010/main" val="0"/>
-              </a:ext>
-            </a:extLst>
-          </a:blip>
-          <a:stretch>
-            <a:fillRect/>
-          </a:stretch>
-        </p:blipFill>
-        <p:spPr>
-          <a:xfrm>
-            <a:off x="1809750" y="1047780"/>
-            <a:ext cx="5838825" cy="5605273"/>
-          </a:xfrm>
-        </p:spPr>
-      </p:pic>
     </p:spTree>
     <p:extLst>
       <p:ext uri="{BB962C8B-B14F-4D97-AF65-F5344CB8AC3E}">
-        <p14:creationId xmlns:p14="http://schemas.microsoft.com/office/powerpoint/2010/main" val="3183667888"/>
+        <p14:creationId xmlns:p14="http://schemas.microsoft.com/office/powerpoint/2010/main" val="2234863265"/>
       </p:ext>
     </p:extLst>
   </p:cSld>
@@ -4078,8 +4352,8 @@
         </p:nvSpPr>
         <p:spPr>
           <a:xfrm>
-            <a:off x="628650" y="85884"/>
-            <a:ext cx="7886700" cy="500668"/>
+            <a:off x="628650" y="365127"/>
+            <a:ext cx="7886700" cy="643542"/>
           </a:xfrm>
         </p:spPr>
         <p:txBody>
@@ -4094,116 +4368,286 @@
                 <a:latin typeface="Times New Roman" panose="02020603050405020304" pitchFamily="18" charset="0"/>
                 <a:cs typeface="Times New Roman" panose="02020603050405020304" pitchFamily="18" charset="0"/>
               </a:rPr>
-              <a:t>Activity Diagram</a:t>
+              <a:t>Database Design</a:t>
             </a:r>
           </a:p>
         </p:txBody>
       </p:sp>
       <p:sp>
         <p:nvSpPr>
-          <p:cNvPr id="4" name="Title 1">
+          <p:cNvPr id="3" name="Content Placeholder 2">
             <a:extLst>
               <a:ext uri="{FF2B5EF4-FFF2-40B4-BE49-F238E27FC236}">
-                <a16:creationId xmlns:a16="http://schemas.microsoft.com/office/drawing/2014/main" id="{20E24DCC-CDEC-4606-A49F-60496ABFB501}"/>
+                <a16:creationId xmlns:a16="http://schemas.microsoft.com/office/drawing/2014/main" id="{E1A2DE00-B63B-482A-8267-C160DAC309B1}"/>
               </a:ext>
             </a:extLst>
           </p:cNvPr>
-          <p:cNvSpPr txBox="1">
-            <a:spLocks/>
+          <p:cNvSpPr>
+            <a:spLocks noGrp="1"/>
           </p:cNvSpPr>
-          <p:nvPr/>
+          <p:nvPr>
+            <p:ph idx="1"/>
+          </p:nvPr>
         </p:nvSpPr>
         <p:spPr>
           <a:xfrm>
-            <a:off x="628650" y="592079"/>
-            <a:ext cx="7886700" cy="500668"/>
+            <a:off x="628650" y="878584"/>
+            <a:ext cx="7886700" cy="5979416"/>
           </a:xfrm>
-          <a:prstGeom prst="rect">
-            <a:avLst/>
-          </a:prstGeom>
         </p:spPr>
         <p:txBody>
-          <a:bodyPr vert="horz" lIns="91440" tIns="45720" rIns="91440" bIns="45720" rtlCol="0" anchor="ctr">
-            <a:normAutofit/>
+          <a:bodyPr>
+            <a:noAutofit/>
           </a:bodyPr>
-          <a:lstStyle>
-            <a:lvl1pPr algn="l" defTabSz="914400" rtl="0" eaLnBrk="1" latinLnBrk="0" hangingPunct="1">
-              <a:lnSpc>
-                <a:spcPct val="90000"/>
+          <a:lstStyle/>
+          <a:p>
+            <a:pPr marL="457200" marR="0" lvl="0" indent="-457200" algn="just">
+              <a:lnSpc>
+                <a:spcPct val="150000"/>
               </a:lnSpc>
               <a:spcBef>
-                <a:spcPct val="0"/>
+                <a:spcPts val="0"/>
               </a:spcBef>
-              <a:buNone/>
-              <a:defRPr sz="4400" kern="1200">
-                <a:solidFill>
-                  <a:schemeClr val="tx1"/>
-                </a:solidFill>
-                <a:latin typeface="+mj-lt"/>
-                <a:ea typeface="+mj-ea"/>
-                <a:cs typeface="+mj-cs"/>
-              </a:defRPr>
-            </a:lvl1pPr>
-          </a:lstStyle>
-          <a:p>
-            <a:pPr marL="457200" indent="-457200">
+              <a:spcAft>
+                <a:spcPts val="0"/>
+              </a:spcAft>
               <a:buFont typeface="+mj-lt"/>
-              <a:buAutoNum type="arabicPeriod" startAt="4"/>
+              <a:buAutoNum type="arabicPeriod" startAt="3"/>
             </a:pPr>
             <a:r>
-              <a:rPr lang="en-US" sz="2200" dirty="0">
-                <a:effectLst/>
-                <a:latin typeface="Times New Roman" panose="02020603050405020304" pitchFamily="18" charset="0"/>
-                <a:ea typeface="Calibri" panose="020F0502020204030204" pitchFamily="34" charset="0"/>
-              </a:rPr>
-              <a:t>Activity Diagram for Change Password</a:t>
-            </a:r>
-            <a:endParaRPr lang="en-IN" sz="2200" dirty="0">
+              <a:rPr lang="en-IN" sz="2000" dirty="0">
+                <a:solidFill>
+                  <a:srgbClr val="000000"/>
+                </a:solidFill>
+                <a:effectLst/>
+                <a:latin typeface="Times New Roman" panose="02020603050405020304" pitchFamily="18" charset="0"/>
+                <a:ea typeface="Caladea"/>
+                <a:cs typeface="Times New Roman" panose="02020603050405020304" pitchFamily="18" charset="0"/>
+              </a:rPr>
+              <a:t>Restaurant Table</a:t>
+            </a:r>
+            <a:endParaRPr lang="en-IN" sz="2000" dirty="0">
+              <a:effectLst/>
               <a:latin typeface="Times New Roman" panose="02020603050405020304" pitchFamily="18" charset="0"/>
+              <a:ea typeface="Caladea"/>
               <a:cs typeface="Times New Roman" panose="02020603050405020304" pitchFamily="18" charset="0"/>
             </a:endParaRPr>
           </a:p>
+          <a:p>
+            <a:pPr marL="0" marR="0" indent="0" algn="just">
+              <a:lnSpc>
+                <a:spcPct val="150000"/>
+              </a:lnSpc>
+              <a:spcBef>
+                <a:spcPts val="0"/>
+              </a:spcBef>
+              <a:spcAft>
+                <a:spcPts val="0"/>
+              </a:spcAft>
+              <a:buNone/>
+            </a:pPr>
+            <a:r>
+              <a:rPr lang="en-IN" sz="2000" dirty="0">
+                <a:solidFill>
+                  <a:srgbClr val="000000"/>
+                </a:solidFill>
+                <a:effectLst/>
+                <a:latin typeface="Times New Roman" panose="02020603050405020304" pitchFamily="18" charset="0"/>
+                <a:ea typeface="Calibri" panose="020F0502020204030204" pitchFamily="34" charset="0"/>
+                <a:cs typeface="Times New Roman" panose="02020603050405020304" pitchFamily="18" charset="0"/>
+              </a:rPr>
+              <a:t>restaurant (ID[PK], Restaurant Name, Restaurant Image, Restaurant Address, Restaurant City, Restaurant Contact No., Owner Name, Owner Contact No., Owner Email ID, Owner Password, Restaurant Documents, Restaurant Timing, cuisines [FK], Status, </a:t>
+            </a:r>
+            <a:r>
+              <a:rPr lang="en-IN" sz="2000" dirty="0" err="1">
+                <a:solidFill>
+                  <a:srgbClr val="000000"/>
+                </a:solidFill>
+                <a:effectLst/>
+                <a:latin typeface="Times New Roman" panose="02020603050405020304" pitchFamily="18" charset="0"/>
+                <a:ea typeface="Calibri" panose="020F0502020204030204" pitchFamily="34" charset="0"/>
+                <a:cs typeface="Times New Roman" panose="02020603050405020304" pitchFamily="18" charset="0"/>
+              </a:rPr>
+              <a:t>createdAt</a:t>
+            </a:r>
+            <a:r>
+              <a:rPr lang="en-IN" sz="2000" dirty="0">
+                <a:solidFill>
+                  <a:srgbClr val="000000"/>
+                </a:solidFill>
+                <a:effectLst/>
+                <a:latin typeface="Times New Roman" panose="02020603050405020304" pitchFamily="18" charset="0"/>
+                <a:ea typeface="Calibri" panose="020F0502020204030204" pitchFamily="34" charset="0"/>
+                <a:cs typeface="Times New Roman" panose="02020603050405020304" pitchFamily="18" charset="0"/>
+              </a:rPr>
+              <a:t>, </a:t>
+            </a:r>
+            <a:r>
+              <a:rPr lang="en-IN" sz="2000" dirty="0" err="1">
+                <a:solidFill>
+                  <a:srgbClr val="000000"/>
+                </a:solidFill>
+                <a:effectLst/>
+                <a:latin typeface="Times New Roman" panose="02020603050405020304" pitchFamily="18" charset="0"/>
+                <a:ea typeface="Calibri" panose="020F0502020204030204" pitchFamily="34" charset="0"/>
+                <a:cs typeface="Times New Roman" panose="02020603050405020304" pitchFamily="18" charset="0"/>
+              </a:rPr>
+              <a:t>updatedAt</a:t>
+            </a:r>
+            <a:r>
+              <a:rPr lang="en-IN" sz="2000" dirty="0">
+                <a:solidFill>
+                  <a:srgbClr val="000000"/>
+                </a:solidFill>
+                <a:effectLst/>
+                <a:latin typeface="Times New Roman" panose="02020603050405020304" pitchFamily="18" charset="0"/>
+                <a:ea typeface="Calibri" panose="020F0502020204030204" pitchFamily="34" charset="0"/>
+                <a:cs typeface="Times New Roman" panose="02020603050405020304" pitchFamily="18" charset="0"/>
+              </a:rPr>
+              <a:t>)</a:t>
+            </a:r>
+          </a:p>
+          <a:p>
+            <a:pPr marL="0" marR="0" indent="0" algn="just">
+              <a:lnSpc>
+                <a:spcPct val="150000"/>
+              </a:lnSpc>
+              <a:spcBef>
+                <a:spcPts val="0"/>
+              </a:spcBef>
+              <a:spcAft>
+                <a:spcPts val="0"/>
+              </a:spcAft>
+              <a:buNone/>
+            </a:pPr>
+            <a:r>
+              <a:rPr lang="en-IN" sz="2000" dirty="0">
+                <a:solidFill>
+                  <a:srgbClr val="000000"/>
+                </a:solidFill>
+                <a:effectLst/>
+                <a:latin typeface="Times New Roman" panose="02020603050405020304" pitchFamily="18" charset="0"/>
+                <a:ea typeface="Calibri" panose="020F0502020204030204" pitchFamily="34" charset="0"/>
+                <a:cs typeface="Times New Roman" panose="02020603050405020304" pitchFamily="18" charset="0"/>
+              </a:rPr>
+              <a:t>FD: ID-&gt; {Restaurant Name, Restaurant Image, Restaurant Address, Restaurant City, Restaurant Contact No., Owner Name, Owner Contact No., Owner Email ID, Owner Password, Restaurant Documents, Restaurant Timing, cuisines [FK], Status, </a:t>
+            </a:r>
+            <a:r>
+              <a:rPr lang="en-IN" sz="2000" dirty="0" err="1">
+                <a:solidFill>
+                  <a:srgbClr val="000000"/>
+                </a:solidFill>
+                <a:effectLst/>
+                <a:latin typeface="Times New Roman" panose="02020603050405020304" pitchFamily="18" charset="0"/>
+                <a:ea typeface="Calibri" panose="020F0502020204030204" pitchFamily="34" charset="0"/>
+                <a:cs typeface="Times New Roman" panose="02020603050405020304" pitchFamily="18" charset="0"/>
+              </a:rPr>
+              <a:t>createdAt</a:t>
+            </a:r>
+            <a:r>
+              <a:rPr lang="en-IN" sz="2000" dirty="0">
+                <a:solidFill>
+                  <a:srgbClr val="000000"/>
+                </a:solidFill>
+                <a:effectLst/>
+                <a:latin typeface="Times New Roman" panose="02020603050405020304" pitchFamily="18" charset="0"/>
+                <a:ea typeface="Calibri" panose="020F0502020204030204" pitchFamily="34" charset="0"/>
+                <a:cs typeface="Times New Roman" panose="02020603050405020304" pitchFamily="18" charset="0"/>
+              </a:rPr>
+              <a:t>, </a:t>
+            </a:r>
+            <a:r>
+              <a:rPr lang="en-IN" sz="2000" dirty="0" err="1">
+                <a:solidFill>
+                  <a:srgbClr val="000000"/>
+                </a:solidFill>
+                <a:effectLst/>
+                <a:latin typeface="Times New Roman" panose="02020603050405020304" pitchFamily="18" charset="0"/>
+                <a:ea typeface="Calibri" panose="020F0502020204030204" pitchFamily="34" charset="0"/>
+                <a:cs typeface="Times New Roman" panose="02020603050405020304" pitchFamily="18" charset="0"/>
+              </a:rPr>
+              <a:t>updatedAt</a:t>
+            </a:r>
+            <a:r>
+              <a:rPr lang="en-IN" sz="2000" dirty="0">
+                <a:solidFill>
+                  <a:srgbClr val="000000"/>
+                </a:solidFill>
+                <a:effectLst/>
+                <a:latin typeface="Times New Roman" panose="02020603050405020304" pitchFamily="18" charset="0"/>
+                <a:ea typeface="Calibri" panose="020F0502020204030204" pitchFamily="34" charset="0"/>
+                <a:cs typeface="Times New Roman" panose="02020603050405020304" pitchFamily="18" charset="0"/>
+              </a:rPr>
+              <a:t>}</a:t>
+            </a:r>
+          </a:p>
+          <a:p>
+            <a:pPr marL="0" marR="0" indent="0" algn="just">
+              <a:lnSpc>
+                <a:spcPct val="150000"/>
+              </a:lnSpc>
+              <a:spcBef>
+                <a:spcPts val="0"/>
+              </a:spcBef>
+              <a:spcAft>
+                <a:spcPts val="0"/>
+              </a:spcAft>
+              <a:buNone/>
+            </a:pPr>
+            <a:r>
+              <a:rPr lang="en-IN" sz="2000" dirty="0">
+                <a:solidFill>
+                  <a:srgbClr val="000000"/>
+                </a:solidFill>
+                <a:effectLst/>
+                <a:latin typeface="Times New Roman" panose="02020603050405020304" pitchFamily="18" charset="0"/>
+                <a:ea typeface="Calibri" panose="020F0502020204030204" pitchFamily="34" charset="0"/>
+                <a:cs typeface="Times New Roman" panose="02020603050405020304" pitchFamily="18" charset="0"/>
+              </a:rPr>
+              <a:t>FD: Documents-&gt; {GST Certificate, FSSAI Certificate, Sample Bill, Sample Menu, Owner PAN Card}</a:t>
+            </a:r>
+          </a:p>
+          <a:p>
+            <a:pPr marL="0" marR="0" indent="0" algn="just">
+              <a:lnSpc>
+                <a:spcPct val="150000"/>
+              </a:lnSpc>
+              <a:spcBef>
+                <a:spcPts val="0"/>
+              </a:spcBef>
+              <a:spcAft>
+                <a:spcPts val="0"/>
+              </a:spcAft>
+              <a:buNone/>
+            </a:pPr>
+            <a:r>
+              <a:rPr lang="en-US" sz="2000" dirty="0">
+                <a:solidFill>
+                  <a:srgbClr val="000000"/>
+                </a:solidFill>
+                <a:effectLst/>
+                <a:latin typeface="Times New Roman" panose="02020603050405020304" pitchFamily="18" charset="0"/>
+                <a:ea typeface="Calibri" panose="020F0502020204030204" pitchFamily="34" charset="0"/>
+                <a:cs typeface="Times New Roman" panose="02020603050405020304" pitchFamily="18" charset="0"/>
+              </a:rPr>
+              <a:t>FD: Restaurant Timing-&gt; {Monday, Tuesday, Wednesday, Thursday, Friday, Saturday, Sunday}</a:t>
+            </a:r>
+            <a:endParaRPr lang="en-IN" sz="2000" dirty="0">
+              <a:solidFill>
+                <a:srgbClr val="000000"/>
+              </a:solidFill>
+              <a:effectLst/>
+              <a:latin typeface="Times New Roman" panose="02020603050405020304" pitchFamily="18" charset="0"/>
+              <a:ea typeface="Calibri" panose="020F0502020204030204" pitchFamily="34" charset="0"/>
+              <a:cs typeface="Times New Roman" panose="02020603050405020304" pitchFamily="18" charset="0"/>
+            </a:endParaRPr>
+          </a:p>
         </p:txBody>
       </p:sp>
-      <p:pic>
-        <p:nvPicPr>
-          <p:cNvPr id="8" name="Content Placeholder 7">
-            <a:extLst>
-              <a:ext uri="{FF2B5EF4-FFF2-40B4-BE49-F238E27FC236}">
-                <a16:creationId xmlns:a16="http://schemas.microsoft.com/office/drawing/2014/main" id="{40E5475A-B199-1F84-787D-74DCFB129BA5}"/>
-              </a:ext>
-            </a:extLst>
-          </p:cNvPr>
-          <p:cNvPicPr>
-            <a:picLocks noGrp="1" noChangeAspect="1"/>
-          </p:cNvPicPr>
-          <p:nvPr>
-            <p:ph idx="1"/>
-          </p:nvPr>
-        </p:nvPicPr>
-        <p:blipFill>
-          <a:blip r:embed="rId2">
-            <a:extLst>
-              <a:ext uri="{28A0092B-C50C-407E-A947-70E740481C1C}">
-                <a14:useLocalDpi xmlns:a14="http://schemas.microsoft.com/office/drawing/2010/main" val="0"/>
-              </a:ext>
-            </a:extLst>
-          </a:blip>
-          <a:stretch>
-            <a:fillRect/>
-          </a:stretch>
-        </p:blipFill>
-        <p:spPr>
-          <a:xfrm>
-            <a:off x="2409825" y="1071835"/>
-            <a:ext cx="4324350" cy="5700281"/>
-          </a:xfrm>
-        </p:spPr>
-      </p:pic>
     </p:spTree>
     <p:extLst>
       <p:ext uri="{BB962C8B-B14F-4D97-AF65-F5344CB8AC3E}">
-        <p14:creationId xmlns:p14="http://schemas.microsoft.com/office/powerpoint/2010/main" val="2436048589"/>
+        <p14:creationId xmlns:p14="http://schemas.microsoft.com/office/powerpoint/2010/main" val="733803260"/>
       </p:ext>
     </p:extLst>
   </p:cSld>
@@ -4287,8 +4731,8 @@
         </p:nvSpPr>
         <p:spPr>
           <a:xfrm>
-            <a:off x="628650" y="878584"/>
-            <a:ext cx="7886700" cy="5614289"/>
+            <a:off x="628650" y="838127"/>
+            <a:ext cx="7886700" cy="5827323"/>
           </a:xfrm>
         </p:spPr>
         <p:txBody>
@@ -4297,29 +4741,7 @@
           </a:bodyPr>
           <a:lstStyle/>
           <a:p>
-            <a:pPr algn="just">
-              <a:lnSpc>
-                <a:spcPct val="100000"/>
-              </a:lnSpc>
-            </a:pPr>
-            <a:r>
-              <a:rPr lang="en-IN" sz="2400" b="1" dirty="0">
-                <a:effectLst/>
-                <a:latin typeface="Times New Roman" panose="02020603050405020304" pitchFamily="18" charset="0"/>
-                <a:ea typeface="Calibri" panose="020F0502020204030204" pitchFamily="34" charset="0"/>
-                <a:cs typeface="Times New Roman" panose="02020603050405020304" pitchFamily="18" charset="0"/>
-              </a:rPr>
-              <a:t>Database Schema</a:t>
-            </a:r>
-            <a:endParaRPr lang="en-IN" sz="2200" b="1" dirty="0">
-              <a:effectLst/>
-              <a:latin typeface="Times New Roman" panose="02020603050405020304" pitchFamily="18" charset="0"/>
-              <a:ea typeface="Calibri" panose="020F0502020204030204" pitchFamily="34" charset="0"/>
-              <a:cs typeface="Times New Roman" panose="02020603050405020304" pitchFamily="18" charset="0"/>
-            </a:endParaRPr>
-          </a:p>
-          <a:p>
-            <a:pPr marL="457200" marR="0" lvl="0" indent="-457200" algn="just">
+            <a:pPr marL="342900" marR="0" lvl="0" indent="-342900" algn="just">
               <a:lnSpc>
                 <a:spcPct val="150000"/>
               </a:lnSpc>
@@ -4330,7 +4752,7 @@
                 <a:spcPts val="0"/>
               </a:spcAft>
               <a:buFont typeface="+mj-lt"/>
-              <a:buAutoNum type="arabicPeriod"/>
+              <a:buAutoNum type="arabicPeriod" startAt="4"/>
             </a:pPr>
             <a:r>
               <a:rPr lang="en-IN" sz="2000" dirty="0">
@@ -4342,7 +4764,7 @@
                 <a:ea typeface="Caladea"/>
                 <a:cs typeface="Times New Roman" panose="02020603050405020304" pitchFamily="18" charset="0"/>
               </a:rPr>
-              <a:t>Admin Table</a:t>
+              <a:t>Added-On Table</a:t>
             </a:r>
             <a:endParaRPr lang="en-IN" sz="2000" dirty="0">
               <a:effectLst/>
@@ -4352,32 +4774,41 @@
             </a:endParaRPr>
           </a:p>
           <a:p>
-            <a:pPr marL="0" marR="0" indent="0" algn="just">
+            <a:pPr marL="0" indent="0" algn="just">
               <a:lnSpc>
                 <a:spcPct val="150000"/>
               </a:lnSpc>
               <a:spcBef>
                 <a:spcPts val="0"/>
               </a:spcBef>
-              <a:spcAft>
-                <a:spcPts val="0"/>
-              </a:spcAft>
               <a:buNone/>
             </a:pPr>
             <a:r>
-              <a:rPr lang="en-IN" sz="2000" dirty="0">
-                <a:solidFill>
-                  <a:srgbClr val="000000"/>
-                </a:solidFill>
-                <a:effectLst/>
-                <a:latin typeface="Times New Roman" panose="02020603050405020304" pitchFamily="18" charset="0"/>
-                <a:ea typeface="Calibri" panose="020F0502020204030204" pitchFamily="34" charset="0"/>
-                <a:cs typeface="Times New Roman" panose="02020603050405020304" pitchFamily="18" charset="0"/>
-              </a:rPr>
-              <a:t>admin (ID[PK], Name, Username, Password, Email, </a:t>
-            </a:r>
-            <a:r>
-              <a:rPr lang="en-IN" sz="2000" dirty="0" err="1">
+              <a:rPr lang="en-US" sz="2000" dirty="0" err="1">
+                <a:solidFill>
+                  <a:srgbClr val="000000"/>
+                </a:solidFill>
+                <a:effectLst/>
+                <a:latin typeface="Times New Roman" panose="02020603050405020304" pitchFamily="18" charset="0"/>
+                <a:ea typeface="Calibri" panose="020F0502020204030204" pitchFamily="34" charset="0"/>
+                <a:cs typeface="Times New Roman" panose="02020603050405020304" pitchFamily="18" charset="0"/>
+              </a:rPr>
+              <a:t>addedon</a:t>
+            </a:r>
+            <a:r>
+              <a:rPr lang="en-US" sz="2000" dirty="0">
+                <a:solidFill>
+                  <a:srgbClr val="000000"/>
+                </a:solidFill>
+                <a:effectLst/>
+                <a:latin typeface="Times New Roman" panose="02020603050405020304" pitchFamily="18" charset="0"/>
+                <a:ea typeface="Calibri" panose="020F0502020204030204" pitchFamily="34" charset="0"/>
+                <a:cs typeface="Times New Roman" panose="02020603050405020304" pitchFamily="18" charset="0"/>
+              </a:rPr>
+              <a:t> (ID[PK], restaurant [FK], Name, Type, Price, Additional Price, Final Price, Approval Status, Status, </a:t>
+            </a:r>
+            <a:r>
+              <a:rPr lang="en-US" sz="2000" dirty="0" err="1">
                 <a:solidFill>
                   <a:srgbClr val="000000"/>
                 </a:solidFill>
@@ -4389,7 +4820,7 @@
               <a:t>createdAt</a:t>
             </a:r>
             <a:r>
-              <a:rPr lang="en-IN" sz="2000" dirty="0">
+              <a:rPr lang="en-US" sz="2000" dirty="0">
                 <a:solidFill>
                   <a:srgbClr val="000000"/>
                 </a:solidFill>
@@ -4401,7 +4832,7 @@
               <a:t>, </a:t>
             </a:r>
             <a:r>
-              <a:rPr lang="en-IN" sz="2000" dirty="0" err="1">
+              <a:rPr lang="en-US" sz="2000" dirty="0" err="1">
                 <a:solidFill>
                   <a:srgbClr val="000000"/>
                 </a:solidFill>
@@ -4413,117 +4844,111 @@
               <a:t>updatedAt</a:t>
             </a:r>
             <a:r>
-              <a:rPr lang="en-IN" sz="2000" dirty="0">
-                <a:solidFill>
-                  <a:srgbClr val="000000"/>
-                </a:solidFill>
-                <a:effectLst/>
-                <a:latin typeface="Times New Roman" panose="02020603050405020304" pitchFamily="18" charset="0"/>
-                <a:ea typeface="Calibri" panose="020F0502020204030204" pitchFamily="34" charset="0"/>
-                <a:cs typeface="Times New Roman" panose="02020603050405020304" pitchFamily="18" charset="0"/>
-              </a:rPr>
-              <a:t>) </a:t>
-            </a:r>
-          </a:p>
-          <a:p>
-            <a:pPr marL="0" marR="0" indent="0" algn="just">
+              <a:rPr lang="en-US" sz="2000" dirty="0">
+                <a:solidFill>
+                  <a:srgbClr val="000000"/>
+                </a:solidFill>
+                <a:effectLst/>
+                <a:latin typeface="Times New Roman" panose="02020603050405020304" pitchFamily="18" charset="0"/>
+                <a:ea typeface="Calibri" panose="020F0502020204030204" pitchFamily="34" charset="0"/>
+                <a:cs typeface="Times New Roman" panose="02020603050405020304" pitchFamily="18" charset="0"/>
+              </a:rPr>
+              <a:t>)</a:t>
+            </a:r>
+          </a:p>
+          <a:p>
+            <a:pPr marL="0" indent="0" algn="just">
               <a:lnSpc>
                 <a:spcPct val="150000"/>
               </a:lnSpc>
               <a:spcBef>
                 <a:spcPts val="0"/>
               </a:spcBef>
-              <a:spcAft>
-                <a:spcPts val="0"/>
-              </a:spcAft>
               <a:buNone/>
             </a:pPr>
             <a:r>
+              <a:rPr lang="en-US" sz="2000" dirty="0">
+                <a:solidFill>
+                  <a:srgbClr val="000000"/>
+                </a:solidFill>
+                <a:effectLst/>
+                <a:latin typeface="Times New Roman" panose="02020603050405020304" pitchFamily="18" charset="0"/>
+                <a:ea typeface="Calibri" panose="020F0502020204030204" pitchFamily="34" charset="0"/>
+                <a:cs typeface="Times New Roman" panose="02020603050405020304" pitchFamily="18" charset="0"/>
+              </a:rPr>
+              <a:t>FD: ID-&gt; {restaurant [FK], Name, Type, Price, Additional Price, Final Price, Approval Status, Status, </a:t>
+            </a:r>
+            <a:r>
+              <a:rPr lang="en-US" sz="2000" dirty="0" err="1">
+                <a:solidFill>
+                  <a:srgbClr val="000000"/>
+                </a:solidFill>
+                <a:effectLst/>
+                <a:latin typeface="Times New Roman" panose="02020603050405020304" pitchFamily="18" charset="0"/>
+                <a:ea typeface="Calibri" panose="020F0502020204030204" pitchFamily="34" charset="0"/>
+                <a:cs typeface="Times New Roman" panose="02020603050405020304" pitchFamily="18" charset="0"/>
+              </a:rPr>
+              <a:t>createdAt</a:t>
+            </a:r>
+            <a:r>
+              <a:rPr lang="en-US" sz="2000" dirty="0">
+                <a:solidFill>
+                  <a:srgbClr val="000000"/>
+                </a:solidFill>
+                <a:effectLst/>
+                <a:latin typeface="Times New Roman" panose="02020603050405020304" pitchFamily="18" charset="0"/>
+                <a:ea typeface="Calibri" panose="020F0502020204030204" pitchFamily="34" charset="0"/>
+                <a:cs typeface="Times New Roman" panose="02020603050405020304" pitchFamily="18" charset="0"/>
+              </a:rPr>
+              <a:t>, </a:t>
+            </a:r>
+            <a:r>
+              <a:rPr lang="en-US" sz="2000" dirty="0" err="1">
+                <a:solidFill>
+                  <a:srgbClr val="000000"/>
+                </a:solidFill>
+                <a:effectLst/>
+                <a:latin typeface="Times New Roman" panose="02020603050405020304" pitchFamily="18" charset="0"/>
+                <a:ea typeface="Calibri" panose="020F0502020204030204" pitchFamily="34" charset="0"/>
+                <a:cs typeface="Times New Roman" panose="02020603050405020304" pitchFamily="18" charset="0"/>
+              </a:rPr>
+              <a:t>updatedAt</a:t>
+            </a:r>
+            <a:r>
+              <a:rPr lang="en-US" sz="2000" dirty="0">
+                <a:solidFill>
+                  <a:srgbClr val="000000"/>
+                </a:solidFill>
+                <a:effectLst/>
+                <a:latin typeface="Times New Roman" panose="02020603050405020304" pitchFamily="18" charset="0"/>
+                <a:ea typeface="Calibri" panose="020F0502020204030204" pitchFamily="34" charset="0"/>
+                <a:cs typeface="Times New Roman" panose="02020603050405020304" pitchFamily="18" charset="0"/>
+              </a:rPr>
+              <a:t>}</a:t>
+            </a:r>
+          </a:p>
+          <a:p>
+            <a:pPr marL="457200" indent="-457200" algn="just">
+              <a:lnSpc>
+                <a:spcPct val="150000"/>
+              </a:lnSpc>
+              <a:spcBef>
+                <a:spcPts val="0"/>
+              </a:spcBef>
+              <a:buFont typeface="+mj-lt"/>
+              <a:buAutoNum type="arabicPeriod" startAt="5"/>
+            </a:pPr>
+            <a:r>
               <a:rPr lang="en-IN" sz="2000" dirty="0">
                 <a:solidFill>
                   <a:srgbClr val="000000"/>
                 </a:solidFill>
                 <a:effectLst/>
                 <a:latin typeface="Times New Roman" panose="02020603050405020304" pitchFamily="18" charset="0"/>
-                <a:ea typeface="Calibri" panose="020F0502020204030204" pitchFamily="34" charset="0"/>
-                <a:cs typeface="Times New Roman" panose="02020603050405020304" pitchFamily="18" charset="0"/>
-              </a:rPr>
-              <a:t>FD: ID-&gt; {Name, Username, Password, Email, </a:t>
-            </a:r>
-            <a:r>
-              <a:rPr lang="en-IN" sz="2000" dirty="0" err="1">
-                <a:solidFill>
-                  <a:srgbClr val="000000"/>
-                </a:solidFill>
-                <a:effectLst/>
-                <a:latin typeface="Times New Roman" panose="02020603050405020304" pitchFamily="18" charset="0"/>
-                <a:ea typeface="Calibri" panose="020F0502020204030204" pitchFamily="34" charset="0"/>
-                <a:cs typeface="Times New Roman" panose="02020603050405020304" pitchFamily="18" charset="0"/>
-              </a:rPr>
-              <a:t>createdAt</a:t>
-            </a:r>
-            <a:r>
-              <a:rPr lang="en-IN" sz="2000" dirty="0">
-                <a:solidFill>
-                  <a:srgbClr val="000000"/>
-                </a:solidFill>
-                <a:effectLst/>
-                <a:latin typeface="Times New Roman" panose="02020603050405020304" pitchFamily="18" charset="0"/>
-                <a:ea typeface="Calibri" panose="020F0502020204030204" pitchFamily="34" charset="0"/>
-                <a:cs typeface="Times New Roman" panose="02020603050405020304" pitchFamily="18" charset="0"/>
-              </a:rPr>
-              <a:t>, </a:t>
-            </a:r>
-            <a:r>
-              <a:rPr lang="en-IN" sz="2000" dirty="0" err="1">
-                <a:solidFill>
-                  <a:srgbClr val="000000"/>
-                </a:solidFill>
-                <a:effectLst/>
-                <a:latin typeface="Times New Roman" panose="02020603050405020304" pitchFamily="18" charset="0"/>
-                <a:ea typeface="Calibri" panose="020F0502020204030204" pitchFamily="34" charset="0"/>
-                <a:cs typeface="Times New Roman" panose="02020603050405020304" pitchFamily="18" charset="0"/>
-              </a:rPr>
-              <a:t>updatedAt</a:t>
-            </a:r>
-            <a:r>
-              <a:rPr lang="en-IN" sz="2000" dirty="0">
-                <a:solidFill>
-                  <a:srgbClr val="000000"/>
-                </a:solidFill>
-                <a:effectLst/>
-                <a:latin typeface="Times New Roman" panose="02020603050405020304" pitchFamily="18" charset="0"/>
-                <a:ea typeface="Calibri" panose="020F0502020204030204" pitchFamily="34" charset="0"/>
-                <a:cs typeface="Times New Roman" panose="02020603050405020304" pitchFamily="18" charset="0"/>
-              </a:rPr>
-              <a:t>}</a:t>
-            </a:r>
-          </a:p>
-          <a:p>
-            <a:pPr marL="457200" marR="0" lvl="0" indent="-457200" algn="just">
-              <a:lnSpc>
-                <a:spcPct val="200000"/>
-              </a:lnSpc>
-              <a:spcBef>
-                <a:spcPts val="0"/>
-              </a:spcBef>
-              <a:spcAft>
-                <a:spcPts val="0"/>
-              </a:spcAft>
-              <a:buFont typeface="+mj-lt"/>
-              <a:buAutoNum type="arabicPeriod" startAt="2"/>
-            </a:pPr>
-            <a:r>
-              <a:rPr lang="en-IN" sz="2000" dirty="0">
-                <a:solidFill>
-                  <a:srgbClr val="000000"/>
-                </a:solidFill>
-                <a:effectLst/>
-                <a:latin typeface="Times New Roman" panose="02020603050405020304" pitchFamily="18" charset="0"/>
-                <a:ea typeface="Caladea"/>
-                <a:cs typeface="Times New Roman" panose="02020603050405020304" pitchFamily="18" charset="0"/>
-              </a:rPr>
-              <a:t>Cuisines Table</a:t>
+                <a:ea typeface="Caladea"/>
+                <a:cs typeface="Times New Roman" panose="02020603050405020304" pitchFamily="18" charset="0"/>
+              </a:rPr>
+              <a:t>Add Extra Table</a:t>
             </a:r>
             <a:endParaRPr lang="en-IN" sz="2000" dirty="0">
               <a:effectLst/>
@@ -4546,19 +4971,31 @@
               <a:buNone/>
             </a:pPr>
             <a:r>
-              <a:rPr lang="en-IN" sz="2000" dirty="0">
-                <a:solidFill>
-                  <a:srgbClr val="000000"/>
-                </a:solidFill>
-                <a:effectLst/>
-                <a:latin typeface="Times New Roman" panose="02020603050405020304" pitchFamily="18" charset="0"/>
-                <a:ea typeface="Calibri" panose="020F0502020204030204" pitchFamily="34" charset="0"/>
-                <a:cs typeface="Times New Roman" panose="02020603050405020304" pitchFamily="18" charset="0"/>
-              </a:rPr>
-              <a:t>cuisines (ID[PK], Name, Image, Description, Banner, Status, </a:t>
-            </a:r>
-            <a:r>
-              <a:rPr lang="en-IN" sz="2000" dirty="0" err="1">
+              <a:rPr lang="en-US" sz="2000" dirty="0" err="1">
+                <a:solidFill>
+                  <a:srgbClr val="000000"/>
+                </a:solidFill>
+                <a:effectLst/>
+                <a:latin typeface="Times New Roman" panose="02020603050405020304" pitchFamily="18" charset="0"/>
+                <a:ea typeface="Calibri" panose="020F0502020204030204" pitchFamily="34" charset="0"/>
+                <a:cs typeface="Times New Roman" panose="02020603050405020304" pitchFamily="18" charset="0"/>
+              </a:rPr>
+              <a:t>addextra</a:t>
+            </a:r>
+            <a:r>
+              <a:rPr lang="en-US" sz="2000" dirty="0">
+                <a:solidFill>
+                  <a:srgbClr val="000000"/>
+                </a:solidFill>
+                <a:effectLst/>
+                <a:latin typeface="Times New Roman" panose="02020603050405020304" pitchFamily="18" charset="0"/>
+                <a:ea typeface="Calibri" panose="020F0502020204030204" pitchFamily="34" charset="0"/>
+                <a:cs typeface="Times New Roman" panose="02020603050405020304" pitchFamily="18" charset="0"/>
+              </a:rPr>
+              <a:t> (ID[PK], restaurant [FK], Name, Type, Price, Additional Price, Final Price, Approval Status, Status, </a:t>
+            </a:r>
+            <a:r>
+              <a:rPr lang="en-US" sz="2000" dirty="0" err="1">
                 <a:solidFill>
                   <a:srgbClr val="000000"/>
                 </a:solidFill>
@@ -4570,7 +5007,7 @@
               <a:t>createdAt</a:t>
             </a:r>
             <a:r>
-              <a:rPr lang="en-IN" sz="2000" dirty="0">
+              <a:rPr lang="en-US" sz="2000" dirty="0">
                 <a:solidFill>
                   <a:srgbClr val="000000"/>
                 </a:solidFill>
@@ -4582,7 +5019,7 @@
               <a:t>, </a:t>
             </a:r>
             <a:r>
-              <a:rPr lang="en-IN" sz="2000" dirty="0" err="1">
+              <a:rPr lang="en-US" sz="2000" dirty="0" err="1">
                 <a:solidFill>
                   <a:srgbClr val="000000"/>
                 </a:solidFill>
@@ -4594,7 +5031,7 @@
               <a:t>updatedAt</a:t>
             </a:r>
             <a:r>
-              <a:rPr lang="en-IN" sz="2000" dirty="0">
+              <a:rPr lang="en-US" sz="2000" dirty="0">
                 <a:solidFill>
                   <a:srgbClr val="000000"/>
                 </a:solidFill>
@@ -4620,19 +5057,19 @@
               <a:buNone/>
             </a:pPr>
             <a:r>
-              <a:rPr lang="en-IN" sz="2000" dirty="0">
-                <a:solidFill>
-                  <a:srgbClr val="000000"/>
-                </a:solidFill>
-                <a:effectLst/>
-                <a:latin typeface="Times New Roman" panose="02020603050405020304" pitchFamily="18" charset="0"/>
-                <a:ea typeface="Calibri" panose="020F0502020204030204" pitchFamily="34" charset="0"/>
-                <a:cs typeface="Times New Roman" panose="02020603050405020304" pitchFamily="18" charset="0"/>
-              </a:rPr>
-              <a:t> FD: ID-&gt; {Name, Image, Description, Banner, Status, </a:t>
-            </a:r>
-            <a:r>
-              <a:rPr lang="en-IN" sz="2000" dirty="0" err="1">
+              <a:rPr lang="en-US" sz="2000" dirty="0">
+                <a:solidFill>
+                  <a:srgbClr val="000000"/>
+                </a:solidFill>
+                <a:effectLst/>
+                <a:latin typeface="Times New Roman" panose="02020603050405020304" pitchFamily="18" charset="0"/>
+                <a:ea typeface="Calibri" panose="020F0502020204030204" pitchFamily="34" charset="0"/>
+                <a:cs typeface="Times New Roman" panose="02020603050405020304" pitchFamily="18" charset="0"/>
+              </a:rPr>
+              <a:t>FD: ID-&gt; {restaurant [FK], Name, Type, Price, Additional Price, Final Price, Approval Status, Status, </a:t>
+            </a:r>
+            <a:r>
+              <a:rPr lang="en-US" sz="2000" dirty="0" err="1">
                 <a:solidFill>
                   <a:srgbClr val="000000"/>
                 </a:solidFill>
@@ -4644,7 +5081,7 @@
               <a:t>createdAt</a:t>
             </a:r>
             <a:r>
-              <a:rPr lang="en-IN" sz="2000" dirty="0">
+              <a:rPr lang="en-US" sz="2000" dirty="0">
                 <a:solidFill>
                   <a:srgbClr val="000000"/>
                 </a:solidFill>
@@ -4656,7 +5093,7 @@
               <a:t>, </a:t>
             </a:r>
             <a:r>
-              <a:rPr lang="en-IN" sz="2000" dirty="0" err="1">
+              <a:rPr lang="en-US" sz="2000" dirty="0" err="1">
                 <a:solidFill>
                   <a:srgbClr val="000000"/>
                 </a:solidFill>
@@ -4668,7 +5105,7 @@
               <a:t>updatedAt</a:t>
             </a:r>
             <a:r>
-              <a:rPr lang="en-IN" sz="2000" dirty="0">
+              <a:rPr lang="en-US" sz="2000" dirty="0">
                 <a:solidFill>
                   <a:srgbClr val="000000"/>
                 </a:solidFill>
@@ -4685,7 +5122,7 @@
     </p:spTree>
     <p:extLst>
       <p:ext uri="{BB962C8B-B14F-4D97-AF65-F5344CB8AC3E}">
-        <p14:creationId xmlns:p14="http://schemas.microsoft.com/office/powerpoint/2010/main" val="2234863265"/>
+        <p14:creationId xmlns:p14="http://schemas.microsoft.com/office/powerpoint/2010/main" val="2757257074"/>
       </p:ext>
     </p:extLst>
   </p:cSld>
@@ -4769,8 +5206,8 @@
         </p:nvSpPr>
         <p:spPr>
           <a:xfrm>
-            <a:off x="628650" y="878584"/>
-            <a:ext cx="7886700" cy="5979416"/>
+            <a:off x="628650" y="781012"/>
+            <a:ext cx="7886700" cy="5961238"/>
           </a:xfrm>
         </p:spPr>
         <p:txBody>
@@ -4790,7 +5227,7 @@
                 <a:spcPts val="0"/>
               </a:spcAft>
               <a:buFont typeface="+mj-lt"/>
-              <a:buAutoNum type="arabicPeriod" startAt="3"/>
+              <a:buAutoNum type="arabicPeriod" startAt="6"/>
             </a:pPr>
             <a:r>
               <a:rPr lang="en-IN" sz="2000" dirty="0">
@@ -4802,7 +5239,182 @@
                 <a:ea typeface="Caladea"/>
                 <a:cs typeface="Times New Roman" panose="02020603050405020304" pitchFamily="18" charset="0"/>
               </a:rPr>
-              <a:t>Restaurant Table</a:t>
+              <a:t>Category Table</a:t>
+            </a:r>
+          </a:p>
+          <a:p>
+            <a:pPr marL="0" marR="0" indent="0">
+              <a:lnSpc>
+                <a:spcPct val="150000"/>
+              </a:lnSpc>
+              <a:spcBef>
+                <a:spcPts val="0"/>
+              </a:spcBef>
+              <a:spcAft>
+                <a:spcPts val="0"/>
+              </a:spcAft>
+              <a:buNone/>
+            </a:pPr>
+            <a:r>
+              <a:rPr lang="en-US" sz="2000" dirty="0">
+                <a:solidFill>
+                  <a:srgbClr val="000000"/>
+                </a:solidFill>
+                <a:effectLst/>
+                <a:latin typeface="Times New Roman" panose="02020603050405020304" pitchFamily="18" charset="0"/>
+                <a:ea typeface="Calibri" panose="020F0502020204030204" pitchFamily="34" charset="0"/>
+                <a:cs typeface="Times New Roman" panose="02020603050405020304" pitchFamily="18" charset="0"/>
+              </a:rPr>
+              <a:t>category (ID[PK], restaurant [FK], Name, Approval Status, Status, </a:t>
+            </a:r>
+            <a:r>
+              <a:rPr lang="en-US" sz="2000" dirty="0" err="1">
+                <a:solidFill>
+                  <a:srgbClr val="000000"/>
+                </a:solidFill>
+                <a:effectLst/>
+                <a:latin typeface="Times New Roman" panose="02020603050405020304" pitchFamily="18" charset="0"/>
+                <a:ea typeface="Calibri" panose="020F0502020204030204" pitchFamily="34" charset="0"/>
+                <a:cs typeface="Times New Roman" panose="02020603050405020304" pitchFamily="18" charset="0"/>
+              </a:rPr>
+              <a:t>createdAt</a:t>
+            </a:r>
+            <a:r>
+              <a:rPr lang="en-US" sz="2000" dirty="0">
+                <a:solidFill>
+                  <a:srgbClr val="000000"/>
+                </a:solidFill>
+                <a:effectLst/>
+                <a:latin typeface="Times New Roman" panose="02020603050405020304" pitchFamily="18" charset="0"/>
+                <a:ea typeface="Calibri" panose="020F0502020204030204" pitchFamily="34" charset="0"/>
+                <a:cs typeface="Times New Roman" panose="02020603050405020304" pitchFamily="18" charset="0"/>
+              </a:rPr>
+              <a:t>, </a:t>
+            </a:r>
+            <a:r>
+              <a:rPr lang="en-US" sz="2000" dirty="0" err="1">
+                <a:solidFill>
+                  <a:srgbClr val="000000"/>
+                </a:solidFill>
+                <a:effectLst/>
+                <a:latin typeface="Times New Roman" panose="02020603050405020304" pitchFamily="18" charset="0"/>
+                <a:ea typeface="Calibri" panose="020F0502020204030204" pitchFamily="34" charset="0"/>
+                <a:cs typeface="Times New Roman" panose="02020603050405020304" pitchFamily="18" charset="0"/>
+              </a:rPr>
+              <a:t>updatedAt</a:t>
+            </a:r>
+            <a:r>
+              <a:rPr lang="en-US" sz="2000" dirty="0">
+                <a:solidFill>
+                  <a:srgbClr val="000000"/>
+                </a:solidFill>
+                <a:effectLst/>
+                <a:latin typeface="Times New Roman" panose="02020603050405020304" pitchFamily="18" charset="0"/>
+                <a:ea typeface="Calibri" panose="020F0502020204030204" pitchFamily="34" charset="0"/>
+                <a:cs typeface="Times New Roman" panose="02020603050405020304" pitchFamily="18" charset="0"/>
+              </a:rPr>
+              <a:t>)</a:t>
+            </a:r>
+          </a:p>
+          <a:p>
+            <a:pPr marL="0" marR="0" indent="0">
+              <a:lnSpc>
+                <a:spcPct val="150000"/>
+              </a:lnSpc>
+              <a:spcBef>
+                <a:spcPts val="0"/>
+              </a:spcBef>
+              <a:spcAft>
+                <a:spcPts val="0"/>
+              </a:spcAft>
+              <a:buNone/>
+            </a:pPr>
+            <a:r>
+              <a:rPr lang="en-US" sz="2000" dirty="0">
+                <a:solidFill>
+                  <a:srgbClr val="000000"/>
+                </a:solidFill>
+                <a:effectLst/>
+                <a:latin typeface="Times New Roman" panose="02020603050405020304" pitchFamily="18" charset="0"/>
+                <a:ea typeface="Calibri" panose="020F0502020204030204" pitchFamily="34" charset="0"/>
+                <a:cs typeface="Times New Roman" panose="02020603050405020304" pitchFamily="18" charset="0"/>
+              </a:rPr>
+              <a:t>FD: ID-&gt; {restaurant [FK], Name, Approval Status, Status, </a:t>
+            </a:r>
+            <a:r>
+              <a:rPr lang="en-US" sz="2000" dirty="0" err="1">
+                <a:solidFill>
+                  <a:srgbClr val="000000"/>
+                </a:solidFill>
+                <a:effectLst/>
+                <a:latin typeface="Times New Roman" panose="02020603050405020304" pitchFamily="18" charset="0"/>
+                <a:ea typeface="Calibri" panose="020F0502020204030204" pitchFamily="34" charset="0"/>
+                <a:cs typeface="Times New Roman" panose="02020603050405020304" pitchFamily="18" charset="0"/>
+              </a:rPr>
+              <a:t>createdAt</a:t>
+            </a:r>
+            <a:r>
+              <a:rPr lang="en-US" sz="2000" dirty="0">
+                <a:solidFill>
+                  <a:srgbClr val="000000"/>
+                </a:solidFill>
+                <a:effectLst/>
+                <a:latin typeface="Times New Roman" panose="02020603050405020304" pitchFamily="18" charset="0"/>
+                <a:ea typeface="Calibri" panose="020F0502020204030204" pitchFamily="34" charset="0"/>
+                <a:cs typeface="Times New Roman" panose="02020603050405020304" pitchFamily="18" charset="0"/>
+              </a:rPr>
+              <a:t>, </a:t>
+            </a:r>
+            <a:r>
+              <a:rPr lang="en-US" sz="2000" dirty="0" err="1">
+                <a:solidFill>
+                  <a:srgbClr val="000000"/>
+                </a:solidFill>
+                <a:effectLst/>
+                <a:latin typeface="Times New Roman" panose="02020603050405020304" pitchFamily="18" charset="0"/>
+                <a:ea typeface="Calibri" panose="020F0502020204030204" pitchFamily="34" charset="0"/>
+                <a:cs typeface="Times New Roman" panose="02020603050405020304" pitchFamily="18" charset="0"/>
+              </a:rPr>
+              <a:t>updatedAt</a:t>
+            </a:r>
+            <a:r>
+              <a:rPr lang="en-US" sz="2000" dirty="0">
+                <a:solidFill>
+                  <a:srgbClr val="000000"/>
+                </a:solidFill>
+                <a:effectLst/>
+                <a:latin typeface="Times New Roman" panose="02020603050405020304" pitchFamily="18" charset="0"/>
+                <a:ea typeface="Calibri" panose="020F0502020204030204" pitchFamily="34" charset="0"/>
+                <a:cs typeface="Times New Roman" panose="02020603050405020304" pitchFamily="18" charset="0"/>
+              </a:rPr>
+              <a:t>}</a:t>
+            </a:r>
+          </a:p>
+          <a:p>
+            <a:pPr marL="457200" marR="0" indent="-457200">
+              <a:lnSpc>
+                <a:spcPct val="150000"/>
+              </a:lnSpc>
+              <a:spcBef>
+                <a:spcPts val="0"/>
+              </a:spcBef>
+              <a:spcAft>
+                <a:spcPts val="0"/>
+              </a:spcAft>
+              <a:buFont typeface="+mj-lt"/>
+              <a:buAutoNum type="arabicPeriod" startAt="7"/>
+            </a:pPr>
+            <a:r>
+              <a:rPr lang="en-IN" sz="2000" dirty="0">
+                <a:solidFill>
+                  <a:srgbClr val="000000"/>
+                </a:solidFill>
+                <a:effectLst/>
+                <a:latin typeface="Times New Roman" panose="02020603050405020304" pitchFamily="18" charset="0"/>
+                <a:ea typeface="Caladea"/>
+                <a:cs typeface="Times New Roman" panose="02020603050405020304" pitchFamily="18" charset="0"/>
+              </a:rPr>
+              <a:t>Item Added-On  Table</a:t>
             </a:r>
             <a:endParaRPr lang="en-IN" sz="2000" dirty="0">
               <a:effectLst/>
@@ -4825,19 +5437,55 @@
               <a:buNone/>
             </a:pPr>
             <a:r>
-              <a:rPr lang="en-IN" sz="2000" dirty="0">
-                <a:solidFill>
-                  <a:srgbClr val="000000"/>
-                </a:solidFill>
-                <a:effectLst/>
-                <a:latin typeface="Times New Roman" panose="02020603050405020304" pitchFamily="18" charset="0"/>
-                <a:ea typeface="Calibri" panose="020F0502020204030204" pitchFamily="34" charset="0"/>
-                <a:cs typeface="Times New Roman" panose="02020603050405020304" pitchFamily="18" charset="0"/>
-              </a:rPr>
-              <a:t>restaurant (ID[PK], Restaurant Name, Restaurant Image, Restaurant Address, Restaurant City, Restaurant Contact No., Owner Name, Owner Contact No., Owner Email ID, Owner Password, Restaurant Documents, Restaurant Timing, cuisines [FK], Status, </a:t>
-            </a:r>
-            <a:r>
-              <a:rPr lang="en-IN" sz="2000" dirty="0" err="1">
+              <a:rPr lang="en-US" sz="2000" dirty="0" err="1">
+                <a:solidFill>
+                  <a:srgbClr val="000000"/>
+                </a:solidFill>
+                <a:effectLst/>
+                <a:latin typeface="Times New Roman" panose="02020603050405020304" pitchFamily="18" charset="0"/>
+                <a:ea typeface="Calibri" panose="020F0502020204030204" pitchFamily="34" charset="0"/>
+                <a:cs typeface="Times New Roman" panose="02020603050405020304" pitchFamily="18" charset="0"/>
+              </a:rPr>
+              <a:t>itemaddedon</a:t>
+            </a:r>
+            <a:r>
+              <a:rPr lang="en-US" sz="2000" dirty="0">
+                <a:solidFill>
+                  <a:srgbClr val="000000"/>
+                </a:solidFill>
+                <a:effectLst/>
+                <a:latin typeface="Times New Roman" panose="02020603050405020304" pitchFamily="18" charset="0"/>
+                <a:ea typeface="Calibri" panose="020F0502020204030204" pitchFamily="34" charset="0"/>
+                <a:cs typeface="Times New Roman" panose="02020603050405020304" pitchFamily="18" charset="0"/>
+              </a:rPr>
+              <a:t> (ID[PK], title, Customer Selection, </a:t>
+            </a:r>
+            <a:r>
+              <a:rPr lang="en-US" sz="2000" dirty="0" err="1">
+                <a:solidFill>
+                  <a:srgbClr val="000000"/>
+                </a:solidFill>
+                <a:effectLst/>
+                <a:latin typeface="Times New Roman" panose="02020603050405020304" pitchFamily="18" charset="0"/>
+                <a:ea typeface="Calibri" panose="020F0502020204030204" pitchFamily="34" charset="0"/>
+                <a:cs typeface="Times New Roman" panose="02020603050405020304" pitchFamily="18" charset="0"/>
+              </a:rPr>
+              <a:t>addedon</a:t>
+            </a:r>
+            <a:r>
+              <a:rPr lang="en-US" sz="2000" dirty="0">
+                <a:solidFill>
+                  <a:srgbClr val="000000"/>
+                </a:solidFill>
+                <a:effectLst/>
+                <a:latin typeface="Times New Roman" panose="02020603050405020304" pitchFamily="18" charset="0"/>
+                <a:ea typeface="Calibri" panose="020F0502020204030204" pitchFamily="34" charset="0"/>
+                <a:cs typeface="Times New Roman" panose="02020603050405020304" pitchFamily="18" charset="0"/>
+              </a:rPr>
+              <a:t> [FK], </a:t>
+            </a:r>
+            <a:r>
+              <a:rPr lang="en-US" sz="2000" dirty="0" err="1">
                 <a:solidFill>
                   <a:srgbClr val="000000"/>
                 </a:solidFill>
@@ -4849,7 +5497,7 @@
               <a:t>createdAt</a:t>
             </a:r>
             <a:r>
-              <a:rPr lang="en-IN" sz="2000" dirty="0">
+              <a:rPr lang="en-US" sz="2000" dirty="0">
                 <a:solidFill>
                   <a:srgbClr val="000000"/>
                 </a:solidFill>
@@ -4861,7 +5509,7 @@
               <a:t>, </a:t>
             </a:r>
             <a:r>
-              <a:rPr lang="en-IN" sz="2000" dirty="0" err="1">
+              <a:rPr lang="en-US" sz="2000" dirty="0" err="1">
                 <a:solidFill>
                   <a:srgbClr val="000000"/>
                 </a:solidFill>
@@ -4873,7 +5521,7 @@
               <a:t>updatedAt</a:t>
             </a:r>
             <a:r>
-              <a:rPr lang="en-IN" sz="2000" dirty="0">
+              <a:rPr lang="en-US" sz="2000" dirty="0">
                 <a:solidFill>
                   <a:srgbClr val="000000"/>
                 </a:solidFill>
@@ -4899,65 +5547,122 @@
               <a:buNone/>
             </a:pPr>
             <a:r>
+              <a:rPr lang="en-US" sz="2000" dirty="0">
+                <a:solidFill>
+                  <a:srgbClr val="000000"/>
+                </a:solidFill>
+                <a:effectLst/>
+                <a:latin typeface="Times New Roman" panose="02020603050405020304" pitchFamily="18" charset="0"/>
+                <a:ea typeface="Calibri" panose="020F0502020204030204" pitchFamily="34" charset="0"/>
+                <a:cs typeface="Times New Roman" panose="02020603050405020304" pitchFamily="18" charset="0"/>
+              </a:rPr>
+              <a:t>FD: ID-&gt; {title, Customer Selection, </a:t>
+            </a:r>
+            <a:r>
+              <a:rPr lang="en-US" sz="2000" dirty="0" err="1">
+                <a:solidFill>
+                  <a:srgbClr val="000000"/>
+                </a:solidFill>
+                <a:effectLst/>
+                <a:latin typeface="Times New Roman" panose="02020603050405020304" pitchFamily="18" charset="0"/>
+                <a:ea typeface="Calibri" panose="020F0502020204030204" pitchFamily="34" charset="0"/>
+                <a:cs typeface="Times New Roman" panose="02020603050405020304" pitchFamily="18" charset="0"/>
+              </a:rPr>
+              <a:t>addedon</a:t>
+            </a:r>
+            <a:r>
+              <a:rPr lang="en-US" sz="2000" dirty="0">
+                <a:solidFill>
+                  <a:srgbClr val="000000"/>
+                </a:solidFill>
+                <a:effectLst/>
+                <a:latin typeface="Times New Roman" panose="02020603050405020304" pitchFamily="18" charset="0"/>
+                <a:ea typeface="Calibri" panose="020F0502020204030204" pitchFamily="34" charset="0"/>
+                <a:cs typeface="Times New Roman" panose="02020603050405020304" pitchFamily="18" charset="0"/>
+              </a:rPr>
+              <a:t> [FK], </a:t>
+            </a:r>
+            <a:r>
+              <a:rPr lang="en-US" sz="2000" dirty="0" err="1">
+                <a:solidFill>
+                  <a:srgbClr val="000000"/>
+                </a:solidFill>
+                <a:effectLst/>
+                <a:latin typeface="Times New Roman" panose="02020603050405020304" pitchFamily="18" charset="0"/>
+                <a:ea typeface="Calibri" panose="020F0502020204030204" pitchFamily="34" charset="0"/>
+                <a:cs typeface="Times New Roman" panose="02020603050405020304" pitchFamily="18" charset="0"/>
+              </a:rPr>
+              <a:t>createdAt</a:t>
+            </a:r>
+            <a:r>
+              <a:rPr lang="en-US" sz="2000" dirty="0">
+                <a:solidFill>
+                  <a:srgbClr val="000000"/>
+                </a:solidFill>
+                <a:effectLst/>
+                <a:latin typeface="Times New Roman" panose="02020603050405020304" pitchFamily="18" charset="0"/>
+                <a:ea typeface="Calibri" panose="020F0502020204030204" pitchFamily="34" charset="0"/>
+                <a:cs typeface="Times New Roman" panose="02020603050405020304" pitchFamily="18" charset="0"/>
+              </a:rPr>
+              <a:t>, </a:t>
+            </a:r>
+            <a:r>
+              <a:rPr lang="en-US" sz="2000" dirty="0" err="1">
+                <a:solidFill>
+                  <a:srgbClr val="000000"/>
+                </a:solidFill>
+                <a:effectLst/>
+                <a:latin typeface="Times New Roman" panose="02020603050405020304" pitchFamily="18" charset="0"/>
+                <a:ea typeface="Calibri" panose="020F0502020204030204" pitchFamily="34" charset="0"/>
+                <a:cs typeface="Times New Roman" panose="02020603050405020304" pitchFamily="18" charset="0"/>
+              </a:rPr>
+              <a:t>updatedAt</a:t>
+            </a:r>
+            <a:r>
+              <a:rPr lang="en-US" sz="2000" dirty="0">
+                <a:solidFill>
+                  <a:srgbClr val="000000"/>
+                </a:solidFill>
+                <a:effectLst/>
+                <a:latin typeface="Times New Roman" panose="02020603050405020304" pitchFamily="18" charset="0"/>
+                <a:ea typeface="Calibri" panose="020F0502020204030204" pitchFamily="34" charset="0"/>
+                <a:cs typeface="Times New Roman" panose="02020603050405020304" pitchFamily="18" charset="0"/>
+              </a:rPr>
+              <a:t>}</a:t>
+            </a:r>
+          </a:p>
+          <a:p>
+            <a:pPr marL="457200" marR="0" indent="-457200" algn="just">
+              <a:lnSpc>
+                <a:spcPct val="150000"/>
+              </a:lnSpc>
+              <a:spcBef>
+                <a:spcPts val="0"/>
+              </a:spcBef>
+              <a:spcAft>
+                <a:spcPts val="0"/>
+              </a:spcAft>
+              <a:buFont typeface="+mj-lt"/>
+              <a:buAutoNum type="arabicPeriod" startAt="8"/>
+            </a:pPr>
+            <a:r>
               <a:rPr lang="en-IN" sz="2000" dirty="0">
                 <a:solidFill>
                   <a:srgbClr val="000000"/>
                 </a:solidFill>
                 <a:effectLst/>
                 <a:latin typeface="Times New Roman" panose="02020603050405020304" pitchFamily="18" charset="0"/>
-                <a:ea typeface="Calibri" panose="020F0502020204030204" pitchFamily="34" charset="0"/>
-                <a:cs typeface="Times New Roman" panose="02020603050405020304" pitchFamily="18" charset="0"/>
-              </a:rPr>
-              <a:t>FD: ID-&gt; {Restaurant Name, Restaurant Image, Restaurant Address, Restaurant City, Restaurant Contact No., Owner Name, Owner Contact No., Owner Email ID, Owner Password, Restaurant Documents, Restaurant Timing, cuisines [FK], Status, </a:t>
-            </a:r>
-            <a:r>
-              <a:rPr lang="en-IN" sz="2000" dirty="0" err="1">
-                <a:solidFill>
-                  <a:srgbClr val="000000"/>
-                </a:solidFill>
-                <a:effectLst/>
-                <a:latin typeface="Times New Roman" panose="02020603050405020304" pitchFamily="18" charset="0"/>
-                <a:ea typeface="Calibri" panose="020F0502020204030204" pitchFamily="34" charset="0"/>
-                <a:cs typeface="Times New Roman" panose="02020603050405020304" pitchFamily="18" charset="0"/>
-              </a:rPr>
-              <a:t>createdAt</a:t>
-            </a:r>
-            <a:r>
-              <a:rPr lang="en-IN" sz="2000" dirty="0">
-                <a:solidFill>
-                  <a:srgbClr val="000000"/>
-                </a:solidFill>
-                <a:effectLst/>
-                <a:latin typeface="Times New Roman" panose="02020603050405020304" pitchFamily="18" charset="0"/>
-                <a:ea typeface="Calibri" panose="020F0502020204030204" pitchFamily="34" charset="0"/>
-                <a:cs typeface="Times New Roman" panose="02020603050405020304" pitchFamily="18" charset="0"/>
-              </a:rPr>
-              <a:t>, </a:t>
-            </a:r>
-            <a:r>
-              <a:rPr lang="en-IN" sz="2000" dirty="0" err="1">
-                <a:solidFill>
-                  <a:srgbClr val="000000"/>
-                </a:solidFill>
-                <a:effectLst/>
-                <a:latin typeface="Times New Roman" panose="02020603050405020304" pitchFamily="18" charset="0"/>
-                <a:ea typeface="Calibri" panose="020F0502020204030204" pitchFamily="34" charset="0"/>
-                <a:cs typeface="Times New Roman" panose="02020603050405020304" pitchFamily="18" charset="0"/>
-              </a:rPr>
-              <a:t>updatedAt</a:t>
-            </a:r>
-            <a:r>
-              <a:rPr lang="en-IN" sz="2000" dirty="0">
-                <a:solidFill>
-                  <a:srgbClr val="000000"/>
-                </a:solidFill>
-                <a:effectLst/>
-                <a:latin typeface="Times New Roman" panose="02020603050405020304" pitchFamily="18" charset="0"/>
-                <a:ea typeface="Calibri" panose="020F0502020204030204" pitchFamily="34" charset="0"/>
-                <a:cs typeface="Times New Roman" panose="02020603050405020304" pitchFamily="18" charset="0"/>
-              </a:rPr>
-              <a:t>}</a:t>
-            </a:r>
+                <a:ea typeface="Caladea"/>
+                <a:cs typeface="Times New Roman" panose="02020603050405020304" pitchFamily="18" charset="0"/>
+              </a:rPr>
+              <a:t>Item Add Extra  Table</a:t>
+            </a:r>
+            <a:endParaRPr lang="en-IN" sz="2000" dirty="0">
+              <a:effectLst/>
+              <a:latin typeface="Times New Roman" panose="02020603050405020304" pitchFamily="18" charset="0"/>
+              <a:ea typeface="Caladea"/>
+              <a:cs typeface="Times New Roman" panose="02020603050405020304" pitchFamily="18" charset="0"/>
+            </a:endParaRPr>
           </a:p>
           <a:p>
             <a:pPr marL="0" marR="0" indent="0" algn="just">
@@ -4973,6 +5678,18 @@
               <a:buNone/>
             </a:pPr>
             <a:r>
+              <a:rPr lang="en-IN" sz="2000" dirty="0" err="1">
+                <a:solidFill>
+                  <a:srgbClr val="000000"/>
+                </a:solidFill>
+                <a:effectLst/>
+                <a:latin typeface="Times New Roman" panose="02020603050405020304" pitchFamily="18" charset="0"/>
+                <a:ea typeface="Calibri" panose="020F0502020204030204" pitchFamily="34" charset="0"/>
+                <a:cs typeface="Times New Roman" panose="02020603050405020304" pitchFamily="18" charset="0"/>
+              </a:rPr>
+              <a:t>itemaddextra</a:t>
+            </a:r>
+            <a:r>
               <a:rPr lang="en-IN" sz="2000" dirty="0">
                 <a:solidFill>
                   <a:srgbClr val="000000"/>
@@ -4982,7 +5699,79 @@
                 <a:ea typeface="Calibri" panose="020F0502020204030204" pitchFamily="34" charset="0"/>
                 <a:cs typeface="Times New Roman" panose="02020603050405020304" pitchFamily="18" charset="0"/>
               </a:rPr>
-              <a:t>FD: Documents-&gt; {GST Certificate, FSSAI Certificate, Sample Bill, Sample Menu, Owner PAN Card}</a:t>
+              <a:t> (ID[PK], title, Customer Selection, </a:t>
+            </a:r>
+            <a:r>
+              <a:rPr lang="en-IN" sz="2000" dirty="0" err="1">
+                <a:solidFill>
+                  <a:srgbClr val="000000"/>
+                </a:solidFill>
+                <a:effectLst/>
+                <a:latin typeface="Times New Roman" panose="02020603050405020304" pitchFamily="18" charset="0"/>
+                <a:ea typeface="Calibri" panose="020F0502020204030204" pitchFamily="34" charset="0"/>
+                <a:cs typeface="Times New Roman" panose="02020603050405020304" pitchFamily="18" charset="0"/>
+              </a:rPr>
+              <a:t>addextra</a:t>
+            </a:r>
+            <a:r>
+              <a:rPr lang="en-IN" sz="2000" dirty="0">
+                <a:solidFill>
+                  <a:srgbClr val="000000"/>
+                </a:solidFill>
+                <a:effectLst/>
+                <a:latin typeface="Times New Roman" panose="02020603050405020304" pitchFamily="18" charset="0"/>
+                <a:ea typeface="Calibri" panose="020F0502020204030204" pitchFamily="34" charset="0"/>
+                <a:cs typeface="Times New Roman" panose="02020603050405020304" pitchFamily="18" charset="0"/>
+              </a:rPr>
+              <a:t> [FK], </a:t>
+            </a:r>
+            <a:r>
+              <a:rPr lang="en-IN" sz="2000" dirty="0" err="1">
+                <a:solidFill>
+                  <a:srgbClr val="000000"/>
+                </a:solidFill>
+                <a:effectLst/>
+                <a:latin typeface="Times New Roman" panose="02020603050405020304" pitchFamily="18" charset="0"/>
+                <a:ea typeface="Calibri" panose="020F0502020204030204" pitchFamily="34" charset="0"/>
+                <a:cs typeface="Times New Roman" panose="02020603050405020304" pitchFamily="18" charset="0"/>
+              </a:rPr>
+              <a:t>createdAt</a:t>
+            </a:r>
+            <a:r>
+              <a:rPr lang="en-IN" sz="2000" dirty="0">
+                <a:solidFill>
+                  <a:srgbClr val="000000"/>
+                </a:solidFill>
+                <a:effectLst/>
+                <a:latin typeface="Times New Roman" panose="02020603050405020304" pitchFamily="18" charset="0"/>
+                <a:ea typeface="Calibri" panose="020F0502020204030204" pitchFamily="34" charset="0"/>
+                <a:cs typeface="Times New Roman" panose="02020603050405020304" pitchFamily="18" charset="0"/>
+              </a:rPr>
+              <a:t>, </a:t>
+            </a:r>
+            <a:r>
+              <a:rPr lang="en-IN" sz="2000" dirty="0" err="1">
+                <a:solidFill>
+                  <a:srgbClr val="000000"/>
+                </a:solidFill>
+                <a:effectLst/>
+                <a:latin typeface="Times New Roman" panose="02020603050405020304" pitchFamily="18" charset="0"/>
+                <a:ea typeface="Calibri" panose="020F0502020204030204" pitchFamily="34" charset="0"/>
+                <a:cs typeface="Times New Roman" panose="02020603050405020304" pitchFamily="18" charset="0"/>
+              </a:rPr>
+              <a:t>updatedAt</a:t>
+            </a:r>
+            <a:r>
+              <a:rPr lang="en-IN" sz="2000" dirty="0">
+                <a:solidFill>
+                  <a:srgbClr val="000000"/>
+                </a:solidFill>
+                <a:effectLst/>
+                <a:latin typeface="Times New Roman" panose="02020603050405020304" pitchFamily="18" charset="0"/>
+                <a:ea typeface="Calibri" panose="020F0502020204030204" pitchFamily="34" charset="0"/>
+                <a:cs typeface="Times New Roman" panose="02020603050405020304" pitchFamily="18" charset="0"/>
+              </a:rPr>
+              <a:t>)</a:t>
             </a:r>
           </a:p>
           <a:p>
@@ -5008,12 +5797,81 @@
                 <a:ea typeface="Calibri" panose="020F0502020204030204" pitchFamily="34" charset="0"/>
                 <a:cs typeface="Times New Roman" panose="02020603050405020304" pitchFamily="18" charset="0"/>
               </a:rPr>
-              <a:t>FD: Restaurant Timing-&gt; {Monday, Tuesday, Wednesday, Thursday, Friday, Saturday, Sunday}</a:t>
+              <a:t>FD: ID-&gt; {title, Customer Selection, </a:t>
+            </a:r>
+            <a:r>
+              <a:rPr lang="en-US" sz="2000" dirty="0" err="1">
+                <a:solidFill>
+                  <a:srgbClr val="000000"/>
+                </a:solidFill>
+                <a:effectLst/>
+                <a:latin typeface="Times New Roman" panose="02020603050405020304" pitchFamily="18" charset="0"/>
+                <a:ea typeface="Calibri" panose="020F0502020204030204" pitchFamily="34" charset="0"/>
+                <a:cs typeface="Times New Roman" panose="02020603050405020304" pitchFamily="18" charset="0"/>
+              </a:rPr>
+              <a:t>addextra</a:t>
+            </a:r>
+            <a:r>
+              <a:rPr lang="en-US" sz="2000" dirty="0">
+                <a:solidFill>
+                  <a:srgbClr val="000000"/>
+                </a:solidFill>
+                <a:effectLst/>
+                <a:latin typeface="Times New Roman" panose="02020603050405020304" pitchFamily="18" charset="0"/>
+                <a:ea typeface="Calibri" panose="020F0502020204030204" pitchFamily="34" charset="0"/>
+                <a:cs typeface="Times New Roman" panose="02020603050405020304" pitchFamily="18" charset="0"/>
+              </a:rPr>
+              <a:t> [FK], </a:t>
+            </a:r>
+            <a:r>
+              <a:rPr lang="en-US" sz="2000" dirty="0" err="1">
+                <a:solidFill>
+                  <a:srgbClr val="000000"/>
+                </a:solidFill>
+                <a:effectLst/>
+                <a:latin typeface="Times New Roman" panose="02020603050405020304" pitchFamily="18" charset="0"/>
+                <a:ea typeface="Calibri" panose="020F0502020204030204" pitchFamily="34" charset="0"/>
+                <a:cs typeface="Times New Roman" panose="02020603050405020304" pitchFamily="18" charset="0"/>
+              </a:rPr>
+              <a:t>createdAt</a:t>
+            </a:r>
+            <a:r>
+              <a:rPr lang="en-US" sz="2000" dirty="0">
+                <a:solidFill>
+                  <a:srgbClr val="000000"/>
+                </a:solidFill>
+                <a:effectLst/>
+                <a:latin typeface="Times New Roman" panose="02020603050405020304" pitchFamily="18" charset="0"/>
+                <a:ea typeface="Calibri" panose="020F0502020204030204" pitchFamily="34" charset="0"/>
+                <a:cs typeface="Times New Roman" panose="02020603050405020304" pitchFamily="18" charset="0"/>
+              </a:rPr>
+              <a:t>, </a:t>
+            </a:r>
+            <a:r>
+              <a:rPr lang="en-US" sz="2000" dirty="0" err="1">
+                <a:solidFill>
+                  <a:srgbClr val="000000"/>
+                </a:solidFill>
+                <a:effectLst/>
+                <a:latin typeface="Times New Roman" panose="02020603050405020304" pitchFamily="18" charset="0"/>
+                <a:ea typeface="Calibri" panose="020F0502020204030204" pitchFamily="34" charset="0"/>
+                <a:cs typeface="Times New Roman" panose="02020603050405020304" pitchFamily="18" charset="0"/>
+              </a:rPr>
+              <a:t>updatedAt</a:t>
+            </a:r>
+            <a:r>
+              <a:rPr lang="en-US" sz="2000" dirty="0">
+                <a:solidFill>
+                  <a:srgbClr val="000000"/>
+                </a:solidFill>
+                <a:effectLst/>
+                <a:latin typeface="Times New Roman" panose="02020603050405020304" pitchFamily="18" charset="0"/>
+                <a:ea typeface="Calibri" panose="020F0502020204030204" pitchFamily="34" charset="0"/>
+                <a:cs typeface="Times New Roman" panose="02020603050405020304" pitchFamily="18" charset="0"/>
+              </a:rPr>
+              <a:t>}</a:t>
             </a:r>
             <a:endParaRPr lang="en-IN" sz="2000" dirty="0">
-              <a:solidFill>
-                <a:srgbClr val="000000"/>
-              </a:solidFill>
               <a:effectLst/>
               <a:latin typeface="Times New Roman" panose="02020603050405020304" pitchFamily="18" charset="0"/>
               <a:ea typeface="Calibri" panose="020F0502020204030204" pitchFamily="34" charset="0"/>
@@ -5025,7 +5883,7 @@
     </p:spTree>
     <p:extLst>
       <p:ext uri="{BB962C8B-B14F-4D97-AF65-F5344CB8AC3E}">
-        <p14:creationId xmlns:p14="http://schemas.microsoft.com/office/powerpoint/2010/main" val="733803260"/>
+        <p14:creationId xmlns:p14="http://schemas.microsoft.com/office/powerpoint/2010/main" val="3069551671"/>
       </p:ext>
     </p:extLst>
   </p:cSld>
@@ -5109,8 +5967,8 @@
         </p:nvSpPr>
         <p:spPr>
           <a:xfrm>
-            <a:off x="628650" y="838127"/>
-            <a:ext cx="7886700" cy="5827323"/>
+            <a:off x="628649" y="1013335"/>
+            <a:ext cx="7991475" cy="5589597"/>
           </a:xfrm>
         </p:spPr>
         <p:txBody>
@@ -5119,7 +5977,7 @@
           </a:bodyPr>
           <a:lstStyle/>
           <a:p>
-            <a:pPr marL="342900" marR="0" lvl="0" indent="-342900" algn="just">
+            <a:pPr marL="457200" marR="0" lvl="0" indent="-457200" algn="just">
               <a:lnSpc>
                 <a:spcPct val="150000"/>
               </a:lnSpc>
@@ -5130,7 +5988,7 @@
                 <a:spcPts val="0"/>
               </a:spcAft>
               <a:buFont typeface="+mj-lt"/>
-              <a:buAutoNum type="arabicPeriod" startAt="4"/>
+              <a:buAutoNum type="arabicPeriod" startAt="9"/>
             </a:pPr>
             <a:r>
               <a:rPr lang="en-IN" sz="2000" dirty="0">
@@ -5142,7 +6000,7 @@
                 <a:ea typeface="Caladea"/>
                 <a:cs typeface="Times New Roman" panose="02020603050405020304" pitchFamily="18" charset="0"/>
               </a:rPr>
-              <a:t>Added-On Table</a:t>
+              <a:t>Variant Table</a:t>
             </a:r>
             <a:endParaRPr lang="en-IN" sz="2000" dirty="0">
               <a:effectLst/>
@@ -5152,190 +6010,6 @@
             </a:endParaRPr>
           </a:p>
           <a:p>
-            <a:pPr marL="0" indent="0" algn="just">
-              <a:lnSpc>
-                <a:spcPct val="150000"/>
-              </a:lnSpc>
-              <a:spcBef>
-                <a:spcPts val="0"/>
-              </a:spcBef>
-              <a:buNone/>
-            </a:pPr>
-            <a:r>
-              <a:rPr lang="en-US" sz="2000" dirty="0" err="1">
-                <a:solidFill>
-                  <a:srgbClr val="000000"/>
-                </a:solidFill>
-                <a:effectLst/>
-                <a:latin typeface="Times New Roman" panose="02020603050405020304" pitchFamily="18" charset="0"/>
-                <a:ea typeface="Calibri" panose="020F0502020204030204" pitchFamily="34" charset="0"/>
-                <a:cs typeface="Times New Roman" panose="02020603050405020304" pitchFamily="18" charset="0"/>
-              </a:rPr>
-              <a:t>addedon</a:t>
-            </a:r>
-            <a:r>
-              <a:rPr lang="en-US" sz="2000" dirty="0">
-                <a:solidFill>
-                  <a:srgbClr val="000000"/>
-                </a:solidFill>
-                <a:effectLst/>
-                <a:latin typeface="Times New Roman" panose="02020603050405020304" pitchFamily="18" charset="0"/>
-                <a:ea typeface="Calibri" panose="020F0502020204030204" pitchFamily="34" charset="0"/>
-                <a:cs typeface="Times New Roman" panose="02020603050405020304" pitchFamily="18" charset="0"/>
-              </a:rPr>
-              <a:t> (ID[PK], restaurant [FK], Name, Type, Price, Additional Price, Final Price, Approval Status, Status, </a:t>
-            </a:r>
-            <a:r>
-              <a:rPr lang="en-US" sz="2000" dirty="0" err="1">
-                <a:solidFill>
-                  <a:srgbClr val="000000"/>
-                </a:solidFill>
-                <a:effectLst/>
-                <a:latin typeface="Times New Roman" panose="02020603050405020304" pitchFamily="18" charset="0"/>
-                <a:ea typeface="Calibri" panose="020F0502020204030204" pitchFamily="34" charset="0"/>
-                <a:cs typeface="Times New Roman" panose="02020603050405020304" pitchFamily="18" charset="0"/>
-              </a:rPr>
-              <a:t>createdAt</a:t>
-            </a:r>
-            <a:r>
-              <a:rPr lang="en-US" sz="2000" dirty="0">
-                <a:solidFill>
-                  <a:srgbClr val="000000"/>
-                </a:solidFill>
-                <a:effectLst/>
-                <a:latin typeface="Times New Roman" panose="02020603050405020304" pitchFamily="18" charset="0"/>
-                <a:ea typeface="Calibri" panose="020F0502020204030204" pitchFamily="34" charset="0"/>
-                <a:cs typeface="Times New Roman" panose="02020603050405020304" pitchFamily="18" charset="0"/>
-              </a:rPr>
-              <a:t>, </a:t>
-            </a:r>
-            <a:r>
-              <a:rPr lang="en-US" sz="2000" dirty="0" err="1">
-                <a:solidFill>
-                  <a:srgbClr val="000000"/>
-                </a:solidFill>
-                <a:effectLst/>
-                <a:latin typeface="Times New Roman" panose="02020603050405020304" pitchFamily="18" charset="0"/>
-                <a:ea typeface="Calibri" panose="020F0502020204030204" pitchFamily="34" charset="0"/>
-                <a:cs typeface="Times New Roman" panose="02020603050405020304" pitchFamily="18" charset="0"/>
-              </a:rPr>
-              <a:t>updatedAt</a:t>
-            </a:r>
-            <a:r>
-              <a:rPr lang="en-US" sz="2000" dirty="0">
-                <a:solidFill>
-                  <a:srgbClr val="000000"/>
-                </a:solidFill>
-                <a:effectLst/>
-                <a:latin typeface="Times New Roman" panose="02020603050405020304" pitchFamily="18" charset="0"/>
-                <a:ea typeface="Calibri" panose="020F0502020204030204" pitchFamily="34" charset="0"/>
-                <a:cs typeface="Times New Roman" panose="02020603050405020304" pitchFamily="18" charset="0"/>
-              </a:rPr>
-              <a:t>)</a:t>
-            </a:r>
-          </a:p>
-          <a:p>
-            <a:pPr marL="0" indent="0" algn="just">
-              <a:lnSpc>
-                <a:spcPct val="150000"/>
-              </a:lnSpc>
-              <a:spcBef>
-                <a:spcPts val="0"/>
-              </a:spcBef>
-              <a:buNone/>
-            </a:pPr>
-            <a:r>
-              <a:rPr lang="en-US" sz="2000" dirty="0">
-                <a:solidFill>
-                  <a:srgbClr val="000000"/>
-                </a:solidFill>
-                <a:effectLst/>
-                <a:latin typeface="Times New Roman" panose="02020603050405020304" pitchFamily="18" charset="0"/>
-                <a:ea typeface="Calibri" panose="020F0502020204030204" pitchFamily="34" charset="0"/>
-                <a:cs typeface="Times New Roman" panose="02020603050405020304" pitchFamily="18" charset="0"/>
-              </a:rPr>
-              <a:t>FD: ID-&gt; {restaurant [FK], Name, Type, Price, Additional Price, Final Price, Approval Status, Status, </a:t>
-            </a:r>
-            <a:r>
-              <a:rPr lang="en-US" sz="2000" dirty="0" err="1">
-                <a:solidFill>
-                  <a:srgbClr val="000000"/>
-                </a:solidFill>
-                <a:effectLst/>
-                <a:latin typeface="Times New Roman" panose="02020603050405020304" pitchFamily="18" charset="0"/>
-                <a:ea typeface="Calibri" panose="020F0502020204030204" pitchFamily="34" charset="0"/>
-                <a:cs typeface="Times New Roman" panose="02020603050405020304" pitchFamily="18" charset="0"/>
-              </a:rPr>
-              <a:t>createdAt</a:t>
-            </a:r>
-            <a:r>
-              <a:rPr lang="en-US" sz="2000" dirty="0">
-                <a:solidFill>
-                  <a:srgbClr val="000000"/>
-                </a:solidFill>
-                <a:effectLst/>
-                <a:latin typeface="Times New Roman" panose="02020603050405020304" pitchFamily="18" charset="0"/>
-                <a:ea typeface="Calibri" panose="020F0502020204030204" pitchFamily="34" charset="0"/>
-                <a:cs typeface="Times New Roman" panose="02020603050405020304" pitchFamily="18" charset="0"/>
-              </a:rPr>
-              <a:t>, </a:t>
-            </a:r>
-            <a:r>
-              <a:rPr lang="en-US" sz="2000" dirty="0" err="1">
-                <a:solidFill>
-                  <a:srgbClr val="000000"/>
-                </a:solidFill>
-                <a:effectLst/>
-                <a:latin typeface="Times New Roman" panose="02020603050405020304" pitchFamily="18" charset="0"/>
-                <a:ea typeface="Calibri" panose="020F0502020204030204" pitchFamily="34" charset="0"/>
-                <a:cs typeface="Times New Roman" panose="02020603050405020304" pitchFamily="18" charset="0"/>
-              </a:rPr>
-              <a:t>updatedAt</a:t>
-            </a:r>
-            <a:r>
-              <a:rPr lang="en-US" sz="2000" dirty="0">
-                <a:solidFill>
-                  <a:srgbClr val="000000"/>
-                </a:solidFill>
-                <a:effectLst/>
-                <a:latin typeface="Times New Roman" panose="02020603050405020304" pitchFamily="18" charset="0"/>
-                <a:ea typeface="Calibri" panose="020F0502020204030204" pitchFamily="34" charset="0"/>
-                <a:cs typeface="Times New Roman" panose="02020603050405020304" pitchFamily="18" charset="0"/>
-              </a:rPr>
-              <a:t>}</a:t>
-            </a:r>
-          </a:p>
-          <a:p>
-            <a:pPr marL="457200" indent="-457200" algn="just">
-              <a:lnSpc>
-                <a:spcPct val="150000"/>
-              </a:lnSpc>
-              <a:spcBef>
-                <a:spcPts val="0"/>
-              </a:spcBef>
-              <a:buFont typeface="+mj-lt"/>
-              <a:buAutoNum type="arabicPeriod" startAt="5"/>
-            </a:pPr>
-            <a:r>
-              <a:rPr lang="en-IN" sz="2000" dirty="0">
-                <a:solidFill>
-                  <a:srgbClr val="000000"/>
-                </a:solidFill>
-                <a:effectLst/>
-                <a:latin typeface="Times New Roman" panose="02020603050405020304" pitchFamily="18" charset="0"/>
-                <a:ea typeface="Caladea"/>
-                <a:cs typeface="Times New Roman" panose="02020603050405020304" pitchFamily="18" charset="0"/>
-              </a:rPr>
-              <a:t>Add Extra Table</a:t>
-            </a:r>
-            <a:endParaRPr lang="en-IN" sz="2000" dirty="0">
-              <a:effectLst/>
-              <a:latin typeface="Times New Roman" panose="02020603050405020304" pitchFamily="18" charset="0"/>
-              <a:ea typeface="Caladea"/>
-              <a:cs typeface="Times New Roman" panose="02020603050405020304" pitchFamily="18" charset="0"/>
-            </a:endParaRPr>
-          </a:p>
-          <a:p>
             <a:pPr marL="0" marR="0" indent="0" algn="just">
               <a:lnSpc>
                 <a:spcPct val="150000"/>
@@ -5349,18 +6023,6 @@
               <a:buNone/>
             </a:pPr>
             <a:r>
-              <a:rPr lang="en-US" sz="2000" dirty="0" err="1">
-                <a:solidFill>
-                  <a:srgbClr val="000000"/>
-                </a:solidFill>
-                <a:effectLst/>
-                <a:latin typeface="Times New Roman" panose="02020603050405020304" pitchFamily="18" charset="0"/>
-                <a:ea typeface="Calibri" panose="020F0502020204030204" pitchFamily="34" charset="0"/>
-                <a:cs typeface="Times New Roman" panose="02020603050405020304" pitchFamily="18" charset="0"/>
-              </a:rPr>
-              <a:t>addextra</a:t>
-            </a:r>
-            <a:r>
               <a:rPr lang="en-US" sz="2000" dirty="0">
                 <a:solidFill>
                   <a:srgbClr val="000000"/>
@@ -5370,7 +6032,7 @@
                 <a:ea typeface="Calibri" panose="020F0502020204030204" pitchFamily="34" charset="0"/>
                 <a:cs typeface="Times New Roman" panose="02020603050405020304" pitchFamily="18" charset="0"/>
               </a:rPr>
-              <a:t> (ID[PK], restaurant [FK], Name, Type, Price, Additional Price, Final Price, Approval Status, Status, </a:t>
+              <a:t>variant (ID[PK], Name, UOM, Price, Sales Price, Status, </a:t>
             </a:r>
             <a:r>
               <a:rPr lang="en-US" sz="2000" dirty="0" err="1">
@@ -5444,7 +6106,7 @@
                 <a:ea typeface="Calibri" panose="020F0502020204030204" pitchFamily="34" charset="0"/>
                 <a:cs typeface="Times New Roman" panose="02020603050405020304" pitchFamily="18" charset="0"/>
               </a:rPr>
-              <a:t>FD: ID-&gt; {restaurant [FK], Name, Type, Price, Additional Price, Final Price, Approval Status, Status, </a:t>
+              <a:t>FD:ID -&gt; {Name, UOM, Price, Sales Price, Status, </a:t>
             </a:r>
             <a:r>
               <a:rPr lang="en-US" sz="2000" dirty="0" err="1">
@@ -5494,13 +6156,308 @@
               </a:rPr>
               <a:t>}</a:t>
             </a:r>
+          </a:p>
+          <a:p>
+            <a:pPr marL="457200" marR="0" indent="-457200" algn="just">
+              <a:lnSpc>
+                <a:spcPct val="150000"/>
+              </a:lnSpc>
+              <a:spcBef>
+                <a:spcPts val="0"/>
+              </a:spcBef>
+              <a:spcAft>
+                <a:spcPts val="0"/>
+              </a:spcAft>
+              <a:buFont typeface="+mj-lt"/>
+              <a:buAutoNum type="arabicPeriod" startAt="10"/>
+            </a:pPr>
+            <a:r>
+              <a:rPr lang="en-US" sz="2000" dirty="0">
+                <a:solidFill>
+                  <a:srgbClr val="000000"/>
+                </a:solidFill>
+                <a:effectLst/>
+                <a:latin typeface="Times New Roman" panose="02020603050405020304" pitchFamily="18" charset="0"/>
+                <a:ea typeface="Calibri" panose="020F0502020204030204" pitchFamily="34" charset="0"/>
+                <a:cs typeface="Times New Roman" panose="02020603050405020304" pitchFamily="18" charset="0"/>
+              </a:rPr>
+              <a:t>Item Table</a:t>
+            </a:r>
+          </a:p>
+          <a:p>
+            <a:pPr marL="0" marR="0" indent="0" algn="just">
+              <a:lnSpc>
+                <a:spcPct val="150000"/>
+              </a:lnSpc>
+              <a:spcBef>
+                <a:spcPts val="0"/>
+              </a:spcBef>
+              <a:spcAft>
+                <a:spcPts val="0"/>
+              </a:spcAft>
+              <a:buNone/>
+            </a:pPr>
+            <a:r>
+              <a:rPr lang="en-US" sz="2000" dirty="0">
+                <a:solidFill>
+                  <a:srgbClr val="000000"/>
+                </a:solidFill>
+                <a:effectLst/>
+                <a:latin typeface="Times New Roman" panose="02020603050405020304" pitchFamily="18" charset="0"/>
+                <a:ea typeface="Calibri" panose="020F0502020204030204" pitchFamily="34" charset="0"/>
+                <a:cs typeface="Times New Roman" panose="02020603050405020304" pitchFamily="18" charset="0"/>
+              </a:rPr>
+              <a:t>item (ID[PK], restaurant [FK], category [FK], variant [FK], Name, Type, Description, </a:t>
+            </a:r>
+            <a:r>
+              <a:rPr lang="en-US" sz="2000" dirty="0" err="1">
+                <a:solidFill>
+                  <a:srgbClr val="000000"/>
+                </a:solidFill>
+                <a:effectLst/>
+                <a:latin typeface="Times New Roman" panose="02020603050405020304" pitchFamily="18" charset="0"/>
+                <a:ea typeface="Calibri" panose="020F0502020204030204" pitchFamily="34" charset="0"/>
+                <a:cs typeface="Times New Roman" panose="02020603050405020304" pitchFamily="18" charset="0"/>
+              </a:rPr>
+              <a:t>itemaddedon</a:t>
+            </a:r>
+            <a:r>
+              <a:rPr lang="en-US" sz="2000" dirty="0">
+                <a:solidFill>
+                  <a:srgbClr val="000000"/>
+                </a:solidFill>
+                <a:effectLst/>
+                <a:latin typeface="Times New Roman" panose="02020603050405020304" pitchFamily="18" charset="0"/>
+                <a:ea typeface="Calibri" panose="020F0502020204030204" pitchFamily="34" charset="0"/>
+                <a:cs typeface="Times New Roman" panose="02020603050405020304" pitchFamily="18" charset="0"/>
+              </a:rPr>
+              <a:t> [FK], </a:t>
+            </a:r>
+            <a:r>
+              <a:rPr lang="en-US" sz="2000" dirty="0" err="1">
+                <a:solidFill>
+                  <a:srgbClr val="000000"/>
+                </a:solidFill>
+                <a:effectLst/>
+                <a:latin typeface="Times New Roman" panose="02020603050405020304" pitchFamily="18" charset="0"/>
+                <a:ea typeface="Calibri" panose="020F0502020204030204" pitchFamily="34" charset="0"/>
+                <a:cs typeface="Times New Roman" panose="02020603050405020304" pitchFamily="18" charset="0"/>
+              </a:rPr>
+              <a:t>itemaddextra</a:t>
+            </a:r>
+            <a:r>
+              <a:rPr lang="en-US" sz="2000" dirty="0">
+                <a:solidFill>
+                  <a:srgbClr val="000000"/>
+                </a:solidFill>
+                <a:effectLst/>
+                <a:latin typeface="Times New Roman" panose="02020603050405020304" pitchFamily="18" charset="0"/>
+                <a:ea typeface="Calibri" panose="020F0502020204030204" pitchFamily="34" charset="0"/>
+                <a:cs typeface="Times New Roman" panose="02020603050405020304" pitchFamily="18" charset="0"/>
+              </a:rPr>
+              <a:t> [FK], Image, Approval Status, Status, </a:t>
+            </a:r>
+            <a:r>
+              <a:rPr lang="en-US" sz="2000" dirty="0" err="1">
+                <a:solidFill>
+                  <a:srgbClr val="000000"/>
+                </a:solidFill>
+                <a:effectLst/>
+                <a:latin typeface="Times New Roman" panose="02020603050405020304" pitchFamily="18" charset="0"/>
+                <a:ea typeface="Calibri" panose="020F0502020204030204" pitchFamily="34" charset="0"/>
+                <a:cs typeface="Times New Roman" panose="02020603050405020304" pitchFamily="18" charset="0"/>
+              </a:rPr>
+              <a:t>createdAt</a:t>
+            </a:r>
+            <a:r>
+              <a:rPr lang="en-US" sz="2000" dirty="0">
+                <a:solidFill>
+                  <a:srgbClr val="000000"/>
+                </a:solidFill>
+                <a:effectLst/>
+                <a:latin typeface="Times New Roman" panose="02020603050405020304" pitchFamily="18" charset="0"/>
+                <a:ea typeface="Calibri" panose="020F0502020204030204" pitchFamily="34" charset="0"/>
+                <a:cs typeface="Times New Roman" panose="02020603050405020304" pitchFamily="18" charset="0"/>
+              </a:rPr>
+              <a:t>, </a:t>
+            </a:r>
+            <a:r>
+              <a:rPr lang="en-US" sz="2000" dirty="0" err="1">
+                <a:solidFill>
+                  <a:srgbClr val="000000"/>
+                </a:solidFill>
+                <a:effectLst/>
+                <a:latin typeface="Times New Roman" panose="02020603050405020304" pitchFamily="18" charset="0"/>
+                <a:ea typeface="Calibri" panose="020F0502020204030204" pitchFamily="34" charset="0"/>
+                <a:cs typeface="Times New Roman" panose="02020603050405020304" pitchFamily="18" charset="0"/>
+              </a:rPr>
+              <a:t>updatedAt</a:t>
+            </a:r>
+            <a:r>
+              <a:rPr lang="en-US" sz="2000" dirty="0">
+                <a:solidFill>
+                  <a:srgbClr val="000000"/>
+                </a:solidFill>
+                <a:effectLst/>
+                <a:latin typeface="Times New Roman" panose="02020603050405020304" pitchFamily="18" charset="0"/>
+                <a:ea typeface="Calibri" panose="020F0502020204030204" pitchFamily="34" charset="0"/>
+                <a:cs typeface="Times New Roman" panose="02020603050405020304" pitchFamily="18" charset="0"/>
+              </a:rPr>
+              <a:t>)</a:t>
+            </a:r>
+          </a:p>
+          <a:p>
+            <a:pPr marL="0" marR="0" indent="0" algn="just">
+              <a:lnSpc>
+                <a:spcPct val="150000"/>
+              </a:lnSpc>
+              <a:spcBef>
+                <a:spcPts val="0"/>
+              </a:spcBef>
+              <a:spcAft>
+                <a:spcPts val="0"/>
+              </a:spcAft>
+              <a:buNone/>
+            </a:pPr>
+            <a:r>
+              <a:rPr lang="en-US" sz="2000" dirty="0">
+                <a:solidFill>
+                  <a:srgbClr val="000000"/>
+                </a:solidFill>
+                <a:effectLst/>
+                <a:latin typeface="Times New Roman" panose="02020603050405020304" pitchFamily="18" charset="0"/>
+                <a:ea typeface="Calibri" panose="020F0502020204030204" pitchFamily="34" charset="0"/>
+                <a:cs typeface="Times New Roman" panose="02020603050405020304" pitchFamily="18" charset="0"/>
+              </a:rPr>
+              <a:t>FD: ID-&gt; {restaurant [FK], category [FK], variant [FK], Name, Type, Description, </a:t>
+            </a:r>
+            <a:r>
+              <a:rPr lang="en-US" sz="2000" dirty="0" err="1">
+                <a:solidFill>
+                  <a:srgbClr val="000000"/>
+                </a:solidFill>
+                <a:effectLst/>
+                <a:latin typeface="Times New Roman" panose="02020603050405020304" pitchFamily="18" charset="0"/>
+                <a:ea typeface="Calibri" panose="020F0502020204030204" pitchFamily="34" charset="0"/>
+                <a:cs typeface="Times New Roman" panose="02020603050405020304" pitchFamily="18" charset="0"/>
+              </a:rPr>
+              <a:t>itemaddedon</a:t>
+            </a:r>
+            <a:r>
+              <a:rPr lang="en-US" sz="2000" dirty="0">
+                <a:solidFill>
+                  <a:srgbClr val="000000"/>
+                </a:solidFill>
+                <a:effectLst/>
+                <a:latin typeface="Times New Roman" panose="02020603050405020304" pitchFamily="18" charset="0"/>
+                <a:ea typeface="Calibri" panose="020F0502020204030204" pitchFamily="34" charset="0"/>
+                <a:cs typeface="Times New Roman" panose="02020603050405020304" pitchFamily="18" charset="0"/>
+              </a:rPr>
+              <a:t> [FK], </a:t>
+            </a:r>
+            <a:r>
+              <a:rPr lang="en-US" sz="2000" dirty="0" err="1">
+                <a:solidFill>
+                  <a:srgbClr val="000000"/>
+                </a:solidFill>
+                <a:effectLst/>
+                <a:latin typeface="Times New Roman" panose="02020603050405020304" pitchFamily="18" charset="0"/>
+                <a:ea typeface="Calibri" panose="020F0502020204030204" pitchFamily="34" charset="0"/>
+                <a:cs typeface="Times New Roman" panose="02020603050405020304" pitchFamily="18" charset="0"/>
+              </a:rPr>
+              <a:t>itemaddextra</a:t>
+            </a:r>
+            <a:r>
+              <a:rPr lang="en-US" sz="2000" dirty="0">
+                <a:solidFill>
+                  <a:srgbClr val="000000"/>
+                </a:solidFill>
+                <a:effectLst/>
+                <a:latin typeface="Times New Roman" panose="02020603050405020304" pitchFamily="18" charset="0"/>
+                <a:ea typeface="Calibri" panose="020F0502020204030204" pitchFamily="34" charset="0"/>
+                <a:cs typeface="Times New Roman" panose="02020603050405020304" pitchFamily="18" charset="0"/>
+              </a:rPr>
+              <a:t> [FK], Image, Approval Status, Status, </a:t>
+            </a:r>
+            <a:r>
+              <a:rPr lang="en-US" sz="2000" dirty="0" err="1">
+                <a:solidFill>
+                  <a:srgbClr val="000000"/>
+                </a:solidFill>
+                <a:effectLst/>
+                <a:latin typeface="Times New Roman" panose="02020603050405020304" pitchFamily="18" charset="0"/>
+                <a:ea typeface="Calibri" panose="020F0502020204030204" pitchFamily="34" charset="0"/>
+                <a:cs typeface="Times New Roman" panose="02020603050405020304" pitchFamily="18" charset="0"/>
+              </a:rPr>
+              <a:t>createdAt</a:t>
+            </a:r>
+            <a:r>
+              <a:rPr lang="en-US" sz="2000" dirty="0">
+                <a:solidFill>
+                  <a:srgbClr val="000000"/>
+                </a:solidFill>
+                <a:effectLst/>
+                <a:latin typeface="Times New Roman" panose="02020603050405020304" pitchFamily="18" charset="0"/>
+                <a:ea typeface="Calibri" panose="020F0502020204030204" pitchFamily="34" charset="0"/>
+                <a:cs typeface="Times New Roman" panose="02020603050405020304" pitchFamily="18" charset="0"/>
+              </a:rPr>
+              <a:t>, </a:t>
+            </a:r>
+            <a:r>
+              <a:rPr lang="en-US" sz="2000" dirty="0" err="1">
+                <a:solidFill>
+                  <a:srgbClr val="000000"/>
+                </a:solidFill>
+                <a:effectLst/>
+                <a:latin typeface="Times New Roman" panose="02020603050405020304" pitchFamily="18" charset="0"/>
+                <a:ea typeface="Calibri" panose="020F0502020204030204" pitchFamily="34" charset="0"/>
+                <a:cs typeface="Times New Roman" panose="02020603050405020304" pitchFamily="18" charset="0"/>
+              </a:rPr>
+              <a:t>updatedAt</a:t>
+            </a:r>
+            <a:r>
+              <a:rPr lang="en-US" sz="2000" dirty="0">
+                <a:solidFill>
+                  <a:srgbClr val="000000"/>
+                </a:solidFill>
+                <a:effectLst/>
+                <a:latin typeface="Times New Roman" panose="02020603050405020304" pitchFamily="18" charset="0"/>
+                <a:ea typeface="Calibri" panose="020F0502020204030204" pitchFamily="34" charset="0"/>
+                <a:cs typeface="Times New Roman" panose="02020603050405020304" pitchFamily="18" charset="0"/>
+              </a:rPr>
+              <a:t>}</a:t>
+            </a:r>
+          </a:p>
+          <a:p>
+            <a:pPr marL="457200" marR="0" indent="-457200" algn="just">
+              <a:lnSpc>
+                <a:spcPct val="150000"/>
+              </a:lnSpc>
+              <a:spcBef>
+                <a:spcPts val="0"/>
+              </a:spcBef>
+              <a:spcAft>
+                <a:spcPts val="0"/>
+              </a:spcAft>
+              <a:buFont typeface="+mj-lt"/>
+              <a:buAutoNum type="arabicPeriod" startAt="10"/>
+            </a:pPr>
+            <a:endParaRPr lang="en-US" sz="2000" dirty="0">
+              <a:solidFill>
+                <a:srgbClr val="000000"/>
+              </a:solidFill>
+              <a:effectLst/>
+              <a:latin typeface="Times New Roman" panose="02020603050405020304" pitchFamily="18" charset="0"/>
+              <a:ea typeface="Calibri" panose="020F0502020204030204" pitchFamily="34" charset="0"/>
+              <a:cs typeface="Times New Roman" panose="02020603050405020304" pitchFamily="18" charset="0"/>
+            </a:endParaRPr>
           </a:p>
         </p:txBody>
       </p:sp>
     </p:spTree>
     <p:extLst>
       <p:ext uri="{BB962C8B-B14F-4D97-AF65-F5344CB8AC3E}">
-        <p14:creationId xmlns:p14="http://schemas.microsoft.com/office/powerpoint/2010/main" val="2757257074"/>
+        <p14:creationId xmlns:p14="http://schemas.microsoft.com/office/powerpoint/2010/main" val="2757392056"/>
       </p:ext>
     </p:extLst>
   </p:cSld>
@@ -5584,8 +6541,8 @@
         </p:nvSpPr>
         <p:spPr>
           <a:xfrm>
-            <a:off x="628650" y="781012"/>
-            <a:ext cx="7886700" cy="5961238"/>
+            <a:off x="628650" y="778302"/>
+            <a:ext cx="7886700" cy="6079698"/>
           </a:xfrm>
         </p:spPr>
         <p:txBody>
@@ -5605,7 +6562,7 @@
                 <a:spcPts val="0"/>
               </a:spcAft>
               <a:buFont typeface="+mj-lt"/>
-              <a:buAutoNum type="arabicPeriod" startAt="6"/>
+              <a:buAutoNum type="arabicPeriod" startAt="11"/>
             </a:pPr>
             <a:r>
               <a:rPr lang="en-IN" sz="2000" dirty="0">
@@ -5615,13 +6572,13 @@
                 <a:effectLst/>
                 <a:latin typeface="Times New Roman" panose="02020603050405020304" pitchFamily="18" charset="0"/>
                 <a:ea typeface="Caladea"/>
-                <a:cs typeface="Times New Roman" panose="02020603050405020304" pitchFamily="18" charset="0"/>
-              </a:rPr>
-              <a:t>Category Table</a:t>
-            </a:r>
-          </a:p>
-          <a:p>
-            <a:pPr marL="0" marR="0" indent="0">
+                <a:cs typeface="Caladea"/>
+              </a:rPr>
+              <a:t>Banner Table</a:t>
+            </a:r>
+          </a:p>
+          <a:p>
+            <a:pPr marL="0" marR="0" lvl="0" indent="0" algn="just">
               <a:lnSpc>
                 <a:spcPct val="150000"/>
               </a:lnSpc>
@@ -5634,68 +6591,68 @@
               <a:buNone/>
             </a:pPr>
             <a:r>
-              <a:rPr lang="en-US" sz="2000" dirty="0">
-                <a:solidFill>
-                  <a:srgbClr val="000000"/>
-                </a:solidFill>
-                <a:effectLst/>
-                <a:latin typeface="Times New Roman" panose="02020603050405020304" pitchFamily="18" charset="0"/>
-                <a:ea typeface="Calibri" panose="020F0502020204030204" pitchFamily="34" charset="0"/>
-                <a:cs typeface="Times New Roman" panose="02020603050405020304" pitchFamily="18" charset="0"/>
-              </a:rPr>
-              <a:t>category (ID[PK], restaurant [FK], Name, Approval Status, Status, </a:t>
-            </a:r>
-            <a:r>
-              <a:rPr lang="en-US" sz="2000" dirty="0" err="1">
-                <a:solidFill>
-                  <a:srgbClr val="000000"/>
-                </a:solidFill>
-                <a:effectLst/>
-                <a:latin typeface="Times New Roman" panose="02020603050405020304" pitchFamily="18" charset="0"/>
-                <a:ea typeface="Calibri" panose="020F0502020204030204" pitchFamily="34" charset="0"/>
-                <a:cs typeface="Times New Roman" panose="02020603050405020304" pitchFamily="18" charset="0"/>
+              <a:rPr lang="en-IN" sz="2000" dirty="0">
+                <a:solidFill>
+                  <a:srgbClr val="000000"/>
+                </a:solidFill>
+                <a:effectLst/>
+                <a:latin typeface="Times New Roman" panose="02020603050405020304" pitchFamily="18" charset="0"/>
+                <a:ea typeface="Caladea"/>
+                <a:cs typeface="Caladea"/>
+              </a:rPr>
+              <a:t>banner (ID[PK], restaurant [FK], Name, Image, Approval Status, Status, </a:t>
+            </a:r>
+            <a:r>
+              <a:rPr lang="en-IN" sz="2000" dirty="0" err="1">
+                <a:solidFill>
+                  <a:srgbClr val="000000"/>
+                </a:solidFill>
+                <a:effectLst/>
+                <a:latin typeface="Times New Roman" panose="02020603050405020304" pitchFamily="18" charset="0"/>
+                <a:ea typeface="Caladea"/>
+                <a:cs typeface="Caladea"/>
               </a:rPr>
               <a:t>createdAt</a:t>
             </a:r>
             <a:r>
-              <a:rPr lang="en-US" sz="2000" dirty="0">
-                <a:solidFill>
-                  <a:srgbClr val="000000"/>
-                </a:solidFill>
-                <a:effectLst/>
-                <a:latin typeface="Times New Roman" panose="02020603050405020304" pitchFamily="18" charset="0"/>
-                <a:ea typeface="Calibri" panose="020F0502020204030204" pitchFamily="34" charset="0"/>
-                <a:cs typeface="Times New Roman" panose="02020603050405020304" pitchFamily="18" charset="0"/>
+              <a:rPr lang="en-IN" sz="2000" dirty="0">
+                <a:solidFill>
+                  <a:srgbClr val="000000"/>
+                </a:solidFill>
+                <a:effectLst/>
+                <a:latin typeface="Times New Roman" panose="02020603050405020304" pitchFamily="18" charset="0"/>
+                <a:ea typeface="Caladea"/>
+                <a:cs typeface="Caladea"/>
               </a:rPr>
               <a:t>, </a:t>
             </a:r>
             <a:r>
-              <a:rPr lang="en-US" sz="2000" dirty="0" err="1">
-                <a:solidFill>
-                  <a:srgbClr val="000000"/>
-                </a:solidFill>
-                <a:effectLst/>
-                <a:latin typeface="Times New Roman" panose="02020603050405020304" pitchFamily="18" charset="0"/>
-                <a:ea typeface="Calibri" panose="020F0502020204030204" pitchFamily="34" charset="0"/>
-                <a:cs typeface="Times New Roman" panose="02020603050405020304" pitchFamily="18" charset="0"/>
+              <a:rPr lang="en-IN" sz="2000" dirty="0" err="1">
+                <a:solidFill>
+                  <a:srgbClr val="000000"/>
+                </a:solidFill>
+                <a:effectLst/>
+                <a:latin typeface="Times New Roman" panose="02020603050405020304" pitchFamily="18" charset="0"/>
+                <a:ea typeface="Caladea"/>
+                <a:cs typeface="Caladea"/>
               </a:rPr>
               <a:t>updatedAt</a:t>
             </a:r>
             <a:r>
-              <a:rPr lang="en-US" sz="2000" dirty="0">
-                <a:solidFill>
-                  <a:srgbClr val="000000"/>
-                </a:solidFill>
-                <a:effectLst/>
-                <a:latin typeface="Times New Roman" panose="02020603050405020304" pitchFamily="18" charset="0"/>
-                <a:ea typeface="Calibri" panose="020F0502020204030204" pitchFamily="34" charset="0"/>
-                <a:cs typeface="Times New Roman" panose="02020603050405020304" pitchFamily="18" charset="0"/>
+              <a:rPr lang="en-IN" sz="2000" dirty="0">
+                <a:solidFill>
+                  <a:srgbClr val="000000"/>
+                </a:solidFill>
+                <a:effectLst/>
+                <a:latin typeface="Times New Roman" panose="02020603050405020304" pitchFamily="18" charset="0"/>
+                <a:ea typeface="Caladea"/>
+                <a:cs typeface="Caladea"/>
               </a:rPr>
               <a:t>)</a:t>
             </a:r>
           </a:p>
           <a:p>
-            <a:pPr marL="0" marR="0" indent="0">
+            <a:pPr marL="0" marR="0" lvl="0" indent="0" algn="just">
               <a:lnSpc>
                 <a:spcPct val="150000"/>
               </a:lnSpc>
@@ -5708,68 +6665,68 @@
               <a:buNone/>
             </a:pPr>
             <a:r>
-              <a:rPr lang="en-US" sz="2000" dirty="0">
-                <a:solidFill>
-                  <a:srgbClr val="000000"/>
-                </a:solidFill>
-                <a:effectLst/>
-                <a:latin typeface="Times New Roman" panose="02020603050405020304" pitchFamily="18" charset="0"/>
-                <a:ea typeface="Calibri" panose="020F0502020204030204" pitchFamily="34" charset="0"/>
-                <a:cs typeface="Times New Roman" panose="02020603050405020304" pitchFamily="18" charset="0"/>
-              </a:rPr>
-              <a:t>FD: ID-&gt; {restaurant [FK], Name, Approval Status, Status, </a:t>
-            </a:r>
-            <a:r>
-              <a:rPr lang="en-US" sz="2000" dirty="0" err="1">
-                <a:solidFill>
-                  <a:srgbClr val="000000"/>
-                </a:solidFill>
-                <a:effectLst/>
-                <a:latin typeface="Times New Roman" panose="02020603050405020304" pitchFamily="18" charset="0"/>
-                <a:ea typeface="Calibri" panose="020F0502020204030204" pitchFamily="34" charset="0"/>
-                <a:cs typeface="Times New Roman" panose="02020603050405020304" pitchFamily="18" charset="0"/>
+              <a:rPr lang="en-IN" sz="2000" dirty="0">
+                <a:solidFill>
+                  <a:srgbClr val="000000"/>
+                </a:solidFill>
+                <a:effectLst/>
+                <a:latin typeface="Times New Roman" panose="02020603050405020304" pitchFamily="18" charset="0"/>
+                <a:ea typeface="Caladea"/>
+                <a:cs typeface="Caladea"/>
+              </a:rPr>
+              <a:t>FD: ID-&gt; {restaurant [FK], Name, Image, Approval Status, Status, </a:t>
+            </a:r>
+            <a:r>
+              <a:rPr lang="en-IN" sz="2000" dirty="0" err="1">
+                <a:solidFill>
+                  <a:srgbClr val="000000"/>
+                </a:solidFill>
+                <a:effectLst/>
+                <a:latin typeface="Times New Roman" panose="02020603050405020304" pitchFamily="18" charset="0"/>
+                <a:ea typeface="Caladea"/>
+                <a:cs typeface="Caladea"/>
               </a:rPr>
               <a:t>createdAt</a:t>
             </a:r>
             <a:r>
-              <a:rPr lang="en-US" sz="2000" dirty="0">
-                <a:solidFill>
-                  <a:srgbClr val="000000"/>
-                </a:solidFill>
-                <a:effectLst/>
-                <a:latin typeface="Times New Roman" panose="02020603050405020304" pitchFamily="18" charset="0"/>
-                <a:ea typeface="Calibri" panose="020F0502020204030204" pitchFamily="34" charset="0"/>
-                <a:cs typeface="Times New Roman" panose="02020603050405020304" pitchFamily="18" charset="0"/>
+              <a:rPr lang="en-IN" sz="2000" dirty="0">
+                <a:solidFill>
+                  <a:srgbClr val="000000"/>
+                </a:solidFill>
+                <a:effectLst/>
+                <a:latin typeface="Times New Roman" panose="02020603050405020304" pitchFamily="18" charset="0"/>
+                <a:ea typeface="Caladea"/>
+                <a:cs typeface="Caladea"/>
               </a:rPr>
               <a:t>, </a:t>
             </a:r>
             <a:r>
-              <a:rPr lang="en-US" sz="2000" dirty="0" err="1">
-                <a:solidFill>
-                  <a:srgbClr val="000000"/>
-                </a:solidFill>
-                <a:effectLst/>
-                <a:latin typeface="Times New Roman" panose="02020603050405020304" pitchFamily="18" charset="0"/>
-                <a:ea typeface="Calibri" panose="020F0502020204030204" pitchFamily="34" charset="0"/>
-                <a:cs typeface="Times New Roman" panose="02020603050405020304" pitchFamily="18" charset="0"/>
+              <a:rPr lang="en-IN" sz="2000" dirty="0" err="1">
+                <a:solidFill>
+                  <a:srgbClr val="000000"/>
+                </a:solidFill>
+                <a:effectLst/>
+                <a:latin typeface="Times New Roman" panose="02020603050405020304" pitchFamily="18" charset="0"/>
+                <a:ea typeface="Caladea"/>
+                <a:cs typeface="Caladea"/>
               </a:rPr>
               <a:t>updatedAt</a:t>
             </a:r>
             <a:r>
-              <a:rPr lang="en-US" sz="2000" dirty="0">
-                <a:solidFill>
-                  <a:srgbClr val="000000"/>
-                </a:solidFill>
-                <a:effectLst/>
-                <a:latin typeface="Times New Roman" panose="02020603050405020304" pitchFamily="18" charset="0"/>
-                <a:ea typeface="Calibri" panose="020F0502020204030204" pitchFamily="34" charset="0"/>
-                <a:cs typeface="Times New Roman" panose="02020603050405020304" pitchFamily="18" charset="0"/>
+              <a:rPr lang="en-IN" sz="2000" dirty="0">
+                <a:solidFill>
+                  <a:srgbClr val="000000"/>
+                </a:solidFill>
+                <a:effectLst/>
+                <a:latin typeface="Times New Roman" panose="02020603050405020304" pitchFamily="18" charset="0"/>
+                <a:ea typeface="Caladea"/>
+                <a:cs typeface="Caladea"/>
               </a:rPr>
               <a:t>}</a:t>
             </a:r>
           </a:p>
           <a:p>
-            <a:pPr marL="457200" marR="0" indent="-457200">
+            <a:pPr marL="457200" marR="0" lvl="0" indent="-457200" algn="just">
               <a:lnSpc>
                 <a:spcPct val="150000"/>
               </a:lnSpc>
@@ -5780,9 +6737,100 @@
                 <a:spcPts val="0"/>
               </a:spcAft>
               <a:buFont typeface="+mj-lt"/>
-              <a:buAutoNum type="arabicPeriod" startAt="7"/>
+              <a:buAutoNum type="arabicPeriod" startAt="12"/>
             </a:pPr>
             <a:r>
+              <a:rPr lang="en-US" sz="2000" dirty="0">
+                <a:solidFill>
+                  <a:srgbClr val="000000"/>
+                </a:solidFill>
+                <a:effectLst/>
+                <a:latin typeface="Times New Roman" panose="02020603050405020304" pitchFamily="18" charset="0"/>
+                <a:ea typeface="Caladea"/>
+                <a:cs typeface="Caladea"/>
+              </a:rPr>
+              <a:t>Delivery Boy Table </a:t>
+            </a:r>
+          </a:p>
+          <a:p>
+            <a:pPr marL="0" marR="0" lvl="0" indent="0" algn="just">
+              <a:lnSpc>
+                <a:spcPct val="150000"/>
+              </a:lnSpc>
+              <a:spcBef>
+                <a:spcPts val="0"/>
+              </a:spcBef>
+              <a:spcAft>
+                <a:spcPts val="0"/>
+              </a:spcAft>
+              <a:buNone/>
+            </a:pPr>
+            <a:r>
+              <a:rPr lang="en-US" sz="2000" dirty="0" err="1">
+                <a:solidFill>
+                  <a:srgbClr val="000000"/>
+                </a:solidFill>
+                <a:effectLst/>
+                <a:latin typeface="Times New Roman" panose="02020603050405020304" pitchFamily="18" charset="0"/>
+                <a:ea typeface="Caladea"/>
+                <a:cs typeface="Caladea"/>
+              </a:rPr>
+              <a:t>deliveryboy</a:t>
+            </a:r>
+            <a:r>
+              <a:rPr lang="en-US" sz="2000" dirty="0">
+                <a:solidFill>
+                  <a:srgbClr val="000000"/>
+                </a:solidFill>
+                <a:effectLst/>
+                <a:latin typeface="Times New Roman" panose="02020603050405020304" pitchFamily="18" charset="0"/>
+                <a:ea typeface="Caladea"/>
+                <a:cs typeface="Caladea"/>
+              </a:rPr>
+              <a:t> (ID[PK], Name, Mobile, Password, Status, Added on)</a:t>
+            </a:r>
+          </a:p>
+          <a:p>
+            <a:pPr marL="0" marR="0" lvl="0" indent="0" algn="just">
+              <a:lnSpc>
+                <a:spcPct val="150000"/>
+              </a:lnSpc>
+              <a:spcBef>
+                <a:spcPts val="0"/>
+              </a:spcBef>
+              <a:spcAft>
+                <a:spcPts val="0"/>
+              </a:spcAft>
+              <a:buNone/>
+            </a:pPr>
+            <a:r>
+              <a:rPr lang="en-US" sz="2000" dirty="0">
+                <a:solidFill>
+                  <a:srgbClr val="000000"/>
+                </a:solidFill>
+                <a:effectLst/>
+                <a:latin typeface="Times New Roman" panose="02020603050405020304" pitchFamily="18" charset="0"/>
+                <a:ea typeface="Caladea"/>
+                <a:cs typeface="Caladea"/>
+              </a:rPr>
+              <a:t>FD: ID-&gt; {Name, Mobile, Password, Status, Added on}</a:t>
+            </a:r>
+          </a:p>
+          <a:p>
+            <a:pPr marL="457200" marR="0" lvl="0" indent="-457200" algn="just">
+              <a:lnSpc>
+                <a:spcPct val="150000"/>
+              </a:lnSpc>
+              <a:spcBef>
+                <a:spcPts val="0"/>
+              </a:spcBef>
+              <a:spcAft>
+                <a:spcPts val="0"/>
+              </a:spcAft>
+              <a:buFont typeface="+mj-lt"/>
+              <a:buAutoNum type="arabicPeriod" startAt="13"/>
+            </a:pPr>
+            <a:r>
               <a:rPr lang="en-IN" sz="2000" dirty="0">
                 <a:solidFill>
                   <a:srgbClr val="000000"/>
@@ -5790,470 +6838,193 @@
                 <a:effectLst/>
                 <a:latin typeface="Times New Roman" panose="02020603050405020304" pitchFamily="18" charset="0"/>
                 <a:ea typeface="Caladea"/>
-                <a:cs typeface="Times New Roman" panose="02020603050405020304" pitchFamily="18" charset="0"/>
-              </a:rPr>
-              <a:t>Item Added-On  Table</a:t>
-            </a:r>
+                <a:cs typeface="Caladea"/>
+              </a:rPr>
+              <a:t>Coupon Code Table</a:t>
+            </a:r>
+          </a:p>
+          <a:p>
+            <a:pPr marL="0" marR="0" lvl="0" indent="0" algn="just">
+              <a:lnSpc>
+                <a:spcPct val="150000"/>
+              </a:lnSpc>
+              <a:spcBef>
+                <a:spcPts val="0"/>
+              </a:spcBef>
+              <a:spcAft>
+                <a:spcPts val="0"/>
+              </a:spcAft>
+              <a:buNone/>
+            </a:pPr>
+            <a:r>
+              <a:rPr lang="en-IN" sz="2000" dirty="0" err="1">
+                <a:solidFill>
+                  <a:srgbClr val="000000"/>
+                </a:solidFill>
+                <a:effectLst/>
+                <a:latin typeface="Times New Roman" panose="02020603050405020304" pitchFamily="18" charset="0"/>
+                <a:ea typeface="Caladea"/>
+                <a:cs typeface="Caladea"/>
+              </a:rPr>
+              <a:t>couponcode</a:t>
+            </a:r>
+            <a:r>
+              <a:rPr lang="en-IN" sz="2000" dirty="0">
+                <a:solidFill>
+                  <a:srgbClr val="000000"/>
+                </a:solidFill>
+                <a:effectLst/>
+                <a:latin typeface="Times New Roman" panose="02020603050405020304" pitchFamily="18" charset="0"/>
+                <a:ea typeface="Caladea"/>
+                <a:cs typeface="Caladea"/>
+              </a:rPr>
+              <a:t> (ID[PK], Coupon code, Coupon type, Coupon value, Cart min value, Expired on, Status, </a:t>
+            </a:r>
+            <a:r>
+              <a:rPr lang="en-IN" sz="2000" dirty="0" err="1">
+                <a:solidFill>
+                  <a:srgbClr val="000000"/>
+                </a:solidFill>
+                <a:effectLst/>
+                <a:latin typeface="Times New Roman" panose="02020603050405020304" pitchFamily="18" charset="0"/>
+                <a:ea typeface="Caladea"/>
+                <a:cs typeface="Caladea"/>
+              </a:rPr>
+              <a:t>createdAt</a:t>
+            </a:r>
+            <a:r>
+              <a:rPr lang="en-IN" sz="2000" dirty="0">
+                <a:solidFill>
+                  <a:srgbClr val="000000"/>
+                </a:solidFill>
+                <a:effectLst/>
+                <a:latin typeface="Times New Roman" panose="02020603050405020304" pitchFamily="18" charset="0"/>
+                <a:ea typeface="Caladea"/>
+                <a:cs typeface="Caladea"/>
+              </a:rPr>
+              <a:t>, </a:t>
+            </a:r>
+            <a:r>
+              <a:rPr lang="en-IN" sz="2000" dirty="0" err="1">
+                <a:solidFill>
+                  <a:srgbClr val="000000"/>
+                </a:solidFill>
+                <a:effectLst/>
+                <a:latin typeface="Times New Roman" panose="02020603050405020304" pitchFamily="18" charset="0"/>
+                <a:ea typeface="Caladea"/>
+                <a:cs typeface="Caladea"/>
+              </a:rPr>
+              <a:t>updatedAt</a:t>
+            </a:r>
+            <a:r>
+              <a:rPr lang="en-IN" sz="2000" dirty="0">
+                <a:solidFill>
+                  <a:srgbClr val="000000"/>
+                </a:solidFill>
+                <a:effectLst/>
+                <a:latin typeface="Times New Roman" panose="02020603050405020304" pitchFamily="18" charset="0"/>
+                <a:ea typeface="Caladea"/>
+                <a:cs typeface="Caladea"/>
+              </a:rPr>
+              <a:t>)</a:t>
+            </a:r>
+          </a:p>
+          <a:p>
+            <a:pPr marL="0" marR="0" lvl="0" indent="0" algn="just">
+              <a:lnSpc>
+                <a:spcPct val="150000"/>
+              </a:lnSpc>
+              <a:spcBef>
+                <a:spcPts val="0"/>
+              </a:spcBef>
+              <a:spcAft>
+                <a:spcPts val="0"/>
+              </a:spcAft>
+              <a:buNone/>
+            </a:pPr>
+            <a:r>
+              <a:rPr lang="en-IN" sz="2000" dirty="0">
+                <a:solidFill>
+                  <a:srgbClr val="000000"/>
+                </a:solidFill>
+                <a:effectLst/>
+                <a:latin typeface="Times New Roman" panose="02020603050405020304" pitchFamily="18" charset="0"/>
+                <a:ea typeface="Caladea"/>
+                <a:cs typeface="Caladea"/>
+              </a:rPr>
+              <a:t>FD: ID-&gt; {Coupon code, Coupon type, Coupon value, Cart min value, Expired on, Status, </a:t>
+            </a:r>
+            <a:r>
+              <a:rPr lang="en-IN" sz="2000" dirty="0" err="1">
+                <a:solidFill>
+                  <a:srgbClr val="000000"/>
+                </a:solidFill>
+                <a:effectLst/>
+                <a:latin typeface="Times New Roman" panose="02020603050405020304" pitchFamily="18" charset="0"/>
+                <a:ea typeface="Caladea"/>
+                <a:cs typeface="Caladea"/>
+              </a:rPr>
+              <a:t>createdAt</a:t>
+            </a:r>
+            <a:r>
+              <a:rPr lang="en-IN" sz="2000" dirty="0">
+                <a:solidFill>
+                  <a:srgbClr val="000000"/>
+                </a:solidFill>
+                <a:effectLst/>
+                <a:latin typeface="Times New Roman" panose="02020603050405020304" pitchFamily="18" charset="0"/>
+                <a:ea typeface="Caladea"/>
+                <a:cs typeface="Caladea"/>
+              </a:rPr>
+              <a:t>, </a:t>
+            </a:r>
+            <a:r>
+              <a:rPr lang="en-IN" sz="2000" dirty="0" err="1">
+                <a:solidFill>
+                  <a:srgbClr val="000000"/>
+                </a:solidFill>
+                <a:effectLst/>
+                <a:latin typeface="Times New Roman" panose="02020603050405020304" pitchFamily="18" charset="0"/>
+                <a:ea typeface="Caladea"/>
+                <a:cs typeface="Caladea"/>
+              </a:rPr>
+              <a:t>updatedAt</a:t>
+            </a:r>
+            <a:r>
+              <a:rPr lang="en-IN" sz="2000" dirty="0">
+                <a:solidFill>
+                  <a:srgbClr val="000000"/>
+                </a:solidFill>
+                <a:effectLst/>
+                <a:latin typeface="Times New Roman" panose="02020603050405020304" pitchFamily="18" charset="0"/>
+                <a:ea typeface="Caladea"/>
+                <a:cs typeface="Caladea"/>
+              </a:rPr>
+              <a:t>}</a:t>
+            </a:r>
+          </a:p>
+          <a:p>
+            <a:pPr marL="457200" marR="0" lvl="0" indent="-457200" algn="just">
+              <a:lnSpc>
+                <a:spcPct val="150000"/>
+              </a:lnSpc>
+              <a:spcBef>
+                <a:spcPts val="0"/>
+              </a:spcBef>
+              <a:spcAft>
+                <a:spcPts val="0"/>
+              </a:spcAft>
+              <a:buFont typeface="+mj-lt"/>
+              <a:buAutoNum type="arabicPeriod" startAt="13"/>
+            </a:pPr>
             <a:endParaRPr lang="en-IN" sz="2000" dirty="0">
+              <a:solidFill>
+                <a:srgbClr val="000000"/>
+              </a:solidFill>
               <a:effectLst/>
               <a:latin typeface="Times New Roman" panose="02020603050405020304" pitchFamily="18" charset="0"/>
               <a:ea typeface="Caladea"/>
-              <a:cs typeface="Times New Roman" panose="02020603050405020304" pitchFamily="18" charset="0"/>
-            </a:endParaRPr>
-          </a:p>
-          <a:p>
-            <a:pPr marL="0" marR="0" indent="0" algn="just">
-              <a:lnSpc>
-                <a:spcPct val="150000"/>
-              </a:lnSpc>
-              <a:spcBef>
-                <a:spcPts val="0"/>
-              </a:spcBef>
-              <a:spcAft>
-                <a:spcPts val="0"/>
-              </a:spcAft>
-              <a:buNone/>
-            </a:pPr>
-            <a:r>
-              <a:rPr lang="en-US" sz="2000" dirty="0" err="1">
-                <a:solidFill>
-                  <a:srgbClr val="000000"/>
-                </a:solidFill>
-                <a:effectLst/>
-                <a:latin typeface="Times New Roman" panose="02020603050405020304" pitchFamily="18" charset="0"/>
-                <a:ea typeface="Calibri" panose="020F0502020204030204" pitchFamily="34" charset="0"/>
-                <a:cs typeface="Times New Roman" panose="02020603050405020304" pitchFamily="18" charset="0"/>
-              </a:rPr>
-              <a:t>itemaddedon</a:t>
-            </a:r>
-            <a:r>
-              <a:rPr lang="en-US" sz="2000" dirty="0">
-                <a:solidFill>
-                  <a:srgbClr val="000000"/>
-                </a:solidFill>
-                <a:effectLst/>
-                <a:latin typeface="Times New Roman" panose="02020603050405020304" pitchFamily="18" charset="0"/>
-                <a:ea typeface="Calibri" panose="020F0502020204030204" pitchFamily="34" charset="0"/>
-                <a:cs typeface="Times New Roman" panose="02020603050405020304" pitchFamily="18" charset="0"/>
-              </a:rPr>
-              <a:t> (ID[PK], title, Customer Selection, </a:t>
-            </a:r>
-            <a:r>
-              <a:rPr lang="en-US" sz="2000" dirty="0" err="1">
-                <a:solidFill>
-                  <a:srgbClr val="000000"/>
-                </a:solidFill>
-                <a:effectLst/>
-                <a:latin typeface="Times New Roman" panose="02020603050405020304" pitchFamily="18" charset="0"/>
-                <a:ea typeface="Calibri" panose="020F0502020204030204" pitchFamily="34" charset="0"/>
-                <a:cs typeface="Times New Roman" panose="02020603050405020304" pitchFamily="18" charset="0"/>
-              </a:rPr>
-              <a:t>addedon</a:t>
-            </a:r>
-            <a:r>
-              <a:rPr lang="en-US" sz="2000" dirty="0">
-                <a:solidFill>
-                  <a:srgbClr val="000000"/>
-                </a:solidFill>
-                <a:effectLst/>
-                <a:latin typeface="Times New Roman" panose="02020603050405020304" pitchFamily="18" charset="0"/>
-                <a:ea typeface="Calibri" panose="020F0502020204030204" pitchFamily="34" charset="0"/>
-                <a:cs typeface="Times New Roman" panose="02020603050405020304" pitchFamily="18" charset="0"/>
-              </a:rPr>
-              <a:t> [FK], </a:t>
-            </a:r>
-            <a:r>
-              <a:rPr lang="en-US" sz="2000" dirty="0" err="1">
-                <a:solidFill>
-                  <a:srgbClr val="000000"/>
-                </a:solidFill>
-                <a:effectLst/>
-                <a:latin typeface="Times New Roman" panose="02020603050405020304" pitchFamily="18" charset="0"/>
-                <a:ea typeface="Calibri" panose="020F0502020204030204" pitchFamily="34" charset="0"/>
-                <a:cs typeface="Times New Roman" panose="02020603050405020304" pitchFamily="18" charset="0"/>
-              </a:rPr>
-              <a:t>createdAt</a:t>
-            </a:r>
-            <a:r>
-              <a:rPr lang="en-US" sz="2000" dirty="0">
-                <a:solidFill>
-                  <a:srgbClr val="000000"/>
-                </a:solidFill>
-                <a:effectLst/>
-                <a:latin typeface="Times New Roman" panose="02020603050405020304" pitchFamily="18" charset="0"/>
-                <a:ea typeface="Calibri" panose="020F0502020204030204" pitchFamily="34" charset="0"/>
-                <a:cs typeface="Times New Roman" panose="02020603050405020304" pitchFamily="18" charset="0"/>
-              </a:rPr>
-              <a:t>, </a:t>
-            </a:r>
-            <a:r>
-              <a:rPr lang="en-US" sz="2000" dirty="0" err="1">
-                <a:solidFill>
-                  <a:srgbClr val="000000"/>
-                </a:solidFill>
-                <a:effectLst/>
-                <a:latin typeface="Times New Roman" panose="02020603050405020304" pitchFamily="18" charset="0"/>
-                <a:ea typeface="Calibri" panose="020F0502020204030204" pitchFamily="34" charset="0"/>
-                <a:cs typeface="Times New Roman" panose="02020603050405020304" pitchFamily="18" charset="0"/>
-              </a:rPr>
-              <a:t>updatedAt</a:t>
-            </a:r>
-            <a:r>
-              <a:rPr lang="en-US" sz="2000" dirty="0">
-                <a:solidFill>
-                  <a:srgbClr val="000000"/>
-                </a:solidFill>
-                <a:effectLst/>
-                <a:latin typeface="Times New Roman" panose="02020603050405020304" pitchFamily="18" charset="0"/>
-                <a:ea typeface="Calibri" panose="020F0502020204030204" pitchFamily="34" charset="0"/>
-                <a:cs typeface="Times New Roman" panose="02020603050405020304" pitchFamily="18" charset="0"/>
-              </a:rPr>
-              <a:t>)</a:t>
-            </a:r>
-          </a:p>
-          <a:p>
-            <a:pPr marL="0" marR="0" indent="0" algn="just">
-              <a:lnSpc>
-                <a:spcPct val="150000"/>
-              </a:lnSpc>
-              <a:spcBef>
-                <a:spcPts val="0"/>
-              </a:spcBef>
-              <a:spcAft>
-                <a:spcPts val="0"/>
-              </a:spcAft>
-              <a:buNone/>
-            </a:pPr>
-            <a:r>
-              <a:rPr lang="en-US" sz="2000" dirty="0">
-                <a:solidFill>
-                  <a:srgbClr val="000000"/>
-                </a:solidFill>
-                <a:effectLst/>
-                <a:latin typeface="Times New Roman" panose="02020603050405020304" pitchFamily="18" charset="0"/>
-                <a:ea typeface="Calibri" panose="020F0502020204030204" pitchFamily="34" charset="0"/>
-                <a:cs typeface="Times New Roman" panose="02020603050405020304" pitchFamily="18" charset="0"/>
-              </a:rPr>
-              <a:t>FD: ID-&gt; {title, Customer Selection, </a:t>
-            </a:r>
-            <a:r>
-              <a:rPr lang="en-US" sz="2000" dirty="0" err="1">
-                <a:solidFill>
-                  <a:srgbClr val="000000"/>
-                </a:solidFill>
-                <a:effectLst/>
-                <a:latin typeface="Times New Roman" panose="02020603050405020304" pitchFamily="18" charset="0"/>
-                <a:ea typeface="Calibri" panose="020F0502020204030204" pitchFamily="34" charset="0"/>
-                <a:cs typeface="Times New Roman" panose="02020603050405020304" pitchFamily="18" charset="0"/>
-              </a:rPr>
-              <a:t>addedon</a:t>
-            </a:r>
-            <a:r>
-              <a:rPr lang="en-US" sz="2000" dirty="0">
-                <a:solidFill>
-                  <a:srgbClr val="000000"/>
-                </a:solidFill>
-                <a:effectLst/>
-                <a:latin typeface="Times New Roman" panose="02020603050405020304" pitchFamily="18" charset="0"/>
-                <a:ea typeface="Calibri" panose="020F0502020204030204" pitchFamily="34" charset="0"/>
-                <a:cs typeface="Times New Roman" panose="02020603050405020304" pitchFamily="18" charset="0"/>
-              </a:rPr>
-              <a:t> [FK], </a:t>
-            </a:r>
-            <a:r>
-              <a:rPr lang="en-US" sz="2000" dirty="0" err="1">
-                <a:solidFill>
-                  <a:srgbClr val="000000"/>
-                </a:solidFill>
-                <a:effectLst/>
-                <a:latin typeface="Times New Roman" panose="02020603050405020304" pitchFamily="18" charset="0"/>
-                <a:ea typeface="Calibri" panose="020F0502020204030204" pitchFamily="34" charset="0"/>
-                <a:cs typeface="Times New Roman" panose="02020603050405020304" pitchFamily="18" charset="0"/>
-              </a:rPr>
-              <a:t>createdAt</a:t>
-            </a:r>
-            <a:r>
-              <a:rPr lang="en-US" sz="2000" dirty="0">
-                <a:solidFill>
-                  <a:srgbClr val="000000"/>
-                </a:solidFill>
-                <a:effectLst/>
-                <a:latin typeface="Times New Roman" panose="02020603050405020304" pitchFamily="18" charset="0"/>
-                <a:ea typeface="Calibri" panose="020F0502020204030204" pitchFamily="34" charset="0"/>
-                <a:cs typeface="Times New Roman" panose="02020603050405020304" pitchFamily="18" charset="0"/>
-              </a:rPr>
-              <a:t>, </a:t>
-            </a:r>
-            <a:r>
-              <a:rPr lang="en-US" sz="2000" dirty="0" err="1">
-                <a:solidFill>
-                  <a:srgbClr val="000000"/>
-                </a:solidFill>
-                <a:effectLst/>
-                <a:latin typeface="Times New Roman" panose="02020603050405020304" pitchFamily="18" charset="0"/>
-                <a:ea typeface="Calibri" panose="020F0502020204030204" pitchFamily="34" charset="0"/>
-                <a:cs typeface="Times New Roman" panose="02020603050405020304" pitchFamily="18" charset="0"/>
-              </a:rPr>
-              <a:t>updatedAt</a:t>
-            </a:r>
-            <a:r>
-              <a:rPr lang="en-US" sz="2000" dirty="0">
-                <a:solidFill>
-                  <a:srgbClr val="000000"/>
-                </a:solidFill>
-                <a:effectLst/>
-                <a:latin typeface="Times New Roman" panose="02020603050405020304" pitchFamily="18" charset="0"/>
-                <a:ea typeface="Calibri" panose="020F0502020204030204" pitchFamily="34" charset="0"/>
-                <a:cs typeface="Times New Roman" panose="02020603050405020304" pitchFamily="18" charset="0"/>
-              </a:rPr>
-              <a:t>}</a:t>
-            </a:r>
-          </a:p>
-          <a:p>
-            <a:pPr marL="457200" marR="0" indent="-457200" algn="just">
-              <a:lnSpc>
-                <a:spcPct val="150000"/>
-              </a:lnSpc>
-              <a:spcBef>
-                <a:spcPts val="0"/>
-              </a:spcBef>
-              <a:spcAft>
-                <a:spcPts val="0"/>
-              </a:spcAft>
-              <a:buFont typeface="+mj-lt"/>
-              <a:buAutoNum type="arabicPeriod" startAt="8"/>
-            </a:pPr>
-            <a:r>
-              <a:rPr lang="en-IN" sz="2000" dirty="0">
-                <a:solidFill>
-                  <a:srgbClr val="000000"/>
-                </a:solidFill>
-                <a:effectLst/>
-                <a:latin typeface="Times New Roman" panose="02020603050405020304" pitchFamily="18" charset="0"/>
-                <a:ea typeface="Caladea"/>
-                <a:cs typeface="Times New Roman" panose="02020603050405020304" pitchFamily="18" charset="0"/>
-              </a:rPr>
-              <a:t>Item Add Extra  Table</a:t>
-            </a:r>
-            <a:endParaRPr lang="en-IN" sz="2000" dirty="0">
-              <a:effectLst/>
-              <a:latin typeface="Times New Roman" panose="02020603050405020304" pitchFamily="18" charset="0"/>
-              <a:ea typeface="Caladea"/>
-              <a:cs typeface="Times New Roman" panose="02020603050405020304" pitchFamily="18" charset="0"/>
-            </a:endParaRPr>
-          </a:p>
-          <a:p>
-            <a:pPr marL="0" marR="0" indent="0" algn="just">
-              <a:lnSpc>
-                <a:spcPct val="150000"/>
-              </a:lnSpc>
-              <a:spcBef>
-                <a:spcPts val="0"/>
-              </a:spcBef>
-              <a:spcAft>
-                <a:spcPts val="0"/>
-              </a:spcAft>
-              <a:buNone/>
-            </a:pPr>
-            <a:r>
-              <a:rPr lang="en-IN" sz="2000" dirty="0" err="1">
-                <a:solidFill>
-                  <a:srgbClr val="000000"/>
-                </a:solidFill>
-                <a:effectLst/>
-                <a:latin typeface="Times New Roman" panose="02020603050405020304" pitchFamily="18" charset="0"/>
-                <a:ea typeface="Calibri" panose="020F0502020204030204" pitchFamily="34" charset="0"/>
-                <a:cs typeface="Times New Roman" panose="02020603050405020304" pitchFamily="18" charset="0"/>
-              </a:rPr>
-              <a:t>itemaddextra</a:t>
-            </a:r>
-            <a:r>
-              <a:rPr lang="en-IN" sz="2000" dirty="0">
-                <a:solidFill>
-                  <a:srgbClr val="000000"/>
-                </a:solidFill>
-                <a:effectLst/>
-                <a:latin typeface="Times New Roman" panose="02020603050405020304" pitchFamily="18" charset="0"/>
-                <a:ea typeface="Calibri" panose="020F0502020204030204" pitchFamily="34" charset="0"/>
-                <a:cs typeface="Times New Roman" panose="02020603050405020304" pitchFamily="18" charset="0"/>
-              </a:rPr>
-              <a:t> (ID[PK], title, Customer Selection, </a:t>
-            </a:r>
-            <a:r>
-              <a:rPr lang="en-IN" sz="2000" dirty="0" err="1">
-                <a:solidFill>
-                  <a:srgbClr val="000000"/>
-                </a:solidFill>
-                <a:effectLst/>
-                <a:latin typeface="Times New Roman" panose="02020603050405020304" pitchFamily="18" charset="0"/>
-                <a:ea typeface="Calibri" panose="020F0502020204030204" pitchFamily="34" charset="0"/>
-                <a:cs typeface="Times New Roman" panose="02020603050405020304" pitchFamily="18" charset="0"/>
-              </a:rPr>
-              <a:t>addextra</a:t>
-            </a:r>
-            <a:r>
-              <a:rPr lang="en-IN" sz="2000" dirty="0">
-                <a:solidFill>
-                  <a:srgbClr val="000000"/>
-                </a:solidFill>
-                <a:effectLst/>
-                <a:latin typeface="Times New Roman" panose="02020603050405020304" pitchFamily="18" charset="0"/>
-                <a:ea typeface="Calibri" panose="020F0502020204030204" pitchFamily="34" charset="0"/>
-                <a:cs typeface="Times New Roman" panose="02020603050405020304" pitchFamily="18" charset="0"/>
-              </a:rPr>
-              <a:t> [FK], </a:t>
-            </a:r>
-            <a:r>
-              <a:rPr lang="en-IN" sz="2000" dirty="0" err="1">
-                <a:solidFill>
-                  <a:srgbClr val="000000"/>
-                </a:solidFill>
-                <a:effectLst/>
-                <a:latin typeface="Times New Roman" panose="02020603050405020304" pitchFamily="18" charset="0"/>
-                <a:ea typeface="Calibri" panose="020F0502020204030204" pitchFamily="34" charset="0"/>
-                <a:cs typeface="Times New Roman" panose="02020603050405020304" pitchFamily="18" charset="0"/>
-              </a:rPr>
-              <a:t>createdAt</a:t>
-            </a:r>
-            <a:r>
-              <a:rPr lang="en-IN" sz="2000" dirty="0">
-                <a:solidFill>
-                  <a:srgbClr val="000000"/>
-                </a:solidFill>
-                <a:effectLst/>
-                <a:latin typeface="Times New Roman" panose="02020603050405020304" pitchFamily="18" charset="0"/>
-                <a:ea typeface="Calibri" panose="020F0502020204030204" pitchFamily="34" charset="0"/>
-                <a:cs typeface="Times New Roman" panose="02020603050405020304" pitchFamily="18" charset="0"/>
-              </a:rPr>
-              <a:t>, </a:t>
-            </a:r>
-            <a:r>
-              <a:rPr lang="en-IN" sz="2000" dirty="0" err="1">
-                <a:solidFill>
-                  <a:srgbClr val="000000"/>
-                </a:solidFill>
-                <a:effectLst/>
-                <a:latin typeface="Times New Roman" panose="02020603050405020304" pitchFamily="18" charset="0"/>
-                <a:ea typeface="Calibri" panose="020F0502020204030204" pitchFamily="34" charset="0"/>
-                <a:cs typeface="Times New Roman" panose="02020603050405020304" pitchFamily="18" charset="0"/>
-              </a:rPr>
-              <a:t>updatedAt</a:t>
-            </a:r>
-            <a:r>
-              <a:rPr lang="en-IN" sz="2000" dirty="0">
-                <a:solidFill>
-                  <a:srgbClr val="000000"/>
-                </a:solidFill>
-                <a:effectLst/>
-                <a:latin typeface="Times New Roman" panose="02020603050405020304" pitchFamily="18" charset="0"/>
-                <a:ea typeface="Calibri" panose="020F0502020204030204" pitchFamily="34" charset="0"/>
-                <a:cs typeface="Times New Roman" panose="02020603050405020304" pitchFamily="18" charset="0"/>
-              </a:rPr>
-              <a:t>)</a:t>
-            </a:r>
-          </a:p>
-          <a:p>
-            <a:pPr marL="0" marR="0" indent="0" algn="just">
-              <a:lnSpc>
-                <a:spcPct val="150000"/>
-              </a:lnSpc>
-              <a:spcBef>
-                <a:spcPts val="0"/>
-              </a:spcBef>
-              <a:spcAft>
-                <a:spcPts val="0"/>
-              </a:spcAft>
-              <a:buNone/>
-            </a:pPr>
-            <a:r>
-              <a:rPr lang="en-US" sz="2000" dirty="0">
-                <a:solidFill>
-                  <a:srgbClr val="000000"/>
-                </a:solidFill>
-                <a:effectLst/>
-                <a:latin typeface="Times New Roman" panose="02020603050405020304" pitchFamily="18" charset="0"/>
-                <a:ea typeface="Calibri" panose="020F0502020204030204" pitchFamily="34" charset="0"/>
-                <a:cs typeface="Times New Roman" panose="02020603050405020304" pitchFamily="18" charset="0"/>
-              </a:rPr>
-              <a:t>FD: ID-&gt; {title, Customer Selection, </a:t>
-            </a:r>
-            <a:r>
-              <a:rPr lang="en-US" sz="2000" dirty="0" err="1">
-                <a:solidFill>
-                  <a:srgbClr val="000000"/>
-                </a:solidFill>
-                <a:effectLst/>
-                <a:latin typeface="Times New Roman" panose="02020603050405020304" pitchFamily="18" charset="0"/>
-                <a:ea typeface="Calibri" panose="020F0502020204030204" pitchFamily="34" charset="0"/>
-                <a:cs typeface="Times New Roman" panose="02020603050405020304" pitchFamily="18" charset="0"/>
-              </a:rPr>
-              <a:t>addextra</a:t>
-            </a:r>
-            <a:r>
-              <a:rPr lang="en-US" sz="2000" dirty="0">
-                <a:solidFill>
-                  <a:srgbClr val="000000"/>
-                </a:solidFill>
-                <a:effectLst/>
-                <a:latin typeface="Times New Roman" panose="02020603050405020304" pitchFamily="18" charset="0"/>
-                <a:ea typeface="Calibri" panose="020F0502020204030204" pitchFamily="34" charset="0"/>
-                <a:cs typeface="Times New Roman" panose="02020603050405020304" pitchFamily="18" charset="0"/>
-              </a:rPr>
-              <a:t> [FK], </a:t>
-            </a:r>
-            <a:r>
-              <a:rPr lang="en-US" sz="2000" dirty="0" err="1">
-                <a:solidFill>
-                  <a:srgbClr val="000000"/>
-                </a:solidFill>
-                <a:effectLst/>
-                <a:latin typeface="Times New Roman" panose="02020603050405020304" pitchFamily="18" charset="0"/>
-                <a:ea typeface="Calibri" panose="020F0502020204030204" pitchFamily="34" charset="0"/>
-                <a:cs typeface="Times New Roman" panose="02020603050405020304" pitchFamily="18" charset="0"/>
-              </a:rPr>
-              <a:t>createdAt</a:t>
-            </a:r>
-            <a:r>
-              <a:rPr lang="en-US" sz="2000" dirty="0">
-                <a:solidFill>
-                  <a:srgbClr val="000000"/>
-                </a:solidFill>
-                <a:effectLst/>
-                <a:latin typeface="Times New Roman" panose="02020603050405020304" pitchFamily="18" charset="0"/>
-                <a:ea typeface="Calibri" panose="020F0502020204030204" pitchFamily="34" charset="0"/>
-                <a:cs typeface="Times New Roman" panose="02020603050405020304" pitchFamily="18" charset="0"/>
-              </a:rPr>
-              <a:t>, </a:t>
-            </a:r>
-            <a:r>
-              <a:rPr lang="en-US" sz="2000" dirty="0" err="1">
-                <a:solidFill>
-                  <a:srgbClr val="000000"/>
-                </a:solidFill>
-                <a:effectLst/>
-                <a:latin typeface="Times New Roman" panose="02020603050405020304" pitchFamily="18" charset="0"/>
-                <a:ea typeface="Calibri" panose="020F0502020204030204" pitchFamily="34" charset="0"/>
-                <a:cs typeface="Times New Roman" panose="02020603050405020304" pitchFamily="18" charset="0"/>
-              </a:rPr>
-              <a:t>updatedAt</a:t>
-            </a:r>
-            <a:r>
-              <a:rPr lang="en-US" sz="2000" dirty="0">
-                <a:solidFill>
-                  <a:srgbClr val="000000"/>
-                </a:solidFill>
-                <a:effectLst/>
-                <a:latin typeface="Times New Roman" panose="02020603050405020304" pitchFamily="18" charset="0"/>
-                <a:ea typeface="Calibri" panose="020F0502020204030204" pitchFamily="34" charset="0"/>
-                <a:cs typeface="Times New Roman" panose="02020603050405020304" pitchFamily="18" charset="0"/>
-              </a:rPr>
-              <a:t>}</a:t>
-            </a:r>
-            <a:endParaRPr lang="en-IN" sz="2000" dirty="0">
-              <a:effectLst/>
-              <a:latin typeface="Times New Roman" panose="02020603050405020304" pitchFamily="18" charset="0"/>
-              <a:ea typeface="Calibri" panose="020F0502020204030204" pitchFamily="34" charset="0"/>
-              <a:cs typeface="Times New Roman" panose="02020603050405020304" pitchFamily="18" charset="0"/>
+              <a:cs typeface="Caladea"/>
             </a:endParaRPr>
           </a:p>
         </p:txBody>
@@ -6261,7 +7032,7 @@
     </p:spTree>
     <p:extLst>
       <p:ext uri="{BB962C8B-B14F-4D97-AF65-F5344CB8AC3E}">
-        <p14:creationId xmlns:p14="http://schemas.microsoft.com/office/powerpoint/2010/main" val="3069551671"/>
+        <p14:creationId xmlns:p14="http://schemas.microsoft.com/office/powerpoint/2010/main" val="3013044065"/>
       </p:ext>
     </p:extLst>
   </p:cSld>
@@ -6272,7 +7043,7 @@
 </file>
 
 <file path=ppt/slides/slide2.xml><?xml version="1.0" encoding="utf-8"?>
-<p:sld xmlns:a="http://schemas.openxmlformats.org/drawingml/2006/main" xmlns:r="http://schemas.openxmlformats.org/officeDocument/2006/relationships" xmlns:p="http://schemas.openxmlformats.org/presentationml/2006/main" show="0">
+<p:sld xmlns:a="http://schemas.openxmlformats.org/drawingml/2006/main" xmlns:r="http://schemas.openxmlformats.org/officeDocument/2006/relationships" xmlns:p="http://schemas.openxmlformats.org/presentationml/2006/main">
   <p:cSld>
     <p:spTree>
       <p:nvGrpSpPr>
@@ -6293,7 +7064,7 @@
           <p:cNvPr id="2" name="Title 1">
             <a:extLst>
               <a:ext uri="{FF2B5EF4-FFF2-40B4-BE49-F238E27FC236}">
-                <a16:creationId xmlns:a16="http://schemas.microsoft.com/office/drawing/2014/main" id="{0CA1E7EF-E110-40EF-BA72-470B63EA48BD}"/>
+                <a16:creationId xmlns:a16="http://schemas.microsoft.com/office/drawing/2014/main" id="{C5026D42-71B4-4CB1-98A3-41F109700C02}"/>
               </a:ext>
             </a:extLst>
           </p:cNvPr>
@@ -6304,22 +7075,144 @@
             <p:ph type="title"/>
           </p:nvPr>
         </p:nvSpPr>
-        <p:spPr/>
+        <p:spPr>
+          <a:xfrm>
+            <a:off x="628650" y="612742"/>
+            <a:ext cx="7886700" cy="550046"/>
+          </a:xfrm>
+        </p:spPr>
         <p:txBody>
-          <a:bodyPr/>
+          <a:bodyPr>
+            <a:normAutofit/>
+          </a:bodyPr>
           <a:lstStyle/>
           <a:p>
-            <a:r>
-              <a:rPr lang="en-IN" dirty="0"/>
-              <a:t>Index</a:t>
-            </a:r>
+            <a:pPr algn="ctr"/>
+            <a:r>
+              <a:rPr lang="en-IN" sz="2800" b="1" dirty="0">
+                <a:latin typeface="Times New Roman" panose="02020603050405020304" pitchFamily="18" charset="0"/>
+                <a:cs typeface="Times New Roman" panose="02020603050405020304" pitchFamily="18" charset="0"/>
+              </a:rPr>
+              <a:t>Introduction</a:t>
+            </a:r>
+          </a:p>
+        </p:txBody>
+      </p:sp>
+      <p:sp>
+        <p:nvSpPr>
+          <p:cNvPr id="3" name="Content Placeholder 2">
+            <a:extLst>
+              <a:ext uri="{FF2B5EF4-FFF2-40B4-BE49-F238E27FC236}">
+                <a16:creationId xmlns:a16="http://schemas.microsoft.com/office/drawing/2014/main" id="{9EF6E839-31F9-45F4-AB65-E183948F3C36}"/>
+              </a:ext>
+            </a:extLst>
+          </p:cNvPr>
+          <p:cNvSpPr>
+            <a:spLocks noGrp="1"/>
+          </p:cNvSpPr>
+          <p:nvPr>
+            <p:ph idx="1"/>
+          </p:nvPr>
+        </p:nvSpPr>
+        <p:spPr>
+          <a:xfrm>
+            <a:off x="522774" y="1460669"/>
+            <a:ext cx="7886700" cy="4824637"/>
+          </a:xfrm>
+        </p:spPr>
+        <p:txBody>
+          <a:bodyPr>
+            <a:noAutofit/>
+          </a:bodyPr>
+          <a:lstStyle/>
+          <a:p>
+            <a:pPr algn="just">
+              <a:lnSpc>
+                <a:spcPct val="120000"/>
+              </a:lnSpc>
+              <a:buFont typeface="Courier New" panose="02070309020205020404" pitchFamily="49" charset="0"/>
+              <a:buChar char="o"/>
+            </a:pPr>
+            <a:r>
+              <a:rPr lang="en-US" sz="2200" dirty="0">
+                <a:latin typeface="Times New Roman" panose="02020603050405020304" pitchFamily="18" charset="0"/>
+                <a:cs typeface="Times New Roman" panose="02020603050405020304" pitchFamily="18" charset="0"/>
+              </a:rPr>
+              <a:t>In earlier days, all restaurants can use manual ways to store their data and records so maintaining a large amount of data was difficult.</a:t>
+            </a:r>
+          </a:p>
+          <a:p>
+            <a:pPr algn="just">
+              <a:lnSpc>
+                <a:spcPct val="120000"/>
+              </a:lnSpc>
+              <a:buFont typeface="Courier New" panose="02070309020205020404" pitchFamily="49" charset="0"/>
+              <a:buChar char="o"/>
+            </a:pPr>
+            <a:r>
+              <a:rPr lang="en-US" sz="2200" dirty="0">
+                <a:latin typeface="Times New Roman" panose="02020603050405020304" pitchFamily="18" charset="0"/>
+                <a:cs typeface="Times New Roman" panose="02020603050405020304" pitchFamily="18" charset="0"/>
+              </a:rPr>
+              <a:t>They need full function software to maintain their day-to-day life transaction, order, cash transaction, and customer feedback. Because of large data, they need some features or systems which can maintain and stores the data or records accurately.</a:t>
+            </a:r>
+          </a:p>
+          <a:p>
+            <a:pPr algn="just">
+              <a:lnSpc>
+                <a:spcPct val="120000"/>
+              </a:lnSpc>
+              <a:buFont typeface="Courier New" panose="02070309020205020404" pitchFamily="49" charset="0"/>
+              <a:buChar char="o"/>
+            </a:pPr>
+            <a:r>
+              <a:rPr lang="en-US" sz="2200" dirty="0">
+                <a:latin typeface="Times New Roman" panose="02020603050405020304" pitchFamily="18" charset="0"/>
+                <a:cs typeface="Times New Roman" panose="02020603050405020304" pitchFamily="18" charset="0"/>
+              </a:rPr>
+              <a:t>The Billy reduces the manual works and improves the efficiency of the store. </a:t>
+            </a:r>
+          </a:p>
+          <a:p>
+            <a:pPr algn="just">
+              <a:lnSpc>
+                <a:spcPct val="120000"/>
+              </a:lnSpc>
+              <a:buFont typeface="Courier New" panose="02070309020205020404" pitchFamily="49" charset="0"/>
+              <a:buChar char="o"/>
+            </a:pPr>
+            <a:r>
+              <a:rPr lang="en-US" sz="2200" dirty="0">
+                <a:latin typeface="Times New Roman" panose="02020603050405020304" pitchFamily="18" charset="0"/>
+                <a:cs typeface="Times New Roman" panose="02020603050405020304" pitchFamily="18" charset="0"/>
+              </a:rPr>
+              <a:t>To remove all the disadvantages of conventional methods, a system is proposed which is an </a:t>
+            </a:r>
+            <a:r>
+              <a:rPr lang="en-US" sz="2200" b="1" dirty="0">
+                <a:latin typeface="Times New Roman" panose="02020603050405020304" pitchFamily="18" charset="0"/>
+                <a:cs typeface="Times New Roman" panose="02020603050405020304" pitchFamily="18" charset="0"/>
+              </a:rPr>
+              <a:t>Billy</a:t>
+            </a:r>
+            <a:r>
+              <a:rPr lang="en-US" sz="2200" dirty="0">
+                <a:latin typeface="Times New Roman" panose="02020603050405020304" pitchFamily="18" charset="0"/>
+                <a:cs typeface="Times New Roman" panose="02020603050405020304" pitchFamily="18" charset="0"/>
+              </a:rPr>
+              <a:t>.</a:t>
+            </a:r>
+            <a:endParaRPr lang="en-IN" sz="2200" dirty="0">
+              <a:latin typeface="Times New Roman" panose="02020603050405020304" pitchFamily="18" charset="0"/>
+              <a:cs typeface="Times New Roman" panose="02020603050405020304" pitchFamily="18" charset="0"/>
+            </a:endParaRPr>
           </a:p>
         </p:txBody>
       </p:sp>
     </p:spTree>
     <p:extLst>
       <p:ext uri="{BB962C8B-B14F-4D97-AF65-F5344CB8AC3E}">
-        <p14:creationId xmlns:p14="http://schemas.microsoft.com/office/powerpoint/2010/main" val="3794951923"/>
+        <p14:creationId xmlns:p14="http://schemas.microsoft.com/office/powerpoint/2010/main" val="183441732"/>
       </p:ext>
     </p:extLst>
   </p:cSld>
@@ -6403,8 +7296,8 @@
         </p:nvSpPr>
         <p:spPr>
           <a:xfrm>
-            <a:off x="628649" y="1013335"/>
-            <a:ext cx="7991475" cy="5589597"/>
+            <a:off x="628650" y="945954"/>
+            <a:ext cx="7886700" cy="5683446"/>
           </a:xfrm>
         </p:spPr>
         <p:txBody>
@@ -6424,29 +7317,23 @@
                 <a:spcPts val="0"/>
               </a:spcAft>
               <a:buFont typeface="+mj-lt"/>
-              <a:buAutoNum type="arabicPeriod" startAt="9"/>
+              <a:buAutoNum type="arabicPeriod" startAt="14"/>
             </a:pPr>
             <a:r>
-              <a:rPr lang="en-IN" sz="2000" dirty="0">
-                <a:solidFill>
-                  <a:srgbClr val="000000"/>
-                </a:solidFill>
-                <a:effectLst/>
-                <a:latin typeface="Times New Roman" panose="02020603050405020304" pitchFamily="18" charset="0"/>
-                <a:ea typeface="Caladea"/>
-                <a:cs typeface="Times New Roman" panose="02020603050405020304" pitchFamily="18" charset="0"/>
-              </a:rPr>
-              <a:t>Variant Table</a:t>
-            </a:r>
-            <a:endParaRPr lang="en-IN" sz="2000" dirty="0">
-              <a:effectLst/>
-              <a:latin typeface="Times New Roman" panose="02020603050405020304" pitchFamily="18" charset="0"/>
-              <a:ea typeface="Caladea"/>
-              <a:cs typeface="Times New Roman" panose="02020603050405020304" pitchFamily="18" charset="0"/>
-            </a:endParaRPr>
-          </a:p>
-          <a:p>
-            <a:pPr marL="0" marR="0" indent="0" algn="just">
+              <a:rPr lang="en-US" sz="2000" dirty="0">
+                <a:solidFill>
+                  <a:srgbClr val="000000"/>
+                </a:solidFill>
+                <a:effectLst/>
+                <a:latin typeface="Times New Roman" panose="02020603050405020304" pitchFamily="18" charset="0"/>
+                <a:ea typeface="Caladea"/>
+                <a:cs typeface="Caladea"/>
+              </a:rPr>
+              <a:t>Billing Address Table</a:t>
+            </a:r>
+          </a:p>
+          <a:p>
+            <a:pPr marL="0" marR="0" lvl="0" indent="0" algn="just">
               <a:lnSpc>
                 <a:spcPct val="150000"/>
               </a:lnSpc>
@@ -6459,16 +7346,28 @@
               <a:buNone/>
             </a:pPr>
             <a:r>
+              <a:rPr lang="en-US" sz="2000" dirty="0" err="1">
+                <a:solidFill>
+                  <a:srgbClr val="000000"/>
+                </a:solidFill>
+                <a:effectLst/>
+                <a:latin typeface="Times New Roman" panose="02020603050405020304" pitchFamily="18" charset="0"/>
+                <a:ea typeface="Caladea"/>
+                <a:cs typeface="Caladea"/>
+              </a:rPr>
+              <a:t>billingaddress</a:t>
+            </a:r>
+            <a:r>
               <a:rPr lang="en-US" sz="2000" dirty="0">
                 <a:solidFill>
                   <a:srgbClr val="000000"/>
                 </a:solidFill>
                 <a:effectLst/>
                 <a:latin typeface="Times New Roman" panose="02020603050405020304" pitchFamily="18" charset="0"/>
-                <a:ea typeface="Calibri" panose="020F0502020204030204" pitchFamily="34" charset="0"/>
-                <a:cs typeface="Times New Roman" panose="02020603050405020304" pitchFamily="18" charset="0"/>
-              </a:rPr>
-              <a:t>variant (ID[PK], Name, UOM, Price, Sales Price, Status, </a:t>
+                <a:ea typeface="Caladea"/>
+                <a:cs typeface="Caladea"/>
+              </a:rPr>
+              <a:t> (ID[PK], Title, Address, Country, State, City, Pin Code, </a:t>
             </a:r>
             <a:r>
               <a:rPr lang="en-US" sz="2000" dirty="0" err="1">
@@ -6477,8 +7376,8 @@
                 </a:solidFill>
                 <a:effectLst/>
                 <a:latin typeface="Times New Roman" panose="02020603050405020304" pitchFamily="18" charset="0"/>
-                <a:ea typeface="Calibri" panose="020F0502020204030204" pitchFamily="34" charset="0"/>
-                <a:cs typeface="Times New Roman" panose="02020603050405020304" pitchFamily="18" charset="0"/>
+                <a:ea typeface="Caladea"/>
+                <a:cs typeface="Caladea"/>
               </a:rPr>
               <a:t>createdAt</a:t>
             </a:r>
@@ -6489,8 +7388,8 @@
                 </a:solidFill>
                 <a:effectLst/>
                 <a:latin typeface="Times New Roman" panose="02020603050405020304" pitchFamily="18" charset="0"/>
-                <a:ea typeface="Calibri" panose="020F0502020204030204" pitchFamily="34" charset="0"/>
-                <a:cs typeface="Times New Roman" panose="02020603050405020304" pitchFamily="18" charset="0"/>
+                <a:ea typeface="Caladea"/>
+                <a:cs typeface="Caladea"/>
               </a:rPr>
               <a:t>, </a:t>
             </a:r>
@@ -6501,8 +7400,8 @@
                 </a:solidFill>
                 <a:effectLst/>
                 <a:latin typeface="Times New Roman" panose="02020603050405020304" pitchFamily="18" charset="0"/>
-                <a:ea typeface="Calibri" panose="020F0502020204030204" pitchFamily="34" charset="0"/>
-                <a:cs typeface="Times New Roman" panose="02020603050405020304" pitchFamily="18" charset="0"/>
+                <a:ea typeface="Caladea"/>
+                <a:cs typeface="Caladea"/>
               </a:rPr>
               <a:t>updatedAt</a:t>
             </a:r>
@@ -6513,14 +7412,14 @@
                 </a:solidFill>
                 <a:effectLst/>
                 <a:latin typeface="Times New Roman" panose="02020603050405020304" pitchFamily="18" charset="0"/>
-                <a:ea typeface="Calibri" panose="020F0502020204030204" pitchFamily="34" charset="0"/>
-                <a:cs typeface="Times New Roman" panose="02020603050405020304" pitchFamily="18" charset="0"/>
+                <a:ea typeface="Caladea"/>
+                <a:cs typeface="Caladea"/>
               </a:rPr>
               <a:t>)</a:t>
             </a:r>
           </a:p>
           <a:p>
-            <a:pPr marL="0" marR="0" indent="0" algn="just">
+            <a:pPr marL="0" marR="0" lvl="0" indent="0" algn="just">
               <a:lnSpc>
                 <a:spcPct val="150000"/>
               </a:lnSpc>
@@ -6539,10 +7438,10 @@
                 </a:solidFill>
                 <a:effectLst/>
                 <a:latin typeface="Times New Roman" panose="02020603050405020304" pitchFamily="18" charset="0"/>
-                <a:ea typeface="Calibri" panose="020F0502020204030204" pitchFamily="34" charset="0"/>
-                <a:cs typeface="Times New Roman" panose="02020603050405020304" pitchFamily="18" charset="0"/>
-              </a:rPr>
-              <a:t>FD:ID -&gt; {Name, UOM, Price, Sales Price, Status, </a:t>
+                <a:ea typeface="Caladea"/>
+                <a:cs typeface="Caladea"/>
+              </a:rPr>
+              <a:t>FD: ID-&gt; {Title, Address, Country, State, City, Pin Code, </a:t>
             </a:r>
             <a:r>
               <a:rPr lang="en-US" sz="2000" dirty="0" err="1">
@@ -6551,8 +7450,8 @@
                 </a:solidFill>
                 <a:effectLst/>
                 <a:latin typeface="Times New Roman" panose="02020603050405020304" pitchFamily="18" charset="0"/>
-                <a:ea typeface="Calibri" panose="020F0502020204030204" pitchFamily="34" charset="0"/>
-                <a:cs typeface="Times New Roman" panose="02020603050405020304" pitchFamily="18" charset="0"/>
+                <a:ea typeface="Caladea"/>
+                <a:cs typeface="Caladea"/>
               </a:rPr>
               <a:t>createdAt</a:t>
             </a:r>
@@ -6563,8 +7462,8 @@
                 </a:solidFill>
                 <a:effectLst/>
                 <a:latin typeface="Times New Roman" panose="02020603050405020304" pitchFamily="18" charset="0"/>
-                <a:ea typeface="Calibri" panose="020F0502020204030204" pitchFamily="34" charset="0"/>
-                <a:cs typeface="Times New Roman" panose="02020603050405020304" pitchFamily="18" charset="0"/>
+                <a:ea typeface="Caladea"/>
+                <a:cs typeface="Caladea"/>
               </a:rPr>
               <a:t>, </a:t>
             </a:r>
@@ -6575,8 +7474,8 @@
                 </a:solidFill>
                 <a:effectLst/>
                 <a:latin typeface="Times New Roman" panose="02020603050405020304" pitchFamily="18" charset="0"/>
-                <a:ea typeface="Calibri" panose="020F0502020204030204" pitchFamily="34" charset="0"/>
-                <a:cs typeface="Times New Roman" panose="02020603050405020304" pitchFamily="18" charset="0"/>
+                <a:ea typeface="Caladea"/>
+                <a:cs typeface="Caladea"/>
               </a:rPr>
               <a:t>updatedAt</a:t>
             </a:r>
@@ -6587,14 +7486,14 @@
                 </a:solidFill>
                 <a:effectLst/>
                 <a:latin typeface="Times New Roman" panose="02020603050405020304" pitchFamily="18" charset="0"/>
-                <a:ea typeface="Calibri" panose="020F0502020204030204" pitchFamily="34" charset="0"/>
-                <a:cs typeface="Times New Roman" panose="02020603050405020304" pitchFamily="18" charset="0"/>
+                <a:ea typeface="Caladea"/>
+                <a:cs typeface="Caladea"/>
               </a:rPr>
               <a:t>}</a:t>
             </a:r>
           </a:p>
           <a:p>
-            <a:pPr marL="457200" marR="0" indent="-457200" algn="just">
+            <a:pPr marL="457200" marR="0" lvl="0" indent="-457200" algn="just">
               <a:lnSpc>
                 <a:spcPct val="150000"/>
               </a:lnSpc>
@@ -6605,23 +7504,23 @@
                 <a:spcPts val="0"/>
               </a:spcAft>
               <a:buFont typeface="+mj-lt"/>
-              <a:buAutoNum type="arabicPeriod" startAt="10"/>
+              <a:buAutoNum type="arabicPeriod" startAt="15"/>
             </a:pPr>
             <a:r>
-              <a:rPr lang="en-US" sz="2000" dirty="0">
-                <a:solidFill>
-                  <a:srgbClr val="000000"/>
-                </a:solidFill>
-                <a:effectLst/>
-                <a:latin typeface="Times New Roman" panose="02020603050405020304" pitchFamily="18" charset="0"/>
-                <a:ea typeface="Calibri" panose="020F0502020204030204" pitchFamily="34" charset="0"/>
-                <a:cs typeface="Times New Roman" panose="02020603050405020304" pitchFamily="18" charset="0"/>
-              </a:rPr>
-              <a:t>Item Table</a:t>
-            </a:r>
-          </a:p>
-          <a:p>
-            <a:pPr marL="0" marR="0" indent="0" algn="just">
+              <a:rPr lang="en-IN" sz="2000" dirty="0">
+                <a:solidFill>
+                  <a:srgbClr val="000000"/>
+                </a:solidFill>
+                <a:effectLst/>
+                <a:latin typeface="Times New Roman" panose="02020603050405020304" pitchFamily="18" charset="0"/>
+                <a:ea typeface="Caladea"/>
+                <a:cs typeface="Caladea"/>
+              </a:rPr>
+              <a:t>Customer Table</a:t>
+            </a:r>
+          </a:p>
+          <a:p>
+            <a:pPr marL="0" marR="0" lvl="0" indent="0" algn="just">
               <a:lnSpc>
                 <a:spcPct val="150000"/>
               </a:lnSpc>
@@ -6634,116 +7533,68 @@
               <a:buNone/>
             </a:pPr>
             <a:r>
-              <a:rPr lang="en-US" sz="2000" dirty="0">
-                <a:solidFill>
-                  <a:srgbClr val="000000"/>
-                </a:solidFill>
-                <a:effectLst/>
-                <a:latin typeface="Times New Roman" panose="02020603050405020304" pitchFamily="18" charset="0"/>
-                <a:ea typeface="Calibri" panose="020F0502020204030204" pitchFamily="34" charset="0"/>
-                <a:cs typeface="Times New Roman" panose="02020603050405020304" pitchFamily="18" charset="0"/>
-              </a:rPr>
-              <a:t>item (ID[PK], restaurant [FK], category [FK], variant [FK], Name, Type, Description, </a:t>
-            </a:r>
-            <a:r>
-              <a:rPr lang="en-US" sz="2000" dirty="0" err="1">
-                <a:solidFill>
-                  <a:srgbClr val="000000"/>
-                </a:solidFill>
-                <a:effectLst/>
-                <a:latin typeface="Times New Roman" panose="02020603050405020304" pitchFamily="18" charset="0"/>
-                <a:ea typeface="Calibri" panose="020F0502020204030204" pitchFamily="34" charset="0"/>
-                <a:cs typeface="Times New Roman" panose="02020603050405020304" pitchFamily="18" charset="0"/>
-              </a:rPr>
-              <a:t>itemaddedon</a:t>
-            </a:r>
-            <a:r>
-              <a:rPr lang="en-US" sz="2000" dirty="0">
-                <a:solidFill>
-                  <a:srgbClr val="000000"/>
-                </a:solidFill>
-                <a:effectLst/>
-                <a:latin typeface="Times New Roman" panose="02020603050405020304" pitchFamily="18" charset="0"/>
-                <a:ea typeface="Calibri" panose="020F0502020204030204" pitchFamily="34" charset="0"/>
-                <a:cs typeface="Times New Roman" panose="02020603050405020304" pitchFamily="18" charset="0"/>
-              </a:rPr>
-              <a:t> [FK], </a:t>
-            </a:r>
-            <a:r>
-              <a:rPr lang="en-US" sz="2000" dirty="0" err="1">
-                <a:solidFill>
-                  <a:srgbClr val="000000"/>
-                </a:solidFill>
-                <a:effectLst/>
-                <a:latin typeface="Times New Roman" panose="02020603050405020304" pitchFamily="18" charset="0"/>
-                <a:ea typeface="Calibri" panose="020F0502020204030204" pitchFamily="34" charset="0"/>
-                <a:cs typeface="Times New Roman" panose="02020603050405020304" pitchFamily="18" charset="0"/>
-              </a:rPr>
-              <a:t>itemaddextra</a:t>
-            </a:r>
-            <a:r>
-              <a:rPr lang="en-US" sz="2000" dirty="0">
-                <a:solidFill>
-                  <a:srgbClr val="000000"/>
-                </a:solidFill>
-                <a:effectLst/>
-                <a:latin typeface="Times New Roman" panose="02020603050405020304" pitchFamily="18" charset="0"/>
-                <a:ea typeface="Calibri" panose="020F0502020204030204" pitchFamily="34" charset="0"/>
-                <a:cs typeface="Times New Roman" panose="02020603050405020304" pitchFamily="18" charset="0"/>
-              </a:rPr>
-              <a:t> [FK], Image, Approval Status, Status, </a:t>
-            </a:r>
-            <a:r>
-              <a:rPr lang="en-US" sz="2000" dirty="0" err="1">
-                <a:solidFill>
-                  <a:srgbClr val="000000"/>
-                </a:solidFill>
-                <a:effectLst/>
-                <a:latin typeface="Times New Roman" panose="02020603050405020304" pitchFamily="18" charset="0"/>
-                <a:ea typeface="Calibri" panose="020F0502020204030204" pitchFamily="34" charset="0"/>
-                <a:cs typeface="Times New Roman" panose="02020603050405020304" pitchFamily="18" charset="0"/>
+              <a:rPr lang="en-IN" sz="2000" dirty="0">
+                <a:solidFill>
+                  <a:srgbClr val="000000"/>
+                </a:solidFill>
+                <a:effectLst/>
+                <a:latin typeface="Times New Roman" panose="02020603050405020304" pitchFamily="18" charset="0"/>
+                <a:ea typeface="Caladea"/>
+                <a:cs typeface="Caladea"/>
+              </a:rPr>
+              <a:t>customer (ID[PK], Name, Email ID, Password, Contact No., Billing Address [FK], Email Verify, Random String, Referral Code, From Referral Code, Status, </a:t>
+            </a:r>
+            <a:r>
+              <a:rPr lang="en-IN" sz="2000" dirty="0" err="1">
+                <a:solidFill>
+                  <a:srgbClr val="000000"/>
+                </a:solidFill>
+                <a:effectLst/>
+                <a:latin typeface="Times New Roman" panose="02020603050405020304" pitchFamily="18" charset="0"/>
+                <a:ea typeface="Caladea"/>
+                <a:cs typeface="Caladea"/>
               </a:rPr>
               <a:t>createdAt</a:t>
             </a:r>
             <a:r>
-              <a:rPr lang="en-US" sz="2000" dirty="0">
-                <a:solidFill>
-                  <a:srgbClr val="000000"/>
-                </a:solidFill>
-                <a:effectLst/>
-                <a:latin typeface="Times New Roman" panose="02020603050405020304" pitchFamily="18" charset="0"/>
-                <a:ea typeface="Calibri" panose="020F0502020204030204" pitchFamily="34" charset="0"/>
-                <a:cs typeface="Times New Roman" panose="02020603050405020304" pitchFamily="18" charset="0"/>
+              <a:rPr lang="en-IN" sz="2000" dirty="0">
+                <a:solidFill>
+                  <a:srgbClr val="000000"/>
+                </a:solidFill>
+                <a:effectLst/>
+                <a:latin typeface="Times New Roman" panose="02020603050405020304" pitchFamily="18" charset="0"/>
+                <a:ea typeface="Caladea"/>
+                <a:cs typeface="Caladea"/>
               </a:rPr>
               <a:t>, </a:t>
             </a:r>
             <a:r>
-              <a:rPr lang="en-US" sz="2000" dirty="0" err="1">
-                <a:solidFill>
-                  <a:srgbClr val="000000"/>
-                </a:solidFill>
-                <a:effectLst/>
-                <a:latin typeface="Times New Roman" panose="02020603050405020304" pitchFamily="18" charset="0"/>
-                <a:ea typeface="Calibri" panose="020F0502020204030204" pitchFamily="34" charset="0"/>
-                <a:cs typeface="Times New Roman" panose="02020603050405020304" pitchFamily="18" charset="0"/>
+              <a:rPr lang="en-IN" sz="2000" dirty="0" err="1">
+                <a:solidFill>
+                  <a:srgbClr val="000000"/>
+                </a:solidFill>
+                <a:effectLst/>
+                <a:latin typeface="Times New Roman" panose="02020603050405020304" pitchFamily="18" charset="0"/>
+                <a:ea typeface="Caladea"/>
+                <a:cs typeface="Caladea"/>
               </a:rPr>
               <a:t>updatedAt</a:t>
             </a:r>
             <a:r>
-              <a:rPr lang="en-US" sz="2000" dirty="0">
-                <a:solidFill>
-                  <a:srgbClr val="000000"/>
-                </a:solidFill>
-                <a:effectLst/>
-                <a:latin typeface="Times New Roman" panose="02020603050405020304" pitchFamily="18" charset="0"/>
-                <a:ea typeface="Calibri" panose="020F0502020204030204" pitchFamily="34" charset="0"/>
-                <a:cs typeface="Times New Roman" panose="02020603050405020304" pitchFamily="18" charset="0"/>
+              <a:rPr lang="en-IN" sz="2000" dirty="0">
+                <a:solidFill>
+                  <a:srgbClr val="000000"/>
+                </a:solidFill>
+                <a:effectLst/>
+                <a:latin typeface="Times New Roman" panose="02020603050405020304" pitchFamily="18" charset="0"/>
+                <a:ea typeface="Caladea"/>
+                <a:cs typeface="Caladea"/>
               </a:rPr>
               <a:t>)</a:t>
             </a:r>
           </a:p>
           <a:p>
-            <a:pPr marL="0" marR="0" indent="0" algn="just">
+            <a:pPr marL="0" marR="0" lvl="0" indent="0" algn="just">
               <a:lnSpc>
                 <a:spcPct val="150000"/>
               </a:lnSpc>
@@ -6756,144 +7607,72 @@
               <a:buNone/>
             </a:pPr>
             <a:r>
-              <a:rPr lang="en-US" sz="2000" dirty="0">
-                <a:solidFill>
-                  <a:srgbClr val="000000"/>
-                </a:solidFill>
-                <a:effectLst/>
-                <a:latin typeface="Times New Roman" panose="02020603050405020304" pitchFamily="18" charset="0"/>
-                <a:ea typeface="Calibri" panose="020F0502020204030204" pitchFamily="34" charset="0"/>
-                <a:cs typeface="Times New Roman" panose="02020603050405020304" pitchFamily="18" charset="0"/>
-              </a:rPr>
-              <a:t>FD: ID-&gt; {restaurant [FK], category [FK], variant [FK], Name, Type, Description, </a:t>
-            </a:r>
-            <a:r>
-              <a:rPr lang="en-US" sz="2000" dirty="0" err="1">
-                <a:solidFill>
-                  <a:srgbClr val="000000"/>
-                </a:solidFill>
-                <a:effectLst/>
-                <a:latin typeface="Times New Roman" panose="02020603050405020304" pitchFamily="18" charset="0"/>
-                <a:ea typeface="Calibri" panose="020F0502020204030204" pitchFamily="34" charset="0"/>
-                <a:cs typeface="Times New Roman" panose="02020603050405020304" pitchFamily="18" charset="0"/>
-              </a:rPr>
-              <a:t>itemaddedon</a:t>
-            </a:r>
-            <a:r>
-              <a:rPr lang="en-US" sz="2000" dirty="0">
-                <a:solidFill>
-                  <a:srgbClr val="000000"/>
-                </a:solidFill>
-                <a:effectLst/>
-                <a:latin typeface="Times New Roman" panose="02020603050405020304" pitchFamily="18" charset="0"/>
-                <a:ea typeface="Calibri" panose="020F0502020204030204" pitchFamily="34" charset="0"/>
-                <a:cs typeface="Times New Roman" panose="02020603050405020304" pitchFamily="18" charset="0"/>
-              </a:rPr>
-              <a:t> [FK], </a:t>
-            </a:r>
-            <a:r>
-              <a:rPr lang="en-US" sz="2000" dirty="0" err="1">
-                <a:solidFill>
-                  <a:srgbClr val="000000"/>
-                </a:solidFill>
-                <a:effectLst/>
-                <a:latin typeface="Times New Roman" panose="02020603050405020304" pitchFamily="18" charset="0"/>
-                <a:ea typeface="Calibri" panose="020F0502020204030204" pitchFamily="34" charset="0"/>
-                <a:cs typeface="Times New Roman" panose="02020603050405020304" pitchFamily="18" charset="0"/>
-              </a:rPr>
-              <a:t>itemaddextra</a:t>
-            </a:r>
-            <a:r>
-              <a:rPr lang="en-US" sz="2000" dirty="0">
-                <a:solidFill>
-                  <a:srgbClr val="000000"/>
-                </a:solidFill>
-                <a:effectLst/>
-                <a:latin typeface="Times New Roman" panose="02020603050405020304" pitchFamily="18" charset="0"/>
-                <a:ea typeface="Calibri" panose="020F0502020204030204" pitchFamily="34" charset="0"/>
-                <a:cs typeface="Times New Roman" panose="02020603050405020304" pitchFamily="18" charset="0"/>
-              </a:rPr>
-              <a:t> [FK], Image, Approval Status, Status, </a:t>
-            </a:r>
-            <a:r>
-              <a:rPr lang="en-US" sz="2000" dirty="0" err="1">
-                <a:solidFill>
-                  <a:srgbClr val="000000"/>
-                </a:solidFill>
-                <a:effectLst/>
-                <a:latin typeface="Times New Roman" panose="02020603050405020304" pitchFamily="18" charset="0"/>
-                <a:ea typeface="Calibri" panose="020F0502020204030204" pitchFamily="34" charset="0"/>
-                <a:cs typeface="Times New Roman" panose="02020603050405020304" pitchFamily="18" charset="0"/>
+              <a:rPr lang="en-IN" sz="2000" dirty="0">
+                <a:solidFill>
+                  <a:srgbClr val="000000"/>
+                </a:solidFill>
+                <a:effectLst/>
+                <a:latin typeface="Times New Roman" panose="02020603050405020304" pitchFamily="18" charset="0"/>
+                <a:ea typeface="Caladea"/>
+                <a:cs typeface="Caladea"/>
+              </a:rPr>
+              <a:t>FD: ID-&gt; {Name, Email ID, Password, Contact No., Billing Address [FK], Email Verify, Random String, Referral Code, From Referral Code, Status, </a:t>
+            </a:r>
+            <a:r>
+              <a:rPr lang="en-IN" sz="2000" dirty="0" err="1">
+                <a:solidFill>
+                  <a:srgbClr val="000000"/>
+                </a:solidFill>
+                <a:effectLst/>
+                <a:latin typeface="Times New Roman" panose="02020603050405020304" pitchFamily="18" charset="0"/>
+                <a:ea typeface="Caladea"/>
+                <a:cs typeface="Caladea"/>
               </a:rPr>
               <a:t>createdAt</a:t>
             </a:r>
             <a:r>
-              <a:rPr lang="en-US" sz="2000" dirty="0">
-                <a:solidFill>
-                  <a:srgbClr val="000000"/>
-                </a:solidFill>
-                <a:effectLst/>
-                <a:latin typeface="Times New Roman" panose="02020603050405020304" pitchFamily="18" charset="0"/>
-                <a:ea typeface="Calibri" panose="020F0502020204030204" pitchFamily="34" charset="0"/>
-                <a:cs typeface="Times New Roman" panose="02020603050405020304" pitchFamily="18" charset="0"/>
+              <a:rPr lang="en-IN" sz="2000" dirty="0">
+                <a:solidFill>
+                  <a:srgbClr val="000000"/>
+                </a:solidFill>
+                <a:effectLst/>
+                <a:latin typeface="Times New Roman" panose="02020603050405020304" pitchFamily="18" charset="0"/>
+                <a:ea typeface="Caladea"/>
+                <a:cs typeface="Caladea"/>
               </a:rPr>
               <a:t>, </a:t>
             </a:r>
             <a:r>
-              <a:rPr lang="en-US" sz="2000" dirty="0" err="1">
-                <a:solidFill>
-                  <a:srgbClr val="000000"/>
-                </a:solidFill>
-                <a:effectLst/>
-                <a:latin typeface="Times New Roman" panose="02020603050405020304" pitchFamily="18" charset="0"/>
-                <a:ea typeface="Calibri" panose="020F0502020204030204" pitchFamily="34" charset="0"/>
-                <a:cs typeface="Times New Roman" panose="02020603050405020304" pitchFamily="18" charset="0"/>
+              <a:rPr lang="en-IN" sz="2000" dirty="0" err="1">
+                <a:solidFill>
+                  <a:srgbClr val="000000"/>
+                </a:solidFill>
+                <a:effectLst/>
+                <a:latin typeface="Times New Roman" panose="02020603050405020304" pitchFamily="18" charset="0"/>
+                <a:ea typeface="Caladea"/>
+                <a:cs typeface="Caladea"/>
               </a:rPr>
               <a:t>updatedAt</a:t>
             </a:r>
             <a:r>
-              <a:rPr lang="en-US" sz="2000" dirty="0">
-                <a:solidFill>
-                  <a:srgbClr val="000000"/>
-                </a:solidFill>
-                <a:effectLst/>
-                <a:latin typeface="Times New Roman" panose="02020603050405020304" pitchFamily="18" charset="0"/>
-                <a:ea typeface="Calibri" panose="020F0502020204030204" pitchFamily="34" charset="0"/>
-                <a:cs typeface="Times New Roman" panose="02020603050405020304" pitchFamily="18" charset="0"/>
+              <a:rPr lang="en-IN" sz="2000" dirty="0">
+                <a:solidFill>
+                  <a:srgbClr val="000000"/>
+                </a:solidFill>
+                <a:effectLst/>
+                <a:latin typeface="Times New Roman" panose="02020603050405020304" pitchFamily="18" charset="0"/>
+                <a:ea typeface="Caladea"/>
+                <a:cs typeface="Caladea"/>
               </a:rPr>
               <a:t>}</a:t>
             </a:r>
-          </a:p>
-          <a:p>
-            <a:pPr marL="457200" marR="0" indent="-457200" algn="just">
-              <a:lnSpc>
-                <a:spcPct val="150000"/>
-              </a:lnSpc>
-              <a:spcBef>
-                <a:spcPts val="0"/>
-              </a:spcBef>
-              <a:spcAft>
-                <a:spcPts val="0"/>
-              </a:spcAft>
-              <a:buFont typeface="+mj-lt"/>
-              <a:buAutoNum type="arabicPeriod" startAt="10"/>
-            </a:pPr>
-            <a:endParaRPr lang="en-US" sz="2000" dirty="0">
-              <a:solidFill>
-                <a:srgbClr val="000000"/>
-              </a:solidFill>
-              <a:effectLst/>
-              <a:latin typeface="Times New Roman" panose="02020603050405020304" pitchFamily="18" charset="0"/>
-              <a:ea typeface="Calibri" panose="020F0502020204030204" pitchFamily="34" charset="0"/>
-              <a:cs typeface="Times New Roman" panose="02020603050405020304" pitchFamily="18" charset="0"/>
-            </a:endParaRPr>
           </a:p>
         </p:txBody>
       </p:sp>
     </p:spTree>
     <p:extLst>
       <p:ext uri="{BB962C8B-B14F-4D97-AF65-F5344CB8AC3E}">
-        <p14:creationId xmlns:p14="http://schemas.microsoft.com/office/powerpoint/2010/main" val="2757392056"/>
+        <p14:creationId xmlns:p14="http://schemas.microsoft.com/office/powerpoint/2010/main" val="3251585464"/>
       </p:ext>
     </p:extLst>
   </p:cSld>
@@ -6977,8 +7756,8 @@
         </p:nvSpPr>
         <p:spPr>
           <a:xfrm>
-            <a:off x="628650" y="778302"/>
-            <a:ext cx="7886700" cy="6079698"/>
+            <a:off x="628650" y="945954"/>
+            <a:ext cx="7886700" cy="5683446"/>
           </a:xfrm>
         </p:spPr>
         <p:txBody>
@@ -6998,19 +7777,15 @@
                 <a:spcPts val="0"/>
               </a:spcAft>
               <a:buFont typeface="+mj-lt"/>
-              <a:buAutoNum type="arabicPeriod" startAt="11"/>
+              <a:buAutoNum type="arabicPeriod" startAt="16"/>
             </a:pPr>
             <a:r>
               <a:rPr lang="en-IN" sz="2000" dirty="0">
-                <a:solidFill>
-                  <a:srgbClr val="000000"/>
-                </a:solidFill>
-                <a:effectLst/>
-                <a:latin typeface="Times New Roman" panose="02020603050405020304" pitchFamily="18" charset="0"/>
-                <a:ea typeface="Caladea"/>
-                <a:cs typeface="Caladea"/>
-              </a:rPr>
-              <a:t>Banner Table</a:t>
+                <a:effectLst/>
+                <a:latin typeface="Times New Roman" panose="02020603050405020304" pitchFamily="18" charset="0"/>
+                <a:ea typeface="Calibri" panose="020F0502020204030204" pitchFamily="34" charset="0"/>
+              </a:rPr>
+              <a:t>Wishlist Table</a:t>
             </a:r>
           </a:p>
           <a:p>
@@ -7027,62 +7802,82 @@
               <a:buNone/>
             </a:pPr>
             <a:r>
+              <a:rPr lang="en-IN" sz="2000" dirty="0" err="1">
+                <a:effectLst/>
+                <a:latin typeface="Times New Roman" panose="02020603050405020304" pitchFamily="18" charset="0"/>
+                <a:ea typeface="Calibri" panose="020F0502020204030204" pitchFamily="34" charset="0"/>
+              </a:rPr>
+              <a:t>wishlist</a:t>
+            </a:r>
+            <a:r>
               <a:rPr lang="en-IN" sz="2000" dirty="0">
-                <a:solidFill>
-                  <a:srgbClr val="000000"/>
-                </a:solidFill>
-                <a:effectLst/>
-                <a:latin typeface="Times New Roman" panose="02020603050405020304" pitchFamily="18" charset="0"/>
-                <a:ea typeface="Caladea"/>
-                <a:cs typeface="Caladea"/>
-              </a:rPr>
-              <a:t>banner (ID[PK], restaurant [FK], Name, Image, Approval Status, Status, </a:t>
+                <a:effectLst/>
+                <a:latin typeface="Times New Roman" panose="02020603050405020304" pitchFamily="18" charset="0"/>
+                <a:ea typeface="Calibri" panose="020F0502020204030204" pitchFamily="34" charset="0"/>
+              </a:rPr>
+              <a:t> (ID[PK], customer [FK], item [FK], </a:t>
             </a:r>
             <a:r>
               <a:rPr lang="en-IN" sz="2000" dirty="0" err="1">
-                <a:solidFill>
-                  <a:srgbClr val="000000"/>
-                </a:solidFill>
-                <a:effectLst/>
-                <a:latin typeface="Times New Roman" panose="02020603050405020304" pitchFamily="18" charset="0"/>
-                <a:ea typeface="Caladea"/>
-                <a:cs typeface="Caladea"/>
+                <a:effectLst/>
+                <a:latin typeface="Times New Roman" panose="02020603050405020304" pitchFamily="18" charset="0"/>
+                <a:ea typeface="Calibri" panose="020F0502020204030204" pitchFamily="34" charset="0"/>
+              </a:rPr>
+              <a:t>addedon</a:t>
+            </a:r>
+            <a:r>
+              <a:rPr lang="en-IN" sz="2000" dirty="0">
+                <a:effectLst/>
+                <a:latin typeface="Times New Roman" panose="02020603050405020304" pitchFamily="18" charset="0"/>
+                <a:ea typeface="Calibri" panose="020F0502020204030204" pitchFamily="34" charset="0"/>
+              </a:rPr>
+              <a:t> [FK], </a:t>
+            </a:r>
+            <a:r>
+              <a:rPr lang="en-IN" sz="2000" dirty="0" err="1">
+                <a:effectLst/>
+                <a:latin typeface="Times New Roman" panose="02020603050405020304" pitchFamily="18" charset="0"/>
+                <a:ea typeface="Calibri" panose="020F0502020204030204" pitchFamily="34" charset="0"/>
+              </a:rPr>
+              <a:t>addextra</a:t>
+            </a:r>
+            <a:r>
+              <a:rPr lang="en-IN" sz="2000" dirty="0">
+                <a:effectLst/>
+                <a:latin typeface="Times New Roman" panose="02020603050405020304" pitchFamily="18" charset="0"/>
+                <a:ea typeface="Calibri" panose="020F0502020204030204" pitchFamily="34" charset="0"/>
+              </a:rPr>
+              <a:t> [FK], </a:t>
+            </a:r>
+            <a:r>
+              <a:rPr lang="en-IN" sz="2000" dirty="0" err="1">
+                <a:effectLst/>
+                <a:latin typeface="Times New Roman" panose="02020603050405020304" pitchFamily="18" charset="0"/>
+                <a:ea typeface="Calibri" panose="020F0502020204030204" pitchFamily="34" charset="0"/>
               </a:rPr>
               <a:t>createdAt</a:t>
             </a:r>
             <a:r>
               <a:rPr lang="en-IN" sz="2000" dirty="0">
-                <a:solidFill>
-                  <a:srgbClr val="000000"/>
-                </a:solidFill>
-                <a:effectLst/>
-                <a:latin typeface="Times New Roman" panose="02020603050405020304" pitchFamily="18" charset="0"/>
-                <a:ea typeface="Caladea"/>
-                <a:cs typeface="Caladea"/>
+                <a:effectLst/>
+                <a:latin typeface="Times New Roman" panose="02020603050405020304" pitchFamily="18" charset="0"/>
+                <a:ea typeface="Calibri" panose="020F0502020204030204" pitchFamily="34" charset="0"/>
               </a:rPr>
               <a:t>, </a:t>
             </a:r>
             <a:r>
               <a:rPr lang="en-IN" sz="2000" dirty="0" err="1">
-                <a:solidFill>
-                  <a:srgbClr val="000000"/>
-                </a:solidFill>
-                <a:effectLst/>
-                <a:latin typeface="Times New Roman" panose="02020603050405020304" pitchFamily="18" charset="0"/>
-                <a:ea typeface="Caladea"/>
-                <a:cs typeface="Caladea"/>
+                <a:effectLst/>
+                <a:latin typeface="Times New Roman" panose="02020603050405020304" pitchFamily="18" charset="0"/>
+                <a:ea typeface="Calibri" panose="020F0502020204030204" pitchFamily="34" charset="0"/>
               </a:rPr>
               <a:t>updatedAt</a:t>
             </a:r>
             <a:r>
               <a:rPr lang="en-IN" sz="2000" dirty="0">
-                <a:solidFill>
-                  <a:srgbClr val="000000"/>
-                </a:solidFill>
-                <a:effectLst/>
-                <a:latin typeface="Times New Roman" panose="02020603050405020304" pitchFamily="18" charset="0"/>
-                <a:ea typeface="Caladea"/>
-                <a:cs typeface="Caladea"/>
+                <a:effectLst/>
+                <a:latin typeface="Times New Roman" panose="02020603050405020304" pitchFamily="18" charset="0"/>
+                <a:ea typeface="Calibri" panose="020F0502020204030204" pitchFamily="34" charset="0"/>
               </a:rPr>
               <a:t>)</a:t>
             </a:r>
@@ -7102,61 +7897,41 @@
             </a:pPr>
             <a:r>
               <a:rPr lang="en-IN" sz="2000" dirty="0">
-                <a:solidFill>
-                  <a:srgbClr val="000000"/>
-                </a:solidFill>
-                <a:effectLst/>
-                <a:latin typeface="Times New Roman" panose="02020603050405020304" pitchFamily="18" charset="0"/>
-                <a:ea typeface="Caladea"/>
-                <a:cs typeface="Caladea"/>
-              </a:rPr>
-              <a:t>FD: ID-&gt; {restaurant [FK], Name, Image, Approval Status, Status, </a:t>
+                <a:effectLst/>
+                <a:latin typeface="Times New Roman" panose="02020603050405020304" pitchFamily="18" charset="0"/>
+                <a:ea typeface="Calibri" panose="020F0502020204030204" pitchFamily="34" charset="0"/>
+              </a:rPr>
+              <a:t>FD: ID-&gt; {customer [FK], item [FK], </a:t>
             </a:r>
             <a:r>
               <a:rPr lang="en-IN" sz="2000" dirty="0" err="1">
-                <a:solidFill>
-                  <a:srgbClr val="000000"/>
-                </a:solidFill>
-                <a:effectLst/>
-                <a:latin typeface="Times New Roman" panose="02020603050405020304" pitchFamily="18" charset="0"/>
-                <a:ea typeface="Caladea"/>
-                <a:cs typeface="Caladea"/>
+                <a:effectLst/>
+                <a:latin typeface="Times New Roman" panose="02020603050405020304" pitchFamily="18" charset="0"/>
+                <a:ea typeface="Calibri" panose="020F0502020204030204" pitchFamily="34" charset="0"/>
               </a:rPr>
               <a:t>createdAt</a:t>
             </a:r>
             <a:r>
               <a:rPr lang="en-IN" sz="2000" dirty="0">
-                <a:solidFill>
-                  <a:srgbClr val="000000"/>
-                </a:solidFill>
-                <a:effectLst/>
-                <a:latin typeface="Times New Roman" panose="02020603050405020304" pitchFamily="18" charset="0"/>
-                <a:ea typeface="Caladea"/>
-                <a:cs typeface="Caladea"/>
+                <a:effectLst/>
+                <a:latin typeface="Times New Roman" panose="02020603050405020304" pitchFamily="18" charset="0"/>
+                <a:ea typeface="Calibri" panose="020F0502020204030204" pitchFamily="34" charset="0"/>
               </a:rPr>
               <a:t>, </a:t>
             </a:r>
             <a:r>
               <a:rPr lang="en-IN" sz="2000" dirty="0" err="1">
-                <a:solidFill>
-                  <a:srgbClr val="000000"/>
-                </a:solidFill>
-                <a:effectLst/>
-                <a:latin typeface="Times New Roman" panose="02020603050405020304" pitchFamily="18" charset="0"/>
-                <a:ea typeface="Caladea"/>
-                <a:cs typeface="Caladea"/>
+                <a:effectLst/>
+                <a:latin typeface="Times New Roman" panose="02020603050405020304" pitchFamily="18" charset="0"/>
+                <a:ea typeface="Calibri" panose="020F0502020204030204" pitchFamily="34" charset="0"/>
               </a:rPr>
               <a:t>updatedAt</a:t>
             </a:r>
             <a:r>
               <a:rPr lang="en-IN" sz="2000" dirty="0">
-                <a:solidFill>
-                  <a:srgbClr val="000000"/>
-                </a:solidFill>
-                <a:effectLst/>
-                <a:latin typeface="Times New Roman" panose="02020603050405020304" pitchFamily="18" charset="0"/>
-                <a:ea typeface="Caladea"/>
-                <a:cs typeface="Caladea"/>
+                <a:effectLst/>
+                <a:latin typeface="Times New Roman" panose="02020603050405020304" pitchFamily="18" charset="0"/>
+                <a:ea typeface="Calibri" panose="020F0502020204030204" pitchFamily="34" charset="0"/>
               </a:rPr>
               <a:t>}</a:t>
             </a:r>
@@ -7173,19 +7948,19 @@
                 <a:spcPts val="0"/>
               </a:spcAft>
               <a:buFont typeface="+mj-lt"/>
-              <a:buAutoNum type="arabicPeriod" startAt="12"/>
+              <a:buAutoNum type="arabicPeriod" startAt="17"/>
             </a:pPr>
             <a:r>
-              <a:rPr lang="en-US" sz="2000" dirty="0">
-                <a:solidFill>
-                  <a:srgbClr val="000000"/>
-                </a:solidFill>
-                <a:effectLst/>
-                <a:latin typeface="Times New Roman" panose="02020603050405020304" pitchFamily="18" charset="0"/>
-                <a:ea typeface="Caladea"/>
-                <a:cs typeface="Caladea"/>
-              </a:rPr>
-              <a:t>Delivery Boy Table </a:t>
+              <a:rPr lang="en-IN" sz="2000" dirty="0">
+                <a:solidFill>
+                  <a:srgbClr val="000000"/>
+                </a:solidFill>
+                <a:effectLst/>
+                <a:latin typeface="Times New Roman" panose="02020603050405020304" pitchFamily="18" charset="0"/>
+                <a:ea typeface="Caladea"/>
+                <a:cs typeface="Caladea"/>
+              </a:rPr>
+              <a:t>Cart Table</a:t>
             </a:r>
           </a:p>
           <a:p>
@@ -7202,28 +7977,64 @@
               <a:buNone/>
             </a:pPr>
             <a:r>
-              <a:rPr lang="en-US" sz="2000" dirty="0" err="1">
-                <a:solidFill>
-                  <a:srgbClr val="000000"/>
-                </a:solidFill>
-                <a:effectLst/>
-                <a:latin typeface="Times New Roman" panose="02020603050405020304" pitchFamily="18" charset="0"/>
-                <a:ea typeface="Caladea"/>
-                <a:cs typeface="Caladea"/>
-              </a:rPr>
-              <a:t>deliveryboy</a:t>
-            </a:r>
-            <a:r>
-              <a:rPr lang="en-US" sz="2000" dirty="0">
-                <a:solidFill>
-                  <a:srgbClr val="000000"/>
-                </a:solidFill>
-                <a:effectLst/>
-                <a:latin typeface="Times New Roman" panose="02020603050405020304" pitchFamily="18" charset="0"/>
-                <a:ea typeface="Caladea"/>
-                <a:cs typeface="Caladea"/>
-              </a:rPr>
-              <a:t> (ID[PK], Name, Mobile, Password, Status, Added on)</a:t>
+              <a:rPr lang="en-IN" sz="2000" dirty="0">
+                <a:solidFill>
+                  <a:srgbClr val="000000"/>
+                </a:solidFill>
+                <a:effectLst/>
+                <a:latin typeface="Times New Roman" panose="02020603050405020304" pitchFamily="18" charset="0"/>
+                <a:ea typeface="Caladea"/>
+                <a:cs typeface="Caladea"/>
+              </a:rPr>
+              <a:t>cart (ID[PK], customer [FK], item [FK], Qty, </a:t>
+            </a:r>
+            <a:r>
+              <a:rPr lang="en-IN" sz="2000" dirty="0" err="1">
+                <a:solidFill>
+                  <a:srgbClr val="000000"/>
+                </a:solidFill>
+                <a:effectLst/>
+                <a:latin typeface="Times New Roman" panose="02020603050405020304" pitchFamily="18" charset="0"/>
+                <a:ea typeface="Caladea"/>
+                <a:cs typeface="Caladea"/>
+              </a:rPr>
+              <a:t>createdAt</a:t>
+            </a:r>
+            <a:r>
+              <a:rPr lang="en-IN" sz="2000" dirty="0">
+                <a:solidFill>
+                  <a:srgbClr val="000000"/>
+                </a:solidFill>
+                <a:effectLst/>
+                <a:latin typeface="Times New Roman" panose="02020603050405020304" pitchFamily="18" charset="0"/>
+                <a:ea typeface="Caladea"/>
+                <a:cs typeface="Caladea"/>
+              </a:rPr>
+              <a:t>, </a:t>
+            </a:r>
+            <a:r>
+              <a:rPr lang="en-IN" sz="2000" dirty="0" err="1">
+                <a:solidFill>
+                  <a:srgbClr val="000000"/>
+                </a:solidFill>
+                <a:effectLst/>
+                <a:latin typeface="Times New Roman" panose="02020603050405020304" pitchFamily="18" charset="0"/>
+                <a:ea typeface="Caladea"/>
+                <a:cs typeface="Caladea"/>
+              </a:rPr>
+              <a:t>updatedAt</a:t>
+            </a:r>
+            <a:r>
+              <a:rPr lang="en-IN" sz="2000" dirty="0">
+                <a:solidFill>
+                  <a:srgbClr val="000000"/>
+                </a:solidFill>
+                <a:effectLst/>
+                <a:latin typeface="Times New Roman" panose="02020603050405020304" pitchFamily="18" charset="0"/>
+                <a:ea typeface="Caladea"/>
+                <a:cs typeface="Caladea"/>
+              </a:rPr>
+              <a:t>)</a:t>
             </a:r>
           </a:p>
           <a:p>
@@ -7240,33 +8051,6 @@
               <a:buNone/>
             </a:pPr>
             <a:r>
-              <a:rPr lang="en-US" sz="2000" dirty="0">
-                <a:solidFill>
-                  <a:srgbClr val="000000"/>
-                </a:solidFill>
-                <a:effectLst/>
-                <a:latin typeface="Times New Roman" panose="02020603050405020304" pitchFamily="18" charset="0"/>
-                <a:ea typeface="Caladea"/>
-                <a:cs typeface="Caladea"/>
-              </a:rPr>
-              <a:t>FD: ID-&gt; {Name, Mobile, Password, Status, Added on}</a:t>
-            </a:r>
-          </a:p>
-          <a:p>
-            <a:pPr marL="457200" marR="0" lvl="0" indent="-457200" algn="just">
-              <a:lnSpc>
-                <a:spcPct val="150000"/>
-              </a:lnSpc>
-              <a:spcBef>
-                <a:spcPts val="0"/>
-              </a:spcBef>
-              <a:spcAft>
-                <a:spcPts val="0"/>
-              </a:spcAft>
-              <a:buFont typeface="+mj-lt"/>
-              <a:buAutoNum type="arabicPeriod" startAt="13"/>
-            </a:pPr>
-            <a:r>
               <a:rPr lang="en-IN" sz="2000" dirty="0">
                 <a:solidFill>
                   <a:srgbClr val="000000"/>
@@ -7276,22 +8060,8 @@
                 <a:ea typeface="Caladea"/>
                 <a:cs typeface="Caladea"/>
               </a:rPr>
-              <a:t>Coupon Code Table</a:t>
-            </a:r>
-          </a:p>
-          <a:p>
-            <a:pPr marL="0" marR="0" lvl="0" indent="0" algn="just">
-              <a:lnSpc>
-                <a:spcPct val="150000"/>
-              </a:lnSpc>
-              <a:spcBef>
-                <a:spcPts val="0"/>
-              </a:spcBef>
-              <a:spcAft>
-                <a:spcPts val="0"/>
-              </a:spcAft>
-              <a:buNone/>
-            </a:pPr>
+              <a:t>FD: ID-&gt; {customer [FK], item [FK], </a:t>
+            </a:r>
             <a:r>
               <a:rPr lang="en-IN" sz="2000" dirty="0" err="1">
                 <a:solidFill>
@@ -7302,7 +8072,7 @@
                 <a:ea typeface="Caladea"/>
                 <a:cs typeface="Caladea"/>
               </a:rPr>
-              <a:t>couponcode</a:t>
+              <a:t>addedon</a:t>
             </a:r>
             <a:r>
               <a:rPr lang="en-IN" sz="2000" dirty="0">
@@ -7314,7 +8084,7 @@
                 <a:ea typeface="Caladea"/>
                 <a:cs typeface="Caladea"/>
               </a:rPr>
-              <a:t> (ID[PK], Coupon code, Coupon type, Coupon value, Cart min value, Expired on, Status, </a:t>
+              <a:t> [FK], </a:t>
             </a:r>
             <a:r>
               <a:rPr lang="en-IN" sz="2000" dirty="0" err="1">
@@ -7326,6 +8096,30 @@
                 <a:ea typeface="Caladea"/>
                 <a:cs typeface="Caladea"/>
               </a:rPr>
+              <a:t>addextra</a:t>
+            </a:r>
+            <a:r>
+              <a:rPr lang="en-IN" sz="2000" dirty="0">
+                <a:solidFill>
+                  <a:srgbClr val="000000"/>
+                </a:solidFill>
+                <a:effectLst/>
+                <a:latin typeface="Times New Roman" panose="02020603050405020304" pitchFamily="18" charset="0"/>
+                <a:ea typeface="Caladea"/>
+                <a:cs typeface="Caladea"/>
+              </a:rPr>
+              <a:t> [FK], Qty, </a:t>
+            </a:r>
+            <a:r>
+              <a:rPr lang="en-IN" sz="2000" dirty="0" err="1">
+                <a:solidFill>
+                  <a:srgbClr val="000000"/>
+                </a:solidFill>
+                <a:effectLst/>
+                <a:latin typeface="Times New Roman" panose="02020603050405020304" pitchFamily="18" charset="0"/>
+                <a:ea typeface="Caladea"/>
+                <a:cs typeface="Caladea"/>
+              </a:rPr>
               <a:t>createdAt</a:t>
             </a:r>
             <a:r>
@@ -7362,113 +8156,15 @@
                 <a:ea typeface="Caladea"/>
                 <a:cs typeface="Caladea"/>
               </a:rPr>
-              <a:t>)</a:t>
-            </a:r>
-          </a:p>
-          <a:p>
-            <a:pPr marL="0" marR="0" lvl="0" indent="0" algn="just">
-              <a:lnSpc>
-                <a:spcPct val="150000"/>
-              </a:lnSpc>
-              <a:spcBef>
-                <a:spcPts val="0"/>
-              </a:spcBef>
-              <a:spcAft>
-                <a:spcPts val="0"/>
-              </a:spcAft>
-              <a:buNone/>
-            </a:pPr>
-            <a:r>
-              <a:rPr lang="en-IN" sz="2000" dirty="0">
-                <a:solidFill>
-                  <a:srgbClr val="000000"/>
-                </a:solidFill>
-                <a:effectLst/>
-                <a:latin typeface="Times New Roman" panose="02020603050405020304" pitchFamily="18" charset="0"/>
-                <a:ea typeface="Caladea"/>
-                <a:cs typeface="Caladea"/>
-              </a:rPr>
-              <a:t>FD: ID-&gt; {Coupon code, Coupon type, Coupon value, Cart min value, Expired on, Status, </a:t>
-            </a:r>
-            <a:r>
-              <a:rPr lang="en-IN" sz="2000" dirty="0" err="1">
-                <a:solidFill>
-                  <a:srgbClr val="000000"/>
-                </a:solidFill>
-                <a:effectLst/>
-                <a:latin typeface="Times New Roman" panose="02020603050405020304" pitchFamily="18" charset="0"/>
-                <a:ea typeface="Caladea"/>
-                <a:cs typeface="Caladea"/>
-              </a:rPr>
-              <a:t>createdAt</a:t>
-            </a:r>
-            <a:r>
-              <a:rPr lang="en-IN" sz="2000" dirty="0">
-                <a:solidFill>
-                  <a:srgbClr val="000000"/>
-                </a:solidFill>
-                <a:effectLst/>
-                <a:latin typeface="Times New Roman" panose="02020603050405020304" pitchFamily="18" charset="0"/>
-                <a:ea typeface="Caladea"/>
-                <a:cs typeface="Caladea"/>
-              </a:rPr>
-              <a:t>, </a:t>
-            </a:r>
-            <a:r>
-              <a:rPr lang="en-IN" sz="2000" dirty="0" err="1">
-                <a:solidFill>
-                  <a:srgbClr val="000000"/>
-                </a:solidFill>
-                <a:effectLst/>
-                <a:latin typeface="Times New Roman" panose="02020603050405020304" pitchFamily="18" charset="0"/>
-                <a:ea typeface="Caladea"/>
-                <a:cs typeface="Caladea"/>
-              </a:rPr>
-              <a:t>updatedAt</a:t>
-            </a:r>
-            <a:r>
-              <a:rPr lang="en-IN" sz="2000" dirty="0">
-                <a:solidFill>
-                  <a:srgbClr val="000000"/>
-                </a:solidFill>
-                <a:effectLst/>
-                <a:latin typeface="Times New Roman" panose="02020603050405020304" pitchFamily="18" charset="0"/>
-                <a:ea typeface="Caladea"/>
-                <a:cs typeface="Caladea"/>
-              </a:rPr>
               <a:t>}</a:t>
             </a:r>
-          </a:p>
-          <a:p>
-            <a:pPr marL="457200" marR="0" lvl="0" indent="-457200" algn="just">
-              <a:lnSpc>
-                <a:spcPct val="150000"/>
-              </a:lnSpc>
-              <a:spcBef>
-                <a:spcPts val="0"/>
-              </a:spcBef>
-              <a:spcAft>
-                <a:spcPts val="0"/>
-              </a:spcAft>
-              <a:buFont typeface="+mj-lt"/>
-              <a:buAutoNum type="arabicPeriod" startAt="13"/>
-            </a:pPr>
-            <a:endParaRPr lang="en-IN" sz="2000" dirty="0">
-              <a:solidFill>
-                <a:srgbClr val="000000"/>
-              </a:solidFill>
-              <a:effectLst/>
-              <a:latin typeface="Times New Roman" panose="02020603050405020304" pitchFamily="18" charset="0"/>
-              <a:ea typeface="Caladea"/>
-              <a:cs typeface="Caladea"/>
-            </a:endParaRPr>
           </a:p>
         </p:txBody>
       </p:sp>
     </p:spTree>
     <p:extLst>
       <p:ext uri="{BB962C8B-B14F-4D97-AF65-F5344CB8AC3E}">
-        <p14:creationId xmlns:p14="http://schemas.microsoft.com/office/powerpoint/2010/main" val="3013044065"/>
+        <p14:creationId xmlns:p14="http://schemas.microsoft.com/office/powerpoint/2010/main" val="3045851893"/>
       </p:ext>
     </p:extLst>
   </p:cSld>
@@ -7573,19 +8269,19 @@
                 <a:spcPts val="0"/>
               </a:spcAft>
               <a:buFont typeface="+mj-lt"/>
-              <a:buAutoNum type="arabicPeriod" startAt="14"/>
+              <a:buAutoNum type="arabicPeriod" startAt="18"/>
             </a:pPr>
             <a:r>
-              <a:rPr lang="en-US" sz="2000" dirty="0">
-                <a:solidFill>
-                  <a:srgbClr val="000000"/>
-                </a:solidFill>
-                <a:effectLst/>
-                <a:latin typeface="Times New Roman" panose="02020603050405020304" pitchFamily="18" charset="0"/>
-                <a:ea typeface="Caladea"/>
-                <a:cs typeface="Caladea"/>
-              </a:rPr>
-              <a:t>Billing Address Table</a:t>
+              <a:rPr lang="en-IN" sz="2000" dirty="0">
+                <a:solidFill>
+                  <a:srgbClr val="000000"/>
+                </a:solidFill>
+                <a:effectLst/>
+                <a:latin typeface="Times New Roman" panose="02020603050405020304" pitchFamily="18" charset="0"/>
+                <a:ea typeface="Caladea"/>
+                <a:cs typeface="Caladea"/>
+              </a:rPr>
+              <a:t>Order Table</a:t>
             </a:r>
           </a:p>
           <a:p>
@@ -7602,31 +8298,19 @@
               <a:buNone/>
             </a:pPr>
             <a:r>
-              <a:rPr lang="en-US" sz="2000" dirty="0" err="1">
-                <a:solidFill>
-                  <a:srgbClr val="000000"/>
-                </a:solidFill>
-                <a:effectLst/>
-                <a:latin typeface="Times New Roman" panose="02020603050405020304" pitchFamily="18" charset="0"/>
-                <a:ea typeface="Caladea"/>
-                <a:cs typeface="Caladea"/>
-              </a:rPr>
-              <a:t>billingaddress</a:t>
-            </a:r>
-            <a:r>
-              <a:rPr lang="en-US" sz="2000" dirty="0">
-                <a:solidFill>
-                  <a:srgbClr val="000000"/>
-                </a:solidFill>
-                <a:effectLst/>
-                <a:latin typeface="Times New Roman" panose="02020603050405020304" pitchFamily="18" charset="0"/>
-                <a:ea typeface="Caladea"/>
-                <a:cs typeface="Caladea"/>
-              </a:rPr>
-              <a:t> (ID[PK], Title, Address, Country, State, City, Pin Code, </a:t>
-            </a:r>
-            <a:r>
-              <a:rPr lang="en-US" sz="2000" dirty="0" err="1">
+              <a:rPr lang="en-IN" sz="2000" dirty="0">
+                <a:solidFill>
+                  <a:srgbClr val="000000"/>
+                </a:solidFill>
+                <a:effectLst/>
+                <a:latin typeface="Times New Roman" panose="02020603050405020304" pitchFamily="18" charset="0"/>
+                <a:ea typeface="Caladea"/>
+                <a:cs typeface="Caladea"/>
+              </a:rPr>
+              <a:t>Order (ID[PK], customer [FK], Billing Address [FK], Price, Coupon Code [FK], Total Price, Delivery Boy [FK], Payment Status, Payment Type, Payment ID, Order Status, Cancel By, Cancel At, Delivered On, Refund Status, item [FK], Qty, </a:t>
+            </a:r>
+            <a:r>
+              <a:rPr lang="en-IN" sz="2000" dirty="0" err="1">
                 <a:solidFill>
                   <a:srgbClr val="000000"/>
                 </a:solidFill>
@@ -7638,7 +8322,7 @@
               <a:t>createdAt</a:t>
             </a:r>
             <a:r>
-              <a:rPr lang="en-US" sz="2000" dirty="0">
+              <a:rPr lang="en-IN" sz="2000" dirty="0">
                 <a:solidFill>
                   <a:srgbClr val="000000"/>
                 </a:solidFill>
@@ -7650,7 +8334,7 @@
               <a:t>, </a:t>
             </a:r>
             <a:r>
-              <a:rPr lang="en-US" sz="2000" dirty="0" err="1">
+              <a:rPr lang="en-IN" sz="2000" dirty="0" err="1">
                 <a:solidFill>
                   <a:srgbClr val="000000"/>
                 </a:solidFill>
@@ -7662,7 +8346,7 @@
               <a:t>updatedAt</a:t>
             </a:r>
             <a:r>
-              <a:rPr lang="en-US" sz="2000" dirty="0">
+              <a:rPr lang="en-IN" sz="2000" dirty="0">
                 <a:solidFill>
                   <a:srgbClr val="000000"/>
                 </a:solidFill>
@@ -7688,62 +8372,74 @@
               <a:buNone/>
             </a:pPr>
             <a:r>
-              <a:rPr lang="en-US" sz="2000" dirty="0">
-                <a:solidFill>
-                  <a:srgbClr val="000000"/>
-                </a:solidFill>
-                <a:effectLst/>
-                <a:latin typeface="Times New Roman" panose="02020603050405020304" pitchFamily="18" charset="0"/>
-                <a:ea typeface="Caladea"/>
-                <a:cs typeface="Caladea"/>
-              </a:rPr>
-              <a:t>FD: ID-&gt; {Title, Address, Country, State, City, Pin Code, </a:t>
-            </a:r>
-            <a:r>
-              <a:rPr lang="en-US" sz="2000" dirty="0" err="1">
-                <a:solidFill>
-                  <a:srgbClr val="000000"/>
-                </a:solidFill>
-                <a:effectLst/>
-                <a:latin typeface="Times New Roman" panose="02020603050405020304" pitchFamily="18" charset="0"/>
-                <a:ea typeface="Caladea"/>
-                <a:cs typeface="Caladea"/>
+              <a:rPr lang="en-US" sz="1800" dirty="0">
+                <a:effectLst/>
+                <a:latin typeface="Times New Roman" panose="02020603050405020304" pitchFamily="18" charset="0"/>
+                <a:ea typeface="Calibri" panose="020F0502020204030204" pitchFamily="34" charset="0"/>
+              </a:rPr>
+              <a:t>FD: ID-&gt; {customer [FK], Billing Address [FK], Price, Coupon Code [FK], Total Price, Delivery Boy [FK], Payment Status, Payment Type, Payment ID, Order Status, Cancel By, Cancel At, Delivered On, Refund Status, item [FK], </a:t>
+            </a:r>
+            <a:r>
+              <a:rPr lang="en-US" sz="1800" dirty="0" err="1">
+                <a:effectLst/>
+                <a:latin typeface="Times New Roman" panose="02020603050405020304" pitchFamily="18" charset="0"/>
+                <a:ea typeface="Calibri" panose="020F0502020204030204" pitchFamily="34" charset="0"/>
+              </a:rPr>
+              <a:t>addedon</a:t>
+            </a:r>
+            <a:r>
+              <a:rPr lang="en-US" sz="1800" dirty="0">
+                <a:effectLst/>
+                <a:latin typeface="Times New Roman" panose="02020603050405020304" pitchFamily="18" charset="0"/>
+                <a:ea typeface="Calibri" panose="020F0502020204030204" pitchFamily="34" charset="0"/>
+              </a:rPr>
+              <a:t> [FK], </a:t>
+            </a:r>
+            <a:r>
+              <a:rPr lang="en-US" sz="1800" dirty="0" err="1">
+                <a:effectLst/>
+                <a:latin typeface="Times New Roman" panose="02020603050405020304" pitchFamily="18" charset="0"/>
+                <a:ea typeface="Calibri" panose="020F0502020204030204" pitchFamily="34" charset="0"/>
+              </a:rPr>
+              <a:t>addextra</a:t>
+            </a:r>
+            <a:r>
+              <a:rPr lang="en-US" sz="1800" dirty="0">
+                <a:effectLst/>
+                <a:latin typeface="Times New Roman" panose="02020603050405020304" pitchFamily="18" charset="0"/>
+                <a:ea typeface="Calibri" panose="020F0502020204030204" pitchFamily="34" charset="0"/>
+              </a:rPr>
+              <a:t> [FK], Qty, </a:t>
+            </a:r>
+            <a:r>
+              <a:rPr lang="en-US" sz="1800" dirty="0" err="1">
+                <a:effectLst/>
+                <a:latin typeface="Times New Roman" panose="02020603050405020304" pitchFamily="18" charset="0"/>
+                <a:ea typeface="Calibri" panose="020F0502020204030204" pitchFamily="34" charset="0"/>
               </a:rPr>
               <a:t>createdAt</a:t>
             </a:r>
             <a:r>
-              <a:rPr lang="en-US" sz="2000" dirty="0">
-                <a:solidFill>
-                  <a:srgbClr val="000000"/>
-                </a:solidFill>
-                <a:effectLst/>
-                <a:latin typeface="Times New Roman" panose="02020603050405020304" pitchFamily="18" charset="0"/>
-                <a:ea typeface="Caladea"/>
-                <a:cs typeface="Caladea"/>
+              <a:rPr lang="en-US" sz="1800" dirty="0">
+                <a:effectLst/>
+                <a:latin typeface="Times New Roman" panose="02020603050405020304" pitchFamily="18" charset="0"/>
+                <a:ea typeface="Calibri" panose="020F0502020204030204" pitchFamily="34" charset="0"/>
               </a:rPr>
               <a:t>, </a:t>
             </a:r>
             <a:r>
-              <a:rPr lang="en-US" sz="2000" dirty="0" err="1">
-                <a:solidFill>
-                  <a:srgbClr val="000000"/>
-                </a:solidFill>
-                <a:effectLst/>
-                <a:latin typeface="Times New Roman" panose="02020603050405020304" pitchFamily="18" charset="0"/>
-                <a:ea typeface="Caladea"/>
-                <a:cs typeface="Caladea"/>
+              <a:rPr lang="en-US" sz="1800" dirty="0" err="1">
+                <a:effectLst/>
+                <a:latin typeface="Times New Roman" panose="02020603050405020304" pitchFamily="18" charset="0"/>
+                <a:ea typeface="Calibri" panose="020F0502020204030204" pitchFamily="34" charset="0"/>
               </a:rPr>
               <a:t>updatedAt</a:t>
             </a:r>
             <a:r>
-              <a:rPr lang="en-US" sz="2000" dirty="0">
-                <a:solidFill>
-                  <a:srgbClr val="000000"/>
-                </a:solidFill>
-                <a:effectLst/>
-                <a:latin typeface="Times New Roman" panose="02020603050405020304" pitchFamily="18" charset="0"/>
-                <a:ea typeface="Caladea"/>
-                <a:cs typeface="Caladea"/>
+              <a:rPr lang="en-US" sz="1800" dirty="0">
+                <a:effectLst/>
+                <a:latin typeface="Times New Roman" panose="02020603050405020304" pitchFamily="18" charset="0"/>
+                <a:ea typeface="Calibri" panose="020F0502020204030204" pitchFamily="34" charset="0"/>
               </a:rPr>
               <a:t>}</a:t>
             </a:r>
@@ -7760,7 +8456,7 @@
                 <a:spcPts val="0"/>
               </a:spcAft>
               <a:buFont typeface="+mj-lt"/>
-              <a:buAutoNum type="arabicPeriod" startAt="15"/>
+              <a:buAutoNum type="arabicPeriod" startAt="19"/>
             </a:pPr>
             <a:r>
               <a:rPr lang="en-IN" sz="2000" dirty="0">
@@ -7772,7 +8468,7 @@
                 <a:ea typeface="Caladea"/>
                 <a:cs typeface="Caladea"/>
               </a:rPr>
-              <a:t>Customer Table</a:t>
+              <a:t>Get Touch Table</a:t>
             </a:r>
           </a:p>
           <a:p>
@@ -7789,19 +8485,31 @@
               <a:buNone/>
             </a:pPr>
             <a:r>
-              <a:rPr lang="en-IN" sz="2000" dirty="0">
-                <a:solidFill>
-                  <a:srgbClr val="000000"/>
-                </a:solidFill>
-                <a:effectLst/>
-                <a:latin typeface="Times New Roman" panose="02020603050405020304" pitchFamily="18" charset="0"/>
-                <a:ea typeface="Caladea"/>
-                <a:cs typeface="Caladea"/>
-              </a:rPr>
-              <a:t>customer (ID[PK], Name, Email ID, Password, Contact No., Billing Address [FK], Email Verify, Random String, Referral Code, From Referral Code, Status, </a:t>
-            </a:r>
-            <a:r>
-              <a:rPr lang="en-IN" sz="2000" dirty="0" err="1">
+              <a:rPr lang="en-US" sz="2000" dirty="0" err="1">
+                <a:solidFill>
+                  <a:srgbClr val="000000"/>
+                </a:solidFill>
+                <a:effectLst/>
+                <a:latin typeface="Times New Roman" panose="02020603050405020304" pitchFamily="18" charset="0"/>
+                <a:ea typeface="Caladea"/>
+                <a:cs typeface="Caladea"/>
+              </a:rPr>
+              <a:t>gettouch</a:t>
+            </a:r>
+            <a:r>
+              <a:rPr lang="en-US" sz="2000" dirty="0">
+                <a:solidFill>
+                  <a:srgbClr val="000000"/>
+                </a:solidFill>
+                <a:effectLst/>
+                <a:latin typeface="Times New Roman" panose="02020603050405020304" pitchFamily="18" charset="0"/>
+                <a:ea typeface="Caladea"/>
+                <a:cs typeface="Caladea"/>
+              </a:rPr>
+              <a:t> (ID [PK], restaurant [FK], Subject, Message, Status, </a:t>
+            </a:r>
+            <a:r>
+              <a:rPr lang="en-US" sz="2000" dirty="0" err="1">
                 <a:solidFill>
                   <a:srgbClr val="000000"/>
                 </a:solidFill>
@@ -7813,7 +8521,7 @@
               <a:t>createdAt</a:t>
             </a:r>
             <a:r>
-              <a:rPr lang="en-IN" sz="2000" dirty="0">
+              <a:rPr lang="en-US" sz="2000" dirty="0">
                 <a:solidFill>
                   <a:srgbClr val="000000"/>
                 </a:solidFill>
@@ -7825,7 +8533,7 @@
               <a:t>, </a:t>
             </a:r>
             <a:r>
-              <a:rPr lang="en-IN" sz="2000" dirty="0" err="1">
+              <a:rPr lang="en-US" sz="2000" dirty="0" err="1">
                 <a:solidFill>
                   <a:srgbClr val="000000"/>
                 </a:solidFill>
@@ -7837,7 +8545,7 @@
               <a:t>updatedAt</a:t>
             </a:r>
             <a:r>
-              <a:rPr lang="en-IN" sz="2000" dirty="0">
+              <a:rPr lang="en-US" sz="2000" dirty="0">
                 <a:solidFill>
                   <a:srgbClr val="000000"/>
                 </a:solidFill>
@@ -7848,87 +8556,22 @@
               </a:rPr>
               <a:t>)</a:t>
             </a:r>
-          </a:p>
-          <a:p>
-            <a:pPr marL="0" marR="0" lvl="0" indent="0" algn="just">
-              <a:lnSpc>
-                <a:spcPct val="150000"/>
-              </a:lnSpc>
-              <a:spcBef>
-                <a:spcPts val="0"/>
-              </a:spcBef>
-              <a:spcAft>
-                <a:spcPts val="0"/>
-              </a:spcAft>
-              <a:buNone/>
-            </a:pPr>
-            <a:r>
-              <a:rPr lang="en-IN" sz="2000" dirty="0">
-                <a:solidFill>
-                  <a:srgbClr val="000000"/>
-                </a:solidFill>
-                <a:effectLst/>
-                <a:latin typeface="Times New Roman" panose="02020603050405020304" pitchFamily="18" charset="0"/>
-                <a:ea typeface="Caladea"/>
-                <a:cs typeface="Caladea"/>
-              </a:rPr>
-              <a:t>FD: ID-&gt; {Name, Email ID, Password, Contact No., Billing Address [FK], Email Verify, Random String, Referral Code, From Referral Code, Status, </a:t>
-            </a:r>
-            <a:r>
-              <a:rPr lang="en-IN" sz="2000" dirty="0" err="1">
-                <a:solidFill>
-                  <a:srgbClr val="000000"/>
-                </a:solidFill>
-                <a:effectLst/>
-                <a:latin typeface="Times New Roman" panose="02020603050405020304" pitchFamily="18" charset="0"/>
-                <a:ea typeface="Caladea"/>
-                <a:cs typeface="Caladea"/>
-              </a:rPr>
-              <a:t>createdAt</a:t>
-            </a:r>
-            <a:r>
-              <a:rPr lang="en-IN" sz="2000" dirty="0">
-                <a:solidFill>
-                  <a:srgbClr val="000000"/>
-                </a:solidFill>
-                <a:effectLst/>
-                <a:latin typeface="Times New Roman" panose="02020603050405020304" pitchFamily="18" charset="0"/>
-                <a:ea typeface="Caladea"/>
-                <a:cs typeface="Caladea"/>
-              </a:rPr>
-              <a:t>, </a:t>
-            </a:r>
-            <a:r>
-              <a:rPr lang="en-IN" sz="2000" dirty="0" err="1">
-                <a:solidFill>
-                  <a:srgbClr val="000000"/>
-                </a:solidFill>
-                <a:effectLst/>
-                <a:latin typeface="Times New Roman" panose="02020603050405020304" pitchFamily="18" charset="0"/>
-                <a:ea typeface="Caladea"/>
-                <a:cs typeface="Caladea"/>
-              </a:rPr>
-              <a:t>updatedAt</a:t>
-            </a:r>
-            <a:r>
-              <a:rPr lang="en-IN" sz="2000" dirty="0">
-                <a:solidFill>
-                  <a:srgbClr val="000000"/>
-                </a:solidFill>
-                <a:effectLst/>
-                <a:latin typeface="Times New Roman" panose="02020603050405020304" pitchFamily="18" charset="0"/>
-                <a:ea typeface="Caladea"/>
-                <a:cs typeface="Caladea"/>
-              </a:rPr>
-              <a:t>}</a:t>
-            </a:r>
+            <a:endParaRPr lang="en-IN" sz="2000" dirty="0">
+              <a:solidFill>
+                <a:srgbClr val="000000"/>
+              </a:solidFill>
+              <a:effectLst/>
+              <a:latin typeface="Times New Roman" panose="02020603050405020304" pitchFamily="18" charset="0"/>
+              <a:ea typeface="Caladea"/>
+              <a:cs typeface="Caladea"/>
+            </a:endParaRPr>
           </a:p>
         </p:txBody>
       </p:sp>
     </p:spTree>
     <p:extLst>
       <p:ext uri="{BB962C8B-B14F-4D97-AF65-F5344CB8AC3E}">
-        <p14:creationId xmlns:p14="http://schemas.microsoft.com/office/powerpoint/2010/main" val="3251585464"/>
+        <p14:creationId xmlns:p14="http://schemas.microsoft.com/office/powerpoint/2010/main" val="3586525339"/>
       </p:ext>
     </p:extLst>
   </p:cSld>
@@ -8022,29 +8665,6 @@
           </a:bodyPr>
           <a:lstStyle/>
           <a:p>
-            <a:pPr marL="457200" marR="0" lvl="0" indent="-457200" algn="just">
-              <a:lnSpc>
-                <a:spcPct val="150000"/>
-              </a:lnSpc>
-              <a:spcBef>
-                <a:spcPts val="0"/>
-              </a:spcBef>
-              <a:spcAft>
-                <a:spcPts val="0"/>
-              </a:spcAft>
-              <a:buFont typeface="+mj-lt"/>
-              <a:buAutoNum type="arabicPeriod" startAt="16"/>
-            </a:pPr>
-            <a:r>
-              <a:rPr lang="en-IN" sz="2000" dirty="0">
-                <a:effectLst/>
-                <a:latin typeface="Times New Roman" panose="02020603050405020304" pitchFamily="18" charset="0"/>
-                <a:ea typeface="Calibri" panose="020F0502020204030204" pitchFamily="34" charset="0"/>
-              </a:rPr>
-              <a:t>Wishlist Table</a:t>
-            </a:r>
-          </a:p>
-          <a:p>
             <a:pPr marL="0" marR="0" lvl="0" indent="0" algn="just">
               <a:lnSpc>
                 <a:spcPct val="150000"/>
@@ -8058,84 +8678,91 @@
               <a:buNone/>
             </a:pPr>
             <a:r>
-              <a:rPr lang="en-IN" sz="2000" dirty="0" err="1">
-                <a:effectLst/>
-                <a:latin typeface="Times New Roman" panose="02020603050405020304" pitchFamily="18" charset="0"/>
-                <a:ea typeface="Calibri" panose="020F0502020204030204" pitchFamily="34" charset="0"/>
-              </a:rPr>
-              <a:t>wishlist</a:t>
-            </a:r>
+              <a:rPr lang="en-US" sz="2000" dirty="0">
+                <a:solidFill>
+                  <a:srgbClr val="000000"/>
+                </a:solidFill>
+                <a:effectLst/>
+                <a:latin typeface="Times New Roman" panose="02020603050405020304" pitchFamily="18" charset="0"/>
+                <a:ea typeface="Caladea"/>
+                <a:cs typeface="Caladea"/>
+              </a:rPr>
+              <a:t>FD: ID-&gt; {restaurant [FK], Subject, Message, Status, </a:t>
+            </a:r>
+            <a:r>
+              <a:rPr lang="en-US" sz="2000" dirty="0" err="1">
+                <a:solidFill>
+                  <a:srgbClr val="000000"/>
+                </a:solidFill>
+                <a:effectLst/>
+                <a:latin typeface="Times New Roman" panose="02020603050405020304" pitchFamily="18" charset="0"/>
+                <a:ea typeface="Caladea"/>
+                <a:cs typeface="Caladea"/>
+              </a:rPr>
+              <a:t>createdAt</a:t>
+            </a:r>
+            <a:r>
+              <a:rPr lang="en-US" sz="2000" dirty="0">
+                <a:solidFill>
+                  <a:srgbClr val="000000"/>
+                </a:solidFill>
+                <a:effectLst/>
+                <a:latin typeface="Times New Roman" panose="02020603050405020304" pitchFamily="18" charset="0"/>
+                <a:ea typeface="Caladea"/>
+                <a:cs typeface="Caladea"/>
+              </a:rPr>
+              <a:t>, </a:t>
+            </a:r>
+            <a:r>
+              <a:rPr lang="en-US" sz="2000" dirty="0" err="1">
+                <a:solidFill>
+                  <a:srgbClr val="000000"/>
+                </a:solidFill>
+                <a:effectLst/>
+                <a:latin typeface="Times New Roman" panose="02020603050405020304" pitchFamily="18" charset="0"/>
+                <a:ea typeface="Caladea"/>
+                <a:cs typeface="Caladea"/>
+              </a:rPr>
+              <a:t>updatedAt</a:t>
+            </a:r>
+            <a:r>
+              <a:rPr lang="en-US" sz="2000" dirty="0">
+                <a:solidFill>
+                  <a:srgbClr val="000000"/>
+                </a:solidFill>
+                <a:effectLst/>
+                <a:latin typeface="Times New Roman" panose="02020603050405020304" pitchFamily="18" charset="0"/>
+                <a:ea typeface="Caladea"/>
+                <a:cs typeface="Caladea"/>
+              </a:rPr>
+              <a:t>}</a:t>
+            </a:r>
+          </a:p>
+          <a:p>
+            <a:pPr marL="457200" marR="0" lvl="0" indent="-457200" algn="just">
+              <a:lnSpc>
+                <a:spcPct val="150000"/>
+              </a:lnSpc>
+              <a:spcBef>
+                <a:spcPts val="0"/>
+              </a:spcBef>
+              <a:spcAft>
+                <a:spcPts val="0"/>
+              </a:spcAft>
+              <a:buFont typeface="+mj-lt"/>
+              <a:buAutoNum type="arabicPeriod" startAt="20"/>
+            </a:pPr>
             <a:r>
               <a:rPr lang="en-IN" sz="2000" dirty="0">
-                <a:effectLst/>
-                <a:latin typeface="Times New Roman" panose="02020603050405020304" pitchFamily="18" charset="0"/>
-                <a:ea typeface="Calibri" panose="020F0502020204030204" pitchFamily="34" charset="0"/>
-              </a:rPr>
-              <a:t> (ID[PK], customer [FK], item [FK], </a:t>
-            </a:r>
-            <a:r>
-              <a:rPr lang="en-IN" sz="2000" dirty="0" err="1">
-                <a:effectLst/>
-                <a:latin typeface="Times New Roman" panose="02020603050405020304" pitchFamily="18" charset="0"/>
-                <a:ea typeface="Calibri" panose="020F0502020204030204" pitchFamily="34" charset="0"/>
-              </a:rPr>
-              <a:t>addedon</a:t>
-            </a:r>
-            <a:r>
-              <a:rPr lang="en-IN" sz="2000" dirty="0">
-                <a:effectLst/>
-                <a:latin typeface="Times New Roman" panose="02020603050405020304" pitchFamily="18" charset="0"/>
-                <a:ea typeface="Calibri" panose="020F0502020204030204" pitchFamily="34" charset="0"/>
-              </a:rPr>
-              <a:t> [FK], </a:t>
-            </a:r>
-            <a:r>
-              <a:rPr lang="en-IN" sz="2000" dirty="0" err="1">
-                <a:effectLst/>
-                <a:latin typeface="Times New Roman" panose="02020603050405020304" pitchFamily="18" charset="0"/>
-                <a:ea typeface="Calibri" panose="020F0502020204030204" pitchFamily="34" charset="0"/>
-              </a:rPr>
-              <a:t>addextra</a:t>
-            </a:r>
-            <a:r>
-              <a:rPr lang="en-IN" sz="2000" dirty="0">
-                <a:effectLst/>
-                <a:latin typeface="Times New Roman" panose="02020603050405020304" pitchFamily="18" charset="0"/>
-                <a:ea typeface="Calibri" panose="020F0502020204030204" pitchFamily="34" charset="0"/>
-              </a:rPr>
-              <a:t> [FK], </a:t>
-            </a:r>
-            <a:r>
-              <a:rPr lang="en-IN" sz="2000" dirty="0" err="1">
-                <a:effectLst/>
-                <a:latin typeface="Times New Roman" panose="02020603050405020304" pitchFamily="18" charset="0"/>
-                <a:ea typeface="Calibri" panose="020F0502020204030204" pitchFamily="34" charset="0"/>
-              </a:rPr>
-              <a:t>createdAt</a:t>
-            </a:r>
-            <a:r>
-              <a:rPr lang="en-IN" sz="2000" dirty="0">
-                <a:effectLst/>
-                <a:latin typeface="Times New Roman" panose="02020603050405020304" pitchFamily="18" charset="0"/>
-                <a:ea typeface="Calibri" panose="020F0502020204030204" pitchFamily="34" charset="0"/>
-              </a:rPr>
-              <a:t>, </a:t>
-            </a:r>
-            <a:r>
-              <a:rPr lang="en-IN" sz="2000" dirty="0" err="1">
-                <a:effectLst/>
-                <a:latin typeface="Times New Roman" panose="02020603050405020304" pitchFamily="18" charset="0"/>
-                <a:ea typeface="Calibri" panose="020F0502020204030204" pitchFamily="34" charset="0"/>
-              </a:rPr>
-              <a:t>updatedAt</a:t>
-            </a:r>
-            <a:r>
-              <a:rPr lang="en-IN" sz="2000" dirty="0">
-                <a:effectLst/>
-                <a:latin typeface="Times New Roman" panose="02020603050405020304" pitchFamily="18" charset="0"/>
-                <a:ea typeface="Calibri" panose="020F0502020204030204" pitchFamily="34" charset="0"/>
-              </a:rPr>
-              <a:t>)</a:t>
+                <a:solidFill>
+                  <a:srgbClr val="000000"/>
+                </a:solidFill>
+                <a:effectLst/>
+                <a:latin typeface="Times New Roman" panose="02020603050405020304" pitchFamily="18" charset="0"/>
+                <a:ea typeface="Caladea"/>
+                <a:cs typeface="Caladea"/>
+              </a:rPr>
+              <a:t>Setting Table (For Partner)</a:t>
             </a:r>
           </a:p>
           <a:p>
@@ -8153,70 +8780,63 @@
             </a:pPr>
             <a:r>
               <a:rPr lang="en-IN" sz="2000" dirty="0">
-                <a:effectLst/>
-                <a:latin typeface="Times New Roman" panose="02020603050405020304" pitchFamily="18" charset="0"/>
-                <a:ea typeface="Calibri" panose="020F0502020204030204" pitchFamily="34" charset="0"/>
-              </a:rPr>
-              <a:t>FD: ID-&gt; {customer [FK], item [FK], </a:t>
+                <a:solidFill>
+                  <a:srgbClr val="000000"/>
+                </a:solidFill>
+                <a:effectLst/>
+                <a:latin typeface="Times New Roman" panose="02020603050405020304" pitchFamily="18" charset="0"/>
+                <a:ea typeface="Caladea"/>
+                <a:cs typeface="Caladea"/>
+              </a:rPr>
+              <a:t>setting (ID [PK], Cart Min Price, Cart Min Price Message, Delivery charge, GST, </a:t>
             </a:r>
             <a:r>
               <a:rPr lang="en-IN" sz="2000" dirty="0" err="1">
-                <a:effectLst/>
-                <a:latin typeface="Times New Roman" panose="02020603050405020304" pitchFamily="18" charset="0"/>
-                <a:ea typeface="Calibri" panose="020F0502020204030204" pitchFamily="34" charset="0"/>
+                <a:solidFill>
+                  <a:srgbClr val="000000"/>
+                </a:solidFill>
+                <a:effectLst/>
+                <a:latin typeface="Times New Roman" panose="02020603050405020304" pitchFamily="18" charset="0"/>
+                <a:ea typeface="Caladea"/>
+                <a:cs typeface="Caladea"/>
               </a:rPr>
               <a:t>createdAt</a:t>
             </a:r>
             <a:r>
               <a:rPr lang="en-IN" sz="2000" dirty="0">
-                <a:effectLst/>
-                <a:latin typeface="Times New Roman" panose="02020603050405020304" pitchFamily="18" charset="0"/>
-                <a:ea typeface="Calibri" panose="020F0502020204030204" pitchFamily="34" charset="0"/>
+                <a:solidFill>
+                  <a:srgbClr val="000000"/>
+                </a:solidFill>
+                <a:effectLst/>
+                <a:latin typeface="Times New Roman" panose="02020603050405020304" pitchFamily="18" charset="0"/>
+                <a:ea typeface="Caladea"/>
+                <a:cs typeface="Caladea"/>
               </a:rPr>
               <a:t>, </a:t>
             </a:r>
             <a:r>
               <a:rPr lang="en-IN" sz="2000" dirty="0" err="1">
-                <a:effectLst/>
-                <a:latin typeface="Times New Roman" panose="02020603050405020304" pitchFamily="18" charset="0"/>
-                <a:ea typeface="Calibri" panose="020F0502020204030204" pitchFamily="34" charset="0"/>
+                <a:solidFill>
+                  <a:srgbClr val="000000"/>
+                </a:solidFill>
+                <a:effectLst/>
+                <a:latin typeface="Times New Roman" panose="02020603050405020304" pitchFamily="18" charset="0"/>
+                <a:ea typeface="Caladea"/>
+                <a:cs typeface="Caladea"/>
               </a:rPr>
               <a:t>updatedAt</a:t>
             </a:r>
             <a:r>
               <a:rPr lang="en-IN" sz="2000" dirty="0">
-                <a:effectLst/>
-                <a:latin typeface="Times New Roman" panose="02020603050405020304" pitchFamily="18" charset="0"/>
-                <a:ea typeface="Calibri" panose="020F0502020204030204" pitchFamily="34" charset="0"/>
-              </a:rPr>
-              <a:t>}</a:t>
-            </a:r>
-          </a:p>
-          <a:p>
-            <a:pPr marL="457200" marR="0" lvl="0" indent="-457200" algn="just">
-              <a:lnSpc>
-                <a:spcPct val="150000"/>
-              </a:lnSpc>
-              <a:spcBef>
-                <a:spcPts val="0"/>
-              </a:spcBef>
-              <a:spcAft>
-                <a:spcPts val="0"/>
-              </a:spcAft>
-              <a:buFont typeface="+mj-lt"/>
-              <a:buAutoNum type="arabicPeriod" startAt="17"/>
-            </a:pPr>
-            <a:r>
-              <a:rPr lang="en-IN" sz="2000" dirty="0">
-                <a:solidFill>
-                  <a:srgbClr val="000000"/>
-                </a:solidFill>
-                <a:effectLst/>
-                <a:latin typeface="Times New Roman" panose="02020603050405020304" pitchFamily="18" charset="0"/>
-                <a:ea typeface="Caladea"/>
-                <a:cs typeface="Caladea"/>
-              </a:rPr>
-              <a:t>Cart Table</a:t>
+                <a:solidFill>
+                  <a:srgbClr val="000000"/>
+                </a:solidFill>
+                <a:effectLst/>
+                <a:latin typeface="Times New Roman" panose="02020603050405020304" pitchFamily="18" charset="0"/>
+                <a:ea typeface="Caladea"/>
+                <a:cs typeface="Caladea"/>
+              </a:rPr>
+              <a:t>)</a:t>
             </a:r>
           </a:p>
           <a:p>
@@ -8242,7 +8862,7 @@
                 <a:ea typeface="Caladea"/>
                 <a:cs typeface="Caladea"/>
               </a:rPr>
-              <a:t>cart (ID[PK], customer [FK], item [FK], Qty, </a:t>
+              <a:t>FD: ID-&gt; {Cart Min Price, Cart Min Price Message, Delivery charge, GST, </a:t>
             </a:r>
             <a:r>
               <a:rPr lang="en-IN" sz="2000" dirty="0" err="1">
@@ -8290,7 +8910,34 @@
                 <a:ea typeface="Caladea"/>
                 <a:cs typeface="Caladea"/>
               </a:rPr>
-              <a:t>)</a:t>
+              <a:t>}</a:t>
+            </a:r>
+          </a:p>
+          <a:p>
+            <a:pPr marL="457200" marR="0" lvl="0" indent="-457200" algn="just">
+              <a:lnSpc>
+                <a:spcPct val="150000"/>
+              </a:lnSpc>
+              <a:spcBef>
+                <a:spcPts val="0"/>
+              </a:spcBef>
+              <a:spcAft>
+                <a:spcPts val="0"/>
+              </a:spcAft>
+              <a:buFont typeface="+mj-lt"/>
+              <a:buAutoNum type="arabicPeriod" startAt="21"/>
+            </a:pPr>
+            <a:r>
+              <a:rPr lang="en-IN" sz="2000" dirty="0">
+                <a:solidFill>
+                  <a:srgbClr val="000000"/>
+                </a:solidFill>
+                <a:effectLst/>
+                <a:latin typeface="Times New Roman" panose="02020603050405020304" pitchFamily="18" charset="0"/>
+                <a:ea typeface="Caladea"/>
+                <a:cs typeface="Caladea"/>
+              </a:rPr>
+              <a:t>Question Table</a:t>
             </a:r>
           </a:p>
           <a:p>
@@ -8316,7 +8963,7 @@
                 <a:ea typeface="Caladea"/>
                 <a:cs typeface="Caladea"/>
               </a:rPr>
-              <a:t>FD: ID-&gt; {customer [FK], item [FK], </a:t>
+              <a:t>Question (ID[PK], Question, </a:t>
             </a:r>
             <a:r>
               <a:rPr lang="en-IN" sz="2000" dirty="0" err="1">
@@ -8328,7 +8975,7 @@
                 <a:ea typeface="Caladea"/>
                 <a:cs typeface="Caladea"/>
               </a:rPr>
-              <a:t>addedon</a:t>
+              <a:t>createdAt</a:t>
             </a:r>
             <a:r>
               <a:rPr lang="en-IN" sz="2000" dirty="0">
@@ -8340,7 +8987,7 @@
                 <a:ea typeface="Caladea"/>
                 <a:cs typeface="Caladea"/>
               </a:rPr>
-              <a:t> [FK], </a:t>
+              <a:t>, </a:t>
             </a:r>
             <a:r>
               <a:rPr lang="en-IN" sz="2000" dirty="0" err="1">
@@ -8352,7 +8999,7 @@
                 <a:ea typeface="Caladea"/>
                 <a:cs typeface="Caladea"/>
               </a:rPr>
-              <a:t>addextra</a:t>
+              <a:t>updatedAt</a:t>
             </a:r>
             <a:r>
               <a:rPr lang="en-IN" sz="2000" dirty="0">
@@ -8364,7 +9011,33 @@
                 <a:ea typeface="Caladea"/>
                 <a:cs typeface="Caladea"/>
               </a:rPr>
-              <a:t> [FK], Qty, </a:t>
+              <a:t>)</a:t>
+            </a:r>
+          </a:p>
+          <a:p>
+            <a:pPr marL="0" marR="0" lvl="0" indent="0" algn="just">
+              <a:lnSpc>
+                <a:spcPct val="150000"/>
+              </a:lnSpc>
+              <a:spcBef>
+                <a:spcPts val="0"/>
+              </a:spcBef>
+              <a:spcAft>
+                <a:spcPts val="0"/>
+              </a:spcAft>
+              <a:buNone/>
+            </a:pPr>
+            <a:r>
+              <a:rPr lang="en-IN" sz="2000" dirty="0">
+                <a:solidFill>
+                  <a:srgbClr val="000000"/>
+                </a:solidFill>
+                <a:effectLst/>
+                <a:latin typeface="Times New Roman" panose="02020603050405020304" pitchFamily="18" charset="0"/>
+                <a:ea typeface="Caladea"/>
+                <a:cs typeface="Caladea"/>
+              </a:rPr>
+              <a:t>FD: ID-&gt; {question, </a:t>
             </a:r>
             <a:r>
               <a:rPr lang="en-IN" sz="2000" dirty="0" err="1">
@@ -8414,13 +9087,37 @@
               </a:rPr>
               <a:t>}</a:t>
             </a:r>
+          </a:p>
+          <a:p>
+            <a:pPr marL="457200" marR="0" lvl="0" indent="-457200" algn="just">
+              <a:lnSpc>
+                <a:spcPct val="150000"/>
+              </a:lnSpc>
+              <a:spcBef>
+                <a:spcPts val="0"/>
+              </a:spcBef>
+              <a:spcAft>
+                <a:spcPts val="0"/>
+              </a:spcAft>
+              <a:buFont typeface="+mj-lt"/>
+              <a:buAutoNum type="arabicPeriod" startAt="21"/>
+            </a:pPr>
+            <a:endParaRPr lang="en-IN" sz="2000" dirty="0">
+              <a:solidFill>
+                <a:srgbClr val="000000"/>
+              </a:solidFill>
+              <a:effectLst/>
+              <a:latin typeface="Times New Roman" panose="02020603050405020304" pitchFamily="18" charset="0"/>
+              <a:ea typeface="Caladea"/>
+              <a:cs typeface="Caladea"/>
+            </a:endParaRPr>
           </a:p>
         </p:txBody>
       </p:sp>
     </p:spTree>
     <p:extLst>
       <p:ext uri="{BB962C8B-B14F-4D97-AF65-F5344CB8AC3E}">
-        <p14:creationId xmlns:p14="http://schemas.microsoft.com/office/powerpoint/2010/main" val="3045851893"/>
+        <p14:creationId xmlns:p14="http://schemas.microsoft.com/office/powerpoint/2010/main" val="3380468191"/>
       </p:ext>
     </p:extLst>
   </p:cSld>
@@ -8525,7 +9222,7 @@
                 <a:spcPts val="0"/>
               </a:spcAft>
               <a:buFont typeface="+mj-lt"/>
-              <a:buAutoNum type="arabicPeriod" startAt="18"/>
+              <a:buAutoNum type="arabicPeriod" startAt="22"/>
             </a:pPr>
             <a:r>
               <a:rPr lang="en-IN" sz="2000" dirty="0">
@@ -8537,7 +9234,7 @@
                 <a:ea typeface="Caladea"/>
                 <a:cs typeface="Caladea"/>
               </a:rPr>
-              <a:t>Order Table</a:t>
+              <a:t>Complain Table</a:t>
             </a:r>
           </a:p>
           <a:p>
@@ -8563,7 +9260,7 @@
                 <a:ea typeface="Caladea"/>
                 <a:cs typeface="Caladea"/>
               </a:rPr>
-              <a:t>Order (ID[PK], customer [FK], Billing Address [FK], Price, Coupon Code [FK], Total Price, Delivery Boy [FK], Payment Status, Payment Type, Payment ID, Order Status, Cancel By, Cancel At, Delivered On, Refund Status, item [FK], Qty, </a:t>
+              <a:t>complain (ID[PK], customer [FK], order [FK], question [FK], Message, Status, </a:t>
             </a:r>
             <a:r>
               <a:rPr lang="en-IN" sz="2000" dirty="0" err="1">
@@ -8611,7 +9308,7 @@
                 <a:ea typeface="Caladea"/>
                 <a:cs typeface="Caladea"/>
               </a:rPr>
-              <a:t>)</a:t>
+              <a:t>,)</a:t>
             </a:r>
           </a:p>
           <a:p>
@@ -8628,74 +9325,62 @@
               <a:buNone/>
             </a:pPr>
             <a:r>
-              <a:rPr lang="en-US" sz="1800" dirty="0">
-                <a:effectLst/>
-                <a:latin typeface="Times New Roman" panose="02020603050405020304" pitchFamily="18" charset="0"/>
-                <a:ea typeface="Calibri" panose="020F0502020204030204" pitchFamily="34" charset="0"/>
-              </a:rPr>
-              <a:t>FD: ID-&gt; {customer [FK], Billing Address [FK], Price, Coupon Code [FK], Total Price, Delivery Boy [FK], Payment Status, Payment Type, Payment ID, Order Status, Cancel By, Cancel At, Delivered On, Refund Status, item [FK], </a:t>
-            </a:r>
-            <a:r>
-              <a:rPr lang="en-US" sz="1800" dirty="0" err="1">
-                <a:effectLst/>
-                <a:latin typeface="Times New Roman" panose="02020603050405020304" pitchFamily="18" charset="0"/>
-                <a:ea typeface="Calibri" panose="020F0502020204030204" pitchFamily="34" charset="0"/>
-              </a:rPr>
-              <a:t>addedon</a:t>
-            </a:r>
-            <a:r>
-              <a:rPr lang="en-US" sz="1800" dirty="0">
-                <a:effectLst/>
-                <a:latin typeface="Times New Roman" panose="02020603050405020304" pitchFamily="18" charset="0"/>
-                <a:ea typeface="Calibri" panose="020F0502020204030204" pitchFamily="34" charset="0"/>
-              </a:rPr>
-              <a:t> [FK], </a:t>
-            </a:r>
-            <a:r>
-              <a:rPr lang="en-US" sz="1800" dirty="0" err="1">
-                <a:effectLst/>
-                <a:latin typeface="Times New Roman" panose="02020603050405020304" pitchFamily="18" charset="0"/>
-                <a:ea typeface="Calibri" panose="020F0502020204030204" pitchFamily="34" charset="0"/>
-              </a:rPr>
-              <a:t>addextra</a:t>
-            </a:r>
-            <a:r>
-              <a:rPr lang="en-US" sz="1800" dirty="0">
-                <a:effectLst/>
-                <a:latin typeface="Times New Roman" panose="02020603050405020304" pitchFamily="18" charset="0"/>
-                <a:ea typeface="Calibri" panose="020F0502020204030204" pitchFamily="34" charset="0"/>
-              </a:rPr>
-              <a:t> [FK], Qty, </a:t>
-            </a:r>
-            <a:r>
-              <a:rPr lang="en-US" sz="1800" dirty="0" err="1">
-                <a:effectLst/>
-                <a:latin typeface="Times New Roman" panose="02020603050405020304" pitchFamily="18" charset="0"/>
-                <a:ea typeface="Calibri" panose="020F0502020204030204" pitchFamily="34" charset="0"/>
+              <a:rPr lang="en-IN" sz="2000" dirty="0">
+                <a:solidFill>
+                  <a:srgbClr val="000000"/>
+                </a:solidFill>
+                <a:effectLst/>
+                <a:latin typeface="Times New Roman" panose="02020603050405020304" pitchFamily="18" charset="0"/>
+                <a:ea typeface="Caladea"/>
+                <a:cs typeface="Caladea"/>
+              </a:rPr>
+              <a:t>FD: ID-&gt; {customer [FK], order [FK], question [FK], Message, Status, </a:t>
+            </a:r>
+            <a:r>
+              <a:rPr lang="en-IN" sz="2000" dirty="0" err="1">
+                <a:solidFill>
+                  <a:srgbClr val="000000"/>
+                </a:solidFill>
+                <a:effectLst/>
+                <a:latin typeface="Times New Roman" panose="02020603050405020304" pitchFamily="18" charset="0"/>
+                <a:ea typeface="Caladea"/>
+                <a:cs typeface="Caladea"/>
               </a:rPr>
               <a:t>createdAt</a:t>
             </a:r>
             <a:r>
-              <a:rPr lang="en-US" sz="1800" dirty="0">
-                <a:effectLst/>
-                <a:latin typeface="Times New Roman" panose="02020603050405020304" pitchFamily="18" charset="0"/>
-                <a:ea typeface="Calibri" panose="020F0502020204030204" pitchFamily="34" charset="0"/>
+              <a:rPr lang="en-IN" sz="2000" dirty="0">
+                <a:solidFill>
+                  <a:srgbClr val="000000"/>
+                </a:solidFill>
+                <a:effectLst/>
+                <a:latin typeface="Times New Roman" panose="02020603050405020304" pitchFamily="18" charset="0"/>
+                <a:ea typeface="Caladea"/>
+                <a:cs typeface="Caladea"/>
               </a:rPr>
               <a:t>, </a:t>
             </a:r>
             <a:r>
-              <a:rPr lang="en-US" sz="1800" dirty="0" err="1">
-                <a:effectLst/>
-                <a:latin typeface="Times New Roman" panose="02020603050405020304" pitchFamily="18" charset="0"/>
-                <a:ea typeface="Calibri" panose="020F0502020204030204" pitchFamily="34" charset="0"/>
+              <a:rPr lang="en-IN" sz="2000" dirty="0" err="1">
+                <a:solidFill>
+                  <a:srgbClr val="000000"/>
+                </a:solidFill>
+                <a:effectLst/>
+                <a:latin typeface="Times New Roman" panose="02020603050405020304" pitchFamily="18" charset="0"/>
+                <a:ea typeface="Caladea"/>
+                <a:cs typeface="Caladea"/>
               </a:rPr>
               <a:t>updatedAt</a:t>
             </a:r>
             <a:r>
-              <a:rPr lang="en-US" sz="1800" dirty="0">
-                <a:effectLst/>
-                <a:latin typeface="Times New Roman" panose="02020603050405020304" pitchFamily="18" charset="0"/>
-                <a:ea typeface="Calibri" panose="020F0502020204030204" pitchFamily="34" charset="0"/>
+              <a:rPr lang="en-IN" sz="2000" dirty="0">
+                <a:solidFill>
+                  <a:srgbClr val="000000"/>
+                </a:solidFill>
+                <a:effectLst/>
+                <a:latin typeface="Times New Roman" panose="02020603050405020304" pitchFamily="18" charset="0"/>
+                <a:ea typeface="Caladea"/>
+                <a:cs typeface="Caladea"/>
               </a:rPr>
               <a:t>}</a:t>
             </a:r>
@@ -8712,19 +9397,19 @@
                 <a:spcPts val="0"/>
               </a:spcAft>
               <a:buFont typeface="+mj-lt"/>
-              <a:buAutoNum type="arabicPeriod" startAt="19"/>
+              <a:buAutoNum type="arabicPeriod" startAt="23"/>
             </a:pPr>
             <a:r>
-              <a:rPr lang="en-IN" sz="2000" dirty="0">
-                <a:solidFill>
-                  <a:srgbClr val="000000"/>
-                </a:solidFill>
-                <a:effectLst/>
-                <a:latin typeface="Times New Roman" panose="02020603050405020304" pitchFamily="18" charset="0"/>
-                <a:ea typeface="Caladea"/>
-                <a:cs typeface="Caladea"/>
-              </a:rPr>
-              <a:t>Get Touch Table</a:t>
+              <a:rPr lang="en-US" sz="2000" dirty="0">
+                <a:solidFill>
+                  <a:srgbClr val="000000"/>
+                </a:solidFill>
+                <a:effectLst/>
+                <a:latin typeface="Times New Roman" panose="02020603050405020304" pitchFamily="18" charset="0"/>
+                <a:ea typeface="Caladea"/>
+                <a:cs typeface="Caladea"/>
+              </a:rPr>
+              <a:t>Referral Amount Table</a:t>
             </a:r>
           </a:p>
           <a:p>
@@ -8741,6 +9426,18 @@
               <a:buNone/>
             </a:pPr>
             <a:r>
+              <a:rPr lang="en-US" sz="2000" dirty="0">
+                <a:solidFill>
+                  <a:srgbClr val="000000"/>
+                </a:solidFill>
+                <a:effectLst/>
+                <a:latin typeface="Times New Roman" panose="02020603050405020304" pitchFamily="18" charset="0"/>
+                <a:ea typeface="Caladea"/>
+                <a:cs typeface="Caladea"/>
+              </a:rPr>
+              <a:t>referral (ID[PK], Referral Amount, </a:t>
+            </a:r>
+            <a:r>
               <a:rPr lang="en-US" sz="2000" dirty="0" err="1">
                 <a:solidFill>
                   <a:srgbClr val="000000"/>
@@ -8750,7 +9447,7 @@
                 <a:ea typeface="Caladea"/>
                 <a:cs typeface="Caladea"/>
               </a:rPr>
-              <a:t>gettouch</a:t>
+              <a:t>createdAt</a:t>
             </a:r>
             <a:r>
               <a:rPr lang="en-US" sz="2000" dirty="0">
@@ -8762,7 +9459,7 @@
                 <a:ea typeface="Caladea"/>
                 <a:cs typeface="Caladea"/>
               </a:rPr>
-              <a:t> (ID [PK], restaurant [FK], Subject, Message, Status, </a:t>
+              <a:t>, </a:t>
             </a:r>
             <a:r>
               <a:rPr lang="en-US" sz="2000" dirty="0" err="1">
@@ -8774,6 +9471,56 @@
                 <a:ea typeface="Caladea"/>
                 <a:cs typeface="Caladea"/>
               </a:rPr>
+              <a:t>updatedAt</a:t>
+            </a:r>
+            <a:r>
+              <a:rPr lang="en-US" sz="2000" dirty="0">
+                <a:solidFill>
+                  <a:srgbClr val="000000"/>
+                </a:solidFill>
+                <a:effectLst/>
+                <a:latin typeface="Times New Roman" panose="02020603050405020304" pitchFamily="18" charset="0"/>
+                <a:ea typeface="Caladea"/>
+                <a:cs typeface="Caladea"/>
+              </a:rPr>
+              <a:t>) </a:t>
+            </a:r>
+          </a:p>
+          <a:p>
+            <a:pPr marL="0" marR="0" lvl="0" indent="0" algn="just">
+              <a:lnSpc>
+                <a:spcPct val="150000"/>
+              </a:lnSpc>
+              <a:spcBef>
+                <a:spcPts val="0"/>
+              </a:spcBef>
+              <a:spcAft>
+                <a:spcPts val="0"/>
+              </a:spcAft>
+              <a:buNone/>
+            </a:pPr>
+            <a:r>
+              <a:rPr lang="en-US" sz="2000" dirty="0">
+                <a:solidFill>
+                  <a:srgbClr val="000000"/>
+                </a:solidFill>
+                <a:effectLst/>
+                <a:latin typeface="Times New Roman" panose="02020603050405020304" pitchFamily="18" charset="0"/>
+                <a:ea typeface="Caladea"/>
+                <a:cs typeface="Caladea"/>
+              </a:rPr>
+              <a:t>FD: ID-&gt; {Referral Amount, </a:t>
+            </a:r>
+            <a:r>
+              <a:rPr lang="en-US" sz="2000" dirty="0" err="1">
+                <a:solidFill>
+                  <a:srgbClr val="000000"/>
+                </a:solidFill>
+                <a:effectLst/>
+                <a:latin typeface="Times New Roman" panose="02020603050405020304" pitchFamily="18" charset="0"/>
+                <a:ea typeface="Caladea"/>
+                <a:cs typeface="Caladea"/>
+              </a:rPr>
               <a:t>createdAt</a:t>
             </a:r>
             <a:r>
@@ -8812,6 +9559,21 @@
               </a:rPr>
               <a:t>)</a:t>
             </a:r>
+          </a:p>
+          <a:p>
+            <a:pPr marL="457200" marR="0" lvl="0" indent="-457200" algn="just">
+              <a:lnSpc>
+                <a:spcPct val="150000"/>
+              </a:lnSpc>
+              <a:spcBef>
+                <a:spcPts val="0"/>
+              </a:spcBef>
+              <a:spcAft>
+                <a:spcPts val="0"/>
+              </a:spcAft>
+              <a:buFont typeface="+mj-lt"/>
+              <a:buAutoNum type="arabicPeriod" startAt="23"/>
+            </a:pPr>
             <a:endParaRPr lang="en-IN" sz="2000" dirty="0">
               <a:solidFill>
                 <a:srgbClr val="000000"/>
@@ -8827,7 +9589,7 @@
     </p:spTree>
     <p:extLst>
       <p:ext uri="{BB962C8B-B14F-4D97-AF65-F5344CB8AC3E}">
-        <p14:creationId xmlns:p14="http://schemas.microsoft.com/office/powerpoint/2010/main" val="3586525339"/>
+        <p14:creationId xmlns:p14="http://schemas.microsoft.com/office/powerpoint/2010/main" val="2525193661"/>
       </p:ext>
     </p:extLst>
   </p:cSld>
@@ -8921,1024 +9683,6 @@
           </a:bodyPr>
           <a:lstStyle/>
           <a:p>
-            <a:pPr marL="0" marR="0" lvl="0" indent="0" algn="just">
-              <a:lnSpc>
-                <a:spcPct val="150000"/>
-              </a:lnSpc>
-              <a:spcBef>
-                <a:spcPts val="0"/>
-              </a:spcBef>
-              <a:spcAft>
-                <a:spcPts val="0"/>
-              </a:spcAft>
-              <a:buNone/>
-            </a:pPr>
-            <a:r>
-              <a:rPr lang="en-US" sz="2000" dirty="0">
-                <a:solidFill>
-                  <a:srgbClr val="000000"/>
-                </a:solidFill>
-                <a:effectLst/>
-                <a:latin typeface="Times New Roman" panose="02020603050405020304" pitchFamily="18" charset="0"/>
-                <a:ea typeface="Caladea"/>
-                <a:cs typeface="Caladea"/>
-              </a:rPr>
-              <a:t>FD: ID-&gt; {restaurant [FK], Subject, Message, Status, </a:t>
-            </a:r>
-            <a:r>
-              <a:rPr lang="en-US" sz="2000" dirty="0" err="1">
-                <a:solidFill>
-                  <a:srgbClr val="000000"/>
-                </a:solidFill>
-                <a:effectLst/>
-                <a:latin typeface="Times New Roman" panose="02020603050405020304" pitchFamily="18" charset="0"/>
-                <a:ea typeface="Caladea"/>
-                <a:cs typeface="Caladea"/>
-              </a:rPr>
-              <a:t>createdAt</a:t>
-            </a:r>
-            <a:r>
-              <a:rPr lang="en-US" sz="2000" dirty="0">
-                <a:solidFill>
-                  <a:srgbClr val="000000"/>
-                </a:solidFill>
-                <a:effectLst/>
-                <a:latin typeface="Times New Roman" panose="02020603050405020304" pitchFamily="18" charset="0"/>
-                <a:ea typeface="Caladea"/>
-                <a:cs typeface="Caladea"/>
-              </a:rPr>
-              <a:t>, </a:t>
-            </a:r>
-            <a:r>
-              <a:rPr lang="en-US" sz="2000" dirty="0" err="1">
-                <a:solidFill>
-                  <a:srgbClr val="000000"/>
-                </a:solidFill>
-                <a:effectLst/>
-                <a:latin typeface="Times New Roman" panose="02020603050405020304" pitchFamily="18" charset="0"/>
-                <a:ea typeface="Caladea"/>
-                <a:cs typeface="Caladea"/>
-              </a:rPr>
-              <a:t>updatedAt</a:t>
-            </a:r>
-            <a:r>
-              <a:rPr lang="en-US" sz="2000" dirty="0">
-                <a:solidFill>
-                  <a:srgbClr val="000000"/>
-                </a:solidFill>
-                <a:effectLst/>
-                <a:latin typeface="Times New Roman" panose="02020603050405020304" pitchFamily="18" charset="0"/>
-                <a:ea typeface="Caladea"/>
-                <a:cs typeface="Caladea"/>
-              </a:rPr>
-              <a:t>}</a:t>
-            </a:r>
-          </a:p>
-          <a:p>
-            <a:pPr marL="457200" marR="0" lvl="0" indent="-457200" algn="just">
-              <a:lnSpc>
-                <a:spcPct val="150000"/>
-              </a:lnSpc>
-              <a:spcBef>
-                <a:spcPts val="0"/>
-              </a:spcBef>
-              <a:spcAft>
-                <a:spcPts val="0"/>
-              </a:spcAft>
-              <a:buFont typeface="+mj-lt"/>
-              <a:buAutoNum type="arabicPeriod" startAt="20"/>
-            </a:pPr>
-            <a:r>
-              <a:rPr lang="en-IN" sz="2000" dirty="0">
-                <a:solidFill>
-                  <a:srgbClr val="000000"/>
-                </a:solidFill>
-                <a:effectLst/>
-                <a:latin typeface="Times New Roman" panose="02020603050405020304" pitchFamily="18" charset="0"/>
-                <a:ea typeface="Caladea"/>
-                <a:cs typeface="Caladea"/>
-              </a:rPr>
-              <a:t>Setting Table (For Partner)</a:t>
-            </a:r>
-          </a:p>
-          <a:p>
-            <a:pPr marL="0" marR="0" lvl="0" indent="0" algn="just">
-              <a:lnSpc>
-                <a:spcPct val="150000"/>
-              </a:lnSpc>
-              <a:spcBef>
-                <a:spcPts val="0"/>
-              </a:spcBef>
-              <a:spcAft>
-                <a:spcPts val="0"/>
-              </a:spcAft>
-              <a:buNone/>
-            </a:pPr>
-            <a:r>
-              <a:rPr lang="en-IN" sz="2000" dirty="0">
-                <a:solidFill>
-                  <a:srgbClr val="000000"/>
-                </a:solidFill>
-                <a:effectLst/>
-                <a:latin typeface="Times New Roman" panose="02020603050405020304" pitchFamily="18" charset="0"/>
-                <a:ea typeface="Caladea"/>
-                <a:cs typeface="Caladea"/>
-              </a:rPr>
-              <a:t>setting (ID [PK], Cart Min Price, Cart Min Price Message, Delivery charge, GST, </a:t>
-            </a:r>
-            <a:r>
-              <a:rPr lang="en-IN" sz="2000" dirty="0" err="1">
-                <a:solidFill>
-                  <a:srgbClr val="000000"/>
-                </a:solidFill>
-                <a:effectLst/>
-                <a:latin typeface="Times New Roman" panose="02020603050405020304" pitchFamily="18" charset="0"/>
-                <a:ea typeface="Caladea"/>
-                <a:cs typeface="Caladea"/>
-              </a:rPr>
-              <a:t>createdAt</a:t>
-            </a:r>
-            <a:r>
-              <a:rPr lang="en-IN" sz="2000" dirty="0">
-                <a:solidFill>
-                  <a:srgbClr val="000000"/>
-                </a:solidFill>
-                <a:effectLst/>
-                <a:latin typeface="Times New Roman" panose="02020603050405020304" pitchFamily="18" charset="0"/>
-                <a:ea typeface="Caladea"/>
-                <a:cs typeface="Caladea"/>
-              </a:rPr>
-              <a:t>, </a:t>
-            </a:r>
-            <a:r>
-              <a:rPr lang="en-IN" sz="2000" dirty="0" err="1">
-                <a:solidFill>
-                  <a:srgbClr val="000000"/>
-                </a:solidFill>
-                <a:effectLst/>
-                <a:latin typeface="Times New Roman" panose="02020603050405020304" pitchFamily="18" charset="0"/>
-                <a:ea typeface="Caladea"/>
-                <a:cs typeface="Caladea"/>
-              </a:rPr>
-              <a:t>updatedAt</a:t>
-            </a:r>
-            <a:r>
-              <a:rPr lang="en-IN" sz="2000" dirty="0">
-                <a:solidFill>
-                  <a:srgbClr val="000000"/>
-                </a:solidFill>
-                <a:effectLst/>
-                <a:latin typeface="Times New Roman" panose="02020603050405020304" pitchFamily="18" charset="0"/>
-                <a:ea typeface="Caladea"/>
-                <a:cs typeface="Caladea"/>
-              </a:rPr>
-              <a:t>)</a:t>
-            </a:r>
-          </a:p>
-          <a:p>
-            <a:pPr marL="0" marR="0" lvl="0" indent="0" algn="just">
-              <a:lnSpc>
-                <a:spcPct val="150000"/>
-              </a:lnSpc>
-              <a:spcBef>
-                <a:spcPts val="0"/>
-              </a:spcBef>
-              <a:spcAft>
-                <a:spcPts val="0"/>
-              </a:spcAft>
-              <a:buNone/>
-            </a:pPr>
-            <a:r>
-              <a:rPr lang="en-IN" sz="2000" dirty="0">
-                <a:solidFill>
-                  <a:srgbClr val="000000"/>
-                </a:solidFill>
-                <a:effectLst/>
-                <a:latin typeface="Times New Roman" panose="02020603050405020304" pitchFamily="18" charset="0"/>
-                <a:ea typeface="Caladea"/>
-                <a:cs typeface="Caladea"/>
-              </a:rPr>
-              <a:t>FD: ID-&gt; {Cart Min Price, Cart Min Price Message, Delivery charge, GST, </a:t>
-            </a:r>
-            <a:r>
-              <a:rPr lang="en-IN" sz="2000" dirty="0" err="1">
-                <a:solidFill>
-                  <a:srgbClr val="000000"/>
-                </a:solidFill>
-                <a:effectLst/>
-                <a:latin typeface="Times New Roman" panose="02020603050405020304" pitchFamily="18" charset="0"/>
-                <a:ea typeface="Caladea"/>
-                <a:cs typeface="Caladea"/>
-              </a:rPr>
-              <a:t>createdAt</a:t>
-            </a:r>
-            <a:r>
-              <a:rPr lang="en-IN" sz="2000" dirty="0">
-                <a:solidFill>
-                  <a:srgbClr val="000000"/>
-                </a:solidFill>
-                <a:effectLst/>
-                <a:latin typeface="Times New Roman" panose="02020603050405020304" pitchFamily="18" charset="0"/>
-                <a:ea typeface="Caladea"/>
-                <a:cs typeface="Caladea"/>
-              </a:rPr>
-              <a:t>, </a:t>
-            </a:r>
-            <a:r>
-              <a:rPr lang="en-IN" sz="2000" dirty="0" err="1">
-                <a:solidFill>
-                  <a:srgbClr val="000000"/>
-                </a:solidFill>
-                <a:effectLst/>
-                <a:latin typeface="Times New Roman" panose="02020603050405020304" pitchFamily="18" charset="0"/>
-                <a:ea typeface="Caladea"/>
-                <a:cs typeface="Caladea"/>
-              </a:rPr>
-              <a:t>updatedAt</a:t>
-            </a:r>
-            <a:r>
-              <a:rPr lang="en-IN" sz="2000" dirty="0">
-                <a:solidFill>
-                  <a:srgbClr val="000000"/>
-                </a:solidFill>
-                <a:effectLst/>
-                <a:latin typeface="Times New Roman" panose="02020603050405020304" pitchFamily="18" charset="0"/>
-                <a:ea typeface="Caladea"/>
-                <a:cs typeface="Caladea"/>
-              </a:rPr>
-              <a:t>}</a:t>
-            </a:r>
-          </a:p>
-          <a:p>
-            <a:pPr marL="457200" marR="0" lvl="0" indent="-457200" algn="just">
-              <a:lnSpc>
-                <a:spcPct val="150000"/>
-              </a:lnSpc>
-              <a:spcBef>
-                <a:spcPts val="0"/>
-              </a:spcBef>
-              <a:spcAft>
-                <a:spcPts val="0"/>
-              </a:spcAft>
-              <a:buFont typeface="+mj-lt"/>
-              <a:buAutoNum type="arabicPeriod" startAt="21"/>
-            </a:pPr>
-            <a:r>
-              <a:rPr lang="en-IN" sz="2000" dirty="0">
-                <a:solidFill>
-                  <a:srgbClr val="000000"/>
-                </a:solidFill>
-                <a:effectLst/>
-                <a:latin typeface="Times New Roman" panose="02020603050405020304" pitchFamily="18" charset="0"/>
-                <a:ea typeface="Caladea"/>
-                <a:cs typeface="Caladea"/>
-              </a:rPr>
-              <a:t>Question Table</a:t>
-            </a:r>
-          </a:p>
-          <a:p>
-            <a:pPr marL="0" marR="0" lvl="0" indent="0" algn="just">
-              <a:lnSpc>
-                <a:spcPct val="150000"/>
-              </a:lnSpc>
-              <a:spcBef>
-                <a:spcPts val="0"/>
-              </a:spcBef>
-              <a:spcAft>
-                <a:spcPts val="0"/>
-              </a:spcAft>
-              <a:buNone/>
-            </a:pPr>
-            <a:r>
-              <a:rPr lang="en-IN" sz="2000" dirty="0">
-                <a:solidFill>
-                  <a:srgbClr val="000000"/>
-                </a:solidFill>
-                <a:effectLst/>
-                <a:latin typeface="Times New Roman" panose="02020603050405020304" pitchFamily="18" charset="0"/>
-                <a:ea typeface="Caladea"/>
-                <a:cs typeface="Caladea"/>
-              </a:rPr>
-              <a:t>Question (ID[PK], Question, </a:t>
-            </a:r>
-            <a:r>
-              <a:rPr lang="en-IN" sz="2000" dirty="0" err="1">
-                <a:solidFill>
-                  <a:srgbClr val="000000"/>
-                </a:solidFill>
-                <a:effectLst/>
-                <a:latin typeface="Times New Roman" panose="02020603050405020304" pitchFamily="18" charset="0"/>
-                <a:ea typeface="Caladea"/>
-                <a:cs typeface="Caladea"/>
-              </a:rPr>
-              <a:t>createdAt</a:t>
-            </a:r>
-            <a:r>
-              <a:rPr lang="en-IN" sz="2000" dirty="0">
-                <a:solidFill>
-                  <a:srgbClr val="000000"/>
-                </a:solidFill>
-                <a:effectLst/>
-                <a:latin typeface="Times New Roman" panose="02020603050405020304" pitchFamily="18" charset="0"/>
-                <a:ea typeface="Caladea"/>
-                <a:cs typeface="Caladea"/>
-              </a:rPr>
-              <a:t>, </a:t>
-            </a:r>
-            <a:r>
-              <a:rPr lang="en-IN" sz="2000" dirty="0" err="1">
-                <a:solidFill>
-                  <a:srgbClr val="000000"/>
-                </a:solidFill>
-                <a:effectLst/>
-                <a:latin typeface="Times New Roman" panose="02020603050405020304" pitchFamily="18" charset="0"/>
-                <a:ea typeface="Caladea"/>
-                <a:cs typeface="Caladea"/>
-              </a:rPr>
-              <a:t>updatedAt</a:t>
-            </a:r>
-            <a:r>
-              <a:rPr lang="en-IN" sz="2000" dirty="0">
-                <a:solidFill>
-                  <a:srgbClr val="000000"/>
-                </a:solidFill>
-                <a:effectLst/>
-                <a:latin typeface="Times New Roman" panose="02020603050405020304" pitchFamily="18" charset="0"/>
-                <a:ea typeface="Caladea"/>
-                <a:cs typeface="Caladea"/>
-              </a:rPr>
-              <a:t>)</a:t>
-            </a:r>
-          </a:p>
-          <a:p>
-            <a:pPr marL="0" marR="0" lvl="0" indent="0" algn="just">
-              <a:lnSpc>
-                <a:spcPct val="150000"/>
-              </a:lnSpc>
-              <a:spcBef>
-                <a:spcPts val="0"/>
-              </a:spcBef>
-              <a:spcAft>
-                <a:spcPts val="0"/>
-              </a:spcAft>
-              <a:buNone/>
-            </a:pPr>
-            <a:r>
-              <a:rPr lang="en-IN" sz="2000" dirty="0">
-                <a:solidFill>
-                  <a:srgbClr val="000000"/>
-                </a:solidFill>
-                <a:effectLst/>
-                <a:latin typeface="Times New Roman" panose="02020603050405020304" pitchFamily="18" charset="0"/>
-                <a:ea typeface="Caladea"/>
-                <a:cs typeface="Caladea"/>
-              </a:rPr>
-              <a:t>FD: ID-&gt; {question, </a:t>
-            </a:r>
-            <a:r>
-              <a:rPr lang="en-IN" sz="2000" dirty="0" err="1">
-                <a:solidFill>
-                  <a:srgbClr val="000000"/>
-                </a:solidFill>
-                <a:effectLst/>
-                <a:latin typeface="Times New Roman" panose="02020603050405020304" pitchFamily="18" charset="0"/>
-                <a:ea typeface="Caladea"/>
-                <a:cs typeface="Caladea"/>
-              </a:rPr>
-              <a:t>createdAt</a:t>
-            </a:r>
-            <a:r>
-              <a:rPr lang="en-IN" sz="2000" dirty="0">
-                <a:solidFill>
-                  <a:srgbClr val="000000"/>
-                </a:solidFill>
-                <a:effectLst/>
-                <a:latin typeface="Times New Roman" panose="02020603050405020304" pitchFamily="18" charset="0"/>
-                <a:ea typeface="Caladea"/>
-                <a:cs typeface="Caladea"/>
-              </a:rPr>
-              <a:t>, </a:t>
-            </a:r>
-            <a:r>
-              <a:rPr lang="en-IN" sz="2000" dirty="0" err="1">
-                <a:solidFill>
-                  <a:srgbClr val="000000"/>
-                </a:solidFill>
-                <a:effectLst/>
-                <a:latin typeface="Times New Roman" panose="02020603050405020304" pitchFamily="18" charset="0"/>
-                <a:ea typeface="Caladea"/>
-                <a:cs typeface="Caladea"/>
-              </a:rPr>
-              <a:t>updatedAt</a:t>
-            </a:r>
-            <a:r>
-              <a:rPr lang="en-IN" sz="2000" dirty="0">
-                <a:solidFill>
-                  <a:srgbClr val="000000"/>
-                </a:solidFill>
-                <a:effectLst/>
-                <a:latin typeface="Times New Roman" panose="02020603050405020304" pitchFamily="18" charset="0"/>
-                <a:ea typeface="Caladea"/>
-                <a:cs typeface="Caladea"/>
-              </a:rPr>
-              <a:t>}</a:t>
-            </a:r>
-          </a:p>
-          <a:p>
-            <a:pPr marL="457200" marR="0" lvl="0" indent="-457200" algn="just">
-              <a:lnSpc>
-                <a:spcPct val="150000"/>
-              </a:lnSpc>
-              <a:spcBef>
-                <a:spcPts val="0"/>
-              </a:spcBef>
-              <a:spcAft>
-                <a:spcPts val="0"/>
-              </a:spcAft>
-              <a:buFont typeface="+mj-lt"/>
-              <a:buAutoNum type="arabicPeriod" startAt="21"/>
-            </a:pPr>
-            <a:endParaRPr lang="en-IN" sz="2000" dirty="0">
-              <a:solidFill>
-                <a:srgbClr val="000000"/>
-              </a:solidFill>
-              <a:effectLst/>
-              <a:latin typeface="Times New Roman" panose="02020603050405020304" pitchFamily="18" charset="0"/>
-              <a:ea typeface="Caladea"/>
-              <a:cs typeface="Caladea"/>
-            </a:endParaRPr>
-          </a:p>
-        </p:txBody>
-      </p:sp>
-    </p:spTree>
-    <p:extLst>
-      <p:ext uri="{BB962C8B-B14F-4D97-AF65-F5344CB8AC3E}">
-        <p14:creationId xmlns:p14="http://schemas.microsoft.com/office/powerpoint/2010/main" val="3380468191"/>
-      </p:ext>
-    </p:extLst>
-  </p:cSld>
-  <p:clrMapOvr>
-    <a:masterClrMapping/>
-  </p:clrMapOvr>
-</p:sld>
-</file>
-
-<file path=ppt/slides/slide26.xml><?xml version="1.0" encoding="utf-8"?>
-<p:sld xmlns:a="http://schemas.openxmlformats.org/drawingml/2006/main" xmlns:r="http://schemas.openxmlformats.org/officeDocument/2006/relationships" xmlns:p="http://schemas.openxmlformats.org/presentationml/2006/main">
-  <p:cSld>
-    <p:spTree>
-      <p:nvGrpSpPr>
-        <p:cNvPr id="1" name=""/>
-        <p:cNvGrpSpPr/>
-        <p:nvPr/>
-      </p:nvGrpSpPr>
-      <p:grpSpPr>
-        <a:xfrm>
-          <a:off x="0" y="0"/>
-          <a:ext cx="0" cy="0"/>
-          <a:chOff x="0" y="0"/>
-          <a:chExt cx="0" cy="0"/>
-        </a:xfrm>
-      </p:grpSpPr>
-      <p:sp>
-        <p:nvSpPr>
-          <p:cNvPr id="2" name="Title 1">
-            <a:extLst>
-              <a:ext uri="{FF2B5EF4-FFF2-40B4-BE49-F238E27FC236}">
-                <a16:creationId xmlns:a16="http://schemas.microsoft.com/office/drawing/2014/main" id="{332EF34D-E2CF-466D-90B8-A05283CB611C}"/>
-              </a:ext>
-            </a:extLst>
-          </p:cNvPr>
-          <p:cNvSpPr>
-            <a:spLocks noGrp="1"/>
-          </p:cNvSpPr>
-          <p:nvPr>
-            <p:ph type="title"/>
-          </p:nvPr>
-        </p:nvSpPr>
-        <p:spPr>
-          <a:xfrm>
-            <a:off x="628650" y="365127"/>
-            <a:ext cx="7886700" cy="643542"/>
-          </a:xfrm>
-        </p:spPr>
-        <p:txBody>
-          <a:bodyPr>
-            <a:normAutofit/>
-          </a:bodyPr>
-          <a:lstStyle/>
-          <a:p>
-            <a:pPr algn="ctr"/>
-            <a:r>
-              <a:rPr lang="en-IN" sz="2800" b="1" dirty="0">
-                <a:latin typeface="Times New Roman" panose="02020603050405020304" pitchFamily="18" charset="0"/>
-                <a:cs typeface="Times New Roman" panose="02020603050405020304" pitchFamily="18" charset="0"/>
-              </a:rPr>
-              <a:t>Database Design</a:t>
-            </a:r>
-          </a:p>
-        </p:txBody>
-      </p:sp>
-      <p:sp>
-        <p:nvSpPr>
-          <p:cNvPr id="3" name="Content Placeholder 2">
-            <a:extLst>
-              <a:ext uri="{FF2B5EF4-FFF2-40B4-BE49-F238E27FC236}">
-                <a16:creationId xmlns:a16="http://schemas.microsoft.com/office/drawing/2014/main" id="{E1A2DE00-B63B-482A-8267-C160DAC309B1}"/>
-              </a:ext>
-            </a:extLst>
-          </p:cNvPr>
-          <p:cNvSpPr>
-            <a:spLocks noGrp="1"/>
-          </p:cNvSpPr>
-          <p:nvPr>
-            <p:ph idx="1"/>
-          </p:nvPr>
-        </p:nvSpPr>
-        <p:spPr>
-          <a:xfrm>
-            <a:off x="628650" y="945954"/>
-            <a:ext cx="7886700" cy="5683446"/>
-          </a:xfrm>
-        </p:spPr>
-        <p:txBody>
-          <a:bodyPr>
-            <a:noAutofit/>
-          </a:bodyPr>
-          <a:lstStyle/>
-          <a:p>
-            <a:pPr marL="457200" marR="0" lvl="0" indent="-457200" algn="just">
-              <a:lnSpc>
-                <a:spcPct val="150000"/>
-              </a:lnSpc>
-              <a:spcBef>
-                <a:spcPts val="0"/>
-              </a:spcBef>
-              <a:spcAft>
-                <a:spcPts val="0"/>
-              </a:spcAft>
-              <a:buFont typeface="+mj-lt"/>
-              <a:buAutoNum type="arabicPeriod" startAt="22"/>
-            </a:pPr>
-            <a:r>
-              <a:rPr lang="en-IN" sz="2000" dirty="0">
-                <a:solidFill>
-                  <a:srgbClr val="000000"/>
-                </a:solidFill>
-                <a:effectLst/>
-                <a:latin typeface="Times New Roman" panose="02020603050405020304" pitchFamily="18" charset="0"/>
-                <a:ea typeface="Caladea"/>
-                <a:cs typeface="Caladea"/>
-              </a:rPr>
-              <a:t>Complain Table</a:t>
-            </a:r>
-          </a:p>
-          <a:p>
-            <a:pPr marL="0" marR="0" lvl="0" indent="0" algn="just">
-              <a:lnSpc>
-                <a:spcPct val="150000"/>
-              </a:lnSpc>
-              <a:spcBef>
-                <a:spcPts val="0"/>
-              </a:spcBef>
-              <a:spcAft>
-                <a:spcPts val="0"/>
-              </a:spcAft>
-              <a:buNone/>
-            </a:pPr>
-            <a:r>
-              <a:rPr lang="en-IN" sz="2000" dirty="0">
-                <a:solidFill>
-                  <a:srgbClr val="000000"/>
-                </a:solidFill>
-                <a:effectLst/>
-                <a:latin typeface="Times New Roman" panose="02020603050405020304" pitchFamily="18" charset="0"/>
-                <a:ea typeface="Caladea"/>
-                <a:cs typeface="Caladea"/>
-              </a:rPr>
-              <a:t>complain (ID[PK], customer [FK], order [FK], question [FK], Message, Status, </a:t>
-            </a:r>
-            <a:r>
-              <a:rPr lang="en-IN" sz="2000" dirty="0" err="1">
-                <a:solidFill>
-                  <a:srgbClr val="000000"/>
-                </a:solidFill>
-                <a:effectLst/>
-                <a:latin typeface="Times New Roman" panose="02020603050405020304" pitchFamily="18" charset="0"/>
-                <a:ea typeface="Caladea"/>
-                <a:cs typeface="Caladea"/>
-              </a:rPr>
-              <a:t>createdAt</a:t>
-            </a:r>
-            <a:r>
-              <a:rPr lang="en-IN" sz="2000" dirty="0">
-                <a:solidFill>
-                  <a:srgbClr val="000000"/>
-                </a:solidFill>
-                <a:effectLst/>
-                <a:latin typeface="Times New Roman" panose="02020603050405020304" pitchFamily="18" charset="0"/>
-                <a:ea typeface="Caladea"/>
-                <a:cs typeface="Caladea"/>
-              </a:rPr>
-              <a:t>, </a:t>
-            </a:r>
-            <a:r>
-              <a:rPr lang="en-IN" sz="2000" dirty="0" err="1">
-                <a:solidFill>
-                  <a:srgbClr val="000000"/>
-                </a:solidFill>
-                <a:effectLst/>
-                <a:latin typeface="Times New Roman" panose="02020603050405020304" pitchFamily="18" charset="0"/>
-                <a:ea typeface="Caladea"/>
-                <a:cs typeface="Caladea"/>
-              </a:rPr>
-              <a:t>updatedAt</a:t>
-            </a:r>
-            <a:r>
-              <a:rPr lang="en-IN" sz="2000" dirty="0">
-                <a:solidFill>
-                  <a:srgbClr val="000000"/>
-                </a:solidFill>
-                <a:effectLst/>
-                <a:latin typeface="Times New Roman" panose="02020603050405020304" pitchFamily="18" charset="0"/>
-                <a:ea typeface="Caladea"/>
-                <a:cs typeface="Caladea"/>
-              </a:rPr>
-              <a:t>,)</a:t>
-            </a:r>
-          </a:p>
-          <a:p>
-            <a:pPr marL="0" marR="0" lvl="0" indent="0" algn="just">
-              <a:lnSpc>
-                <a:spcPct val="150000"/>
-              </a:lnSpc>
-              <a:spcBef>
-                <a:spcPts val="0"/>
-              </a:spcBef>
-              <a:spcAft>
-                <a:spcPts val="0"/>
-              </a:spcAft>
-              <a:buNone/>
-            </a:pPr>
-            <a:r>
-              <a:rPr lang="en-IN" sz="2000" dirty="0">
-                <a:solidFill>
-                  <a:srgbClr val="000000"/>
-                </a:solidFill>
-                <a:effectLst/>
-                <a:latin typeface="Times New Roman" panose="02020603050405020304" pitchFamily="18" charset="0"/>
-                <a:ea typeface="Caladea"/>
-                <a:cs typeface="Caladea"/>
-              </a:rPr>
-              <a:t>FD: ID-&gt; {customer [FK], order [FK], question [FK], Message, Status, </a:t>
-            </a:r>
-            <a:r>
-              <a:rPr lang="en-IN" sz="2000" dirty="0" err="1">
-                <a:solidFill>
-                  <a:srgbClr val="000000"/>
-                </a:solidFill>
-                <a:effectLst/>
-                <a:latin typeface="Times New Roman" panose="02020603050405020304" pitchFamily="18" charset="0"/>
-                <a:ea typeface="Caladea"/>
-                <a:cs typeface="Caladea"/>
-              </a:rPr>
-              <a:t>createdAt</a:t>
-            </a:r>
-            <a:r>
-              <a:rPr lang="en-IN" sz="2000" dirty="0">
-                <a:solidFill>
-                  <a:srgbClr val="000000"/>
-                </a:solidFill>
-                <a:effectLst/>
-                <a:latin typeface="Times New Roman" panose="02020603050405020304" pitchFamily="18" charset="0"/>
-                <a:ea typeface="Caladea"/>
-                <a:cs typeface="Caladea"/>
-              </a:rPr>
-              <a:t>, </a:t>
-            </a:r>
-            <a:r>
-              <a:rPr lang="en-IN" sz="2000" dirty="0" err="1">
-                <a:solidFill>
-                  <a:srgbClr val="000000"/>
-                </a:solidFill>
-                <a:effectLst/>
-                <a:latin typeface="Times New Roman" panose="02020603050405020304" pitchFamily="18" charset="0"/>
-                <a:ea typeface="Caladea"/>
-                <a:cs typeface="Caladea"/>
-              </a:rPr>
-              <a:t>updatedAt</a:t>
-            </a:r>
-            <a:r>
-              <a:rPr lang="en-IN" sz="2000" dirty="0">
-                <a:solidFill>
-                  <a:srgbClr val="000000"/>
-                </a:solidFill>
-                <a:effectLst/>
-                <a:latin typeface="Times New Roman" panose="02020603050405020304" pitchFamily="18" charset="0"/>
-                <a:ea typeface="Caladea"/>
-                <a:cs typeface="Caladea"/>
-              </a:rPr>
-              <a:t>}</a:t>
-            </a:r>
-          </a:p>
-          <a:p>
-            <a:pPr marL="457200" marR="0" lvl="0" indent="-457200" algn="just">
-              <a:lnSpc>
-                <a:spcPct val="150000"/>
-              </a:lnSpc>
-              <a:spcBef>
-                <a:spcPts val="0"/>
-              </a:spcBef>
-              <a:spcAft>
-                <a:spcPts val="0"/>
-              </a:spcAft>
-              <a:buFont typeface="+mj-lt"/>
-              <a:buAutoNum type="arabicPeriod" startAt="23"/>
-            </a:pPr>
-            <a:r>
-              <a:rPr lang="en-US" sz="2000" dirty="0">
-                <a:solidFill>
-                  <a:srgbClr val="000000"/>
-                </a:solidFill>
-                <a:effectLst/>
-                <a:latin typeface="Times New Roman" panose="02020603050405020304" pitchFamily="18" charset="0"/>
-                <a:ea typeface="Caladea"/>
-                <a:cs typeface="Caladea"/>
-              </a:rPr>
-              <a:t>Referral Amount Table</a:t>
-            </a:r>
-          </a:p>
-          <a:p>
-            <a:pPr marL="0" marR="0" lvl="0" indent="0" algn="just">
-              <a:lnSpc>
-                <a:spcPct val="150000"/>
-              </a:lnSpc>
-              <a:spcBef>
-                <a:spcPts val="0"/>
-              </a:spcBef>
-              <a:spcAft>
-                <a:spcPts val="0"/>
-              </a:spcAft>
-              <a:buNone/>
-            </a:pPr>
-            <a:r>
-              <a:rPr lang="en-US" sz="2000" dirty="0">
-                <a:solidFill>
-                  <a:srgbClr val="000000"/>
-                </a:solidFill>
-                <a:effectLst/>
-                <a:latin typeface="Times New Roman" panose="02020603050405020304" pitchFamily="18" charset="0"/>
-                <a:ea typeface="Caladea"/>
-                <a:cs typeface="Caladea"/>
-              </a:rPr>
-              <a:t>referral (ID[PK], Referral Amount, </a:t>
-            </a:r>
-            <a:r>
-              <a:rPr lang="en-US" sz="2000" dirty="0" err="1">
-                <a:solidFill>
-                  <a:srgbClr val="000000"/>
-                </a:solidFill>
-                <a:effectLst/>
-                <a:latin typeface="Times New Roman" panose="02020603050405020304" pitchFamily="18" charset="0"/>
-                <a:ea typeface="Caladea"/>
-                <a:cs typeface="Caladea"/>
-              </a:rPr>
-              <a:t>createdAt</a:t>
-            </a:r>
-            <a:r>
-              <a:rPr lang="en-US" sz="2000" dirty="0">
-                <a:solidFill>
-                  <a:srgbClr val="000000"/>
-                </a:solidFill>
-                <a:effectLst/>
-                <a:latin typeface="Times New Roman" panose="02020603050405020304" pitchFamily="18" charset="0"/>
-                <a:ea typeface="Caladea"/>
-                <a:cs typeface="Caladea"/>
-              </a:rPr>
-              <a:t>, </a:t>
-            </a:r>
-            <a:r>
-              <a:rPr lang="en-US" sz="2000" dirty="0" err="1">
-                <a:solidFill>
-                  <a:srgbClr val="000000"/>
-                </a:solidFill>
-                <a:effectLst/>
-                <a:latin typeface="Times New Roman" panose="02020603050405020304" pitchFamily="18" charset="0"/>
-                <a:ea typeface="Caladea"/>
-                <a:cs typeface="Caladea"/>
-              </a:rPr>
-              <a:t>updatedAt</a:t>
-            </a:r>
-            <a:r>
-              <a:rPr lang="en-US" sz="2000" dirty="0">
-                <a:solidFill>
-                  <a:srgbClr val="000000"/>
-                </a:solidFill>
-                <a:effectLst/>
-                <a:latin typeface="Times New Roman" panose="02020603050405020304" pitchFamily="18" charset="0"/>
-                <a:ea typeface="Caladea"/>
-                <a:cs typeface="Caladea"/>
-              </a:rPr>
-              <a:t>) </a:t>
-            </a:r>
-          </a:p>
-          <a:p>
-            <a:pPr marL="0" marR="0" lvl="0" indent="0" algn="just">
-              <a:lnSpc>
-                <a:spcPct val="150000"/>
-              </a:lnSpc>
-              <a:spcBef>
-                <a:spcPts val="0"/>
-              </a:spcBef>
-              <a:spcAft>
-                <a:spcPts val="0"/>
-              </a:spcAft>
-              <a:buNone/>
-            </a:pPr>
-            <a:r>
-              <a:rPr lang="en-US" sz="2000" dirty="0">
-                <a:solidFill>
-                  <a:srgbClr val="000000"/>
-                </a:solidFill>
-                <a:effectLst/>
-                <a:latin typeface="Times New Roman" panose="02020603050405020304" pitchFamily="18" charset="0"/>
-                <a:ea typeface="Caladea"/>
-                <a:cs typeface="Caladea"/>
-              </a:rPr>
-              <a:t>FD: ID-&gt; {Referral Amount, </a:t>
-            </a:r>
-            <a:r>
-              <a:rPr lang="en-US" sz="2000" dirty="0" err="1">
-                <a:solidFill>
-                  <a:srgbClr val="000000"/>
-                </a:solidFill>
-                <a:effectLst/>
-                <a:latin typeface="Times New Roman" panose="02020603050405020304" pitchFamily="18" charset="0"/>
-                <a:ea typeface="Caladea"/>
-                <a:cs typeface="Caladea"/>
-              </a:rPr>
-              <a:t>createdAt</a:t>
-            </a:r>
-            <a:r>
-              <a:rPr lang="en-US" sz="2000" dirty="0">
-                <a:solidFill>
-                  <a:srgbClr val="000000"/>
-                </a:solidFill>
-                <a:effectLst/>
-                <a:latin typeface="Times New Roman" panose="02020603050405020304" pitchFamily="18" charset="0"/>
-                <a:ea typeface="Caladea"/>
-                <a:cs typeface="Caladea"/>
-              </a:rPr>
-              <a:t>, </a:t>
-            </a:r>
-            <a:r>
-              <a:rPr lang="en-US" sz="2000" dirty="0" err="1">
-                <a:solidFill>
-                  <a:srgbClr val="000000"/>
-                </a:solidFill>
-                <a:effectLst/>
-                <a:latin typeface="Times New Roman" panose="02020603050405020304" pitchFamily="18" charset="0"/>
-                <a:ea typeface="Caladea"/>
-                <a:cs typeface="Caladea"/>
-              </a:rPr>
-              <a:t>updatedAt</a:t>
-            </a:r>
-            <a:r>
-              <a:rPr lang="en-US" sz="2000" dirty="0">
-                <a:solidFill>
-                  <a:srgbClr val="000000"/>
-                </a:solidFill>
-                <a:effectLst/>
-                <a:latin typeface="Times New Roman" panose="02020603050405020304" pitchFamily="18" charset="0"/>
-                <a:ea typeface="Caladea"/>
-                <a:cs typeface="Caladea"/>
-              </a:rPr>
-              <a:t>)</a:t>
-            </a:r>
-          </a:p>
-          <a:p>
-            <a:pPr marL="457200" marR="0" lvl="0" indent="-457200" algn="just">
-              <a:lnSpc>
-                <a:spcPct val="150000"/>
-              </a:lnSpc>
-              <a:spcBef>
-                <a:spcPts val="0"/>
-              </a:spcBef>
-              <a:spcAft>
-                <a:spcPts val="0"/>
-              </a:spcAft>
-              <a:buFont typeface="+mj-lt"/>
-              <a:buAutoNum type="arabicPeriod" startAt="23"/>
-            </a:pPr>
-            <a:endParaRPr lang="en-IN" sz="2000" dirty="0">
-              <a:solidFill>
-                <a:srgbClr val="000000"/>
-              </a:solidFill>
-              <a:effectLst/>
-              <a:latin typeface="Times New Roman" panose="02020603050405020304" pitchFamily="18" charset="0"/>
-              <a:ea typeface="Caladea"/>
-              <a:cs typeface="Caladea"/>
-            </a:endParaRPr>
-          </a:p>
-        </p:txBody>
-      </p:sp>
-    </p:spTree>
-    <p:extLst>
-      <p:ext uri="{BB962C8B-B14F-4D97-AF65-F5344CB8AC3E}">
-        <p14:creationId xmlns:p14="http://schemas.microsoft.com/office/powerpoint/2010/main" val="2525193661"/>
-      </p:ext>
-    </p:extLst>
-  </p:cSld>
-  <p:clrMapOvr>
-    <a:masterClrMapping/>
-  </p:clrMapOvr>
-</p:sld>
-</file>
-
-<file path=ppt/slides/slide27.xml><?xml version="1.0" encoding="utf-8"?>
-<p:sld xmlns:a="http://schemas.openxmlformats.org/drawingml/2006/main" xmlns:r="http://schemas.openxmlformats.org/officeDocument/2006/relationships" xmlns:p="http://schemas.openxmlformats.org/presentationml/2006/main">
-  <p:cSld>
-    <p:spTree>
-      <p:nvGrpSpPr>
-        <p:cNvPr id="1" name=""/>
-        <p:cNvGrpSpPr/>
-        <p:nvPr/>
-      </p:nvGrpSpPr>
-      <p:grpSpPr>
-        <a:xfrm>
-          <a:off x="0" y="0"/>
-          <a:ext cx="0" cy="0"/>
-          <a:chOff x="0" y="0"/>
-          <a:chExt cx="0" cy="0"/>
-        </a:xfrm>
-      </p:grpSpPr>
-      <p:sp>
-        <p:nvSpPr>
-          <p:cNvPr id="2" name="Title 1">
-            <a:extLst>
-              <a:ext uri="{FF2B5EF4-FFF2-40B4-BE49-F238E27FC236}">
-                <a16:creationId xmlns:a16="http://schemas.microsoft.com/office/drawing/2014/main" id="{332EF34D-E2CF-466D-90B8-A05283CB611C}"/>
-              </a:ext>
-            </a:extLst>
-          </p:cNvPr>
-          <p:cNvSpPr>
-            <a:spLocks noGrp="1"/>
-          </p:cNvSpPr>
-          <p:nvPr>
-            <p:ph type="title"/>
-          </p:nvPr>
-        </p:nvSpPr>
-        <p:spPr>
-          <a:xfrm>
-            <a:off x="628650" y="365127"/>
-            <a:ext cx="7886700" cy="643542"/>
-          </a:xfrm>
-        </p:spPr>
-        <p:txBody>
-          <a:bodyPr>
-            <a:normAutofit/>
-          </a:bodyPr>
-          <a:lstStyle/>
-          <a:p>
-            <a:pPr algn="ctr"/>
-            <a:r>
-              <a:rPr lang="en-IN" sz="2800" b="1" dirty="0">
-                <a:latin typeface="Times New Roman" panose="02020603050405020304" pitchFamily="18" charset="0"/>
-                <a:cs typeface="Times New Roman" panose="02020603050405020304" pitchFamily="18" charset="0"/>
-              </a:rPr>
-              <a:t>Database Design</a:t>
-            </a:r>
-          </a:p>
-        </p:txBody>
-      </p:sp>
-      <p:sp>
-        <p:nvSpPr>
-          <p:cNvPr id="3" name="Content Placeholder 2">
-            <a:extLst>
-              <a:ext uri="{FF2B5EF4-FFF2-40B4-BE49-F238E27FC236}">
-                <a16:creationId xmlns:a16="http://schemas.microsoft.com/office/drawing/2014/main" id="{E1A2DE00-B63B-482A-8267-C160DAC309B1}"/>
-              </a:ext>
-            </a:extLst>
-          </p:cNvPr>
-          <p:cNvSpPr>
-            <a:spLocks noGrp="1"/>
-          </p:cNvSpPr>
-          <p:nvPr>
-            <p:ph idx="1"/>
-          </p:nvPr>
-        </p:nvSpPr>
-        <p:spPr>
-          <a:xfrm>
-            <a:off x="628650" y="945954"/>
-            <a:ext cx="7886700" cy="5683446"/>
-          </a:xfrm>
-        </p:spPr>
-        <p:txBody>
-          <a:bodyPr>
-            <a:noAutofit/>
-          </a:bodyPr>
-          <a:lstStyle/>
-          <a:p>
             <a:pPr marL="457200" marR="0" lvl="0" indent="-457200" algn="just">
               <a:lnSpc>
                 <a:spcPct val="150000"/>
@@ -10351,7 +10095,7 @@
 </p:sld>
 </file>
 
-<file path=ppt/slides/slide28.xml><?xml version="1.0" encoding="utf-8"?>
+<file path=ppt/slides/slide26.xml><?xml version="1.0" encoding="utf-8"?>
 <p:sld xmlns:a="http://schemas.openxmlformats.org/drawingml/2006/main" xmlns:r="http://schemas.openxmlformats.org/officeDocument/2006/relationships" xmlns:p="http://schemas.openxmlformats.org/presentationml/2006/main">
   <p:cSld>
     <p:spTree>
@@ -10837,7 +10581,7 @@
 </p:sld>
 </file>
 
-<file path=ppt/slides/slide29.xml><?xml version="1.0" encoding="utf-8"?>
+<file path=ppt/slides/slide27.xml><?xml version="1.0" encoding="utf-8"?>
 <p:sld xmlns:a="http://schemas.openxmlformats.org/drawingml/2006/main" xmlns:r="http://schemas.openxmlformats.org/officeDocument/2006/relationships" xmlns:p="http://schemas.openxmlformats.org/presentationml/2006/main">
   <p:cSld>
     <p:spTree>
@@ -11961,64 +11705,6 @@
 </file>
 
 <file path=ppt/slides/slide3.xml><?xml version="1.0" encoding="utf-8"?>
-<p:sld xmlns:a="http://schemas.openxmlformats.org/drawingml/2006/main" xmlns:r="http://schemas.openxmlformats.org/officeDocument/2006/relationships" xmlns:p="http://schemas.openxmlformats.org/presentationml/2006/main" show="0">
-  <p:cSld>
-    <p:spTree>
-      <p:nvGrpSpPr>
-        <p:cNvPr id="1" name=""/>
-        <p:cNvGrpSpPr/>
-        <p:nvPr/>
-      </p:nvGrpSpPr>
-      <p:grpSpPr>
-        <a:xfrm>
-          <a:off x="0" y="0"/>
-          <a:ext cx="0" cy="0"/>
-          <a:chOff x="0" y="0"/>
-          <a:chExt cx="0" cy="0"/>
-        </a:xfrm>
-      </p:grpSpPr>
-      <p:sp>
-        <p:nvSpPr>
-          <p:cNvPr id="2" name="Title 1">
-            <a:extLst>
-              <a:ext uri="{FF2B5EF4-FFF2-40B4-BE49-F238E27FC236}">
-                <a16:creationId xmlns:a16="http://schemas.microsoft.com/office/drawing/2014/main" id="{0CA1E7EF-E110-40EF-BA72-470B63EA48BD}"/>
-              </a:ext>
-            </a:extLst>
-          </p:cNvPr>
-          <p:cNvSpPr>
-            <a:spLocks noGrp="1"/>
-          </p:cNvSpPr>
-          <p:nvPr>
-            <p:ph type="title"/>
-          </p:nvPr>
-        </p:nvSpPr>
-        <p:spPr/>
-        <p:txBody>
-          <a:bodyPr/>
-          <a:lstStyle/>
-          <a:p>
-            <a:r>
-              <a:rPr lang="en-IN" dirty="0"/>
-              <a:t>Index</a:t>
-            </a:r>
-          </a:p>
-        </p:txBody>
-      </p:sp>
-    </p:spTree>
-    <p:extLst>
-      <p:ext uri="{BB962C8B-B14F-4D97-AF65-F5344CB8AC3E}">
-        <p14:creationId xmlns:p14="http://schemas.microsoft.com/office/powerpoint/2010/main" val="2809329825"/>
-      </p:ext>
-    </p:extLst>
-  </p:cSld>
-  <p:clrMapOvr>
-    <a:masterClrMapping/>
-  </p:clrMapOvr>
-</p:sld>
-</file>
-
-<file path=ppt/slides/slide4.xml><?xml version="1.0" encoding="utf-8"?>
 <p:sld xmlns:a="http://schemas.openxmlformats.org/drawingml/2006/main" xmlns:r="http://schemas.openxmlformats.org/officeDocument/2006/relationships" xmlns:p="http://schemas.openxmlformats.org/presentationml/2006/main">
   <p:cSld>
     <p:spTree>
@@ -12069,186 +11755,6 @@
                 <a:latin typeface="Times New Roman" panose="02020603050405020304" pitchFamily="18" charset="0"/>
                 <a:cs typeface="Times New Roman" panose="02020603050405020304" pitchFamily="18" charset="0"/>
               </a:rPr>
-              <a:t>Introduction</a:t>
-            </a:r>
-          </a:p>
-        </p:txBody>
-      </p:sp>
-      <p:sp>
-        <p:nvSpPr>
-          <p:cNvPr id="3" name="Content Placeholder 2">
-            <a:extLst>
-              <a:ext uri="{FF2B5EF4-FFF2-40B4-BE49-F238E27FC236}">
-                <a16:creationId xmlns:a16="http://schemas.microsoft.com/office/drawing/2014/main" id="{9EF6E839-31F9-45F4-AB65-E183948F3C36}"/>
-              </a:ext>
-            </a:extLst>
-          </p:cNvPr>
-          <p:cNvSpPr>
-            <a:spLocks noGrp="1"/>
-          </p:cNvSpPr>
-          <p:nvPr>
-            <p:ph idx="1"/>
-          </p:nvPr>
-        </p:nvSpPr>
-        <p:spPr>
-          <a:xfrm>
-            <a:off x="522774" y="1460669"/>
-            <a:ext cx="7886700" cy="4824637"/>
-          </a:xfrm>
-        </p:spPr>
-        <p:txBody>
-          <a:bodyPr>
-            <a:noAutofit/>
-          </a:bodyPr>
-          <a:lstStyle/>
-          <a:p>
-            <a:pPr algn="just">
-              <a:lnSpc>
-                <a:spcPct val="120000"/>
-              </a:lnSpc>
-              <a:buFont typeface="Courier New" panose="02070309020205020404" pitchFamily="49" charset="0"/>
-              <a:buChar char="o"/>
-            </a:pPr>
-            <a:r>
-              <a:rPr lang="en-US" sz="2200" dirty="0">
-                <a:latin typeface="Times New Roman" panose="02020603050405020304" pitchFamily="18" charset="0"/>
-                <a:cs typeface="Times New Roman" panose="02020603050405020304" pitchFamily="18" charset="0"/>
-              </a:rPr>
-              <a:t>In earlier days, all restaurants can use manual ways to store their data and records so maintaining a large amount of data was difficult.</a:t>
-            </a:r>
-          </a:p>
-          <a:p>
-            <a:pPr algn="just">
-              <a:lnSpc>
-                <a:spcPct val="120000"/>
-              </a:lnSpc>
-              <a:buFont typeface="Courier New" panose="02070309020205020404" pitchFamily="49" charset="0"/>
-              <a:buChar char="o"/>
-            </a:pPr>
-            <a:r>
-              <a:rPr lang="en-US" sz="2200" dirty="0">
-                <a:latin typeface="Times New Roman" panose="02020603050405020304" pitchFamily="18" charset="0"/>
-                <a:cs typeface="Times New Roman" panose="02020603050405020304" pitchFamily="18" charset="0"/>
-              </a:rPr>
-              <a:t>They need full function software to maintain their day-to-day life transaction, order, cash transaction, and customer feedback. Because of large data, they need some features or systems which can maintain and stores the data or records accurately.</a:t>
-            </a:r>
-          </a:p>
-          <a:p>
-            <a:pPr algn="just">
-              <a:lnSpc>
-                <a:spcPct val="120000"/>
-              </a:lnSpc>
-              <a:buFont typeface="Courier New" panose="02070309020205020404" pitchFamily="49" charset="0"/>
-              <a:buChar char="o"/>
-            </a:pPr>
-            <a:r>
-              <a:rPr lang="en-US" sz="2200" dirty="0">
-                <a:latin typeface="Times New Roman" panose="02020603050405020304" pitchFamily="18" charset="0"/>
-                <a:cs typeface="Times New Roman" panose="02020603050405020304" pitchFamily="18" charset="0"/>
-              </a:rPr>
-              <a:t>The Billy reduces the manual works and improves the efficiency of the store. </a:t>
-            </a:r>
-          </a:p>
-          <a:p>
-            <a:pPr algn="just">
-              <a:lnSpc>
-                <a:spcPct val="120000"/>
-              </a:lnSpc>
-              <a:buFont typeface="Courier New" panose="02070309020205020404" pitchFamily="49" charset="0"/>
-              <a:buChar char="o"/>
-            </a:pPr>
-            <a:r>
-              <a:rPr lang="en-US" sz="2200" dirty="0">
-                <a:latin typeface="Times New Roman" panose="02020603050405020304" pitchFamily="18" charset="0"/>
-                <a:cs typeface="Times New Roman" panose="02020603050405020304" pitchFamily="18" charset="0"/>
-              </a:rPr>
-              <a:t>To remove all the disadvantages of conventional methods, a system is proposed which is an </a:t>
-            </a:r>
-            <a:r>
-              <a:rPr lang="en-US" sz="2200" b="1" dirty="0">
-                <a:latin typeface="Times New Roman" panose="02020603050405020304" pitchFamily="18" charset="0"/>
-                <a:cs typeface="Times New Roman" panose="02020603050405020304" pitchFamily="18" charset="0"/>
-              </a:rPr>
-              <a:t>Billy</a:t>
-            </a:r>
-            <a:r>
-              <a:rPr lang="en-US" sz="2200" dirty="0">
-                <a:latin typeface="Times New Roman" panose="02020603050405020304" pitchFamily="18" charset="0"/>
-                <a:cs typeface="Times New Roman" panose="02020603050405020304" pitchFamily="18" charset="0"/>
-              </a:rPr>
-              <a:t>.</a:t>
-            </a:r>
-            <a:endParaRPr lang="en-IN" sz="2200" dirty="0">
-              <a:latin typeface="Times New Roman" panose="02020603050405020304" pitchFamily="18" charset="0"/>
-              <a:cs typeface="Times New Roman" panose="02020603050405020304" pitchFamily="18" charset="0"/>
-            </a:endParaRPr>
-          </a:p>
-        </p:txBody>
-      </p:sp>
-    </p:spTree>
-    <p:extLst>
-      <p:ext uri="{BB962C8B-B14F-4D97-AF65-F5344CB8AC3E}">
-        <p14:creationId xmlns:p14="http://schemas.microsoft.com/office/powerpoint/2010/main" val="183441732"/>
-      </p:ext>
-    </p:extLst>
-  </p:cSld>
-  <p:clrMapOvr>
-    <a:masterClrMapping/>
-  </p:clrMapOvr>
-</p:sld>
-</file>
-
-<file path=ppt/slides/slide5.xml><?xml version="1.0" encoding="utf-8"?>
-<p:sld xmlns:a="http://schemas.openxmlformats.org/drawingml/2006/main" xmlns:r="http://schemas.openxmlformats.org/officeDocument/2006/relationships" xmlns:p="http://schemas.openxmlformats.org/presentationml/2006/main">
-  <p:cSld>
-    <p:spTree>
-      <p:nvGrpSpPr>
-        <p:cNvPr id="1" name=""/>
-        <p:cNvGrpSpPr/>
-        <p:nvPr/>
-      </p:nvGrpSpPr>
-      <p:grpSpPr>
-        <a:xfrm>
-          <a:off x="0" y="0"/>
-          <a:ext cx="0" cy="0"/>
-          <a:chOff x="0" y="0"/>
-          <a:chExt cx="0" cy="0"/>
-        </a:xfrm>
-      </p:grpSpPr>
-      <p:sp>
-        <p:nvSpPr>
-          <p:cNvPr id="2" name="Title 1">
-            <a:extLst>
-              <a:ext uri="{FF2B5EF4-FFF2-40B4-BE49-F238E27FC236}">
-                <a16:creationId xmlns:a16="http://schemas.microsoft.com/office/drawing/2014/main" id="{C5026D42-71B4-4CB1-98A3-41F109700C02}"/>
-              </a:ext>
-            </a:extLst>
-          </p:cNvPr>
-          <p:cNvSpPr>
-            <a:spLocks noGrp="1"/>
-          </p:cNvSpPr>
-          <p:nvPr>
-            <p:ph type="title"/>
-          </p:nvPr>
-        </p:nvSpPr>
-        <p:spPr>
-          <a:xfrm>
-            <a:off x="628650" y="612742"/>
-            <a:ext cx="7886700" cy="550046"/>
-          </a:xfrm>
-        </p:spPr>
-        <p:txBody>
-          <a:bodyPr>
-            <a:normAutofit/>
-          </a:bodyPr>
-          <a:lstStyle/>
-          <a:p>
-            <a:pPr algn="ctr"/>
-            <a:r>
-              <a:rPr lang="en-IN" sz="2800" b="1" dirty="0">
-                <a:latin typeface="Times New Roman" panose="02020603050405020304" pitchFamily="18" charset="0"/>
-                <a:cs typeface="Times New Roman" panose="02020603050405020304" pitchFamily="18" charset="0"/>
-              </a:rPr>
               <a:t>Objective</a:t>
             </a:r>
           </a:p>
@@ -12461,7 +11967,7 @@
 </p:sld>
 </file>
 
-<file path=ppt/slides/slide6.xml><?xml version="1.0" encoding="utf-8"?>
+<file path=ppt/slides/slide4.xml><?xml version="1.0" encoding="utf-8"?>
 <p:sld xmlns:a="http://schemas.openxmlformats.org/drawingml/2006/main" xmlns:r="http://schemas.openxmlformats.org/officeDocument/2006/relationships" xmlns:p="http://schemas.openxmlformats.org/presentationml/2006/main">
   <p:cSld>
     <p:spTree>
@@ -12788,7 +12294,7 @@
 </p:sld>
 </file>
 
-<file path=ppt/slides/slide7.xml><?xml version="1.0" encoding="utf-8"?>
+<file path=ppt/slides/slide5.xml><?xml version="1.0" encoding="utf-8"?>
 <p:sld xmlns:a="http://schemas.openxmlformats.org/drawingml/2006/main" xmlns:r="http://schemas.openxmlformats.org/officeDocument/2006/relationships" xmlns:p="http://schemas.openxmlformats.org/presentationml/2006/main">
   <p:cSld>
     <p:spTree>
@@ -13811,7 +13317,7 @@
 </p:sld>
 </file>
 
-<file path=ppt/slides/slide8.xml><?xml version="1.0" encoding="utf-8"?>
+<file path=ppt/slides/slide6.xml><?xml version="1.0" encoding="utf-8"?>
 <p:sld xmlns:a="http://schemas.openxmlformats.org/drawingml/2006/main" xmlns:r="http://schemas.openxmlformats.org/officeDocument/2006/relationships" xmlns:p="http://schemas.openxmlformats.org/presentationml/2006/main">
   <p:cSld>
     <p:spTree>
@@ -14138,6 +13644,1231 @@
     <p:extLst>
       <p:ext uri="{BB962C8B-B14F-4D97-AF65-F5344CB8AC3E}">
         <p14:creationId xmlns:p14="http://schemas.microsoft.com/office/powerpoint/2010/main" val="1378979029"/>
+      </p:ext>
+    </p:extLst>
+  </p:cSld>
+  <p:clrMapOvr>
+    <a:masterClrMapping/>
+  </p:clrMapOvr>
+</p:sld>
+</file>
+
+<file path=ppt/slides/slide7.xml><?xml version="1.0" encoding="utf-8"?>
+<p:sld xmlns:a="http://schemas.openxmlformats.org/drawingml/2006/main" xmlns:r="http://schemas.openxmlformats.org/officeDocument/2006/relationships" xmlns:p="http://schemas.openxmlformats.org/presentationml/2006/main">
+  <p:cSld>
+    <p:spTree>
+      <p:nvGrpSpPr>
+        <p:cNvPr id="1" name=""/>
+        <p:cNvGrpSpPr/>
+        <p:nvPr/>
+      </p:nvGrpSpPr>
+      <p:grpSpPr>
+        <a:xfrm>
+          <a:off x="0" y="0"/>
+          <a:ext cx="0" cy="0"/>
+          <a:chOff x="0" y="0"/>
+          <a:chExt cx="0" cy="0"/>
+        </a:xfrm>
+      </p:grpSpPr>
+      <p:sp>
+        <p:nvSpPr>
+          <p:cNvPr id="2" name="Title 1">
+            <a:extLst>
+              <a:ext uri="{FF2B5EF4-FFF2-40B4-BE49-F238E27FC236}">
+                <a16:creationId xmlns:a16="http://schemas.microsoft.com/office/drawing/2014/main" id="{332EF34D-E2CF-466D-90B8-A05283CB611C}"/>
+              </a:ext>
+            </a:extLst>
+          </p:cNvPr>
+          <p:cNvSpPr>
+            <a:spLocks noGrp="1"/>
+          </p:cNvSpPr>
+          <p:nvPr>
+            <p:ph type="title"/>
+          </p:nvPr>
+        </p:nvSpPr>
+        <p:spPr>
+          <a:xfrm>
+            <a:off x="628650" y="403927"/>
+            <a:ext cx="7886700" cy="643542"/>
+          </a:xfrm>
+        </p:spPr>
+        <p:txBody>
+          <a:bodyPr>
+            <a:normAutofit/>
+          </a:bodyPr>
+          <a:lstStyle/>
+          <a:p>
+            <a:pPr algn="ctr"/>
+            <a:r>
+              <a:rPr lang="en-IN" sz="2800" b="1" dirty="0">
+                <a:latin typeface="Times New Roman" panose="02020603050405020304" pitchFamily="18" charset="0"/>
+                <a:cs typeface="Times New Roman" panose="02020603050405020304" pitchFamily="18" charset="0"/>
+                <a:hlinkClick r:id="rId2" action="ppaction://hlinkfile">
+                  <a:extLst>
+                    <a:ext uri="{A12FA001-AC4F-418D-AE19-62706E023703}">
+                      <ahyp:hlinkClr xmlns:ahyp="http://schemas.microsoft.com/office/drawing/2018/hyperlinkcolor" val="tx"/>
+                    </a:ext>
+                  </a:extLst>
+                </a:hlinkClick>
+              </a:rPr>
+              <a:t>Functional Requirement </a:t>
+            </a:r>
+            <a:endParaRPr lang="en-IN" sz="2800" b="1" dirty="0">
+              <a:latin typeface="Times New Roman" panose="02020603050405020304" pitchFamily="18" charset="0"/>
+              <a:cs typeface="Times New Roman" panose="02020603050405020304" pitchFamily="18" charset="0"/>
+            </a:endParaRPr>
+          </a:p>
+        </p:txBody>
+      </p:sp>
+      <p:sp>
+        <p:nvSpPr>
+          <p:cNvPr id="3" name="Content Placeholder 2">
+            <a:extLst>
+              <a:ext uri="{FF2B5EF4-FFF2-40B4-BE49-F238E27FC236}">
+                <a16:creationId xmlns:a16="http://schemas.microsoft.com/office/drawing/2014/main" id="{E1A2DE00-B63B-482A-8267-C160DAC309B1}"/>
+              </a:ext>
+            </a:extLst>
+          </p:cNvPr>
+          <p:cNvSpPr>
+            <a:spLocks noGrp="1"/>
+          </p:cNvSpPr>
+          <p:nvPr>
+            <p:ph idx="1"/>
+          </p:nvPr>
+        </p:nvSpPr>
+        <p:spPr>
+          <a:xfrm>
+            <a:off x="628650" y="1311413"/>
+            <a:ext cx="7886700" cy="4932625"/>
+          </a:xfrm>
+        </p:spPr>
+        <p:txBody>
+          <a:bodyPr>
+            <a:normAutofit/>
+          </a:bodyPr>
+          <a:lstStyle/>
+          <a:p>
+            <a:pPr marL="457200" indent="-457200">
+              <a:lnSpc>
+                <a:spcPct val="100000"/>
+              </a:lnSpc>
+              <a:buFont typeface="+mj-lt"/>
+              <a:buAutoNum type="arabicPeriod" startAt="12"/>
+            </a:pPr>
+            <a:r>
+              <a:rPr lang="en-IN" sz="2200" dirty="0">
+                <a:effectLst/>
+                <a:latin typeface="Times New Roman" panose="02020603050405020304" pitchFamily="18" charset="0"/>
+                <a:ea typeface="Calibri" panose="020F0502020204030204" pitchFamily="34" charset="0"/>
+                <a:cs typeface="Times New Roman" panose="02020603050405020304" pitchFamily="18" charset="0"/>
+              </a:rPr>
+              <a:t>Manage Cart</a:t>
+            </a:r>
+          </a:p>
+          <a:p>
+            <a:pPr marL="457200" indent="-457200">
+              <a:lnSpc>
+                <a:spcPct val="100000"/>
+              </a:lnSpc>
+              <a:buFont typeface="+mj-lt"/>
+              <a:buAutoNum type="arabicPeriod" startAt="12"/>
+            </a:pPr>
+            <a:r>
+              <a:rPr lang="en-IN" sz="2200" dirty="0">
+                <a:effectLst/>
+                <a:latin typeface="Times New Roman" panose="02020603050405020304" pitchFamily="18" charset="0"/>
+                <a:ea typeface="Calibri" panose="020F0502020204030204" pitchFamily="34" charset="0"/>
+                <a:cs typeface="Times New Roman" panose="02020603050405020304" pitchFamily="18" charset="0"/>
+              </a:rPr>
+              <a:t>Billing Address management</a:t>
+            </a:r>
+          </a:p>
+          <a:p>
+            <a:pPr marL="457200" indent="-457200">
+              <a:lnSpc>
+                <a:spcPct val="100000"/>
+              </a:lnSpc>
+              <a:buFont typeface="+mj-lt"/>
+              <a:buAutoNum type="arabicPeriod" startAt="12"/>
+            </a:pPr>
+            <a:r>
+              <a:rPr lang="en-IN" sz="2200" dirty="0">
+                <a:effectLst/>
+                <a:latin typeface="Times New Roman" panose="02020603050405020304" pitchFamily="18" charset="0"/>
+                <a:ea typeface="Calibri" panose="020F0502020204030204" pitchFamily="34" charset="0"/>
+                <a:cs typeface="Times New Roman" panose="02020603050405020304" pitchFamily="18" charset="0"/>
+              </a:rPr>
+              <a:t>Manage Customer Order Management</a:t>
+            </a:r>
+          </a:p>
+          <a:p>
+            <a:pPr marL="457200" indent="-457200">
+              <a:lnSpc>
+                <a:spcPct val="100000"/>
+              </a:lnSpc>
+              <a:buFont typeface="+mj-lt"/>
+              <a:buAutoNum type="arabicPeriod" startAt="12"/>
+            </a:pPr>
+            <a:r>
+              <a:rPr lang="en-IN" sz="2200" dirty="0">
+                <a:effectLst/>
+                <a:latin typeface="Times New Roman" panose="02020603050405020304" pitchFamily="18" charset="0"/>
+                <a:ea typeface="Calibri" panose="020F0502020204030204" pitchFamily="34" charset="0"/>
+                <a:cs typeface="Times New Roman" panose="02020603050405020304" pitchFamily="18" charset="0"/>
+              </a:rPr>
+              <a:t>Manage Delivery Boy</a:t>
+            </a:r>
+          </a:p>
+          <a:p>
+            <a:pPr marL="457200" indent="-457200">
+              <a:lnSpc>
+                <a:spcPct val="100000"/>
+              </a:lnSpc>
+              <a:buFont typeface="+mj-lt"/>
+              <a:buAutoNum type="arabicPeriod" startAt="12"/>
+            </a:pPr>
+            <a:r>
+              <a:rPr lang="en-IN" sz="2200" dirty="0">
+                <a:effectLst/>
+                <a:latin typeface="Times New Roman" panose="02020603050405020304" pitchFamily="18" charset="0"/>
+                <a:ea typeface="Calibri" panose="020F0502020204030204" pitchFamily="34" charset="0"/>
+                <a:cs typeface="Times New Roman" panose="02020603050405020304" pitchFamily="18" charset="0"/>
+              </a:rPr>
+              <a:t>Report management</a:t>
+            </a:r>
+          </a:p>
+          <a:p>
+            <a:pPr marL="457200" indent="-457200">
+              <a:lnSpc>
+                <a:spcPct val="100000"/>
+              </a:lnSpc>
+              <a:buFont typeface="+mj-lt"/>
+              <a:buAutoNum type="arabicPeriod" startAt="12"/>
+            </a:pPr>
+            <a:r>
+              <a:rPr lang="en-IN" sz="2200" dirty="0">
+                <a:effectLst/>
+                <a:latin typeface="Times New Roman" panose="02020603050405020304" pitchFamily="18" charset="0"/>
+                <a:ea typeface="Calibri" panose="020F0502020204030204" pitchFamily="34" charset="0"/>
+                <a:cs typeface="Times New Roman" panose="02020603050405020304" pitchFamily="18" charset="0"/>
+              </a:rPr>
+              <a:t>Manage Get Touch (Help)</a:t>
+            </a:r>
+          </a:p>
+          <a:p>
+            <a:pPr marL="457200" indent="-457200">
+              <a:lnSpc>
+                <a:spcPct val="100000"/>
+              </a:lnSpc>
+              <a:buFont typeface="+mj-lt"/>
+              <a:buAutoNum type="arabicPeriod" startAt="12"/>
+            </a:pPr>
+            <a:r>
+              <a:rPr lang="en-IN" sz="2200" dirty="0">
+                <a:effectLst/>
+                <a:latin typeface="Times New Roman" panose="02020603050405020304" pitchFamily="18" charset="0"/>
+                <a:ea typeface="Calibri" panose="020F0502020204030204" pitchFamily="34" charset="0"/>
+                <a:cs typeface="Times New Roman" panose="02020603050405020304" pitchFamily="18" charset="0"/>
+              </a:rPr>
+              <a:t>Manage Setting (Partner Setting)</a:t>
+            </a:r>
+          </a:p>
+          <a:p>
+            <a:pPr marL="457200" indent="-457200">
+              <a:lnSpc>
+                <a:spcPct val="100000"/>
+              </a:lnSpc>
+              <a:buFont typeface="+mj-lt"/>
+              <a:buAutoNum type="arabicPeriod" startAt="12"/>
+            </a:pPr>
+            <a:r>
+              <a:rPr lang="en-IN" sz="2200" dirty="0">
+                <a:effectLst/>
+                <a:latin typeface="Times New Roman" panose="02020603050405020304" pitchFamily="18" charset="0"/>
+                <a:ea typeface="Calibri" panose="020F0502020204030204" pitchFamily="34" charset="0"/>
+                <a:cs typeface="Times New Roman" panose="02020603050405020304" pitchFamily="18" charset="0"/>
+              </a:rPr>
+              <a:t>Manage Question</a:t>
+            </a:r>
+          </a:p>
+          <a:p>
+            <a:pPr marL="457200" indent="-457200">
+              <a:lnSpc>
+                <a:spcPct val="100000"/>
+              </a:lnSpc>
+              <a:buFont typeface="+mj-lt"/>
+              <a:buAutoNum type="arabicPeriod" startAt="12"/>
+            </a:pPr>
+            <a:r>
+              <a:rPr lang="en-IN" sz="2200" dirty="0">
+                <a:effectLst/>
+                <a:latin typeface="Times New Roman" panose="02020603050405020304" pitchFamily="18" charset="0"/>
+                <a:ea typeface="Calibri" panose="020F0502020204030204" pitchFamily="34" charset="0"/>
+                <a:cs typeface="Times New Roman" panose="02020603050405020304" pitchFamily="18" charset="0"/>
+              </a:rPr>
+              <a:t>Manage Complain</a:t>
+            </a:r>
+          </a:p>
+          <a:p>
+            <a:pPr marL="457200" indent="-457200">
+              <a:lnSpc>
+                <a:spcPct val="100000"/>
+              </a:lnSpc>
+              <a:buFont typeface="+mj-lt"/>
+              <a:buAutoNum type="arabicPeriod" startAt="12"/>
+            </a:pPr>
+            <a:r>
+              <a:rPr lang="en-IN" sz="2200" dirty="0">
+                <a:effectLst/>
+                <a:latin typeface="Times New Roman" panose="02020603050405020304" pitchFamily="18" charset="0"/>
+                <a:ea typeface="Calibri" panose="020F0502020204030204" pitchFamily="34" charset="0"/>
+                <a:cs typeface="Times New Roman" panose="02020603050405020304" pitchFamily="18" charset="0"/>
+              </a:rPr>
+              <a:t>Manage Referral Amount</a:t>
+            </a:r>
+          </a:p>
+        </p:txBody>
+      </p:sp>
+    </p:spTree>
+    <p:extLst>
+      <p:ext uri="{BB962C8B-B14F-4D97-AF65-F5344CB8AC3E}">
+        <p14:creationId xmlns:p14="http://schemas.microsoft.com/office/powerpoint/2010/main" val="2367365417"/>
+      </p:ext>
+    </p:extLst>
+  </p:cSld>
+  <p:clrMapOvr>
+    <a:masterClrMapping/>
+  </p:clrMapOvr>
+</p:sld>
+</file>
+
+<file path=ppt/slides/slide8.xml><?xml version="1.0" encoding="utf-8"?>
+<p:sld xmlns:a="http://schemas.openxmlformats.org/drawingml/2006/main" xmlns:r="http://schemas.openxmlformats.org/officeDocument/2006/relationships" xmlns:p="http://schemas.openxmlformats.org/presentationml/2006/main">
+  <p:cSld>
+    <p:spTree>
+      <p:nvGrpSpPr>
+        <p:cNvPr id="1" name=""/>
+        <p:cNvGrpSpPr/>
+        <p:nvPr/>
+      </p:nvGrpSpPr>
+      <p:grpSpPr>
+        <a:xfrm>
+          <a:off x="0" y="0"/>
+          <a:ext cx="0" cy="0"/>
+          <a:chOff x="0" y="0"/>
+          <a:chExt cx="0" cy="0"/>
+        </a:xfrm>
+      </p:grpSpPr>
+      <p:sp>
+        <p:nvSpPr>
+          <p:cNvPr id="2" name="Title 1">
+            <a:extLst>
+              <a:ext uri="{FF2B5EF4-FFF2-40B4-BE49-F238E27FC236}">
+                <a16:creationId xmlns:a16="http://schemas.microsoft.com/office/drawing/2014/main" id="{332EF34D-E2CF-466D-90B8-A05283CB611C}"/>
+              </a:ext>
+            </a:extLst>
+          </p:cNvPr>
+          <p:cNvSpPr>
+            <a:spLocks noGrp="1"/>
+          </p:cNvSpPr>
+          <p:nvPr>
+            <p:ph type="title"/>
+          </p:nvPr>
+        </p:nvSpPr>
+        <p:spPr>
+          <a:xfrm>
+            <a:off x="628650" y="365127"/>
+            <a:ext cx="7886700" cy="643542"/>
+          </a:xfrm>
+        </p:spPr>
+        <p:txBody>
+          <a:bodyPr>
+            <a:normAutofit/>
+          </a:bodyPr>
+          <a:lstStyle/>
+          <a:p>
+            <a:pPr algn="ctr"/>
+            <a:r>
+              <a:rPr lang="en-IN" sz="2800" b="1" dirty="0">
+                <a:latin typeface="Times New Roman" panose="02020603050405020304" pitchFamily="18" charset="0"/>
+                <a:cs typeface="Times New Roman" panose="02020603050405020304" pitchFamily="18" charset="0"/>
+              </a:rPr>
+              <a:t>Non-Functional Requirement</a:t>
+            </a:r>
+          </a:p>
+        </p:txBody>
+      </p:sp>
+      <p:graphicFrame>
+        <p:nvGraphicFramePr>
+          <p:cNvPr id="5" name="Content Placeholder 4">
+            <a:extLst>
+              <a:ext uri="{FF2B5EF4-FFF2-40B4-BE49-F238E27FC236}">
+                <a16:creationId xmlns:a16="http://schemas.microsoft.com/office/drawing/2014/main" id="{76550399-AE07-FD41-E745-90007182A950}"/>
+              </a:ext>
+            </a:extLst>
+          </p:cNvPr>
+          <p:cNvGraphicFramePr>
+            <a:graphicFrameLocks noGrp="1"/>
+          </p:cNvGraphicFramePr>
+          <p:nvPr>
+            <p:ph idx="1"/>
+            <p:extLst>
+              <p:ext uri="{D42A27DB-BD31-4B8C-83A1-F6EECF244321}">
+                <p14:modId xmlns:p14="http://schemas.microsoft.com/office/powerpoint/2010/main" val="672285981"/>
+              </p:ext>
+            </p:extLst>
+          </p:nvPr>
+        </p:nvGraphicFramePr>
+        <p:xfrm>
+          <a:off x="682625" y="1267524"/>
+          <a:ext cx="7886700" cy="4932172"/>
+        </p:xfrm>
+        <a:graphic>
+          <a:graphicData uri="http://schemas.openxmlformats.org/drawingml/2006/table">
+            <a:tbl>
+              <a:tblPr bandRow="1">
+                <a:tableStyleId>{5940675A-B579-460E-94D1-54222C63F5DA}</a:tableStyleId>
+              </a:tblPr>
+              <a:tblGrid>
+                <a:gridCol w="859951">
+                  <a:extLst>
+                    <a:ext uri="{9D8B030D-6E8A-4147-A177-3AD203B41FA5}">
+                      <a16:colId xmlns:a16="http://schemas.microsoft.com/office/drawing/2014/main" val="946994005"/>
+                    </a:ext>
+                  </a:extLst>
+                </a:gridCol>
+                <a:gridCol w="5592952">
+                  <a:extLst>
+                    <a:ext uri="{9D8B030D-6E8A-4147-A177-3AD203B41FA5}">
+                      <a16:colId xmlns:a16="http://schemas.microsoft.com/office/drawing/2014/main" val="1936497977"/>
+                    </a:ext>
+                  </a:extLst>
+                </a:gridCol>
+                <a:gridCol w="1433797">
+                  <a:extLst>
+                    <a:ext uri="{9D8B030D-6E8A-4147-A177-3AD203B41FA5}">
+                      <a16:colId xmlns:a16="http://schemas.microsoft.com/office/drawing/2014/main" val="1526676538"/>
+                    </a:ext>
+                  </a:extLst>
+                </a:gridCol>
+              </a:tblGrid>
+              <a:tr h="319655">
+                <a:tc>
+                  <a:txBody>
+                    <a:bodyPr/>
+                    <a:lstStyle/>
+                    <a:p>
+                      <a:pPr marL="0" marR="0" algn="ctr">
+                        <a:lnSpc>
+                          <a:spcPct val="115000"/>
+                        </a:lnSpc>
+                        <a:spcBef>
+                          <a:spcPts val="0"/>
+                        </a:spcBef>
+                        <a:spcAft>
+                          <a:spcPts val="1000"/>
+                        </a:spcAft>
+                      </a:pPr>
+                      <a:r>
+                        <a:rPr lang="en-US" sz="2000" b="1" dirty="0">
+                          <a:effectLst/>
+                        </a:rPr>
+                        <a:t>RN</a:t>
+                      </a:r>
+                      <a:endParaRPr lang="en-IN" sz="1800" b="1" dirty="0">
+                        <a:effectLst/>
+                        <a:latin typeface="Calibri" panose="020F0502020204030204" pitchFamily="34" charset="0"/>
+                        <a:ea typeface="Calibri" panose="020F0502020204030204" pitchFamily="34" charset="0"/>
+                      </a:endParaRPr>
+                    </a:p>
+                  </a:txBody>
+                  <a:tcPr marL="68580" marR="68580" marT="0" marB="0"/>
+                </a:tc>
+                <a:tc>
+                  <a:txBody>
+                    <a:bodyPr/>
+                    <a:lstStyle/>
+                    <a:p>
+                      <a:pPr marL="0" marR="0" algn="ctr">
+                        <a:lnSpc>
+                          <a:spcPct val="115000"/>
+                        </a:lnSpc>
+                        <a:spcBef>
+                          <a:spcPts val="0"/>
+                        </a:spcBef>
+                        <a:spcAft>
+                          <a:spcPts val="1000"/>
+                        </a:spcAft>
+                      </a:pPr>
+                      <a:r>
+                        <a:rPr lang="en-US" sz="2000" b="1" dirty="0">
+                          <a:effectLst/>
+                        </a:rPr>
+                        <a:t>Description</a:t>
+                      </a:r>
+                      <a:endParaRPr lang="en-IN" sz="1800" b="1" dirty="0">
+                        <a:effectLst/>
+                        <a:latin typeface="Calibri" panose="020F0502020204030204" pitchFamily="34" charset="0"/>
+                        <a:ea typeface="Calibri" panose="020F0502020204030204" pitchFamily="34" charset="0"/>
+                      </a:endParaRPr>
+                    </a:p>
+                  </a:txBody>
+                  <a:tcPr marL="68580" marR="68580" marT="0" marB="0"/>
+                </a:tc>
+                <a:tc>
+                  <a:txBody>
+                    <a:bodyPr/>
+                    <a:lstStyle/>
+                    <a:p>
+                      <a:pPr marL="0" marR="0" algn="ctr">
+                        <a:lnSpc>
+                          <a:spcPct val="115000"/>
+                        </a:lnSpc>
+                        <a:spcBef>
+                          <a:spcPts val="0"/>
+                        </a:spcBef>
+                        <a:spcAft>
+                          <a:spcPts val="1000"/>
+                        </a:spcAft>
+                      </a:pPr>
+                      <a:r>
+                        <a:rPr lang="en-US" sz="2000" b="1" dirty="0">
+                          <a:effectLst/>
+                        </a:rPr>
+                        <a:t>Comments</a:t>
+                      </a:r>
+                      <a:endParaRPr lang="en-IN" sz="1800" b="1" dirty="0">
+                        <a:effectLst/>
+                        <a:latin typeface="Calibri" panose="020F0502020204030204" pitchFamily="34" charset="0"/>
+                        <a:ea typeface="Calibri" panose="020F0502020204030204" pitchFamily="34" charset="0"/>
+                      </a:endParaRPr>
+                    </a:p>
+                  </a:txBody>
+                  <a:tcPr marL="68580" marR="68580" marT="0" marB="0"/>
+                </a:tc>
+                <a:extLst>
+                  <a:ext uri="{0D108BD9-81ED-4DB2-BD59-A6C34878D82A}">
+                    <a16:rowId xmlns:a16="http://schemas.microsoft.com/office/drawing/2014/main" val="1846655108"/>
+                  </a:ext>
+                </a:extLst>
+              </a:tr>
+              <a:tr h="295275">
+                <a:tc>
+                  <a:txBody>
+                    <a:bodyPr/>
+                    <a:lstStyle/>
+                    <a:p>
+                      <a:pPr marL="0" marR="0" algn="ctr">
+                        <a:lnSpc>
+                          <a:spcPct val="115000"/>
+                        </a:lnSpc>
+                        <a:spcBef>
+                          <a:spcPts val="0"/>
+                        </a:spcBef>
+                        <a:spcAft>
+                          <a:spcPts val="1000"/>
+                        </a:spcAft>
+                      </a:pPr>
+                      <a:r>
+                        <a:rPr lang="en-US" sz="1800">
+                          <a:effectLst/>
+                        </a:rPr>
+                        <a:t>NFR1</a:t>
+                      </a:r>
+                      <a:endParaRPr lang="en-IN" sz="1600">
+                        <a:effectLst/>
+                        <a:latin typeface="Calibri" panose="020F0502020204030204" pitchFamily="34" charset="0"/>
+                        <a:ea typeface="Calibri" panose="020F0502020204030204" pitchFamily="34" charset="0"/>
+                      </a:endParaRPr>
+                    </a:p>
+                  </a:txBody>
+                  <a:tcPr marL="68580" marR="68580" marT="0" marB="0"/>
+                </a:tc>
+                <a:tc>
+                  <a:txBody>
+                    <a:bodyPr/>
+                    <a:lstStyle/>
+                    <a:p>
+                      <a:pPr marL="0" marR="0" algn="just">
+                        <a:lnSpc>
+                          <a:spcPct val="115000"/>
+                        </a:lnSpc>
+                        <a:spcBef>
+                          <a:spcPts val="0"/>
+                        </a:spcBef>
+                        <a:spcAft>
+                          <a:spcPts val="1000"/>
+                        </a:spcAft>
+                      </a:pPr>
+                      <a:r>
+                        <a:rPr lang="en-US" sz="1800">
+                          <a:effectLst/>
+                        </a:rPr>
+                        <a:t>This system has one feature called email verification. The user's entered email id is also verified by the system.</a:t>
+                      </a:r>
+                      <a:endParaRPr lang="en-IN" sz="1600">
+                        <a:effectLst/>
+                        <a:latin typeface="Calibri" panose="020F0502020204030204" pitchFamily="34" charset="0"/>
+                        <a:ea typeface="Calibri" panose="020F0502020204030204" pitchFamily="34" charset="0"/>
+                      </a:endParaRPr>
+                    </a:p>
+                  </a:txBody>
+                  <a:tcPr marL="68580" marR="68580" marT="0" marB="0"/>
+                </a:tc>
+                <a:tc>
+                  <a:txBody>
+                    <a:bodyPr/>
+                    <a:lstStyle/>
+                    <a:p>
+                      <a:pPr marL="0" marR="0" algn="ctr">
+                        <a:lnSpc>
+                          <a:spcPct val="115000"/>
+                        </a:lnSpc>
+                        <a:spcBef>
+                          <a:spcPts val="0"/>
+                        </a:spcBef>
+                        <a:spcAft>
+                          <a:spcPts val="1000"/>
+                        </a:spcAft>
+                      </a:pPr>
+                      <a:r>
+                        <a:rPr lang="en-US" sz="1800">
+                          <a:effectLst/>
+                        </a:rPr>
+                        <a:t>Security</a:t>
+                      </a:r>
+                      <a:endParaRPr lang="en-IN" sz="1600">
+                        <a:effectLst/>
+                        <a:latin typeface="Calibri" panose="020F0502020204030204" pitchFamily="34" charset="0"/>
+                        <a:ea typeface="Calibri" panose="020F0502020204030204" pitchFamily="34" charset="0"/>
+                      </a:endParaRPr>
+                    </a:p>
+                  </a:txBody>
+                  <a:tcPr marL="68580" marR="68580" marT="0" marB="0"/>
+                </a:tc>
+                <a:extLst>
+                  <a:ext uri="{0D108BD9-81ED-4DB2-BD59-A6C34878D82A}">
+                    <a16:rowId xmlns:a16="http://schemas.microsoft.com/office/drawing/2014/main" val="3150856737"/>
+                  </a:ext>
+                </a:extLst>
+              </a:tr>
+              <a:tr h="295275">
+                <a:tc>
+                  <a:txBody>
+                    <a:bodyPr/>
+                    <a:lstStyle/>
+                    <a:p>
+                      <a:pPr marL="0" marR="0" algn="ctr">
+                        <a:lnSpc>
+                          <a:spcPct val="115000"/>
+                        </a:lnSpc>
+                        <a:spcBef>
+                          <a:spcPts val="0"/>
+                        </a:spcBef>
+                        <a:spcAft>
+                          <a:spcPts val="1000"/>
+                        </a:spcAft>
+                      </a:pPr>
+                      <a:r>
+                        <a:rPr lang="en-US" sz="1800">
+                          <a:effectLst/>
+                        </a:rPr>
+                        <a:t>NFR2</a:t>
+                      </a:r>
+                      <a:endParaRPr lang="en-IN" sz="1600">
+                        <a:effectLst/>
+                        <a:latin typeface="Calibri" panose="020F0502020204030204" pitchFamily="34" charset="0"/>
+                        <a:ea typeface="Calibri" panose="020F0502020204030204" pitchFamily="34" charset="0"/>
+                      </a:endParaRPr>
+                    </a:p>
+                  </a:txBody>
+                  <a:tcPr marL="68580" marR="68580" marT="0" marB="0"/>
+                </a:tc>
+                <a:tc>
+                  <a:txBody>
+                    <a:bodyPr/>
+                    <a:lstStyle/>
+                    <a:p>
+                      <a:pPr marL="0" marR="0" algn="just">
+                        <a:lnSpc>
+                          <a:spcPct val="115000"/>
+                        </a:lnSpc>
+                        <a:spcBef>
+                          <a:spcPts val="0"/>
+                        </a:spcBef>
+                        <a:spcAft>
+                          <a:spcPts val="1000"/>
+                        </a:spcAft>
+                      </a:pPr>
+                      <a:r>
+                        <a:rPr lang="en-US" sz="1800">
+                          <a:effectLst/>
+                        </a:rPr>
+                        <a:t>This system prevents spam user attacks and automated software (bots) by using ReCAPTCHA.</a:t>
+                      </a:r>
+                      <a:endParaRPr lang="en-IN" sz="1600">
+                        <a:effectLst/>
+                        <a:latin typeface="Calibri" panose="020F0502020204030204" pitchFamily="34" charset="0"/>
+                        <a:ea typeface="Calibri" panose="020F0502020204030204" pitchFamily="34" charset="0"/>
+                      </a:endParaRPr>
+                    </a:p>
+                  </a:txBody>
+                  <a:tcPr marL="68580" marR="68580" marT="0" marB="0"/>
+                </a:tc>
+                <a:tc>
+                  <a:txBody>
+                    <a:bodyPr/>
+                    <a:lstStyle/>
+                    <a:p>
+                      <a:pPr marL="0" marR="0" algn="ctr">
+                        <a:lnSpc>
+                          <a:spcPct val="115000"/>
+                        </a:lnSpc>
+                        <a:spcBef>
+                          <a:spcPts val="0"/>
+                        </a:spcBef>
+                        <a:spcAft>
+                          <a:spcPts val="1000"/>
+                        </a:spcAft>
+                      </a:pPr>
+                      <a:r>
+                        <a:rPr lang="en-US" sz="1800">
+                          <a:effectLst/>
+                        </a:rPr>
+                        <a:t>Security</a:t>
+                      </a:r>
+                      <a:endParaRPr lang="en-IN" sz="1600">
+                        <a:effectLst/>
+                        <a:latin typeface="Calibri" panose="020F0502020204030204" pitchFamily="34" charset="0"/>
+                        <a:ea typeface="Calibri" panose="020F0502020204030204" pitchFamily="34" charset="0"/>
+                      </a:endParaRPr>
+                    </a:p>
+                  </a:txBody>
+                  <a:tcPr marL="68580" marR="68580" marT="0" marB="0"/>
+                </a:tc>
+                <a:extLst>
+                  <a:ext uri="{0D108BD9-81ED-4DB2-BD59-A6C34878D82A}">
+                    <a16:rowId xmlns:a16="http://schemas.microsoft.com/office/drawing/2014/main" val="701536430"/>
+                  </a:ext>
+                </a:extLst>
+              </a:tr>
+              <a:tr h="295275">
+                <a:tc>
+                  <a:txBody>
+                    <a:bodyPr/>
+                    <a:lstStyle/>
+                    <a:p>
+                      <a:pPr marL="0" marR="0" algn="ctr">
+                        <a:lnSpc>
+                          <a:spcPct val="115000"/>
+                        </a:lnSpc>
+                        <a:spcBef>
+                          <a:spcPts val="0"/>
+                        </a:spcBef>
+                        <a:spcAft>
+                          <a:spcPts val="1000"/>
+                        </a:spcAft>
+                      </a:pPr>
+                      <a:r>
+                        <a:rPr lang="en-US" sz="1800">
+                          <a:effectLst/>
+                        </a:rPr>
+                        <a:t>NFR3</a:t>
+                      </a:r>
+                      <a:endParaRPr lang="en-IN" sz="1600">
+                        <a:effectLst/>
+                        <a:latin typeface="Calibri" panose="020F0502020204030204" pitchFamily="34" charset="0"/>
+                        <a:ea typeface="Calibri" panose="020F0502020204030204" pitchFamily="34" charset="0"/>
+                      </a:endParaRPr>
+                    </a:p>
+                  </a:txBody>
+                  <a:tcPr marL="68580" marR="68580" marT="0" marB="0"/>
+                </a:tc>
+                <a:tc>
+                  <a:txBody>
+                    <a:bodyPr/>
+                    <a:lstStyle/>
+                    <a:p>
+                      <a:pPr marL="0" marR="0" algn="just">
+                        <a:lnSpc>
+                          <a:spcPct val="115000"/>
+                        </a:lnSpc>
+                        <a:spcBef>
+                          <a:spcPts val="0"/>
+                        </a:spcBef>
+                        <a:spcAft>
+                          <a:spcPts val="1000"/>
+                        </a:spcAft>
+                      </a:pPr>
+                      <a:r>
+                        <a:rPr lang="en-US" sz="1800">
+                          <a:effectLst/>
+                        </a:rPr>
+                        <a:t>The architecture of our system is based on a typical MVC model.</a:t>
+                      </a:r>
+                      <a:endParaRPr lang="en-IN" sz="1600">
+                        <a:effectLst/>
+                        <a:latin typeface="Calibri" panose="020F0502020204030204" pitchFamily="34" charset="0"/>
+                        <a:ea typeface="Calibri" panose="020F0502020204030204" pitchFamily="34" charset="0"/>
+                      </a:endParaRPr>
+                    </a:p>
+                  </a:txBody>
+                  <a:tcPr marL="68580" marR="68580" marT="0" marB="0"/>
+                </a:tc>
+                <a:tc>
+                  <a:txBody>
+                    <a:bodyPr/>
+                    <a:lstStyle/>
+                    <a:p>
+                      <a:pPr marL="0" marR="0" algn="ctr">
+                        <a:lnSpc>
+                          <a:spcPct val="115000"/>
+                        </a:lnSpc>
+                        <a:spcBef>
+                          <a:spcPts val="0"/>
+                        </a:spcBef>
+                        <a:spcAft>
+                          <a:spcPts val="1000"/>
+                        </a:spcAft>
+                      </a:pPr>
+                      <a:r>
+                        <a:rPr lang="en-US" sz="1800">
+                          <a:effectLst/>
+                        </a:rPr>
+                        <a:t>Security</a:t>
+                      </a:r>
+                      <a:endParaRPr lang="en-IN" sz="1600">
+                        <a:effectLst/>
+                        <a:latin typeface="Calibri" panose="020F0502020204030204" pitchFamily="34" charset="0"/>
+                        <a:ea typeface="Calibri" panose="020F0502020204030204" pitchFamily="34" charset="0"/>
+                      </a:endParaRPr>
+                    </a:p>
+                  </a:txBody>
+                  <a:tcPr marL="68580" marR="68580" marT="0" marB="0"/>
+                </a:tc>
+                <a:extLst>
+                  <a:ext uri="{0D108BD9-81ED-4DB2-BD59-A6C34878D82A}">
+                    <a16:rowId xmlns:a16="http://schemas.microsoft.com/office/drawing/2014/main" val="3176208394"/>
+                  </a:ext>
+                </a:extLst>
+              </a:tr>
+              <a:tr h="473075">
+                <a:tc>
+                  <a:txBody>
+                    <a:bodyPr/>
+                    <a:lstStyle/>
+                    <a:p>
+                      <a:pPr marL="0" marR="0" algn="ctr">
+                        <a:lnSpc>
+                          <a:spcPct val="115000"/>
+                        </a:lnSpc>
+                        <a:spcBef>
+                          <a:spcPts val="0"/>
+                        </a:spcBef>
+                        <a:spcAft>
+                          <a:spcPts val="1000"/>
+                        </a:spcAft>
+                      </a:pPr>
+                      <a:r>
+                        <a:rPr lang="en-US" sz="1800">
+                          <a:effectLst/>
+                        </a:rPr>
+                        <a:t>NFR4</a:t>
+                      </a:r>
+                      <a:endParaRPr lang="en-IN" sz="1600">
+                        <a:effectLst/>
+                        <a:latin typeface="Calibri" panose="020F0502020204030204" pitchFamily="34" charset="0"/>
+                        <a:ea typeface="Calibri" panose="020F0502020204030204" pitchFamily="34" charset="0"/>
+                      </a:endParaRPr>
+                    </a:p>
+                  </a:txBody>
+                  <a:tcPr marL="68580" marR="68580" marT="0" marB="0"/>
+                </a:tc>
+                <a:tc>
+                  <a:txBody>
+                    <a:bodyPr/>
+                    <a:lstStyle/>
+                    <a:p>
+                      <a:pPr marL="0" marR="0" algn="just">
+                        <a:lnSpc>
+                          <a:spcPct val="115000"/>
+                        </a:lnSpc>
+                        <a:spcBef>
+                          <a:spcPts val="0"/>
+                        </a:spcBef>
+                        <a:spcAft>
+                          <a:spcPts val="1000"/>
+                        </a:spcAft>
+                      </a:pPr>
+                      <a:r>
+                        <a:rPr lang="en-US" sz="1800" dirty="0">
+                          <a:effectLst/>
+                        </a:rPr>
+                        <a:t>This system is </a:t>
+                      </a:r>
+                      <a:r>
+                        <a:rPr lang="en-US" sz="1800" dirty="0">
+                          <a:effectLst/>
+                          <a:highlight>
+                            <a:srgbClr val="FFFFFF"/>
+                          </a:highlight>
+                        </a:rPr>
+                        <a:t>SEO-friendly means that we apply the on-page SEO in this system.</a:t>
+                      </a:r>
+                      <a:endParaRPr lang="en-IN" sz="1600" dirty="0">
+                        <a:effectLst/>
+                        <a:latin typeface="Calibri" panose="020F0502020204030204" pitchFamily="34" charset="0"/>
+                        <a:ea typeface="Calibri" panose="020F0502020204030204" pitchFamily="34" charset="0"/>
+                      </a:endParaRPr>
+                    </a:p>
+                  </a:txBody>
+                  <a:tcPr marL="68580" marR="68580" marT="0" marB="0"/>
+                </a:tc>
+                <a:tc>
+                  <a:txBody>
+                    <a:bodyPr/>
+                    <a:lstStyle/>
+                    <a:p>
+                      <a:pPr marL="0" marR="0" algn="ctr">
+                        <a:lnSpc>
+                          <a:spcPct val="115000"/>
+                        </a:lnSpc>
+                        <a:spcBef>
+                          <a:spcPts val="0"/>
+                        </a:spcBef>
+                        <a:spcAft>
+                          <a:spcPts val="1000"/>
+                        </a:spcAft>
+                      </a:pPr>
+                      <a:r>
+                        <a:rPr lang="en-US" sz="1800">
+                          <a:effectLst/>
+                        </a:rPr>
+                        <a:t>Efficiency</a:t>
+                      </a:r>
+                      <a:endParaRPr lang="en-IN" sz="1600">
+                        <a:effectLst/>
+                        <a:latin typeface="Calibri" panose="020F0502020204030204" pitchFamily="34" charset="0"/>
+                        <a:ea typeface="Calibri" panose="020F0502020204030204" pitchFamily="34" charset="0"/>
+                      </a:endParaRPr>
+                    </a:p>
+                  </a:txBody>
+                  <a:tcPr marL="68580" marR="68580" marT="0" marB="0"/>
+                </a:tc>
+                <a:extLst>
+                  <a:ext uri="{0D108BD9-81ED-4DB2-BD59-A6C34878D82A}">
+                    <a16:rowId xmlns:a16="http://schemas.microsoft.com/office/drawing/2014/main" val="1970958142"/>
+                  </a:ext>
+                </a:extLst>
+              </a:tr>
+              <a:tr h="373380">
+                <a:tc>
+                  <a:txBody>
+                    <a:bodyPr/>
+                    <a:lstStyle/>
+                    <a:p>
+                      <a:pPr marL="0" marR="0" algn="ctr">
+                        <a:lnSpc>
+                          <a:spcPct val="115000"/>
+                        </a:lnSpc>
+                        <a:spcBef>
+                          <a:spcPts val="0"/>
+                        </a:spcBef>
+                        <a:spcAft>
+                          <a:spcPts val="1000"/>
+                        </a:spcAft>
+                      </a:pPr>
+                      <a:r>
+                        <a:rPr lang="en-US" sz="1800">
+                          <a:effectLst/>
+                        </a:rPr>
+                        <a:t>NFR5</a:t>
+                      </a:r>
+                      <a:endParaRPr lang="en-IN" sz="1600">
+                        <a:effectLst/>
+                        <a:latin typeface="Calibri" panose="020F0502020204030204" pitchFamily="34" charset="0"/>
+                        <a:ea typeface="Calibri" panose="020F0502020204030204" pitchFamily="34" charset="0"/>
+                      </a:endParaRPr>
+                    </a:p>
+                  </a:txBody>
+                  <a:tcPr marL="68580" marR="68580" marT="0" marB="0"/>
+                </a:tc>
+                <a:tc>
+                  <a:txBody>
+                    <a:bodyPr/>
+                    <a:lstStyle/>
+                    <a:p>
+                      <a:pPr marL="0" marR="0" algn="just">
+                        <a:lnSpc>
+                          <a:spcPct val="115000"/>
+                        </a:lnSpc>
+                        <a:spcBef>
+                          <a:spcPts val="0"/>
+                        </a:spcBef>
+                        <a:spcAft>
+                          <a:spcPts val="1000"/>
+                        </a:spcAft>
+                      </a:pPr>
+                      <a:r>
+                        <a:rPr lang="en-US" sz="1800">
+                          <a:effectLst/>
+                        </a:rPr>
+                        <a:t>To send coupon codes to users the system provides the facility of sending bulk emails.</a:t>
+                      </a:r>
+                      <a:endParaRPr lang="en-IN" sz="1600">
+                        <a:effectLst/>
+                        <a:latin typeface="Calibri" panose="020F0502020204030204" pitchFamily="34" charset="0"/>
+                        <a:ea typeface="Calibri" panose="020F0502020204030204" pitchFamily="34" charset="0"/>
+                      </a:endParaRPr>
+                    </a:p>
+                  </a:txBody>
+                  <a:tcPr marL="68580" marR="68580" marT="0" marB="0"/>
+                </a:tc>
+                <a:tc>
+                  <a:txBody>
+                    <a:bodyPr/>
+                    <a:lstStyle/>
+                    <a:p>
+                      <a:pPr marL="0" marR="0" algn="ctr">
+                        <a:lnSpc>
+                          <a:spcPct val="115000"/>
+                        </a:lnSpc>
+                        <a:spcBef>
+                          <a:spcPts val="0"/>
+                        </a:spcBef>
+                        <a:spcAft>
+                          <a:spcPts val="1000"/>
+                        </a:spcAft>
+                      </a:pPr>
+                      <a:r>
+                        <a:rPr lang="en-US" sz="1800">
+                          <a:effectLst/>
+                        </a:rPr>
+                        <a:t>Efficiency</a:t>
+                      </a:r>
+                      <a:endParaRPr lang="en-IN" sz="1600">
+                        <a:effectLst/>
+                        <a:latin typeface="Calibri" panose="020F0502020204030204" pitchFamily="34" charset="0"/>
+                        <a:ea typeface="Calibri" panose="020F0502020204030204" pitchFamily="34" charset="0"/>
+                      </a:endParaRPr>
+                    </a:p>
+                  </a:txBody>
+                  <a:tcPr marL="68580" marR="68580" marT="0" marB="0"/>
+                </a:tc>
+                <a:extLst>
+                  <a:ext uri="{0D108BD9-81ED-4DB2-BD59-A6C34878D82A}">
+                    <a16:rowId xmlns:a16="http://schemas.microsoft.com/office/drawing/2014/main" val="2479994458"/>
+                  </a:ext>
+                </a:extLst>
+              </a:tr>
+              <a:tr h="373380">
+                <a:tc>
+                  <a:txBody>
+                    <a:bodyPr/>
+                    <a:lstStyle/>
+                    <a:p>
+                      <a:pPr marL="0" marR="0" algn="ctr">
+                        <a:lnSpc>
+                          <a:spcPct val="115000"/>
+                        </a:lnSpc>
+                        <a:spcBef>
+                          <a:spcPts val="0"/>
+                        </a:spcBef>
+                        <a:spcAft>
+                          <a:spcPts val="1000"/>
+                        </a:spcAft>
+                      </a:pPr>
+                      <a:r>
+                        <a:rPr lang="en-US" sz="1800" dirty="0">
+                          <a:effectLst/>
+                        </a:rPr>
+                        <a:t>NFR6</a:t>
+                      </a:r>
+                      <a:endParaRPr lang="en-IN" sz="1600" dirty="0">
+                        <a:effectLst/>
+                        <a:latin typeface="Calibri" panose="020F0502020204030204" pitchFamily="34" charset="0"/>
+                        <a:ea typeface="Calibri" panose="020F0502020204030204" pitchFamily="34" charset="0"/>
+                      </a:endParaRPr>
+                    </a:p>
+                  </a:txBody>
+                  <a:tcPr marL="68580" marR="68580" marT="0" marB="0"/>
+                </a:tc>
+                <a:tc>
+                  <a:txBody>
+                    <a:bodyPr/>
+                    <a:lstStyle/>
+                    <a:p>
+                      <a:pPr marL="0" marR="0" algn="just">
+                        <a:lnSpc>
+                          <a:spcPct val="115000"/>
+                        </a:lnSpc>
+                        <a:spcBef>
+                          <a:spcPts val="0"/>
+                        </a:spcBef>
+                        <a:spcAft>
+                          <a:spcPts val="1000"/>
+                        </a:spcAft>
+                      </a:pPr>
+                      <a:r>
+                        <a:rPr lang="en-US" sz="1800" dirty="0">
+                          <a:effectLst/>
+                        </a:rPr>
+                        <a:t>The system has feature translator users can change the system language according to their regional.</a:t>
+                      </a:r>
+                      <a:endParaRPr lang="en-IN" sz="1600" dirty="0">
+                        <a:effectLst/>
+                        <a:latin typeface="Calibri" panose="020F0502020204030204" pitchFamily="34" charset="0"/>
+                        <a:ea typeface="Calibri" panose="020F0502020204030204" pitchFamily="34" charset="0"/>
+                      </a:endParaRPr>
+                    </a:p>
+                  </a:txBody>
+                  <a:tcPr marL="68580" marR="68580" marT="0" marB="0"/>
+                </a:tc>
+                <a:tc>
+                  <a:txBody>
+                    <a:bodyPr/>
+                    <a:lstStyle/>
+                    <a:p>
+                      <a:pPr marL="0" marR="0" algn="ctr">
+                        <a:lnSpc>
+                          <a:spcPct val="115000"/>
+                        </a:lnSpc>
+                        <a:spcBef>
+                          <a:spcPts val="0"/>
+                        </a:spcBef>
+                        <a:spcAft>
+                          <a:spcPts val="1000"/>
+                        </a:spcAft>
+                      </a:pPr>
+                      <a:r>
+                        <a:rPr lang="en-US" sz="1800">
+                          <a:effectLst/>
+                        </a:rPr>
+                        <a:t>Usability</a:t>
+                      </a:r>
+                      <a:endParaRPr lang="en-IN" sz="1600">
+                        <a:effectLst/>
+                        <a:latin typeface="Calibri" panose="020F0502020204030204" pitchFamily="34" charset="0"/>
+                        <a:ea typeface="Calibri" panose="020F0502020204030204" pitchFamily="34" charset="0"/>
+                      </a:endParaRPr>
+                    </a:p>
+                  </a:txBody>
+                  <a:tcPr marL="68580" marR="68580" marT="0" marB="0"/>
+                </a:tc>
+                <a:extLst>
+                  <a:ext uri="{0D108BD9-81ED-4DB2-BD59-A6C34878D82A}">
+                    <a16:rowId xmlns:a16="http://schemas.microsoft.com/office/drawing/2014/main" val="2054175275"/>
+                  </a:ext>
+                </a:extLst>
+              </a:tr>
+              <a:tr h="373380">
+                <a:tc>
+                  <a:txBody>
+                    <a:bodyPr/>
+                    <a:lstStyle/>
+                    <a:p>
+                      <a:pPr marL="0" marR="0" algn="ctr">
+                        <a:lnSpc>
+                          <a:spcPct val="115000"/>
+                        </a:lnSpc>
+                        <a:spcBef>
+                          <a:spcPts val="0"/>
+                        </a:spcBef>
+                        <a:spcAft>
+                          <a:spcPts val="1000"/>
+                        </a:spcAft>
+                      </a:pPr>
+                      <a:r>
+                        <a:rPr lang="en-US" sz="1800">
+                          <a:effectLst/>
+                        </a:rPr>
+                        <a:t>NFR7</a:t>
+                      </a:r>
+                      <a:endParaRPr lang="en-IN" sz="1600">
+                        <a:effectLst/>
+                        <a:latin typeface="Calibri" panose="020F0502020204030204" pitchFamily="34" charset="0"/>
+                        <a:ea typeface="Calibri" panose="020F0502020204030204" pitchFamily="34" charset="0"/>
+                      </a:endParaRPr>
+                    </a:p>
+                  </a:txBody>
+                  <a:tcPr marL="68580" marR="68580" marT="0" marB="0"/>
+                </a:tc>
+                <a:tc>
+                  <a:txBody>
+                    <a:bodyPr/>
+                    <a:lstStyle/>
+                    <a:p>
+                      <a:pPr marL="0" marR="0" algn="just">
+                        <a:lnSpc>
+                          <a:spcPct val="115000"/>
+                        </a:lnSpc>
+                        <a:spcBef>
+                          <a:spcPts val="0"/>
+                        </a:spcBef>
+                        <a:spcAft>
+                          <a:spcPts val="1000"/>
+                        </a:spcAft>
+                      </a:pPr>
+                      <a:r>
+                        <a:rPr lang="en-US" sz="1800">
+                          <a:effectLst/>
+                        </a:rPr>
+                        <a:t>The system is provided with a mechanism to verify the owner of certain JSON data using JWT token authentication.</a:t>
+                      </a:r>
+                      <a:endParaRPr lang="en-IN" sz="1600">
+                        <a:effectLst/>
+                        <a:latin typeface="Calibri" panose="020F0502020204030204" pitchFamily="34" charset="0"/>
+                        <a:ea typeface="Calibri" panose="020F0502020204030204" pitchFamily="34" charset="0"/>
+                      </a:endParaRPr>
+                    </a:p>
+                  </a:txBody>
+                  <a:tcPr marL="68580" marR="68580" marT="0" marB="0"/>
+                </a:tc>
+                <a:tc>
+                  <a:txBody>
+                    <a:bodyPr/>
+                    <a:lstStyle/>
+                    <a:p>
+                      <a:pPr marL="0" marR="0" algn="ctr">
+                        <a:lnSpc>
+                          <a:spcPct val="115000"/>
+                        </a:lnSpc>
+                        <a:spcBef>
+                          <a:spcPts val="0"/>
+                        </a:spcBef>
+                        <a:spcAft>
+                          <a:spcPts val="1000"/>
+                        </a:spcAft>
+                      </a:pPr>
+                      <a:r>
+                        <a:rPr lang="en-US" sz="1800" dirty="0">
+                          <a:effectLst/>
+                        </a:rPr>
+                        <a:t>Security</a:t>
+                      </a:r>
+                      <a:endParaRPr lang="en-IN" sz="1600" dirty="0">
+                        <a:effectLst/>
+                        <a:latin typeface="Calibri" panose="020F0502020204030204" pitchFamily="34" charset="0"/>
+                        <a:ea typeface="Calibri" panose="020F0502020204030204" pitchFamily="34" charset="0"/>
+                      </a:endParaRPr>
+                    </a:p>
+                  </a:txBody>
+                  <a:tcPr marL="68580" marR="68580" marT="0" marB="0"/>
+                </a:tc>
+                <a:extLst>
+                  <a:ext uri="{0D108BD9-81ED-4DB2-BD59-A6C34878D82A}">
+                    <a16:rowId xmlns:a16="http://schemas.microsoft.com/office/drawing/2014/main" val="2919335001"/>
+                  </a:ext>
+                </a:extLst>
+              </a:tr>
+            </a:tbl>
+          </a:graphicData>
+        </a:graphic>
+      </p:graphicFrame>
+    </p:spTree>
+    <p:extLst>
+      <p:ext uri="{BB962C8B-B14F-4D97-AF65-F5344CB8AC3E}">
+        <p14:creationId xmlns:p14="http://schemas.microsoft.com/office/powerpoint/2010/main" val="1360177045"/>
       </p:ext>
     </p:extLst>
   </p:cSld>
@@ -14182,8 +14913,8 @@
         </p:nvSpPr>
         <p:spPr>
           <a:xfrm>
-            <a:off x="628650" y="403927"/>
-            <a:ext cx="7886700" cy="643542"/>
+            <a:off x="628650" y="57309"/>
+            <a:ext cx="7886700" cy="500668"/>
           </a:xfrm>
         </p:spPr>
         <p:txBody>
@@ -14197,29 +14928,18 @@
               <a:rPr lang="en-IN" sz="2800" b="1" dirty="0">
                 <a:latin typeface="Times New Roman" panose="02020603050405020304" pitchFamily="18" charset="0"/>
                 <a:cs typeface="Times New Roman" panose="02020603050405020304" pitchFamily="18" charset="0"/>
-                <a:hlinkClick r:id="rId2" action="ppaction://hlinkfile">
-                  <a:extLst>
-                    <a:ext uri="{A12FA001-AC4F-418D-AE19-62706E023703}">
-                      <ahyp:hlinkClr xmlns:ahyp="http://schemas.microsoft.com/office/drawing/2018/hyperlinkcolor" val="tx"/>
-                    </a:ext>
-                  </a:extLst>
-                </a:hlinkClick>
-              </a:rPr>
-              <a:t>Functional Requirement </a:t>
-            </a:r>
-            <a:endParaRPr lang="en-IN" sz="2800" b="1" dirty="0">
-              <a:latin typeface="Times New Roman" panose="02020603050405020304" pitchFamily="18" charset="0"/>
-              <a:cs typeface="Times New Roman" panose="02020603050405020304" pitchFamily="18" charset="0"/>
-            </a:endParaRPr>
+              </a:rPr>
+              <a:t>Use case Diagram </a:t>
+            </a:r>
           </a:p>
         </p:txBody>
       </p:sp>
       <p:sp>
         <p:nvSpPr>
-          <p:cNvPr id="3" name="Content Placeholder 2">
+          <p:cNvPr id="9" name="Content Placeholder 8">
             <a:extLst>
               <a:ext uri="{FF2B5EF4-FFF2-40B4-BE49-F238E27FC236}">
-                <a16:creationId xmlns:a16="http://schemas.microsoft.com/office/drawing/2014/main" id="{E1A2DE00-B63B-482A-8267-C160DAC309B1}"/>
+                <a16:creationId xmlns:a16="http://schemas.microsoft.com/office/drawing/2014/main" id="{69EE997F-63B1-5FF0-BBA8-0B36E99527AA}"/>
               </a:ext>
             </a:extLst>
           </p:cNvPr>
@@ -14232,201 +14952,75 @@
         </p:nvSpPr>
         <p:spPr>
           <a:xfrm>
-            <a:off x="628650" y="1311413"/>
-            <a:ext cx="7886700" cy="4932625"/>
+            <a:off x="628650" y="1253331"/>
+            <a:ext cx="7886700" cy="4351338"/>
           </a:xfrm>
         </p:spPr>
         <p:txBody>
-          <a:bodyPr>
-            <a:normAutofit/>
-          </a:bodyPr>
+          <a:bodyPr/>
           <a:lstStyle/>
           <a:p>
-            <a:pPr marL="457200" indent="-457200">
-              <a:lnSpc>
-                <a:spcPct val="100000"/>
-              </a:lnSpc>
-              <a:buFont typeface="+mj-lt"/>
-              <a:buAutoNum type="arabicPeriod" startAt="12"/>
+            <a:pPr>
+              <a:lnSpc>
+                <a:spcPct val="150000"/>
+              </a:lnSpc>
             </a:pPr>
             <a:r>
-              <a:rPr lang="en-IN" sz="2200" dirty="0">
-                <a:effectLst/>
-                <a:latin typeface="Times New Roman" panose="02020603050405020304" pitchFamily="18" charset="0"/>
-                <a:ea typeface="Calibri" panose="020F0502020204030204" pitchFamily="34" charset="0"/>
-                <a:cs typeface="Times New Roman" panose="02020603050405020304" pitchFamily="18" charset="0"/>
-              </a:rPr>
-              <a:t>Manage Cart</a:t>
-            </a:r>
-          </a:p>
-          <a:p>
-            <a:pPr marL="457200" indent="-457200">
-              <a:lnSpc>
-                <a:spcPct val="100000"/>
-              </a:lnSpc>
-              <a:buFont typeface="+mj-lt"/>
-              <a:buAutoNum type="arabicPeriod" startAt="12"/>
+              <a:rPr lang="en-IN" dirty="0">
+                <a:hlinkClick r:id="rId2" action="ppaction://hlinkfile"/>
+              </a:rPr>
+              <a:t>Use case Diagram – Admin</a:t>
+            </a:r>
+            <a:endParaRPr lang="en-IN" dirty="0"/>
+          </a:p>
+          <a:p>
+            <a:pPr>
+              <a:lnSpc>
+                <a:spcPct val="150000"/>
+              </a:lnSpc>
             </a:pPr>
             <a:r>
-              <a:rPr lang="en-IN" sz="2200" dirty="0">
-                <a:effectLst/>
-                <a:latin typeface="Times New Roman" panose="02020603050405020304" pitchFamily="18" charset="0"/>
-                <a:ea typeface="Calibri" panose="020F0502020204030204" pitchFamily="34" charset="0"/>
-                <a:cs typeface="Times New Roman" panose="02020603050405020304" pitchFamily="18" charset="0"/>
-              </a:rPr>
-              <a:t>Billing Address management</a:t>
-            </a:r>
-          </a:p>
-          <a:p>
-            <a:pPr marL="457200" indent="-457200">
-              <a:lnSpc>
-                <a:spcPct val="100000"/>
-              </a:lnSpc>
-              <a:buFont typeface="+mj-lt"/>
-              <a:buAutoNum type="arabicPeriod" startAt="12"/>
+              <a:rPr lang="en-IN" dirty="0">
+                <a:hlinkClick r:id="rId3" action="ppaction://hlinkfile"/>
+              </a:rPr>
+              <a:t>Use case Diagram – Partner</a:t>
+            </a:r>
+            <a:endParaRPr lang="en-IN" dirty="0"/>
+          </a:p>
+          <a:p>
+            <a:pPr>
+              <a:lnSpc>
+                <a:spcPct val="150000"/>
+              </a:lnSpc>
             </a:pPr>
             <a:r>
-              <a:rPr lang="en-IN" sz="2200" dirty="0">
-                <a:effectLst/>
-                <a:latin typeface="Times New Roman" panose="02020603050405020304" pitchFamily="18" charset="0"/>
-                <a:ea typeface="Calibri" panose="020F0502020204030204" pitchFamily="34" charset="0"/>
-                <a:cs typeface="Times New Roman" panose="02020603050405020304" pitchFamily="18" charset="0"/>
-              </a:rPr>
-              <a:t>Manage Customer Order Management</a:t>
-            </a:r>
-          </a:p>
-          <a:p>
-            <a:pPr marL="457200" indent="-457200">
-              <a:lnSpc>
-                <a:spcPct val="100000"/>
-              </a:lnSpc>
-              <a:buFont typeface="+mj-lt"/>
-              <a:buAutoNum type="arabicPeriod" startAt="12"/>
+              <a:rPr lang="en-IN" dirty="0">
+                <a:hlinkClick r:id="rId4" action="ppaction://hlinkfile"/>
+              </a:rPr>
+              <a:t>Use case Diagram – Customer</a:t>
+            </a:r>
+            <a:endParaRPr lang="en-IN" dirty="0"/>
+          </a:p>
+          <a:p>
+            <a:pPr>
+              <a:lnSpc>
+                <a:spcPct val="150000"/>
+              </a:lnSpc>
             </a:pPr>
             <a:r>
-              <a:rPr lang="en-IN" sz="2200" dirty="0">
-                <a:effectLst/>
-                <a:latin typeface="Times New Roman" panose="02020603050405020304" pitchFamily="18" charset="0"/>
-                <a:ea typeface="Calibri" panose="020F0502020204030204" pitchFamily="34" charset="0"/>
-                <a:cs typeface="Times New Roman" panose="02020603050405020304" pitchFamily="18" charset="0"/>
-              </a:rPr>
-              <a:t>Manage Delivery Boy</a:t>
-            </a:r>
-          </a:p>
-          <a:p>
-            <a:pPr marL="457200" indent="-457200">
-              <a:lnSpc>
-                <a:spcPct val="100000"/>
-              </a:lnSpc>
-              <a:buFont typeface="+mj-lt"/>
-              <a:buAutoNum type="arabicPeriod" startAt="12"/>
-            </a:pPr>
-            <a:r>
-              <a:rPr lang="en-IN" sz="2200" dirty="0">
-                <a:effectLst/>
-                <a:latin typeface="Times New Roman" panose="02020603050405020304" pitchFamily="18" charset="0"/>
-                <a:ea typeface="Calibri" panose="020F0502020204030204" pitchFamily="34" charset="0"/>
-                <a:cs typeface="Times New Roman" panose="02020603050405020304" pitchFamily="18" charset="0"/>
-              </a:rPr>
-              <a:t>Report management</a:t>
-            </a:r>
-          </a:p>
-          <a:p>
-            <a:pPr marL="457200" indent="-457200">
-              <a:lnSpc>
-                <a:spcPct val="100000"/>
-              </a:lnSpc>
-              <a:buFont typeface="+mj-lt"/>
-              <a:buAutoNum type="arabicPeriod" startAt="12"/>
-            </a:pPr>
-            <a:r>
-              <a:rPr lang="en-IN" sz="2200" dirty="0">
-                <a:effectLst/>
-                <a:latin typeface="Times New Roman" panose="02020603050405020304" pitchFamily="18" charset="0"/>
-                <a:ea typeface="Calibri" panose="020F0502020204030204" pitchFamily="34" charset="0"/>
-                <a:cs typeface="Times New Roman" panose="02020603050405020304" pitchFamily="18" charset="0"/>
-              </a:rPr>
-              <a:t>Manage Get Touch (Help)</a:t>
-            </a:r>
-          </a:p>
-          <a:p>
-            <a:pPr marL="457200" indent="-457200">
-              <a:lnSpc>
-                <a:spcPct val="100000"/>
-              </a:lnSpc>
-              <a:buFont typeface="+mj-lt"/>
-              <a:buAutoNum type="arabicPeriod" startAt="12"/>
-            </a:pPr>
-            <a:r>
-              <a:rPr lang="en-IN" sz="2200" dirty="0">
-                <a:effectLst/>
-                <a:latin typeface="Times New Roman" panose="02020603050405020304" pitchFamily="18" charset="0"/>
-                <a:ea typeface="Calibri" panose="020F0502020204030204" pitchFamily="34" charset="0"/>
-                <a:cs typeface="Times New Roman" panose="02020603050405020304" pitchFamily="18" charset="0"/>
-              </a:rPr>
-              <a:t>Manage Setting (Partner Setting)</a:t>
-            </a:r>
-          </a:p>
-          <a:p>
-            <a:pPr marL="457200" indent="-457200">
-              <a:lnSpc>
-                <a:spcPct val="100000"/>
-              </a:lnSpc>
-              <a:buFont typeface="+mj-lt"/>
-              <a:buAutoNum type="arabicPeriod" startAt="12"/>
-            </a:pPr>
-            <a:r>
-              <a:rPr lang="en-IN" sz="2200" dirty="0">
-                <a:effectLst/>
-                <a:latin typeface="Times New Roman" panose="02020603050405020304" pitchFamily="18" charset="0"/>
-                <a:ea typeface="Calibri" panose="020F0502020204030204" pitchFamily="34" charset="0"/>
-                <a:cs typeface="Times New Roman" panose="02020603050405020304" pitchFamily="18" charset="0"/>
-              </a:rPr>
-              <a:t>Manage Question</a:t>
-            </a:r>
-          </a:p>
-          <a:p>
-            <a:pPr marL="457200" indent="-457200">
-              <a:lnSpc>
-                <a:spcPct val="100000"/>
-              </a:lnSpc>
-              <a:buFont typeface="+mj-lt"/>
-              <a:buAutoNum type="arabicPeriod" startAt="12"/>
-            </a:pPr>
-            <a:r>
-              <a:rPr lang="en-IN" sz="2200" dirty="0">
-                <a:effectLst/>
-                <a:latin typeface="Times New Roman" panose="02020603050405020304" pitchFamily="18" charset="0"/>
-                <a:ea typeface="Calibri" panose="020F0502020204030204" pitchFamily="34" charset="0"/>
-                <a:cs typeface="Times New Roman" panose="02020603050405020304" pitchFamily="18" charset="0"/>
-              </a:rPr>
-              <a:t>Manage Complain</a:t>
-            </a:r>
-          </a:p>
-          <a:p>
-            <a:pPr marL="457200" indent="-457200">
-              <a:lnSpc>
-                <a:spcPct val="100000"/>
-              </a:lnSpc>
-              <a:buFont typeface="+mj-lt"/>
-              <a:buAutoNum type="arabicPeriod" startAt="12"/>
-            </a:pPr>
-            <a:r>
-              <a:rPr lang="en-IN" sz="2200" dirty="0">
-                <a:effectLst/>
-                <a:latin typeface="Times New Roman" panose="02020603050405020304" pitchFamily="18" charset="0"/>
-                <a:ea typeface="Calibri" panose="020F0502020204030204" pitchFamily="34" charset="0"/>
-                <a:cs typeface="Times New Roman" panose="02020603050405020304" pitchFamily="18" charset="0"/>
-              </a:rPr>
-              <a:t>Manage Referral Amount</a:t>
-            </a:r>
+              <a:rPr lang="en-IN" dirty="0">
+                <a:hlinkClick r:id="rId5" action="ppaction://hlinkfile"/>
+              </a:rPr>
+              <a:t>Use case Diagram - Delivery Boy</a:t>
+            </a:r>
+            <a:endParaRPr lang="en-IN" dirty="0"/>
           </a:p>
         </p:txBody>
       </p:sp>
     </p:spTree>
     <p:extLst>
       <p:ext uri="{BB962C8B-B14F-4D97-AF65-F5344CB8AC3E}">
-        <p14:creationId xmlns:p14="http://schemas.microsoft.com/office/powerpoint/2010/main" val="2367365417"/>
+        <p14:creationId xmlns:p14="http://schemas.microsoft.com/office/powerpoint/2010/main" val="3507719754"/>
       </p:ext>
     </p:extLst>
   </p:cSld>

--- a/Document/PPT/Billy.pptx
+++ b/Document/PPT/Billy.pptx
@@ -281,7 +281,7 @@
           <a:p>
             <a:fld id="{33EDE7BA-5B6C-4896-A2E5-6A9DEAA77EB7}" type="datetimeFigureOut">
               <a:rPr lang="en-IN" smtClean="0"/>
-              <a:t>16-10-2022</a:t>
+              <a:t>29-01-2023</a:t>
             </a:fld>
             <a:endParaRPr lang="en-IN"/>
           </a:p>
@@ -451,7 +451,7 @@
           <a:p>
             <a:fld id="{33EDE7BA-5B6C-4896-A2E5-6A9DEAA77EB7}" type="datetimeFigureOut">
               <a:rPr lang="en-IN" smtClean="0"/>
-              <a:t>16-10-2022</a:t>
+              <a:t>29-01-2023</a:t>
             </a:fld>
             <a:endParaRPr lang="en-IN"/>
           </a:p>
@@ -631,7 +631,7 @@
           <a:p>
             <a:fld id="{33EDE7BA-5B6C-4896-A2E5-6A9DEAA77EB7}" type="datetimeFigureOut">
               <a:rPr lang="en-IN" smtClean="0"/>
-              <a:t>16-10-2022</a:t>
+              <a:t>29-01-2023</a:t>
             </a:fld>
             <a:endParaRPr lang="en-IN"/>
           </a:p>
@@ -801,7 +801,7 @@
           <a:p>
             <a:fld id="{33EDE7BA-5B6C-4896-A2E5-6A9DEAA77EB7}" type="datetimeFigureOut">
               <a:rPr lang="en-IN" smtClean="0"/>
-              <a:t>16-10-2022</a:t>
+              <a:t>29-01-2023</a:t>
             </a:fld>
             <a:endParaRPr lang="en-IN"/>
           </a:p>
@@ -1045,7 +1045,7 @@
           <a:p>
             <a:fld id="{33EDE7BA-5B6C-4896-A2E5-6A9DEAA77EB7}" type="datetimeFigureOut">
               <a:rPr lang="en-IN" smtClean="0"/>
-              <a:t>16-10-2022</a:t>
+              <a:t>29-01-2023</a:t>
             </a:fld>
             <a:endParaRPr lang="en-IN"/>
           </a:p>
@@ -1277,7 +1277,7 @@
           <a:p>
             <a:fld id="{33EDE7BA-5B6C-4896-A2E5-6A9DEAA77EB7}" type="datetimeFigureOut">
               <a:rPr lang="en-IN" smtClean="0"/>
-              <a:t>16-10-2022</a:t>
+              <a:t>29-01-2023</a:t>
             </a:fld>
             <a:endParaRPr lang="en-IN"/>
           </a:p>
@@ -1644,7 +1644,7 @@
           <a:p>
             <a:fld id="{33EDE7BA-5B6C-4896-A2E5-6A9DEAA77EB7}" type="datetimeFigureOut">
               <a:rPr lang="en-IN" smtClean="0"/>
-              <a:t>16-10-2022</a:t>
+              <a:t>29-01-2023</a:t>
             </a:fld>
             <a:endParaRPr lang="en-IN"/>
           </a:p>
@@ -1762,7 +1762,7 @@
           <a:p>
             <a:fld id="{33EDE7BA-5B6C-4896-A2E5-6A9DEAA77EB7}" type="datetimeFigureOut">
               <a:rPr lang="en-IN" smtClean="0"/>
-              <a:t>16-10-2022</a:t>
+              <a:t>29-01-2023</a:t>
             </a:fld>
             <a:endParaRPr lang="en-IN"/>
           </a:p>
@@ -1857,7 +1857,7 @@
           <a:p>
             <a:fld id="{33EDE7BA-5B6C-4896-A2E5-6A9DEAA77EB7}" type="datetimeFigureOut">
               <a:rPr lang="en-IN" smtClean="0"/>
-              <a:t>16-10-2022</a:t>
+              <a:t>29-01-2023</a:t>
             </a:fld>
             <a:endParaRPr lang="en-IN"/>
           </a:p>
@@ -2134,7 +2134,7 @@
           <a:p>
             <a:fld id="{33EDE7BA-5B6C-4896-A2E5-6A9DEAA77EB7}" type="datetimeFigureOut">
               <a:rPr lang="en-IN" smtClean="0"/>
-              <a:t>16-10-2022</a:t>
+              <a:t>29-01-2023</a:t>
             </a:fld>
             <a:endParaRPr lang="en-IN"/>
           </a:p>
@@ -2391,7 +2391,7 @@
           <a:p>
             <a:fld id="{33EDE7BA-5B6C-4896-A2E5-6A9DEAA77EB7}" type="datetimeFigureOut">
               <a:rPr lang="en-IN" smtClean="0"/>
-              <a:t>16-10-2022</a:t>
+              <a:t>29-01-2023</a:t>
             </a:fld>
             <a:endParaRPr lang="en-IN"/>
           </a:p>
@@ -2604,7 +2604,7 @@
           <a:p>
             <a:fld id="{33EDE7BA-5B6C-4896-A2E5-6A9DEAA77EB7}" type="datetimeFigureOut">
               <a:rPr lang="en-IN" smtClean="0"/>
-              <a:t>16-10-2022</a:t>
+              <a:t>29-01-2023</a:t>
             </a:fld>
             <a:endParaRPr lang="en-IN"/>
           </a:p>
@@ -3027,22 +3027,22 @@
         </p:nvSpPr>
         <p:spPr>
           <a:xfrm>
-            <a:off x="0" y="1564849"/>
-            <a:ext cx="9144000" cy="604837"/>
+            <a:off x="0" y="859999"/>
+            <a:ext cx="9144000" cy="1102151"/>
           </a:xfrm>
         </p:spPr>
         <p:txBody>
-          <a:bodyPr>
+          <a:bodyPr anchor="ctr">
             <a:normAutofit/>
           </a:bodyPr>
           <a:lstStyle/>
           <a:p>
             <a:r>
-              <a:rPr lang="en-IN" sz="3600" dirty="0">
-                <a:latin typeface="Times New Roman" panose="02020603050405020304" pitchFamily="18" charset="0"/>
-                <a:cs typeface="Times New Roman" panose="02020603050405020304" pitchFamily="18" charset="0"/>
-              </a:rPr>
-              <a:t>ONLINE FOOD ORDERING SYSTEM </a:t>
+              <a:rPr lang="en-IN" sz="4400" dirty="0">
+                <a:latin typeface="Times New Roman" panose="02020603050405020304" pitchFamily="18" charset="0"/>
+                <a:cs typeface="Times New Roman" panose="02020603050405020304" pitchFamily="18" charset="0"/>
+              </a:rPr>
+              <a:t>Billy</a:t>
             </a:r>
           </a:p>
         </p:txBody>
@@ -3065,8 +3065,8 @@
         </p:nvSpPr>
         <p:spPr>
           <a:xfrm>
-            <a:off x="0" y="2533455"/>
-            <a:ext cx="9144000" cy="3113202"/>
+            <a:off x="0" y="2419350"/>
+            <a:ext cx="9144000" cy="3771900"/>
           </a:xfrm>
         </p:spPr>
         <p:txBody>
@@ -3076,7 +3076,7 @@
           <a:lstStyle/>
           <a:p>
             <a:r>
-              <a:rPr lang="en-IN" sz="2000" dirty="0">
+              <a:rPr lang="en-IN" sz="2800" dirty="0">
                 <a:latin typeface="Times New Roman" panose="02020603050405020304" pitchFamily="18" charset="0"/>
                 <a:cs typeface="Times New Roman" panose="02020603050405020304" pitchFamily="18" charset="0"/>
               </a:rPr>
@@ -3084,14 +3084,14 @@
             </a:r>
           </a:p>
           <a:p>
-            <a:endParaRPr lang="en-IN" sz="2000" dirty="0">
+            <a:endParaRPr lang="en-IN" dirty="0">
               <a:latin typeface="Times New Roman" panose="02020603050405020304" pitchFamily="18" charset="0"/>
               <a:cs typeface="Times New Roman" panose="02020603050405020304" pitchFamily="18" charset="0"/>
             </a:endParaRPr>
           </a:p>
           <a:p>
             <a:r>
-              <a:rPr lang="en-IN" sz="2000" dirty="0">
+              <a:rPr lang="en-IN" dirty="0">
                 <a:latin typeface="Times New Roman" panose="02020603050405020304" pitchFamily="18" charset="0"/>
                 <a:cs typeface="Times New Roman" panose="02020603050405020304" pitchFamily="18" charset="0"/>
               </a:rPr>
@@ -3100,7 +3100,7 @@
           </a:p>
           <a:p>
             <a:r>
-              <a:rPr lang="en-IN" sz="2000" dirty="0">
+              <a:rPr lang="en-IN" dirty="0">
                 <a:latin typeface="Times New Roman" panose="02020603050405020304" pitchFamily="18" charset="0"/>
                 <a:cs typeface="Times New Roman" panose="02020603050405020304" pitchFamily="18" charset="0"/>
               </a:rPr>
@@ -3109,7 +3109,7 @@
           </a:p>
           <a:p>
             <a:r>
-              <a:rPr lang="en-IN" sz="2000" dirty="0">
+              <a:rPr lang="en-IN" dirty="0">
                 <a:latin typeface="Times New Roman" panose="02020603050405020304" pitchFamily="18" charset="0"/>
                 <a:cs typeface="Times New Roman" panose="02020603050405020304" pitchFamily="18" charset="0"/>
               </a:rPr>
@@ -3117,14 +3117,14 @@
             </a:r>
           </a:p>
           <a:p>
-            <a:endParaRPr lang="en-IN" sz="2000" dirty="0">
+            <a:endParaRPr lang="en-IN" dirty="0">
               <a:latin typeface="Times New Roman" panose="02020603050405020304" pitchFamily="18" charset="0"/>
               <a:cs typeface="Times New Roman" panose="02020603050405020304" pitchFamily="18" charset="0"/>
             </a:endParaRPr>
           </a:p>
           <a:p>
             <a:r>
-              <a:rPr lang="en-IN" sz="2000" dirty="0">
+              <a:rPr lang="en-IN" dirty="0">
                 <a:latin typeface="Times New Roman" panose="02020603050405020304" pitchFamily="18" charset="0"/>
                 <a:cs typeface="Times New Roman" panose="02020603050405020304" pitchFamily="18" charset="0"/>
               </a:rPr>
@@ -3133,7 +3133,7 @@
           </a:p>
           <a:p>
             <a:r>
-              <a:rPr lang="en-IN" sz="2000" dirty="0">
+              <a:rPr lang="en-IN" dirty="0">
                 <a:latin typeface="Times New Roman" panose="02020603050405020304" pitchFamily="18" charset="0"/>
                 <a:cs typeface="Times New Roman" panose="02020603050405020304" pitchFamily="18" charset="0"/>
               </a:rPr>

--- a/Document/PPT/Billy.pptx
+++ b/Document/PPT/Billy.pptx
@@ -27,11 +27,12 @@
     <p:sldId id="274" r:id="rId21"/>
     <p:sldId id="353" r:id="rId22"/>
     <p:sldId id="365" r:id="rId23"/>
-    <p:sldId id="366" r:id="rId24"/>
-    <p:sldId id="367" r:id="rId25"/>
-    <p:sldId id="368" r:id="rId26"/>
-    <p:sldId id="292" r:id="rId27"/>
-    <p:sldId id="369" r:id="rId28"/>
+    <p:sldId id="370" r:id="rId24"/>
+    <p:sldId id="366" r:id="rId25"/>
+    <p:sldId id="367" r:id="rId26"/>
+    <p:sldId id="368" r:id="rId27"/>
+    <p:sldId id="292" r:id="rId28"/>
+    <p:sldId id="369" r:id="rId29"/>
   </p:sldIdLst>
   <p:sldSz cx="9144000" cy="6858000" type="screen4x3"/>
   <p:notesSz cx="6858000" cy="9144000"/>
@@ -281,7 +282,7 @@
           <a:p>
             <a:fld id="{33EDE7BA-5B6C-4896-A2E5-6A9DEAA77EB7}" type="datetimeFigureOut">
               <a:rPr lang="en-IN" smtClean="0"/>
-              <a:t>29-01-2023</a:t>
+              <a:t>28-04-2023</a:t>
             </a:fld>
             <a:endParaRPr lang="en-IN"/>
           </a:p>
@@ -451,7 +452,7 @@
           <a:p>
             <a:fld id="{33EDE7BA-5B6C-4896-A2E5-6A9DEAA77EB7}" type="datetimeFigureOut">
               <a:rPr lang="en-IN" smtClean="0"/>
-              <a:t>29-01-2023</a:t>
+              <a:t>28-04-2023</a:t>
             </a:fld>
             <a:endParaRPr lang="en-IN"/>
           </a:p>
@@ -631,7 +632,7 @@
           <a:p>
             <a:fld id="{33EDE7BA-5B6C-4896-A2E5-6A9DEAA77EB7}" type="datetimeFigureOut">
               <a:rPr lang="en-IN" smtClean="0"/>
-              <a:t>29-01-2023</a:t>
+              <a:t>28-04-2023</a:t>
             </a:fld>
             <a:endParaRPr lang="en-IN"/>
           </a:p>
@@ -801,7 +802,7 @@
           <a:p>
             <a:fld id="{33EDE7BA-5B6C-4896-A2E5-6A9DEAA77EB7}" type="datetimeFigureOut">
               <a:rPr lang="en-IN" smtClean="0"/>
-              <a:t>29-01-2023</a:t>
+              <a:t>28-04-2023</a:t>
             </a:fld>
             <a:endParaRPr lang="en-IN"/>
           </a:p>
@@ -1045,7 +1046,7 @@
           <a:p>
             <a:fld id="{33EDE7BA-5B6C-4896-A2E5-6A9DEAA77EB7}" type="datetimeFigureOut">
               <a:rPr lang="en-IN" smtClean="0"/>
-              <a:t>29-01-2023</a:t>
+              <a:t>28-04-2023</a:t>
             </a:fld>
             <a:endParaRPr lang="en-IN"/>
           </a:p>
@@ -1277,7 +1278,7 @@
           <a:p>
             <a:fld id="{33EDE7BA-5B6C-4896-A2E5-6A9DEAA77EB7}" type="datetimeFigureOut">
               <a:rPr lang="en-IN" smtClean="0"/>
-              <a:t>29-01-2023</a:t>
+              <a:t>28-04-2023</a:t>
             </a:fld>
             <a:endParaRPr lang="en-IN"/>
           </a:p>
@@ -1644,7 +1645,7 @@
           <a:p>
             <a:fld id="{33EDE7BA-5B6C-4896-A2E5-6A9DEAA77EB7}" type="datetimeFigureOut">
               <a:rPr lang="en-IN" smtClean="0"/>
-              <a:t>29-01-2023</a:t>
+              <a:t>28-04-2023</a:t>
             </a:fld>
             <a:endParaRPr lang="en-IN"/>
           </a:p>
@@ -1762,7 +1763,7 @@
           <a:p>
             <a:fld id="{33EDE7BA-5B6C-4896-A2E5-6A9DEAA77EB7}" type="datetimeFigureOut">
               <a:rPr lang="en-IN" smtClean="0"/>
-              <a:t>29-01-2023</a:t>
+              <a:t>28-04-2023</a:t>
             </a:fld>
             <a:endParaRPr lang="en-IN"/>
           </a:p>
@@ -1857,7 +1858,7 @@
           <a:p>
             <a:fld id="{33EDE7BA-5B6C-4896-A2E5-6A9DEAA77EB7}" type="datetimeFigureOut">
               <a:rPr lang="en-IN" smtClean="0"/>
-              <a:t>29-01-2023</a:t>
+              <a:t>28-04-2023</a:t>
             </a:fld>
             <a:endParaRPr lang="en-IN"/>
           </a:p>
@@ -2134,7 +2135,7 @@
           <a:p>
             <a:fld id="{33EDE7BA-5B6C-4896-A2E5-6A9DEAA77EB7}" type="datetimeFigureOut">
               <a:rPr lang="en-IN" smtClean="0"/>
-              <a:t>29-01-2023</a:t>
+              <a:t>28-04-2023</a:t>
             </a:fld>
             <a:endParaRPr lang="en-IN"/>
           </a:p>
@@ -2391,7 +2392,7 @@
           <a:p>
             <a:fld id="{33EDE7BA-5B6C-4896-A2E5-6A9DEAA77EB7}" type="datetimeFigureOut">
               <a:rPr lang="en-IN" smtClean="0"/>
-              <a:t>29-01-2023</a:t>
+              <a:t>28-04-2023</a:t>
             </a:fld>
             <a:endParaRPr lang="en-IN"/>
           </a:p>
@@ -2604,7 +2605,7 @@
           <a:p>
             <a:fld id="{33EDE7BA-5B6C-4896-A2E5-6A9DEAA77EB7}" type="datetimeFigureOut">
               <a:rPr lang="en-IN" smtClean="0"/>
-              <a:t>29-01-2023</a:t>
+              <a:t>28-04-2023</a:t>
             </a:fld>
             <a:endParaRPr lang="en-IN"/>
           </a:p>
@@ -4415,7 +4416,7 @@
               <a:buAutoNum type="arabicPeriod" startAt="3"/>
             </a:pPr>
             <a:r>
-              <a:rPr lang="en-IN" sz="2000" dirty="0">
+              <a:rPr lang="en-IN" sz="1900" dirty="0">
                 <a:solidFill>
                   <a:srgbClr val="000000"/>
                 </a:solidFill>
@@ -4426,7 +4427,7 @@
               </a:rPr>
               <a:t>Restaurant Table</a:t>
             </a:r>
-            <a:endParaRPr lang="en-IN" sz="2000" dirty="0">
+            <a:endParaRPr lang="en-IN" sz="1900" dirty="0">
               <a:effectLst/>
               <a:latin typeface="Times New Roman" panose="02020603050405020304" pitchFamily="18" charset="0"/>
               <a:ea typeface="Caladea"/>
@@ -4447,19 +4448,42 @@
               <a:buNone/>
             </a:pPr>
             <a:r>
-              <a:rPr lang="en-IN" sz="2000" dirty="0">
-                <a:solidFill>
-                  <a:srgbClr val="000000"/>
-                </a:solidFill>
-                <a:effectLst/>
-                <a:latin typeface="Times New Roman" panose="02020603050405020304" pitchFamily="18" charset="0"/>
-                <a:ea typeface="Calibri" panose="020F0502020204030204" pitchFamily="34" charset="0"/>
-                <a:cs typeface="Times New Roman" panose="02020603050405020304" pitchFamily="18" charset="0"/>
-              </a:rPr>
-              <a:t>restaurant (ID[PK], Restaurant Name, Restaurant Image, Restaurant Address, Restaurant City, Restaurant Contact No., Owner Name, Owner Contact No., Owner Email ID, Owner Password, Restaurant Documents, Restaurant Timing, cuisines [FK], Status, </a:t>
-            </a:r>
-            <a:r>
-              <a:rPr lang="en-IN" sz="2000" dirty="0" err="1">
+              <a:rPr lang="en-IN" sz="1900" dirty="0">
+                <a:solidFill>
+                  <a:srgbClr val="000000"/>
+                </a:solidFill>
+                <a:effectLst/>
+                <a:latin typeface="Times New Roman" panose="02020603050405020304" pitchFamily="18" charset="0"/>
+                <a:ea typeface="Calibri" panose="020F0502020204030204" pitchFamily="34" charset="0"/>
+                <a:cs typeface="Times New Roman" panose="02020603050405020304" pitchFamily="18" charset="0"/>
+              </a:rPr>
+              <a:t>restaurant (ID[PK], Restaurant Name, Restaurant Image, Restaurant Address, Restaurant City, Restaurant Contact No., Owner Name, Owner Contact No., Owner Email ID, Owner Password, </a:t>
+            </a:r>
+            <a:r>
+              <a:rPr lang="en-IN" sz="1900" dirty="0">
+                <a:solidFill>
+                  <a:srgbClr val="000000"/>
+                </a:solidFill>
+                <a:latin typeface="Times New Roman" panose="02020603050405020304" pitchFamily="18" charset="0"/>
+                <a:ea typeface="Calibri" panose="020F0502020204030204" pitchFamily="34" charset="0"/>
+                <a:cs typeface="Times New Roman" panose="02020603050405020304" pitchFamily="18" charset="0"/>
+              </a:rPr>
+              <a:t>R</a:t>
+            </a:r>
+            <a:r>
+              <a:rPr lang="en-IN" sz="1900" dirty="0">
+                <a:solidFill>
+                  <a:srgbClr val="000000"/>
+                </a:solidFill>
+                <a:effectLst/>
+                <a:latin typeface="Times New Roman" panose="02020603050405020304" pitchFamily="18" charset="0"/>
+                <a:ea typeface="Calibri" panose="020F0502020204030204" pitchFamily="34" charset="0"/>
+                <a:cs typeface="Times New Roman" panose="02020603050405020304" pitchFamily="18" charset="0"/>
+              </a:rPr>
+              <a:t>eset Password Token, Restaurant Documents, Restaurant Timing, cuisines [FK], Status, </a:t>
+            </a:r>
+            <a:r>
+              <a:rPr lang="en-IN" sz="1900" dirty="0" err="1">
                 <a:solidFill>
                   <a:srgbClr val="000000"/>
                 </a:solidFill>
@@ -4471,7 +4495,7 @@
               <a:t>createdAt</a:t>
             </a:r>
             <a:r>
-              <a:rPr lang="en-IN" sz="2000" dirty="0">
+              <a:rPr lang="en-IN" sz="1900" dirty="0">
                 <a:solidFill>
                   <a:srgbClr val="000000"/>
                 </a:solidFill>
@@ -4483,7 +4507,7 @@
               <a:t>, </a:t>
             </a:r>
             <a:r>
-              <a:rPr lang="en-IN" sz="2000" dirty="0" err="1">
+              <a:rPr lang="en-IN" sz="1900" dirty="0" err="1">
                 <a:solidFill>
                   <a:srgbClr val="000000"/>
                 </a:solidFill>
@@ -4495,7 +4519,7 @@
               <a:t>updatedAt</a:t>
             </a:r>
             <a:r>
-              <a:rPr lang="en-IN" sz="2000" dirty="0">
+              <a:rPr lang="en-IN" sz="1900" dirty="0">
                 <a:solidFill>
                   <a:srgbClr val="000000"/>
                 </a:solidFill>
@@ -4521,19 +4545,42 @@
               <a:buNone/>
             </a:pPr>
             <a:r>
-              <a:rPr lang="en-IN" sz="2000" dirty="0">
-                <a:solidFill>
-                  <a:srgbClr val="000000"/>
-                </a:solidFill>
-                <a:effectLst/>
-                <a:latin typeface="Times New Roman" panose="02020603050405020304" pitchFamily="18" charset="0"/>
-                <a:ea typeface="Calibri" panose="020F0502020204030204" pitchFamily="34" charset="0"/>
-                <a:cs typeface="Times New Roman" panose="02020603050405020304" pitchFamily="18" charset="0"/>
-              </a:rPr>
-              <a:t>FD: ID-&gt; {Restaurant Name, Restaurant Image, Restaurant Address, Restaurant City, Restaurant Contact No., Owner Name, Owner Contact No., Owner Email ID, Owner Password, Restaurant Documents, Restaurant Timing, cuisines [FK], Status, </a:t>
-            </a:r>
-            <a:r>
-              <a:rPr lang="en-IN" sz="2000" dirty="0" err="1">
+              <a:rPr lang="en-IN" sz="1900" dirty="0">
+                <a:solidFill>
+                  <a:srgbClr val="000000"/>
+                </a:solidFill>
+                <a:effectLst/>
+                <a:latin typeface="Times New Roman" panose="02020603050405020304" pitchFamily="18" charset="0"/>
+                <a:ea typeface="Calibri" panose="020F0502020204030204" pitchFamily="34" charset="0"/>
+                <a:cs typeface="Times New Roman" panose="02020603050405020304" pitchFamily="18" charset="0"/>
+              </a:rPr>
+              <a:t>FD: ID-&gt; {Restaurant Name, Restaurant Image, Restaurant Address, Restaurant City, Restaurant Contact No., Owner Name, Owner Contact No., Owner Email ID, Owner Password, </a:t>
+            </a:r>
+            <a:r>
+              <a:rPr lang="en-IN" sz="1900" dirty="0">
+                <a:solidFill>
+                  <a:srgbClr val="000000"/>
+                </a:solidFill>
+                <a:latin typeface="Times New Roman" panose="02020603050405020304" pitchFamily="18" charset="0"/>
+                <a:ea typeface="Calibri" panose="020F0502020204030204" pitchFamily="34" charset="0"/>
+                <a:cs typeface="Times New Roman" panose="02020603050405020304" pitchFamily="18" charset="0"/>
+              </a:rPr>
+              <a:t>R</a:t>
+            </a:r>
+            <a:r>
+              <a:rPr lang="en-IN" sz="1900" dirty="0">
+                <a:solidFill>
+                  <a:srgbClr val="000000"/>
+                </a:solidFill>
+                <a:effectLst/>
+                <a:latin typeface="Times New Roman" panose="02020603050405020304" pitchFamily="18" charset="0"/>
+                <a:ea typeface="Calibri" panose="020F0502020204030204" pitchFamily="34" charset="0"/>
+                <a:cs typeface="Times New Roman" panose="02020603050405020304" pitchFamily="18" charset="0"/>
+              </a:rPr>
+              <a:t>eset Password Token, Restaurant Documents, Restaurant Timing, cuisines [FK], Status, </a:t>
+            </a:r>
+            <a:r>
+              <a:rPr lang="en-IN" sz="1900" dirty="0" err="1">
                 <a:solidFill>
                   <a:srgbClr val="000000"/>
                 </a:solidFill>
@@ -4545,7 +4592,7 @@
               <a:t>createdAt</a:t>
             </a:r>
             <a:r>
-              <a:rPr lang="en-IN" sz="2000" dirty="0">
+              <a:rPr lang="en-IN" sz="1900" dirty="0">
                 <a:solidFill>
                   <a:srgbClr val="000000"/>
                 </a:solidFill>
@@ -4557,7 +4604,7 @@
               <a:t>, </a:t>
             </a:r>
             <a:r>
-              <a:rPr lang="en-IN" sz="2000" dirty="0" err="1">
+              <a:rPr lang="en-IN" sz="1900" dirty="0" err="1">
                 <a:solidFill>
                   <a:srgbClr val="000000"/>
                 </a:solidFill>
@@ -4569,7 +4616,7 @@
               <a:t>updatedAt</a:t>
             </a:r>
             <a:r>
-              <a:rPr lang="en-IN" sz="2000" dirty="0">
+              <a:rPr lang="en-IN" sz="1900" dirty="0">
                 <a:solidFill>
                   <a:srgbClr val="000000"/>
                 </a:solidFill>
@@ -4595,7 +4642,7 @@
               <a:buNone/>
             </a:pPr>
             <a:r>
-              <a:rPr lang="en-IN" sz="2000" dirty="0">
+              <a:rPr lang="en-IN" sz="1900" dirty="0">
                 <a:solidFill>
                   <a:srgbClr val="000000"/>
                 </a:solidFill>
@@ -4621,7 +4668,7 @@
               <a:buNone/>
             </a:pPr>
             <a:r>
-              <a:rPr lang="en-US" sz="2000" dirty="0">
+              <a:rPr lang="en-US" sz="1900" dirty="0">
                 <a:solidFill>
                   <a:srgbClr val="000000"/>
                 </a:solidFill>
@@ -4632,7 +4679,7 @@
               </a:rPr>
               <a:t>FD: Restaurant Timing-&gt; {Monday, Tuesday, Wednesday, Thursday, Friday, Saturday, Sunday}</a:t>
             </a:r>
-            <a:endParaRPr lang="en-IN" sz="2000" dirty="0">
+            <a:endParaRPr lang="en-IN" sz="1900" dirty="0">
               <a:solidFill>
                 <a:srgbClr val="000000"/>
               </a:solidFill>
@@ -6032,7 +6079,7 @@
                 <a:ea typeface="Calibri" panose="020F0502020204030204" pitchFamily="34" charset="0"/>
                 <a:cs typeface="Times New Roman" panose="02020603050405020304" pitchFamily="18" charset="0"/>
               </a:rPr>
-              <a:t>variant (ID[PK], Name, UOM, Price, Sales Price, Status, </a:t>
+              <a:t>variant (ID[PK], Name, UOM, Price, Sales Price, Approval Status, Status, </a:t>
             </a:r>
             <a:r>
               <a:rPr lang="en-US" sz="2000" dirty="0" err="1">
@@ -6106,7 +6153,7 @@
                 <a:ea typeface="Calibri" panose="020F0502020204030204" pitchFamily="34" charset="0"/>
                 <a:cs typeface="Times New Roman" panose="02020603050405020304" pitchFamily="18" charset="0"/>
               </a:rPr>
-              <a:t>FD:ID -&gt; {Name, UOM, Price, Sales Price, Status, </a:t>
+              <a:t>FD:ID -&gt; {Name, UOM, Price, Sales Price, Approval Status, Status, </a:t>
             </a:r>
             <a:r>
               <a:rPr lang="en-US" sz="2000" dirty="0" err="1">
@@ -6565,7 +6612,7 @@
               <a:buAutoNum type="arabicPeriod" startAt="11"/>
             </a:pPr>
             <a:r>
-              <a:rPr lang="en-IN" sz="2000" dirty="0">
+              <a:rPr lang="en-IN" sz="1900" dirty="0">
                 <a:solidFill>
                   <a:srgbClr val="000000"/>
                 </a:solidFill>
@@ -6591,7 +6638,7 @@
               <a:buNone/>
             </a:pPr>
             <a:r>
-              <a:rPr lang="en-IN" sz="2000" dirty="0">
+              <a:rPr lang="en-IN" sz="1900" dirty="0">
                 <a:solidFill>
                   <a:srgbClr val="000000"/>
                 </a:solidFill>
@@ -6603,7 +6650,7 @@
               <a:t>banner (ID[PK], restaurant [FK], Name, Image, Approval Status, Status, </a:t>
             </a:r>
             <a:r>
-              <a:rPr lang="en-IN" sz="2000" dirty="0" err="1">
+              <a:rPr lang="en-IN" sz="1900" dirty="0" err="1">
                 <a:solidFill>
                   <a:srgbClr val="000000"/>
                 </a:solidFill>
@@ -6615,7 +6662,7 @@
               <a:t>createdAt</a:t>
             </a:r>
             <a:r>
-              <a:rPr lang="en-IN" sz="2000" dirty="0">
+              <a:rPr lang="en-IN" sz="1900" dirty="0">
                 <a:solidFill>
                   <a:srgbClr val="000000"/>
                 </a:solidFill>
@@ -6627,7 +6674,7 @@
               <a:t>, </a:t>
             </a:r>
             <a:r>
-              <a:rPr lang="en-IN" sz="2000" dirty="0" err="1">
+              <a:rPr lang="en-IN" sz="1900" dirty="0" err="1">
                 <a:solidFill>
                   <a:srgbClr val="000000"/>
                 </a:solidFill>
@@ -6639,7 +6686,7 @@
               <a:t>updatedAt</a:t>
             </a:r>
             <a:r>
-              <a:rPr lang="en-IN" sz="2000" dirty="0">
+              <a:rPr lang="en-IN" sz="1900" dirty="0">
                 <a:solidFill>
                   <a:srgbClr val="000000"/>
                 </a:solidFill>
@@ -6665,7 +6712,7 @@
               <a:buNone/>
             </a:pPr>
             <a:r>
-              <a:rPr lang="en-IN" sz="2000" dirty="0">
+              <a:rPr lang="en-IN" sz="1900" dirty="0">
                 <a:solidFill>
                   <a:srgbClr val="000000"/>
                 </a:solidFill>
@@ -6677,7 +6724,7 @@
               <a:t>FD: ID-&gt; {restaurant [FK], Name, Image, Approval Status, Status, </a:t>
             </a:r>
             <a:r>
-              <a:rPr lang="en-IN" sz="2000" dirty="0" err="1">
+              <a:rPr lang="en-IN" sz="1900" dirty="0" err="1">
                 <a:solidFill>
                   <a:srgbClr val="000000"/>
                 </a:solidFill>
@@ -6689,7 +6736,7 @@
               <a:t>createdAt</a:t>
             </a:r>
             <a:r>
-              <a:rPr lang="en-IN" sz="2000" dirty="0">
+              <a:rPr lang="en-IN" sz="1900" dirty="0">
                 <a:solidFill>
                   <a:srgbClr val="000000"/>
                 </a:solidFill>
@@ -6701,7 +6748,7 @@
               <a:t>, </a:t>
             </a:r>
             <a:r>
-              <a:rPr lang="en-IN" sz="2000" dirty="0" err="1">
+              <a:rPr lang="en-IN" sz="1900" dirty="0" err="1">
                 <a:solidFill>
                   <a:srgbClr val="000000"/>
                 </a:solidFill>
@@ -6713,7 +6760,7 @@
               <a:t>updatedAt</a:t>
             </a:r>
             <a:r>
-              <a:rPr lang="en-IN" sz="2000" dirty="0">
+              <a:rPr lang="en-IN" sz="1900" dirty="0">
                 <a:solidFill>
                   <a:srgbClr val="000000"/>
                 </a:solidFill>
@@ -6740,7 +6787,7 @@
               <a:buAutoNum type="arabicPeriod" startAt="12"/>
             </a:pPr>
             <a:r>
-              <a:rPr lang="en-US" sz="2000" dirty="0">
+              <a:rPr lang="en-US" sz="1900" dirty="0">
                 <a:solidFill>
                   <a:srgbClr val="000000"/>
                 </a:solidFill>
@@ -6766,7 +6813,7 @@
               <a:buNone/>
             </a:pPr>
             <a:r>
-              <a:rPr lang="en-US" sz="2000" dirty="0" err="1">
+              <a:rPr lang="en-US" sz="1900" dirty="0" err="1">
                 <a:solidFill>
                   <a:srgbClr val="000000"/>
                 </a:solidFill>
@@ -6778,16 +6825,64 @@
               <a:t>deliveryboy</a:t>
             </a:r>
             <a:r>
-              <a:rPr lang="en-US" sz="2000" dirty="0">
-                <a:solidFill>
-                  <a:srgbClr val="000000"/>
-                </a:solidFill>
-                <a:effectLst/>
-                <a:latin typeface="Times New Roman" panose="02020603050405020304" pitchFamily="18" charset="0"/>
-                <a:ea typeface="Caladea"/>
-                <a:cs typeface="Caladea"/>
-              </a:rPr>
-              <a:t> (ID[PK], Name, Mobile, Password, Status, Added on)</a:t>
+              <a:rPr lang="en-US" sz="1900" dirty="0">
+                <a:solidFill>
+                  <a:srgbClr val="000000"/>
+                </a:solidFill>
+                <a:effectLst/>
+                <a:latin typeface="Times New Roman" panose="02020603050405020304" pitchFamily="18" charset="0"/>
+                <a:ea typeface="Caladea"/>
+                <a:cs typeface="Caladea"/>
+              </a:rPr>
+              <a:t> (ID[PK], Name, Mobile, Password, Status, </a:t>
+            </a:r>
+            <a:r>
+              <a:rPr lang="en-IN" sz="1900" dirty="0" err="1">
+                <a:solidFill>
+                  <a:srgbClr val="000000"/>
+                </a:solidFill>
+                <a:effectLst/>
+                <a:latin typeface="Times New Roman" panose="02020603050405020304" pitchFamily="18" charset="0"/>
+                <a:ea typeface="Caladea"/>
+                <a:cs typeface="Caladea"/>
+              </a:rPr>
+              <a:t>createdAt</a:t>
+            </a:r>
+            <a:r>
+              <a:rPr lang="en-IN" sz="1900" dirty="0">
+                <a:solidFill>
+                  <a:srgbClr val="000000"/>
+                </a:solidFill>
+                <a:effectLst/>
+                <a:latin typeface="Times New Roman" panose="02020603050405020304" pitchFamily="18" charset="0"/>
+                <a:ea typeface="Caladea"/>
+                <a:cs typeface="Caladea"/>
+              </a:rPr>
+              <a:t>, </a:t>
+            </a:r>
+            <a:r>
+              <a:rPr lang="en-IN" sz="1900" dirty="0" err="1">
+                <a:solidFill>
+                  <a:srgbClr val="000000"/>
+                </a:solidFill>
+                <a:effectLst/>
+                <a:latin typeface="Times New Roman" panose="02020603050405020304" pitchFamily="18" charset="0"/>
+                <a:ea typeface="Caladea"/>
+                <a:cs typeface="Caladea"/>
+              </a:rPr>
+              <a:t>updatedAt</a:t>
+            </a:r>
+            <a:r>
+              <a:rPr lang="en-US" sz="1900" dirty="0">
+                <a:solidFill>
+                  <a:srgbClr val="000000"/>
+                </a:solidFill>
+                <a:effectLst/>
+                <a:latin typeface="Times New Roman" panose="02020603050405020304" pitchFamily="18" charset="0"/>
+                <a:ea typeface="Caladea"/>
+                <a:cs typeface="Caladea"/>
+              </a:rPr>
+              <a:t>)</a:t>
             </a:r>
           </a:p>
           <a:p>
@@ -6804,16 +6899,64 @@
               <a:buNone/>
             </a:pPr>
             <a:r>
-              <a:rPr lang="en-US" sz="2000" dirty="0">
-                <a:solidFill>
-                  <a:srgbClr val="000000"/>
-                </a:solidFill>
-                <a:effectLst/>
-                <a:latin typeface="Times New Roman" panose="02020603050405020304" pitchFamily="18" charset="0"/>
-                <a:ea typeface="Caladea"/>
-                <a:cs typeface="Caladea"/>
-              </a:rPr>
-              <a:t>FD: ID-&gt; {Name, Mobile, Password, Status, Added on}</a:t>
+              <a:rPr lang="en-US" sz="1900" dirty="0">
+                <a:solidFill>
+                  <a:srgbClr val="000000"/>
+                </a:solidFill>
+                <a:effectLst/>
+                <a:latin typeface="Times New Roman" panose="02020603050405020304" pitchFamily="18" charset="0"/>
+                <a:ea typeface="Caladea"/>
+                <a:cs typeface="Caladea"/>
+              </a:rPr>
+              <a:t>FD: ID-&gt; {Name, Mobile, Password, Status, </a:t>
+            </a:r>
+            <a:r>
+              <a:rPr lang="en-IN" sz="1900" dirty="0" err="1">
+                <a:solidFill>
+                  <a:srgbClr val="000000"/>
+                </a:solidFill>
+                <a:effectLst/>
+                <a:latin typeface="Times New Roman" panose="02020603050405020304" pitchFamily="18" charset="0"/>
+                <a:ea typeface="Caladea"/>
+                <a:cs typeface="Caladea"/>
+              </a:rPr>
+              <a:t>createdAt</a:t>
+            </a:r>
+            <a:r>
+              <a:rPr lang="en-IN" sz="1900" dirty="0">
+                <a:solidFill>
+                  <a:srgbClr val="000000"/>
+                </a:solidFill>
+                <a:effectLst/>
+                <a:latin typeface="Times New Roman" panose="02020603050405020304" pitchFamily="18" charset="0"/>
+                <a:ea typeface="Caladea"/>
+                <a:cs typeface="Caladea"/>
+              </a:rPr>
+              <a:t>, </a:t>
+            </a:r>
+            <a:r>
+              <a:rPr lang="en-IN" sz="1900" dirty="0" err="1">
+                <a:solidFill>
+                  <a:srgbClr val="000000"/>
+                </a:solidFill>
+                <a:effectLst/>
+                <a:latin typeface="Times New Roman" panose="02020603050405020304" pitchFamily="18" charset="0"/>
+                <a:ea typeface="Caladea"/>
+                <a:cs typeface="Caladea"/>
+              </a:rPr>
+              <a:t>updatedAt</a:t>
+            </a:r>
+            <a:r>
+              <a:rPr lang="en-US" sz="1900" dirty="0">
+                <a:solidFill>
+                  <a:srgbClr val="000000"/>
+                </a:solidFill>
+                <a:effectLst/>
+                <a:latin typeface="Times New Roman" panose="02020603050405020304" pitchFamily="18" charset="0"/>
+                <a:ea typeface="Caladea"/>
+                <a:cs typeface="Caladea"/>
+              </a:rPr>
+              <a:t>}</a:t>
             </a:r>
           </a:p>
           <a:p>
@@ -6831,7 +6974,7 @@
               <a:buAutoNum type="arabicPeriod" startAt="13"/>
             </a:pPr>
             <a:r>
-              <a:rPr lang="en-IN" sz="2000" dirty="0">
+              <a:rPr lang="en-IN" sz="1900" dirty="0">
                 <a:solidFill>
                   <a:srgbClr val="000000"/>
                 </a:solidFill>
@@ -6857,7 +7000,7 @@
               <a:buNone/>
             </a:pPr>
             <a:r>
-              <a:rPr lang="en-IN" sz="2000" dirty="0" err="1">
+              <a:rPr lang="en-IN" sz="1900" dirty="0" err="1">
                 <a:solidFill>
                   <a:srgbClr val="000000"/>
                 </a:solidFill>
@@ -6869,7 +7012,7 @@
               <a:t>couponcode</a:t>
             </a:r>
             <a:r>
-              <a:rPr lang="en-IN" sz="2000" dirty="0">
+              <a:rPr lang="en-IN" sz="1900" dirty="0">
                 <a:solidFill>
                   <a:srgbClr val="000000"/>
                 </a:solidFill>
@@ -6881,7 +7024,7 @@
               <a:t> (ID[PK], Coupon code, Coupon type, Coupon value, Cart min value, Expired on, Status, </a:t>
             </a:r>
             <a:r>
-              <a:rPr lang="en-IN" sz="2000" dirty="0" err="1">
+              <a:rPr lang="en-IN" sz="1900" dirty="0" err="1">
                 <a:solidFill>
                   <a:srgbClr val="000000"/>
                 </a:solidFill>
@@ -6893,7 +7036,7 @@
               <a:t>createdAt</a:t>
             </a:r>
             <a:r>
-              <a:rPr lang="en-IN" sz="2000" dirty="0">
+              <a:rPr lang="en-IN" sz="1900" dirty="0">
                 <a:solidFill>
                   <a:srgbClr val="000000"/>
                 </a:solidFill>
@@ -6905,7 +7048,7 @@
               <a:t>, </a:t>
             </a:r>
             <a:r>
-              <a:rPr lang="en-IN" sz="2000" dirty="0" err="1">
+              <a:rPr lang="en-IN" sz="1900" dirty="0" err="1">
                 <a:solidFill>
                   <a:srgbClr val="000000"/>
                 </a:solidFill>
@@ -6917,7 +7060,7 @@
               <a:t>updatedAt</a:t>
             </a:r>
             <a:r>
-              <a:rPr lang="en-IN" sz="2000" dirty="0">
+              <a:rPr lang="en-IN" sz="1900" dirty="0">
                 <a:solidFill>
                   <a:srgbClr val="000000"/>
                 </a:solidFill>
@@ -6943,7 +7086,7 @@
               <a:buNone/>
             </a:pPr>
             <a:r>
-              <a:rPr lang="en-IN" sz="2000" dirty="0">
+              <a:rPr lang="en-IN" sz="1900" dirty="0">
                 <a:solidFill>
                   <a:srgbClr val="000000"/>
                 </a:solidFill>
@@ -6955,7 +7098,7 @@
               <a:t>FD: ID-&gt; {Coupon code, Coupon type, Coupon value, Cart min value, Expired on, Status, </a:t>
             </a:r>
             <a:r>
-              <a:rPr lang="en-IN" sz="2000" dirty="0" err="1">
+              <a:rPr lang="en-IN" sz="1900" dirty="0" err="1">
                 <a:solidFill>
                   <a:srgbClr val="000000"/>
                 </a:solidFill>
@@ -6967,7 +7110,7 @@
               <a:t>createdAt</a:t>
             </a:r>
             <a:r>
-              <a:rPr lang="en-IN" sz="2000" dirty="0">
+              <a:rPr lang="en-IN" sz="1900" dirty="0">
                 <a:solidFill>
                   <a:srgbClr val="000000"/>
                 </a:solidFill>
@@ -6979,7 +7122,7 @@
               <a:t>, </a:t>
             </a:r>
             <a:r>
-              <a:rPr lang="en-IN" sz="2000" dirty="0" err="1">
+              <a:rPr lang="en-IN" sz="1900" dirty="0" err="1">
                 <a:solidFill>
                   <a:srgbClr val="000000"/>
                 </a:solidFill>
@@ -6991,7 +7134,7 @@
               <a:t>updatedAt</a:t>
             </a:r>
             <a:r>
-              <a:rPr lang="en-IN" sz="2000" dirty="0">
+              <a:rPr lang="en-IN" sz="1900" dirty="0">
                 <a:solidFill>
                   <a:srgbClr val="000000"/>
                 </a:solidFill>
@@ -7017,7 +7160,7 @@
               <a:buFont typeface="+mj-lt"/>
               <a:buAutoNum type="arabicPeriod" startAt="13"/>
             </a:pPr>
-            <a:endParaRPr lang="en-IN" sz="2000" dirty="0">
+            <a:endParaRPr lang="en-IN" sz="1900" dirty="0">
               <a:solidFill>
                 <a:srgbClr val="000000"/>
               </a:solidFill>
@@ -7542,7 +7685,7 @@
                 <a:ea typeface="Caladea"/>
                 <a:cs typeface="Caladea"/>
               </a:rPr>
-              <a:t>customer (ID[PK], Name, Email ID, Password, Contact No., Billing Address [FK], Email Verify, Random String, Referral Code, From Referral Code, Status, </a:t>
+              <a:t>customer (ID[PK], Name, Email ID, Password, Contact No., Billing Address [FK], OTP, Hash, Referral Code, From Referral Code, Status, </a:t>
             </a:r>
             <a:r>
               <a:rPr lang="en-IN" sz="2000" dirty="0" err="1">
@@ -7616,7 +7759,7 @@
                 <a:ea typeface="Caladea"/>
                 <a:cs typeface="Caladea"/>
               </a:rPr>
-              <a:t>FD: ID-&gt; {Name, Email ID, Password, Contact No., Billing Address [FK], Email Verify, Random String, Referral Code, From Referral Code, Status, </a:t>
+              <a:t>FD: ID-&gt; {Name, Email ID, Password, Contact No., Billing Address [FK], OTP, Hash, Referral Code, From Referral Code, Status, </a:t>
             </a:r>
             <a:r>
               <a:rPr lang="en-IN" sz="2000" dirty="0" err="1">
@@ -7986,7 +8129,55 @@
                 <a:ea typeface="Caladea"/>
                 <a:cs typeface="Caladea"/>
               </a:rPr>
-              <a:t>cart (ID[PK], customer [FK], item [FK], Qty, </a:t>
+              <a:t>cart (ID[PK], customer [FK], item [FK], </a:t>
+            </a:r>
+            <a:r>
+              <a:rPr lang="en-IN" sz="2000" dirty="0" err="1">
+                <a:solidFill>
+                  <a:srgbClr val="000000"/>
+                </a:solidFill>
+                <a:effectLst/>
+                <a:latin typeface="Times New Roman" panose="02020603050405020304" pitchFamily="18" charset="0"/>
+                <a:ea typeface="Caladea"/>
+                <a:cs typeface="Caladea"/>
+              </a:rPr>
+              <a:t>addedon</a:t>
+            </a:r>
+            <a:r>
+              <a:rPr lang="en-IN" sz="2000" dirty="0">
+                <a:solidFill>
+                  <a:srgbClr val="000000"/>
+                </a:solidFill>
+                <a:effectLst/>
+                <a:latin typeface="Times New Roman" panose="02020603050405020304" pitchFamily="18" charset="0"/>
+                <a:ea typeface="Caladea"/>
+                <a:cs typeface="Caladea"/>
+              </a:rPr>
+              <a:t> [FK], </a:t>
+            </a:r>
+            <a:r>
+              <a:rPr lang="en-IN" sz="2000" dirty="0" err="1">
+                <a:solidFill>
+                  <a:srgbClr val="000000"/>
+                </a:solidFill>
+                <a:effectLst/>
+                <a:latin typeface="Times New Roman" panose="02020603050405020304" pitchFamily="18" charset="0"/>
+                <a:ea typeface="Caladea"/>
+                <a:cs typeface="Caladea"/>
+              </a:rPr>
+              <a:t>addextra</a:t>
+            </a:r>
+            <a:r>
+              <a:rPr lang="en-IN" sz="2000" dirty="0">
+                <a:solidFill>
+                  <a:srgbClr val="000000"/>
+                </a:solidFill>
+                <a:effectLst/>
+                <a:latin typeface="Times New Roman" panose="02020603050405020304" pitchFamily="18" charset="0"/>
+                <a:ea typeface="Caladea"/>
+                <a:cs typeface="Caladea"/>
+              </a:rPr>
+              <a:t> [FK], Qty, Price, </a:t>
             </a:r>
             <a:r>
               <a:rPr lang="en-IN" sz="2000" dirty="0" err="1">
@@ -8108,7 +8299,7 @@
                 <a:ea typeface="Caladea"/>
                 <a:cs typeface="Caladea"/>
               </a:rPr>
-              <a:t> [FK], Qty, </a:t>
+              <a:t> [FK], Qty, Price, </a:t>
             </a:r>
             <a:r>
               <a:rPr lang="en-IN" sz="2000" dirty="0" err="1">
@@ -8281,7 +8472,7 @@
                 <a:ea typeface="Caladea"/>
                 <a:cs typeface="Caladea"/>
               </a:rPr>
-              <a:t>Order Table</a:t>
+              <a:t>Order Master</a:t>
             </a:r>
           </a:p>
           <a:p>
@@ -8307,7 +8498,7 @@
                 <a:ea typeface="Caladea"/>
                 <a:cs typeface="Caladea"/>
               </a:rPr>
-              <a:t>Order (ID[PK], customer [FK], Billing Address [FK], Price, Coupon Code [FK], Total Price, Delivery Boy [FK], Payment Status, Payment Type, Payment ID, Order Status, Cancel By, Cancel At, Delivered On, Refund Status, item [FK], Qty, </a:t>
+              <a:t>Order (ID[PK], customer [FK], Billing Address [FK], Price, Coupon Code [FK], Total Price, Delivery Boy [FK], Payment Status, Payment Type, Payment ID, Order Status, Cancel By, Cancel At, Delivered On, Refund Status, </a:t>
             </a:r>
             <a:r>
               <a:rPr lang="en-IN" sz="2000" dirty="0" err="1">
@@ -8372,199 +8563,65 @@
               <a:buNone/>
             </a:pPr>
             <a:r>
-              <a:rPr lang="en-US" sz="1800" dirty="0">
-                <a:effectLst/>
-                <a:latin typeface="Times New Roman" panose="02020603050405020304" pitchFamily="18" charset="0"/>
-                <a:ea typeface="Calibri" panose="020F0502020204030204" pitchFamily="34" charset="0"/>
-              </a:rPr>
-              <a:t>FD: ID-&gt; {customer [FK], Billing Address [FK], Price, Coupon Code [FK], Total Price, Delivery Boy [FK], Payment Status, Payment Type, Payment ID, Order Status, Cancel By, Cancel At, Delivered On, Refund Status, item [FK], </a:t>
-            </a:r>
-            <a:r>
-              <a:rPr lang="en-US" sz="1800" dirty="0" err="1">
-                <a:effectLst/>
-                <a:latin typeface="Times New Roman" panose="02020603050405020304" pitchFamily="18" charset="0"/>
-                <a:ea typeface="Calibri" panose="020F0502020204030204" pitchFamily="34" charset="0"/>
-              </a:rPr>
-              <a:t>addedon</a:t>
-            </a:r>
-            <a:r>
-              <a:rPr lang="en-US" sz="1800" dirty="0">
-                <a:effectLst/>
-                <a:latin typeface="Times New Roman" panose="02020603050405020304" pitchFamily="18" charset="0"/>
-                <a:ea typeface="Calibri" panose="020F0502020204030204" pitchFamily="34" charset="0"/>
-              </a:rPr>
-              <a:t> [FK], </a:t>
-            </a:r>
-            <a:r>
-              <a:rPr lang="en-US" sz="1800" dirty="0" err="1">
-                <a:effectLst/>
-                <a:latin typeface="Times New Roman" panose="02020603050405020304" pitchFamily="18" charset="0"/>
-                <a:ea typeface="Calibri" panose="020F0502020204030204" pitchFamily="34" charset="0"/>
-              </a:rPr>
-              <a:t>addextra</a:t>
-            </a:r>
-            <a:r>
-              <a:rPr lang="en-US" sz="1800" dirty="0">
-                <a:effectLst/>
-                <a:latin typeface="Times New Roman" panose="02020603050405020304" pitchFamily="18" charset="0"/>
-                <a:ea typeface="Calibri" panose="020F0502020204030204" pitchFamily="34" charset="0"/>
-              </a:rPr>
-              <a:t> [FK], Qty, </a:t>
-            </a:r>
-            <a:r>
-              <a:rPr lang="en-US" sz="1800" dirty="0" err="1">
-                <a:effectLst/>
-                <a:latin typeface="Times New Roman" panose="02020603050405020304" pitchFamily="18" charset="0"/>
-                <a:ea typeface="Calibri" panose="020F0502020204030204" pitchFamily="34" charset="0"/>
+              <a:rPr lang="en-IN" sz="2000" dirty="0">
+                <a:solidFill>
+                  <a:srgbClr val="000000"/>
+                </a:solidFill>
+                <a:effectLst/>
+                <a:latin typeface="Times New Roman" panose="02020603050405020304" pitchFamily="18" charset="0"/>
+                <a:ea typeface="Caladea"/>
+                <a:cs typeface="Caladea"/>
+              </a:rPr>
+              <a:t>FD: ID-&gt; {customer [FK], Billing Address [FK], Price, Coupon Code [FK], Total Price, Delivery Boy [FK], Payment Status, Payment Type, Payment ID, Order Status, Cancel By, Cancel At, Delivered On, Refund Status, </a:t>
+            </a:r>
+            <a:r>
+              <a:rPr lang="en-IN" sz="2000" dirty="0" err="1">
+                <a:solidFill>
+                  <a:srgbClr val="000000"/>
+                </a:solidFill>
+                <a:effectLst/>
+                <a:latin typeface="Times New Roman" panose="02020603050405020304" pitchFamily="18" charset="0"/>
+                <a:ea typeface="Caladea"/>
+                <a:cs typeface="Caladea"/>
               </a:rPr>
               <a:t>createdAt</a:t>
             </a:r>
             <a:r>
-              <a:rPr lang="en-US" sz="1800" dirty="0">
-                <a:effectLst/>
-                <a:latin typeface="Times New Roman" panose="02020603050405020304" pitchFamily="18" charset="0"/>
-                <a:ea typeface="Calibri" panose="020F0502020204030204" pitchFamily="34" charset="0"/>
+              <a:rPr lang="en-IN" sz="2000" dirty="0">
+                <a:solidFill>
+                  <a:srgbClr val="000000"/>
+                </a:solidFill>
+                <a:effectLst/>
+                <a:latin typeface="Times New Roman" panose="02020603050405020304" pitchFamily="18" charset="0"/>
+                <a:ea typeface="Caladea"/>
+                <a:cs typeface="Caladea"/>
               </a:rPr>
               <a:t>, </a:t>
             </a:r>
             <a:r>
-              <a:rPr lang="en-US" sz="1800" dirty="0" err="1">
-                <a:effectLst/>
-                <a:latin typeface="Times New Roman" panose="02020603050405020304" pitchFamily="18" charset="0"/>
-                <a:ea typeface="Calibri" panose="020F0502020204030204" pitchFamily="34" charset="0"/>
+              <a:rPr lang="en-IN" sz="2000" dirty="0" err="1">
+                <a:solidFill>
+                  <a:srgbClr val="000000"/>
+                </a:solidFill>
+                <a:effectLst/>
+                <a:latin typeface="Times New Roman" panose="02020603050405020304" pitchFamily="18" charset="0"/>
+                <a:ea typeface="Caladea"/>
+                <a:cs typeface="Caladea"/>
               </a:rPr>
               <a:t>updatedAt</a:t>
             </a:r>
             <a:r>
-              <a:rPr lang="en-US" sz="1800" dirty="0">
-                <a:effectLst/>
-                <a:latin typeface="Times New Roman" panose="02020603050405020304" pitchFamily="18" charset="0"/>
-                <a:ea typeface="Calibri" panose="020F0502020204030204" pitchFamily="34" charset="0"/>
+              <a:rPr lang="en-IN" sz="2000" dirty="0">
+                <a:solidFill>
+                  <a:srgbClr val="000000"/>
+                </a:solidFill>
+                <a:effectLst/>
+                <a:latin typeface="Times New Roman" panose="02020603050405020304" pitchFamily="18" charset="0"/>
+                <a:ea typeface="Caladea"/>
+                <a:cs typeface="Caladea"/>
               </a:rPr>
               <a:t>}</a:t>
             </a:r>
-          </a:p>
-          <a:p>
-            <a:pPr marL="457200" marR="0" lvl="0" indent="-457200" algn="just">
-              <a:lnSpc>
-                <a:spcPct val="150000"/>
-              </a:lnSpc>
-              <a:spcBef>
-                <a:spcPts val="0"/>
-              </a:spcBef>
-              <a:spcAft>
-                <a:spcPts val="0"/>
-              </a:spcAft>
-              <a:buFont typeface="+mj-lt"/>
-              <a:buAutoNum type="arabicPeriod" startAt="19"/>
-            </a:pPr>
-            <a:r>
-              <a:rPr lang="en-IN" sz="2000" dirty="0">
-                <a:solidFill>
-                  <a:srgbClr val="000000"/>
-                </a:solidFill>
-                <a:effectLst/>
-                <a:latin typeface="Times New Roman" panose="02020603050405020304" pitchFamily="18" charset="0"/>
-                <a:ea typeface="Caladea"/>
-                <a:cs typeface="Caladea"/>
-              </a:rPr>
-              <a:t>Get Touch Table</a:t>
-            </a:r>
-          </a:p>
-          <a:p>
-            <a:pPr marL="0" marR="0" lvl="0" indent="0" algn="just">
-              <a:lnSpc>
-                <a:spcPct val="150000"/>
-              </a:lnSpc>
-              <a:spcBef>
-                <a:spcPts val="0"/>
-              </a:spcBef>
-              <a:spcAft>
-                <a:spcPts val="0"/>
-              </a:spcAft>
-              <a:buNone/>
-            </a:pPr>
-            <a:r>
-              <a:rPr lang="en-US" sz="2000" dirty="0" err="1">
-                <a:solidFill>
-                  <a:srgbClr val="000000"/>
-                </a:solidFill>
-                <a:effectLst/>
-                <a:latin typeface="Times New Roman" panose="02020603050405020304" pitchFamily="18" charset="0"/>
-                <a:ea typeface="Caladea"/>
-                <a:cs typeface="Caladea"/>
-              </a:rPr>
-              <a:t>gettouch</a:t>
-            </a:r>
-            <a:r>
-              <a:rPr lang="en-US" sz="2000" dirty="0">
-                <a:solidFill>
-                  <a:srgbClr val="000000"/>
-                </a:solidFill>
-                <a:effectLst/>
-                <a:latin typeface="Times New Roman" panose="02020603050405020304" pitchFamily="18" charset="0"/>
-                <a:ea typeface="Caladea"/>
-                <a:cs typeface="Caladea"/>
-              </a:rPr>
-              <a:t> (ID [PK], restaurant [FK], Subject, Message, Status, </a:t>
-            </a:r>
-            <a:r>
-              <a:rPr lang="en-US" sz="2000" dirty="0" err="1">
-                <a:solidFill>
-                  <a:srgbClr val="000000"/>
-                </a:solidFill>
-                <a:effectLst/>
-                <a:latin typeface="Times New Roman" panose="02020603050405020304" pitchFamily="18" charset="0"/>
-                <a:ea typeface="Caladea"/>
-                <a:cs typeface="Caladea"/>
-              </a:rPr>
-              <a:t>createdAt</a:t>
-            </a:r>
-            <a:r>
-              <a:rPr lang="en-US" sz="2000" dirty="0">
-                <a:solidFill>
-                  <a:srgbClr val="000000"/>
-                </a:solidFill>
-                <a:effectLst/>
-                <a:latin typeface="Times New Roman" panose="02020603050405020304" pitchFamily="18" charset="0"/>
-                <a:ea typeface="Caladea"/>
-                <a:cs typeface="Caladea"/>
-              </a:rPr>
-              <a:t>, </a:t>
-            </a:r>
-            <a:r>
-              <a:rPr lang="en-US" sz="2000" dirty="0" err="1">
-                <a:solidFill>
-                  <a:srgbClr val="000000"/>
-                </a:solidFill>
-                <a:effectLst/>
-                <a:latin typeface="Times New Roman" panose="02020603050405020304" pitchFamily="18" charset="0"/>
-                <a:ea typeface="Caladea"/>
-                <a:cs typeface="Caladea"/>
-              </a:rPr>
-              <a:t>updatedAt</a:t>
-            </a:r>
-            <a:r>
-              <a:rPr lang="en-US" sz="2000" dirty="0">
-                <a:solidFill>
-                  <a:srgbClr val="000000"/>
-                </a:solidFill>
-                <a:effectLst/>
-                <a:latin typeface="Times New Roman" panose="02020603050405020304" pitchFamily="18" charset="0"/>
-                <a:ea typeface="Caladea"/>
-                <a:cs typeface="Caladea"/>
-              </a:rPr>
-              <a:t>)</a:t>
-            </a:r>
-            <a:endParaRPr lang="en-IN" sz="2000" dirty="0">
-              <a:solidFill>
-                <a:srgbClr val="000000"/>
-              </a:solidFill>
-              <a:effectLst/>
-              <a:latin typeface="Times New Roman" panose="02020603050405020304" pitchFamily="18" charset="0"/>
-              <a:ea typeface="Caladea"/>
-              <a:cs typeface="Caladea"/>
-            </a:endParaRPr>
           </a:p>
         </p:txBody>
       </p:sp>
@@ -8665,6 +8722,33 @@
           </a:bodyPr>
           <a:lstStyle/>
           <a:p>
+            <a:pPr marL="457200" marR="0" lvl="0" indent="-457200" algn="just">
+              <a:lnSpc>
+                <a:spcPct val="150000"/>
+              </a:lnSpc>
+              <a:spcBef>
+                <a:spcPts val="0"/>
+              </a:spcBef>
+              <a:spcAft>
+                <a:spcPts val="0"/>
+              </a:spcAft>
+              <a:buFont typeface="+mj-lt"/>
+              <a:buAutoNum type="arabicPeriod" startAt="19"/>
+            </a:pPr>
+            <a:r>
+              <a:rPr lang="en-IN" sz="2000" dirty="0">
+                <a:solidFill>
+                  <a:srgbClr val="000000"/>
+                </a:solidFill>
+                <a:effectLst/>
+                <a:latin typeface="Times New Roman" panose="02020603050405020304" pitchFamily="18" charset="0"/>
+                <a:ea typeface="Caladea"/>
+                <a:cs typeface="Caladea"/>
+              </a:rPr>
+              <a:t>Order Detail Table</a:t>
+            </a:r>
+          </a:p>
+          <a:p>
             <a:pPr marL="0" marR="0" lvl="0" indent="0" algn="just">
               <a:lnSpc>
                 <a:spcPct val="150000"/>
@@ -8678,19 +8762,67 @@
               <a:buNone/>
             </a:pPr>
             <a:r>
-              <a:rPr lang="en-US" sz="2000" dirty="0">
-                <a:solidFill>
-                  <a:srgbClr val="000000"/>
-                </a:solidFill>
-                <a:effectLst/>
-                <a:latin typeface="Times New Roman" panose="02020603050405020304" pitchFamily="18" charset="0"/>
-                <a:ea typeface="Caladea"/>
-                <a:cs typeface="Caladea"/>
-              </a:rPr>
-              <a:t>FD: ID-&gt; {restaurant [FK], Subject, Message, Status, </a:t>
-            </a:r>
-            <a:r>
-              <a:rPr lang="en-US" sz="2000" dirty="0" err="1">
+              <a:rPr lang="en-IN" sz="2000" dirty="0">
+                <a:solidFill>
+                  <a:srgbClr val="000000"/>
+                </a:solidFill>
+                <a:effectLst/>
+                <a:latin typeface="Times New Roman" panose="02020603050405020304" pitchFamily="18" charset="0"/>
+                <a:ea typeface="Caladea"/>
+                <a:cs typeface="Caladea"/>
+              </a:rPr>
+              <a:t>Order (ID[PK], Order Master [FK], item [FK], Qty, variant [FK], </a:t>
+            </a:r>
+            <a:r>
+              <a:rPr lang="en-IN" sz="2000" dirty="0" err="1">
+                <a:solidFill>
+                  <a:srgbClr val="000000"/>
+                </a:solidFill>
+                <a:effectLst/>
+                <a:latin typeface="Times New Roman" panose="02020603050405020304" pitchFamily="18" charset="0"/>
+                <a:ea typeface="Caladea"/>
+                <a:cs typeface="Caladea"/>
+              </a:rPr>
+              <a:t>addedon</a:t>
+            </a:r>
+            <a:r>
+              <a:rPr lang="en-IN" sz="2000" dirty="0">
+                <a:solidFill>
+                  <a:srgbClr val="000000"/>
+                </a:solidFill>
+                <a:effectLst/>
+                <a:latin typeface="Times New Roman" panose="02020603050405020304" pitchFamily="18" charset="0"/>
+                <a:ea typeface="Caladea"/>
+                <a:cs typeface="Caladea"/>
+              </a:rPr>
+              <a:t> [FK], </a:t>
+            </a:r>
+            <a:r>
+              <a:rPr lang="en-IN" sz="2000" dirty="0" err="1">
+                <a:solidFill>
+                  <a:srgbClr val="000000"/>
+                </a:solidFill>
+                <a:effectLst/>
+                <a:latin typeface="Times New Roman" panose="02020603050405020304" pitchFamily="18" charset="0"/>
+                <a:ea typeface="Caladea"/>
+                <a:cs typeface="Caladea"/>
+              </a:rPr>
+              <a:t>addextra</a:t>
+            </a:r>
+            <a:r>
+              <a:rPr lang="en-IN" sz="2000" dirty="0">
+                <a:solidFill>
+                  <a:srgbClr val="000000"/>
+                </a:solidFill>
+                <a:effectLst/>
+                <a:latin typeface="Times New Roman" panose="02020603050405020304" pitchFamily="18" charset="0"/>
+                <a:ea typeface="Caladea"/>
+                <a:cs typeface="Caladea"/>
+              </a:rPr>
+              <a:t> [FK], </a:t>
+            </a:r>
+            <a:r>
+              <a:rPr lang="en-IN" sz="2000" dirty="0" err="1">
                 <a:solidFill>
                   <a:srgbClr val="000000"/>
                 </a:solidFill>
@@ -8702,7 +8834,7 @@
               <a:t>createdAt</a:t>
             </a:r>
             <a:r>
-              <a:rPr lang="en-US" sz="2000" dirty="0">
+              <a:rPr lang="en-IN" sz="2000" dirty="0">
                 <a:solidFill>
                   <a:srgbClr val="000000"/>
                 </a:solidFill>
@@ -8714,7 +8846,7 @@
               <a:t>, </a:t>
             </a:r>
             <a:r>
-              <a:rPr lang="en-US" sz="2000" dirty="0" err="1">
+              <a:rPr lang="en-IN" sz="2000" dirty="0" err="1">
                 <a:solidFill>
                   <a:srgbClr val="000000"/>
                 </a:solidFill>
@@ -8726,7 +8858,129 @@
               <a:t>updatedAt</a:t>
             </a:r>
             <a:r>
-              <a:rPr lang="en-US" sz="2000" dirty="0">
+              <a:rPr lang="en-IN" sz="2000" dirty="0">
+                <a:solidFill>
+                  <a:srgbClr val="000000"/>
+                </a:solidFill>
+                <a:effectLst/>
+                <a:latin typeface="Times New Roman" panose="02020603050405020304" pitchFamily="18" charset="0"/>
+                <a:ea typeface="Caladea"/>
+                <a:cs typeface="Caladea"/>
+              </a:rPr>
+              <a:t>)</a:t>
+            </a:r>
+          </a:p>
+          <a:p>
+            <a:pPr marL="0" marR="0" lvl="0" indent="0" algn="just">
+              <a:lnSpc>
+                <a:spcPct val="150000"/>
+              </a:lnSpc>
+              <a:spcBef>
+                <a:spcPts val="0"/>
+              </a:spcBef>
+              <a:spcAft>
+                <a:spcPts val="0"/>
+              </a:spcAft>
+              <a:buNone/>
+            </a:pPr>
+            <a:r>
+              <a:rPr lang="en-IN" sz="2000" dirty="0">
+                <a:solidFill>
+                  <a:srgbClr val="000000"/>
+                </a:solidFill>
+                <a:effectLst/>
+                <a:latin typeface="Times New Roman" panose="02020603050405020304" pitchFamily="18" charset="0"/>
+                <a:ea typeface="Caladea"/>
+                <a:cs typeface="Caladea"/>
+              </a:rPr>
+              <a:t>FD: ID-&gt; {Order Master [FK], item [FK], Qty, variant [FK], </a:t>
+            </a:r>
+            <a:r>
+              <a:rPr lang="en-IN" sz="2000" dirty="0" err="1">
+                <a:solidFill>
+                  <a:srgbClr val="000000"/>
+                </a:solidFill>
+                <a:effectLst/>
+                <a:latin typeface="Times New Roman" panose="02020603050405020304" pitchFamily="18" charset="0"/>
+                <a:ea typeface="Caladea"/>
+                <a:cs typeface="Caladea"/>
+              </a:rPr>
+              <a:t>addedon</a:t>
+            </a:r>
+            <a:r>
+              <a:rPr lang="en-IN" sz="2000" dirty="0">
+                <a:solidFill>
+                  <a:srgbClr val="000000"/>
+                </a:solidFill>
+                <a:effectLst/>
+                <a:latin typeface="Times New Roman" panose="02020603050405020304" pitchFamily="18" charset="0"/>
+                <a:ea typeface="Caladea"/>
+                <a:cs typeface="Caladea"/>
+              </a:rPr>
+              <a:t> [FK], </a:t>
+            </a:r>
+            <a:r>
+              <a:rPr lang="en-IN" sz="2000" dirty="0" err="1">
+                <a:solidFill>
+                  <a:srgbClr val="000000"/>
+                </a:solidFill>
+                <a:effectLst/>
+                <a:latin typeface="Times New Roman" panose="02020603050405020304" pitchFamily="18" charset="0"/>
+                <a:ea typeface="Caladea"/>
+                <a:cs typeface="Caladea"/>
+              </a:rPr>
+              <a:t>addextra</a:t>
+            </a:r>
+            <a:r>
+              <a:rPr lang="en-IN" sz="2000" dirty="0">
+                <a:solidFill>
+                  <a:srgbClr val="000000"/>
+                </a:solidFill>
+                <a:effectLst/>
+                <a:latin typeface="Times New Roman" panose="02020603050405020304" pitchFamily="18" charset="0"/>
+                <a:ea typeface="Caladea"/>
+                <a:cs typeface="Caladea"/>
+              </a:rPr>
+              <a:t> [FK], </a:t>
+            </a:r>
+            <a:r>
+              <a:rPr lang="en-IN" sz="2000" dirty="0" err="1">
+                <a:solidFill>
+                  <a:srgbClr val="000000"/>
+                </a:solidFill>
+                <a:effectLst/>
+                <a:latin typeface="Times New Roman" panose="02020603050405020304" pitchFamily="18" charset="0"/>
+                <a:ea typeface="Caladea"/>
+                <a:cs typeface="Caladea"/>
+              </a:rPr>
+              <a:t>createdAt</a:t>
+            </a:r>
+            <a:r>
+              <a:rPr lang="en-IN" sz="2000" dirty="0">
+                <a:solidFill>
+                  <a:srgbClr val="000000"/>
+                </a:solidFill>
+                <a:effectLst/>
+                <a:latin typeface="Times New Roman" panose="02020603050405020304" pitchFamily="18" charset="0"/>
+                <a:ea typeface="Caladea"/>
+                <a:cs typeface="Caladea"/>
+              </a:rPr>
+              <a:t>, </a:t>
+            </a:r>
+            <a:r>
+              <a:rPr lang="en-IN" sz="2000" dirty="0" err="1">
+                <a:solidFill>
+                  <a:srgbClr val="000000"/>
+                </a:solidFill>
+                <a:effectLst/>
+                <a:latin typeface="Times New Roman" panose="02020603050405020304" pitchFamily="18" charset="0"/>
+                <a:ea typeface="Caladea"/>
+                <a:cs typeface="Caladea"/>
+              </a:rPr>
+              <a:t>updatedAt</a:t>
+            </a:r>
+            <a:r>
+              <a:rPr lang="en-IN" sz="2000" dirty="0">
                 <a:solidFill>
                   <a:srgbClr val="000000"/>
                 </a:solidFill>
@@ -8762,7 +9016,7 @@
                 <a:ea typeface="Caladea"/>
                 <a:cs typeface="Caladea"/>
               </a:rPr>
-              <a:t>Setting Table (For Partner)</a:t>
+              <a:t>Get Touch Table</a:t>
             </a:r>
           </a:p>
           <a:p>
@@ -8779,19 +9033,31 @@
               <a:buNone/>
             </a:pPr>
             <a:r>
-              <a:rPr lang="en-IN" sz="2000" dirty="0">
-                <a:solidFill>
-                  <a:srgbClr val="000000"/>
-                </a:solidFill>
-                <a:effectLst/>
-                <a:latin typeface="Times New Roman" panose="02020603050405020304" pitchFamily="18" charset="0"/>
-                <a:ea typeface="Caladea"/>
-                <a:cs typeface="Caladea"/>
-              </a:rPr>
-              <a:t>setting (ID [PK], Cart Min Price, Cart Min Price Message, Delivery charge, GST, </a:t>
-            </a:r>
-            <a:r>
-              <a:rPr lang="en-IN" sz="2000" dirty="0" err="1">
+              <a:rPr lang="en-US" sz="2000" dirty="0" err="1">
+                <a:solidFill>
+                  <a:srgbClr val="000000"/>
+                </a:solidFill>
+                <a:effectLst/>
+                <a:latin typeface="Times New Roman" panose="02020603050405020304" pitchFamily="18" charset="0"/>
+                <a:ea typeface="Caladea"/>
+                <a:cs typeface="Caladea"/>
+              </a:rPr>
+              <a:t>gettouch</a:t>
+            </a:r>
+            <a:r>
+              <a:rPr lang="en-US" sz="2000" dirty="0">
+                <a:solidFill>
+                  <a:srgbClr val="000000"/>
+                </a:solidFill>
+                <a:effectLst/>
+                <a:latin typeface="Times New Roman" panose="02020603050405020304" pitchFamily="18" charset="0"/>
+                <a:ea typeface="Caladea"/>
+                <a:cs typeface="Caladea"/>
+              </a:rPr>
+              <a:t> (ID [PK], restaurant [FK], Subject, Message, Status, </a:t>
+            </a:r>
+            <a:r>
+              <a:rPr lang="en-US" sz="2000" dirty="0" err="1">
                 <a:solidFill>
                   <a:srgbClr val="000000"/>
                 </a:solidFill>
@@ -8803,7 +9069,7 @@
               <a:t>createdAt</a:t>
             </a:r>
             <a:r>
-              <a:rPr lang="en-IN" sz="2000" dirty="0">
+              <a:rPr lang="en-US" sz="2000" dirty="0">
                 <a:solidFill>
                   <a:srgbClr val="000000"/>
                 </a:solidFill>
@@ -8815,7 +9081,7 @@
               <a:t>, </a:t>
             </a:r>
             <a:r>
-              <a:rPr lang="en-IN" sz="2000" dirty="0" err="1">
+              <a:rPr lang="en-US" sz="2000" dirty="0" err="1">
                 <a:solidFill>
                   <a:srgbClr val="000000"/>
                 </a:solidFill>
@@ -8827,7 +9093,7 @@
               <a:t>updatedAt</a:t>
             </a:r>
             <a:r>
-              <a:rPr lang="en-IN" sz="2000" dirty="0">
+              <a:rPr lang="en-US" sz="2000" dirty="0">
                 <a:solidFill>
                   <a:srgbClr val="000000"/>
                 </a:solidFill>
@@ -8838,6 +9104,15 @@
               </a:rPr>
               <a:t>)</a:t>
             </a:r>
+            <a:endParaRPr lang="en-IN" sz="2000" dirty="0">
+              <a:solidFill>
+                <a:srgbClr val="000000"/>
+              </a:solidFill>
+              <a:effectLst/>
+              <a:latin typeface="Times New Roman" panose="02020603050405020304" pitchFamily="18" charset="0"/>
+              <a:ea typeface="Caladea"/>
+              <a:cs typeface="Caladea"/>
+            </a:endParaRPr>
           </a:p>
           <a:p>
             <a:pPr marL="0" marR="0" lvl="0" indent="0" algn="just">
@@ -8853,19 +9128,19 @@
               <a:buNone/>
             </a:pPr>
             <a:r>
-              <a:rPr lang="en-IN" sz="2000" dirty="0">
-                <a:solidFill>
-                  <a:srgbClr val="000000"/>
-                </a:solidFill>
-                <a:effectLst/>
-                <a:latin typeface="Times New Roman" panose="02020603050405020304" pitchFamily="18" charset="0"/>
-                <a:ea typeface="Caladea"/>
-                <a:cs typeface="Caladea"/>
-              </a:rPr>
-              <a:t>FD: ID-&gt; {Cart Min Price, Cart Min Price Message, Delivery charge, GST, </a:t>
-            </a:r>
-            <a:r>
-              <a:rPr lang="en-IN" sz="2000" dirty="0" err="1">
+              <a:rPr lang="en-US" sz="2000" dirty="0">
+                <a:solidFill>
+                  <a:srgbClr val="000000"/>
+                </a:solidFill>
+                <a:effectLst/>
+                <a:latin typeface="Times New Roman" panose="02020603050405020304" pitchFamily="18" charset="0"/>
+                <a:ea typeface="Caladea"/>
+                <a:cs typeface="Caladea"/>
+              </a:rPr>
+              <a:t>FD: ID-&gt; {restaurant [FK], Subject, Message, Status, </a:t>
+            </a:r>
+            <a:r>
+              <a:rPr lang="en-US" sz="2000" dirty="0" err="1">
                 <a:solidFill>
                   <a:srgbClr val="000000"/>
                 </a:solidFill>
@@ -8877,7 +9152,7 @@
               <a:t>createdAt</a:t>
             </a:r>
             <a:r>
-              <a:rPr lang="en-IN" sz="2000" dirty="0">
+              <a:rPr lang="en-US" sz="2000" dirty="0">
                 <a:solidFill>
                   <a:srgbClr val="000000"/>
                 </a:solidFill>
@@ -8889,7 +9164,7 @@
               <a:t>, </a:t>
             </a:r>
             <a:r>
-              <a:rPr lang="en-IN" sz="2000" dirty="0" err="1">
+              <a:rPr lang="en-US" sz="2000" dirty="0" err="1">
                 <a:solidFill>
                   <a:srgbClr val="000000"/>
                 </a:solidFill>
@@ -8901,7 +9176,7 @@
               <a:t>updatedAt</a:t>
             </a:r>
             <a:r>
-              <a:rPr lang="en-IN" sz="2000" dirty="0">
+              <a:rPr lang="en-US" sz="2000" dirty="0">
                 <a:solidFill>
                   <a:srgbClr val="000000"/>
                 </a:solidFill>
@@ -8914,7 +9189,7 @@
             </a:r>
           </a:p>
           <a:p>
-            <a:pPr marL="457200" marR="0" lvl="0" indent="-457200" algn="just">
+            <a:pPr marL="0" marR="0" lvl="0" indent="0" algn="just">
               <a:lnSpc>
                 <a:spcPct val="150000"/>
               </a:lnSpc>
@@ -8924,183 +9199,7 @@
               <a:spcAft>
                 <a:spcPts val="0"/>
               </a:spcAft>
-              <a:buFont typeface="+mj-lt"/>
-              <a:buAutoNum type="arabicPeriod" startAt="21"/>
-            </a:pPr>
-            <a:r>
-              <a:rPr lang="en-IN" sz="2000" dirty="0">
-                <a:solidFill>
-                  <a:srgbClr val="000000"/>
-                </a:solidFill>
-                <a:effectLst/>
-                <a:latin typeface="Times New Roman" panose="02020603050405020304" pitchFamily="18" charset="0"/>
-                <a:ea typeface="Caladea"/>
-                <a:cs typeface="Caladea"/>
-              </a:rPr>
-              <a:t>Question Table</a:t>
-            </a:r>
-          </a:p>
-          <a:p>
-            <a:pPr marL="0" marR="0" lvl="0" indent="0" algn="just">
-              <a:lnSpc>
-                <a:spcPct val="150000"/>
-              </a:lnSpc>
-              <a:spcBef>
-                <a:spcPts val="0"/>
-              </a:spcBef>
-              <a:spcAft>
-                <a:spcPts val="0"/>
-              </a:spcAft>
               <a:buNone/>
-            </a:pPr>
-            <a:r>
-              <a:rPr lang="en-IN" sz="2000" dirty="0">
-                <a:solidFill>
-                  <a:srgbClr val="000000"/>
-                </a:solidFill>
-                <a:effectLst/>
-                <a:latin typeface="Times New Roman" panose="02020603050405020304" pitchFamily="18" charset="0"/>
-                <a:ea typeface="Caladea"/>
-                <a:cs typeface="Caladea"/>
-              </a:rPr>
-              <a:t>Question (ID[PK], Question, </a:t>
-            </a:r>
-            <a:r>
-              <a:rPr lang="en-IN" sz="2000" dirty="0" err="1">
-                <a:solidFill>
-                  <a:srgbClr val="000000"/>
-                </a:solidFill>
-                <a:effectLst/>
-                <a:latin typeface="Times New Roman" panose="02020603050405020304" pitchFamily="18" charset="0"/>
-                <a:ea typeface="Caladea"/>
-                <a:cs typeface="Caladea"/>
-              </a:rPr>
-              <a:t>createdAt</a:t>
-            </a:r>
-            <a:r>
-              <a:rPr lang="en-IN" sz="2000" dirty="0">
-                <a:solidFill>
-                  <a:srgbClr val="000000"/>
-                </a:solidFill>
-                <a:effectLst/>
-                <a:latin typeface="Times New Roman" panose="02020603050405020304" pitchFamily="18" charset="0"/>
-                <a:ea typeface="Caladea"/>
-                <a:cs typeface="Caladea"/>
-              </a:rPr>
-              <a:t>, </a:t>
-            </a:r>
-            <a:r>
-              <a:rPr lang="en-IN" sz="2000" dirty="0" err="1">
-                <a:solidFill>
-                  <a:srgbClr val="000000"/>
-                </a:solidFill>
-                <a:effectLst/>
-                <a:latin typeface="Times New Roman" panose="02020603050405020304" pitchFamily="18" charset="0"/>
-                <a:ea typeface="Caladea"/>
-                <a:cs typeface="Caladea"/>
-              </a:rPr>
-              <a:t>updatedAt</a:t>
-            </a:r>
-            <a:r>
-              <a:rPr lang="en-IN" sz="2000" dirty="0">
-                <a:solidFill>
-                  <a:srgbClr val="000000"/>
-                </a:solidFill>
-                <a:effectLst/>
-                <a:latin typeface="Times New Roman" panose="02020603050405020304" pitchFamily="18" charset="0"/>
-                <a:ea typeface="Caladea"/>
-                <a:cs typeface="Caladea"/>
-              </a:rPr>
-              <a:t>)</a:t>
-            </a:r>
-          </a:p>
-          <a:p>
-            <a:pPr marL="0" marR="0" lvl="0" indent="0" algn="just">
-              <a:lnSpc>
-                <a:spcPct val="150000"/>
-              </a:lnSpc>
-              <a:spcBef>
-                <a:spcPts val="0"/>
-              </a:spcBef>
-              <a:spcAft>
-                <a:spcPts val="0"/>
-              </a:spcAft>
-              <a:buNone/>
-            </a:pPr>
-            <a:r>
-              <a:rPr lang="en-IN" sz="2000" dirty="0">
-                <a:solidFill>
-                  <a:srgbClr val="000000"/>
-                </a:solidFill>
-                <a:effectLst/>
-                <a:latin typeface="Times New Roman" panose="02020603050405020304" pitchFamily="18" charset="0"/>
-                <a:ea typeface="Caladea"/>
-                <a:cs typeface="Caladea"/>
-              </a:rPr>
-              <a:t>FD: ID-&gt; {question, </a:t>
-            </a:r>
-            <a:r>
-              <a:rPr lang="en-IN" sz="2000" dirty="0" err="1">
-                <a:solidFill>
-                  <a:srgbClr val="000000"/>
-                </a:solidFill>
-                <a:effectLst/>
-                <a:latin typeface="Times New Roman" panose="02020603050405020304" pitchFamily="18" charset="0"/>
-                <a:ea typeface="Caladea"/>
-                <a:cs typeface="Caladea"/>
-              </a:rPr>
-              <a:t>createdAt</a:t>
-            </a:r>
-            <a:r>
-              <a:rPr lang="en-IN" sz="2000" dirty="0">
-                <a:solidFill>
-                  <a:srgbClr val="000000"/>
-                </a:solidFill>
-                <a:effectLst/>
-                <a:latin typeface="Times New Roman" panose="02020603050405020304" pitchFamily="18" charset="0"/>
-                <a:ea typeface="Caladea"/>
-                <a:cs typeface="Caladea"/>
-              </a:rPr>
-              <a:t>, </a:t>
-            </a:r>
-            <a:r>
-              <a:rPr lang="en-IN" sz="2000" dirty="0" err="1">
-                <a:solidFill>
-                  <a:srgbClr val="000000"/>
-                </a:solidFill>
-                <a:effectLst/>
-                <a:latin typeface="Times New Roman" panose="02020603050405020304" pitchFamily="18" charset="0"/>
-                <a:ea typeface="Caladea"/>
-                <a:cs typeface="Caladea"/>
-              </a:rPr>
-              <a:t>updatedAt</a:t>
-            </a:r>
-            <a:r>
-              <a:rPr lang="en-IN" sz="2000" dirty="0">
-                <a:solidFill>
-                  <a:srgbClr val="000000"/>
-                </a:solidFill>
-                <a:effectLst/>
-                <a:latin typeface="Times New Roman" panose="02020603050405020304" pitchFamily="18" charset="0"/>
-                <a:ea typeface="Caladea"/>
-                <a:cs typeface="Caladea"/>
-              </a:rPr>
-              <a:t>}</a:t>
-            </a:r>
-          </a:p>
-          <a:p>
-            <a:pPr marL="457200" marR="0" lvl="0" indent="-457200" algn="just">
-              <a:lnSpc>
-                <a:spcPct val="150000"/>
-              </a:lnSpc>
-              <a:spcBef>
-                <a:spcPts val="0"/>
-              </a:spcBef>
-              <a:spcAft>
-                <a:spcPts val="0"/>
-              </a:spcAft>
-              <a:buFont typeface="+mj-lt"/>
-              <a:buAutoNum type="arabicPeriod" startAt="21"/>
             </a:pPr>
             <a:endParaRPr lang="en-IN" sz="2000" dirty="0">
               <a:solidFill>
@@ -9117,7 +9216,7 @@
     </p:spTree>
     <p:extLst>
       <p:ext uri="{BB962C8B-B14F-4D97-AF65-F5344CB8AC3E}">
-        <p14:creationId xmlns:p14="http://schemas.microsoft.com/office/powerpoint/2010/main" val="3380468191"/>
+        <p14:creationId xmlns:p14="http://schemas.microsoft.com/office/powerpoint/2010/main" val="239883681"/>
       </p:ext>
     </p:extLst>
   </p:cSld>
@@ -9222,7 +9321,7 @@
                 <a:spcPts val="0"/>
               </a:spcAft>
               <a:buFont typeface="+mj-lt"/>
-              <a:buAutoNum type="arabicPeriod" startAt="22"/>
+              <a:buAutoNum type="arabicPeriod" startAt="21"/>
             </a:pPr>
             <a:r>
               <a:rPr lang="en-IN" sz="2000" dirty="0">
@@ -9234,7 +9333,7 @@
                 <a:ea typeface="Caladea"/>
                 <a:cs typeface="Caladea"/>
               </a:rPr>
-              <a:t>Complain Table</a:t>
+              <a:t>Setting Table (For Partner)</a:t>
             </a:r>
           </a:p>
           <a:p>
@@ -9260,7 +9359,7 @@
                 <a:ea typeface="Caladea"/>
                 <a:cs typeface="Caladea"/>
               </a:rPr>
-              <a:t>complain (ID[PK], customer [FK], order [FK], question [FK], Message, Status, </a:t>
+              <a:t>setting (ID [PK], restaurant [FK], Cart Min Price, Cart Min Price Message, Delivery charge, GST, </a:t>
             </a:r>
             <a:r>
               <a:rPr lang="en-IN" sz="2000" dirty="0" err="1">
@@ -9308,7 +9407,7 @@
                 <a:ea typeface="Caladea"/>
                 <a:cs typeface="Caladea"/>
               </a:rPr>
-              <a:t>,)</a:t>
+              <a:t>)</a:t>
             </a:r>
           </a:p>
           <a:p>
@@ -9334,7 +9433,7 @@
                 <a:ea typeface="Caladea"/>
                 <a:cs typeface="Caladea"/>
               </a:rPr>
-              <a:t>FD: ID-&gt; {customer [FK], order [FK], question [FK], Message, Status, </a:t>
+              <a:t>FD: ID-&gt; {restaurant [FK], Cart Min Price, Cart Min Price Message, Delivery charge, GST, </a:t>
             </a:r>
             <a:r>
               <a:rPr lang="en-IN" sz="2000" dirty="0" err="1">
@@ -9397,19 +9496,19 @@
                 <a:spcPts val="0"/>
               </a:spcAft>
               <a:buFont typeface="+mj-lt"/>
-              <a:buAutoNum type="arabicPeriod" startAt="23"/>
+              <a:buAutoNum type="arabicPeriod" startAt="22"/>
             </a:pPr>
             <a:r>
-              <a:rPr lang="en-US" sz="2000" dirty="0">
-                <a:solidFill>
-                  <a:srgbClr val="000000"/>
-                </a:solidFill>
-                <a:effectLst/>
-                <a:latin typeface="Times New Roman" panose="02020603050405020304" pitchFamily="18" charset="0"/>
-                <a:ea typeface="Caladea"/>
-                <a:cs typeface="Caladea"/>
-              </a:rPr>
-              <a:t>Referral Amount Table</a:t>
+              <a:rPr lang="en-IN" sz="2000" dirty="0">
+                <a:solidFill>
+                  <a:srgbClr val="000000"/>
+                </a:solidFill>
+                <a:effectLst/>
+                <a:latin typeface="Times New Roman" panose="02020603050405020304" pitchFamily="18" charset="0"/>
+                <a:ea typeface="Caladea"/>
+                <a:cs typeface="Caladea"/>
+              </a:rPr>
+              <a:t>Question Table</a:t>
             </a:r>
           </a:p>
           <a:p>
@@ -9426,19 +9525,19 @@
               <a:buNone/>
             </a:pPr>
             <a:r>
-              <a:rPr lang="en-US" sz="2000" dirty="0">
-                <a:solidFill>
-                  <a:srgbClr val="000000"/>
-                </a:solidFill>
-                <a:effectLst/>
-                <a:latin typeface="Times New Roman" panose="02020603050405020304" pitchFamily="18" charset="0"/>
-                <a:ea typeface="Caladea"/>
-                <a:cs typeface="Caladea"/>
-              </a:rPr>
-              <a:t>referral (ID[PK], Referral Amount, </a:t>
-            </a:r>
-            <a:r>
-              <a:rPr lang="en-US" sz="2000" dirty="0" err="1">
+              <a:rPr lang="en-IN" sz="2000" dirty="0">
+                <a:solidFill>
+                  <a:srgbClr val="000000"/>
+                </a:solidFill>
+                <a:effectLst/>
+                <a:latin typeface="Times New Roman" panose="02020603050405020304" pitchFamily="18" charset="0"/>
+                <a:ea typeface="Caladea"/>
+                <a:cs typeface="Caladea"/>
+              </a:rPr>
+              <a:t>Question (ID[PK], Question, </a:t>
+            </a:r>
+            <a:r>
+              <a:rPr lang="en-IN" sz="2000" dirty="0" err="1">
                 <a:solidFill>
                   <a:srgbClr val="000000"/>
                 </a:solidFill>
@@ -9450,7 +9549,7 @@
               <a:t>createdAt</a:t>
             </a:r>
             <a:r>
-              <a:rPr lang="en-US" sz="2000" dirty="0">
+              <a:rPr lang="en-IN" sz="2000" dirty="0">
                 <a:solidFill>
                   <a:srgbClr val="000000"/>
                 </a:solidFill>
@@ -9462,7 +9561,7 @@
               <a:t>, </a:t>
             </a:r>
             <a:r>
-              <a:rPr lang="en-US" sz="2000" dirty="0" err="1">
+              <a:rPr lang="en-IN" sz="2000" dirty="0" err="1">
                 <a:solidFill>
                   <a:srgbClr val="000000"/>
                 </a:solidFill>
@@ -9474,16 +9573,16 @@
               <a:t>updatedAt</a:t>
             </a:r>
             <a:r>
-              <a:rPr lang="en-US" sz="2000" dirty="0">
-                <a:solidFill>
-                  <a:srgbClr val="000000"/>
-                </a:solidFill>
-                <a:effectLst/>
-                <a:latin typeface="Times New Roman" panose="02020603050405020304" pitchFamily="18" charset="0"/>
-                <a:ea typeface="Caladea"/>
-                <a:cs typeface="Caladea"/>
-              </a:rPr>
-              <a:t>) </a:t>
+              <a:rPr lang="en-IN" sz="2000" dirty="0">
+                <a:solidFill>
+                  <a:srgbClr val="000000"/>
+                </a:solidFill>
+                <a:effectLst/>
+                <a:latin typeface="Times New Roman" panose="02020603050405020304" pitchFamily="18" charset="0"/>
+                <a:ea typeface="Caladea"/>
+                <a:cs typeface="Caladea"/>
+              </a:rPr>
+              <a:t>)</a:t>
             </a:r>
           </a:p>
           <a:p>
@@ -9500,19 +9599,19 @@
               <a:buNone/>
             </a:pPr>
             <a:r>
-              <a:rPr lang="en-US" sz="2000" dirty="0">
-                <a:solidFill>
-                  <a:srgbClr val="000000"/>
-                </a:solidFill>
-                <a:effectLst/>
-                <a:latin typeface="Times New Roman" panose="02020603050405020304" pitchFamily="18" charset="0"/>
-                <a:ea typeface="Caladea"/>
-                <a:cs typeface="Caladea"/>
-              </a:rPr>
-              <a:t>FD: ID-&gt; {Referral Amount, </a:t>
-            </a:r>
-            <a:r>
-              <a:rPr lang="en-US" sz="2000" dirty="0" err="1">
+              <a:rPr lang="en-IN" sz="2000" dirty="0">
+                <a:solidFill>
+                  <a:srgbClr val="000000"/>
+                </a:solidFill>
+                <a:effectLst/>
+                <a:latin typeface="Times New Roman" panose="02020603050405020304" pitchFamily="18" charset="0"/>
+                <a:ea typeface="Caladea"/>
+                <a:cs typeface="Caladea"/>
+              </a:rPr>
+              <a:t>FD: ID-&gt; {question, </a:t>
+            </a:r>
+            <a:r>
+              <a:rPr lang="en-IN" sz="2000" dirty="0" err="1">
                 <a:solidFill>
                   <a:srgbClr val="000000"/>
                 </a:solidFill>
@@ -9524,7 +9623,7 @@
               <a:t>createdAt</a:t>
             </a:r>
             <a:r>
-              <a:rPr lang="en-US" sz="2000" dirty="0">
+              <a:rPr lang="en-IN" sz="2000" dirty="0">
                 <a:solidFill>
                   <a:srgbClr val="000000"/>
                 </a:solidFill>
@@ -9536,7 +9635,7 @@
               <a:t>, </a:t>
             </a:r>
             <a:r>
-              <a:rPr lang="en-US" sz="2000" dirty="0" err="1">
+              <a:rPr lang="en-IN" sz="2000" dirty="0" err="1">
                 <a:solidFill>
                   <a:srgbClr val="000000"/>
                 </a:solidFill>
@@ -9548,16 +9647,16 @@
               <a:t>updatedAt</a:t>
             </a:r>
             <a:r>
-              <a:rPr lang="en-US" sz="2000" dirty="0">
-                <a:solidFill>
-                  <a:srgbClr val="000000"/>
-                </a:solidFill>
-                <a:effectLst/>
-                <a:latin typeface="Times New Roman" panose="02020603050405020304" pitchFamily="18" charset="0"/>
-                <a:ea typeface="Caladea"/>
-                <a:cs typeface="Caladea"/>
-              </a:rPr>
-              <a:t>)</a:t>
+              <a:rPr lang="en-IN" sz="2000" dirty="0">
+                <a:solidFill>
+                  <a:srgbClr val="000000"/>
+                </a:solidFill>
+                <a:effectLst/>
+                <a:latin typeface="Times New Roman" panose="02020603050405020304" pitchFamily="18" charset="0"/>
+                <a:ea typeface="Caladea"/>
+                <a:cs typeface="Caladea"/>
+              </a:rPr>
+              <a:t>}</a:t>
             </a:r>
           </a:p>
           <a:p>
@@ -9572,7 +9671,7 @@
                 <a:spcPts val="0"/>
               </a:spcAft>
               <a:buFont typeface="+mj-lt"/>
-              <a:buAutoNum type="arabicPeriod" startAt="23"/>
+              <a:buAutoNum type="arabicPeriod" startAt="21"/>
             </a:pPr>
             <a:endParaRPr lang="en-IN" sz="2000" dirty="0">
               <a:solidFill>
@@ -9589,7 +9688,7 @@
     </p:spTree>
     <p:extLst>
       <p:ext uri="{BB962C8B-B14F-4D97-AF65-F5344CB8AC3E}">
-        <p14:creationId xmlns:p14="http://schemas.microsoft.com/office/powerpoint/2010/main" val="2525193661"/>
+        <p14:creationId xmlns:p14="http://schemas.microsoft.com/office/powerpoint/2010/main" val="3380468191"/>
       </p:ext>
     </p:extLst>
   </p:cSld>
@@ -9694,7 +9793,7 @@
                 <a:spcPts val="0"/>
               </a:spcAft>
               <a:buFont typeface="+mj-lt"/>
-              <a:buAutoNum type="arabicPeriod" startAt="24"/>
+              <a:buAutoNum type="arabicPeriod" startAt="23"/>
             </a:pPr>
             <a:r>
               <a:rPr lang="en-IN" sz="2000" dirty="0">
@@ -9706,7 +9805,7 @@
                 <a:ea typeface="Caladea"/>
                 <a:cs typeface="Caladea"/>
               </a:rPr>
-              <a:t>Review Table</a:t>
+              <a:t>Complain Table</a:t>
             </a:r>
           </a:p>
           <a:p>
@@ -9732,7 +9831,7 @@
                 <a:ea typeface="Caladea"/>
                 <a:cs typeface="Caladea"/>
               </a:rPr>
-              <a:t>review (ID[PK], customer [FK], order [FK], item [FK], ratting, comment, </a:t>
+              <a:t>complain (ID[PK], customer [FK], order [FK], question [FK], Message, Status, </a:t>
             </a:r>
             <a:r>
               <a:rPr lang="en-IN" sz="2000" dirty="0" err="1">
@@ -9780,7 +9879,7 @@
                 <a:ea typeface="Caladea"/>
                 <a:cs typeface="Caladea"/>
               </a:rPr>
-              <a:t>)</a:t>
+              <a:t>,)</a:t>
             </a:r>
           </a:p>
           <a:p>
@@ -9806,7 +9905,7 @@
                 <a:ea typeface="Caladea"/>
                 <a:cs typeface="Caladea"/>
               </a:rPr>
-              <a:t>FD: ID-&gt; {customer [FK], order [FK], item [FK], ratting, comment, </a:t>
+              <a:t>FD: ID-&gt; {customer [FK], order [FK], question [FK], Message, Status, </a:t>
             </a:r>
             <a:r>
               <a:rPr lang="en-IN" sz="2000" dirty="0" err="1">
@@ -9857,6 +9956,303 @@
               <a:t>}</a:t>
             </a:r>
           </a:p>
+          <a:p>
+            <a:pPr marL="457200" marR="0" lvl="0" indent="-457200" algn="just">
+              <a:lnSpc>
+                <a:spcPct val="150000"/>
+              </a:lnSpc>
+              <a:spcBef>
+                <a:spcPts val="0"/>
+              </a:spcBef>
+              <a:spcAft>
+                <a:spcPts val="0"/>
+              </a:spcAft>
+              <a:buFont typeface="+mj-lt"/>
+              <a:buAutoNum type="arabicPeriod" startAt="24"/>
+            </a:pPr>
+            <a:r>
+              <a:rPr lang="en-US" sz="2000" dirty="0">
+                <a:solidFill>
+                  <a:srgbClr val="000000"/>
+                </a:solidFill>
+                <a:effectLst/>
+                <a:latin typeface="Times New Roman" panose="02020603050405020304" pitchFamily="18" charset="0"/>
+                <a:ea typeface="Caladea"/>
+                <a:cs typeface="Caladea"/>
+              </a:rPr>
+              <a:t>Referral Amount Table</a:t>
+            </a:r>
+          </a:p>
+          <a:p>
+            <a:pPr marL="0" marR="0" lvl="0" indent="0" algn="just">
+              <a:lnSpc>
+                <a:spcPct val="150000"/>
+              </a:lnSpc>
+              <a:spcBef>
+                <a:spcPts val="0"/>
+              </a:spcBef>
+              <a:spcAft>
+                <a:spcPts val="0"/>
+              </a:spcAft>
+              <a:buNone/>
+            </a:pPr>
+            <a:r>
+              <a:rPr lang="en-US" sz="2000" dirty="0">
+                <a:solidFill>
+                  <a:srgbClr val="000000"/>
+                </a:solidFill>
+                <a:effectLst/>
+                <a:latin typeface="Times New Roman" panose="02020603050405020304" pitchFamily="18" charset="0"/>
+                <a:ea typeface="Caladea"/>
+                <a:cs typeface="Caladea"/>
+              </a:rPr>
+              <a:t>referral (ID[PK], Referral Amount, </a:t>
+            </a:r>
+            <a:r>
+              <a:rPr lang="en-US" sz="2000" dirty="0" err="1">
+                <a:solidFill>
+                  <a:srgbClr val="000000"/>
+                </a:solidFill>
+                <a:effectLst/>
+                <a:latin typeface="Times New Roman" panose="02020603050405020304" pitchFamily="18" charset="0"/>
+                <a:ea typeface="Caladea"/>
+                <a:cs typeface="Caladea"/>
+              </a:rPr>
+              <a:t>createdAt</a:t>
+            </a:r>
+            <a:r>
+              <a:rPr lang="en-US" sz="2000" dirty="0">
+                <a:solidFill>
+                  <a:srgbClr val="000000"/>
+                </a:solidFill>
+                <a:effectLst/>
+                <a:latin typeface="Times New Roman" panose="02020603050405020304" pitchFamily="18" charset="0"/>
+                <a:ea typeface="Caladea"/>
+                <a:cs typeface="Caladea"/>
+              </a:rPr>
+              <a:t>, </a:t>
+            </a:r>
+            <a:r>
+              <a:rPr lang="en-US" sz="2000" dirty="0" err="1">
+                <a:solidFill>
+                  <a:srgbClr val="000000"/>
+                </a:solidFill>
+                <a:effectLst/>
+                <a:latin typeface="Times New Roman" panose="02020603050405020304" pitchFamily="18" charset="0"/>
+                <a:ea typeface="Caladea"/>
+                <a:cs typeface="Caladea"/>
+              </a:rPr>
+              <a:t>updatedAt</a:t>
+            </a:r>
+            <a:r>
+              <a:rPr lang="en-US" sz="2000" dirty="0">
+                <a:solidFill>
+                  <a:srgbClr val="000000"/>
+                </a:solidFill>
+                <a:effectLst/>
+                <a:latin typeface="Times New Roman" panose="02020603050405020304" pitchFamily="18" charset="0"/>
+                <a:ea typeface="Caladea"/>
+                <a:cs typeface="Caladea"/>
+              </a:rPr>
+              <a:t>) </a:t>
+            </a:r>
+          </a:p>
+          <a:p>
+            <a:pPr marL="0" marR="0" lvl="0" indent="0" algn="just">
+              <a:lnSpc>
+                <a:spcPct val="150000"/>
+              </a:lnSpc>
+              <a:spcBef>
+                <a:spcPts val="0"/>
+              </a:spcBef>
+              <a:spcAft>
+                <a:spcPts val="0"/>
+              </a:spcAft>
+              <a:buNone/>
+            </a:pPr>
+            <a:r>
+              <a:rPr lang="en-US" sz="2000" dirty="0">
+                <a:solidFill>
+                  <a:srgbClr val="000000"/>
+                </a:solidFill>
+                <a:effectLst/>
+                <a:latin typeface="Times New Roman" panose="02020603050405020304" pitchFamily="18" charset="0"/>
+                <a:ea typeface="Caladea"/>
+                <a:cs typeface="Caladea"/>
+              </a:rPr>
+              <a:t>FD: ID-&gt; {Referral Amount, </a:t>
+            </a:r>
+            <a:r>
+              <a:rPr lang="en-US" sz="2000" dirty="0" err="1">
+                <a:solidFill>
+                  <a:srgbClr val="000000"/>
+                </a:solidFill>
+                <a:effectLst/>
+                <a:latin typeface="Times New Roman" panose="02020603050405020304" pitchFamily="18" charset="0"/>
+                <a:ea typeface="Caladea"/>
+                <a:cs typeface="Caladea"/>
+              </a:rPr>
+              <a:t>createdAt</a:t>
+            </a:r>
+            <a:r>
+              <a:rPr lang="en-US" sz="2000" dirty="0">
+                <a:solidFill>
+                  <a:srgbClr val="000000"/>
+                </a:solidFill>
+                <a:effectLst/>
+                <a:latin typeface="Times New Roman" panose="02020603050405020304" pitchFamily="18" charset="0"/>
+                <a:ea typeface="Caladea"/>
+                <a:cs typeface="Caladea"/>
+              </a:rPr>
+              <a:t>, </a:t>
+            </a:r>
+            <a:r>
+              <a:rPr lang="en-US" sz="2000" dirty="0" err="1">
+                <a:solidFill>
+                  <a:srgbClr val="000000"/>
+                </a:solidFill>
+                <a:effectLst/>
+                <a:latin typeface="Times New Roman" panose="02020603050405020304" pitchFamily="18" charset="0"/>
+                <a:ea typeface="Caladea"/>
+                <a:cs typeface="Caladea"/>
+              </a:rPr>
+              <a:t>updatedAt</a:t>
+            </a:r>
+            <a:r>
+              <a:rPr lang="en-US" sz="2000" dirty="0">
+                <a:solidFill>
+                  <a:srgbClr val="000000"/>
+                </a:solidFill>
+                <a:effectLst/>
+                <a:latin typeface="Times New Roman" panose="02020603050405020304" pitchFamily="18" charset="0"/>
+                <a:ea typeface="Caladea"/>
+                <a:cs typeface="Caladea"/>
+              </a:rPr>
+              <a:t>)</a:t>
+            </a:r>
+          </a:p>
+          <a:p>
+            <a:pPr marL="457200" marR="0" lvl="0" indent="-457200" algn="just">
+              <a:lnSpc>
+                <a:spcPct val="150000"/>
+              </a:lnSpc>
+              <a:spcBef>
+                <a:spcPts val="0"/>
+              </a:spcBef>
+              <a:spcAft>
+                <a:spcPts val="0"/>
+              </a:spcAft>
+              <a:buFont typeface="+mj-lt"/>
+              <a:buAutoNum type="arabicPeriod" startAt="23"/>
+            </a:pPr>
+            <a:endParaRPr lang="en-IN" sz="2000" dirty="0">
+              <a:solidFill>
+                <a:srgbClr val="000000"/>
+              </a:solidFill>
+              <a:effectLst/>
+              <a:latin typeface="Times New Roman" panose="02020603050405020304" pitchFamily="18" charset="0"/>
+              <a:ea typeface="Caladea"/>
+              <a:cs typeface="Caladea"/>
+            </a:endParaRPr>
+          </a:p>
+        </p:txBody>
+      </p:sp>
+    </p:spTree>
+    <p:extLst>
+      <p:ext uri="{BB962C8B-B14F-4D97-AF65-F5344CB8AC3E}">
+        <p14:creationId xmlns:p14="http://schemas.microsoft.com/office/powerpoint/2010/main" val="2525193661"/>
+      </p:ext>
+    </p:extLst>
+  </p:cSld>
+  <p:clrMapOvr>
+    <a:masterClrMapping/>
+  </p:clrMapOvr>
+</p:sld>
+</file>
+
+<file path=ppt/slides/slide26.xml><?xml version="1.0" encoding="utf-8"?>
+<p:sld xmlns:a="http://schemas.openxmlformats.org/drawingml/2006/main" xmlns:r="http://schemas.openxmlformats.org/officeDocument/2006/relationships" xmlns:p="http://schemas.openxmlformats.org/presentationml/2006/main">
+  <p:cSld>
+    <p:spTree>
+      <p:nvGrpSpPr>
+        <p:cNvPr id="1" name=""/>
+        <p:cNvGrpSpPr/>
+        <p:nvPr/>
+      </p:nvGrpSpPr>
+      <p:grpSpPr>
+        <a:xfrm>
+          <a:off x="0" y="0"/>
+          <a:ext cx="0" cy="0"/>
+          <a:chOff x="0" y="0"/>
+          <a:chExt cx="0" cy="0"/>
+        </a:xfrm>
+      </p:grpSpPr>
+      <p:sp>
+        <p:nvSpPr>
+          <p:cNvPr id="2" name="Title 1">
+            <a:extLst>
+              <a:ext uri="{FF2B5EF4-FFF2-40B4-BE49-F238E27FC236}">
+                <a16:creationId xmlns:a16="http://schemas.microsoft.com/office/drawing/2014/main" id="{332EF34D-E2CF-466D-90B8-A05283CB611C}"/>
+              </a:ext>
+            </a:extLst>
+          </p:cNvPr>
+          <p:cNvSpPr>
+            <a:spLocks noGrp="1"/>
+          </p:cNvSpPr>
+          <p:nvPr>
+            <p:ph type="title"/>
+          </p:nvPr>
+        </p:nvSpPr>
+        <p:spPr>
+          <a:xfrm>
+            <a:off x="628650" y="365127"/>
+            <a:ext cx="7886700" cy="643542"/>
+          </a:xfrm>
+        </p:spPr>
+        <p:txBody>
+          <a:bodyPr>
+            <a:normAutofit/>
+          </a:bodyPr>
+          <a:lstStyle/>
+          <a:p>
+            <a:pPr algn="ctr"/>
+            <a:r>
+              <a:rPr lang="en-IN" sz="2800" b="1" dirty="0">
+                <a:latin typeface="Times New Roman" panose="02020603050405020304" pitchFamily="18" charset="0"/>
+                <a:cs typeface="Times New Roman" panose="02020603050405020304" pitchFamily="18" charset="0"/>
+              </a:rPr>
+              <a:t>Database Design</a:t>
+            </a:r>
+          </a:p>
+        </p:txBody>
+      </p:sp>
+      <p:sp>
+        <p:nvSpPr>
+          <p:cNvPr id="3" name="Content Placeholder 2">
+            <a:extLst>
+              <a:ext uri="{FF2B5EF4-FFF2-40B4-BE49-F238E27FC236}">
+                <a16:creationId xmlns:a16="http://schemas.microsoft.com/office/drawing/2014/main" id="{E1A2DE00-B63B-482A-8267-C160DAC309B1}"/>
+              </a:ext>
+            </a:extLst>
+          </p:cNvPr>
+          <p:cNvSpPr>
+            <a:spLocks noGrp="1"/>
+          </p:cNvSpPr>
+          <p:nvPr>
+            <p:ph idx="1"/>
+          </p:nvPr>
+        </p:nvSpPr>
+        <p:spPr>
+          <a:xfrm>
+            <a:off x="628650" y="945954"/>
+            <a:ext cx="7886700" cy="5683446"/>
+          </a:xfrm>
+        </p:spPr>
+        <p:txBody>
+          <a:bodyPr>
+            <a:noAutofit/>
+          </a:bodyPr>
+          <a:lstStyle/>
           <a:p>
             <a:pPr marL="457200" marR="0" lvl="0" indent="-457200" algn="just">
               <a:lnSpc>
@@ -9870,6 +10266,181 @@
               </a:spcAft>
               <a:buFont typeface="+mj-lt"/>
               <a:buAutoNum type="arabicPeriod" startAt="25"/>
+            </a:pPr>
+            <a:r>
+              <a:rPr lang="en-IN" sz="2000" dirty="0">
+                <a:solidFill>
+                  <a:srgbClr val="000000"/>
+                </a:solidFill>
+                <a:effectLst/>
+                <a:latin typeface="Times New Roman" panose="02020603050405020304" pitchFamily="18" charset="0"/>
+                <a:ea typeface="Caladea"/>
+                <a:cs typeface="Caladea"/>
+              </a:rPr>
+              <a:t>Review Table</a:t>
+            </a:r>
+          </a:p>
+          <a:p>
+            <a:pPr marL="0" marR="0" lvl="0" indent="0" algn="just">
+              <a:lnSpc>
+                <a:spcPct val="150000"/>
+              </a:lnSpc>
+              <a:spcBef>
+                <a:spcPts val="0"/>
+              </a:spcBef>
+              <a:spcAft>
+                <a:spcPts val="0"/>
+              </a:spcAft>
+              <a:buNone/>
+            </a:pPr>
+            <a:r>
+              <a:rPr lang="en-IN" sz="2000" dirty="0">
+                <a:solidFill>
+                  <a:srgbClr val="000000"/>
+                </a:solidFill>
+                <a:effectLst/>
+                <a:latin typeface="Times New Roman" panose="02020603050405020304" pitchFamily="18" charset="0"/>
+                <a:ea typeface="Caladea"/>
+                <a:cs typeface="Caladea"/>
+              </a:rPr>
+              <a:t>review (ID[PK], customer [FK], order [FK], item [FK], ratting, comment, </a:t>
+            </a:r>
+            <a:r>
+              <a:rPr lang="en-IN" sz="2000" dirty="0" err="1">
+                <a:solidFill>
+                  <a:srgbClr val="000000"/>
+                </a:solidFill>
+                <a:effectLst/>
+                <a:latin typeface="Times New Roman" panose="02020603050405020304" pitchFamily="18" charset="0"/>
+                <a:ea typeface="Caladea"/>
+                <a:cs typeface="Caladea"/>
+              </a:rPr>
+              <a:t>createdAt</a:t>
+            </a:r>
+            <a:r>
+              <a:rPr lang="en-IN" sz="2000" dirty="0">
+                <a:solidFill>
+                  <a:srgbClr val="000000"/>
+                </a:solidFill>
+                <a:effectLst/>
+                <a:latin typeface="Times New Roman" panose="02020603050405020304" pitchFamily="18" charset="0"/>
+                <a:ea typeface="Caladea"/>
+                <a:cs typeface="Caladea"/>
+              </a:rPr>
+              <a:t>, </a:t>
+            </a:r>
+            <a:r>
+              <a:rPr lang="en-IN" sz="2000" dirty="0" err="1">
+                <a:solidFill>
+                  <a:srgbClr val="000000"/>
+                </a:solidFill>
+                <a:effectLst/>
+                <a:latin typeface="Times New Roman" panose="02020603050405020304" pitchFamily="18" charset="0"/>
+                <a:ea typeface="Caladea"/>
+                <a:cs typeface="Caladea"/>
+              </a:rPr>
+              <a:t>updatedAt</a:t>
+            </a:r>
+            <a:r>
+              <a:rPr lang="en-IN" sz="2000" dirty="0">
+                <a:solidFill>
+                  <a:srgbClr val="000000"/>
+                </a:solidFill>
+                <a:effectLst/>
+                <a:latin typeface="Times New Roman" panose="02020603050405020304" pitchFamily="18" charset="0"/>
+                <a:ea typeface="Caladea"/>
+                <a:cs typeface="Caladea"/>
+              </a:rPr>
+              <a:t>)</a:t>
+            </a:r>
+          </a:p>
+          <a:p>
+            <a:pPr marL="0" marR="0" lvl="0" indent="0" algn="just">
+              <a:lnSpc>
+                <a:spcPct val="150000"/>
+              </a:lnSpc>
+              <a:spcBef>
+                <a:spcPts val="0"/>
+              </a:spcBef>
+              <a:spcAft>
+                <a:spcPts val="0"/>
+              </a:spcAft>
+              <a:buNone/>
+            </a:pPr>
+            <a:r>
+              <a:rPr lang="en-IN" sz="2000" dirty="0">
+                <a:solidFill>
+                  <a:srgbClr val="000000"/>
+                </a:solidFill>
+                <a:effectLst/>
+                <a:latin typeface="Times New Roman" panose="02020603050405020304" pitchFamily="18" charset="0"/>
+                <a:ea typeface="Caladea"/>
+                <a:cs typeface="Caladea"/>
+              </a:rPr>
+              <a:t>FD: ID-&gt; {customer [FK], order [FK], item [FK], ratting, comment, </a:t>
+            </a:r>
+            <a:r>
+              <a:rPr lang="en-IN" sz="2000" dirty="0" err="1">
+                <a:solidFill>
+                  <a:srgbClr val="000000"/>
+                </a:solidFill>
+                <a:effectLst/>
+                <a:latin typeface="Times New Roman" panose="02020603050405020304" pitchFamily="18" charset="0"/>
+                <a:ea typeface="Caladea"/>
+                <a:cs typeface="Caladea"/>
+              </a:rPr>
+              <a:t>createdAt</a:t>
+            </a:r>
+            <a:r>
+              <a:rPr lang="en-IN" sz="2000" dirty="0">
+                <a:solidFill>
+                  <a:srgbClr val="000000"/>
+                </a:solidFill>
+                <a:effectLst/>
+                <a:latin typeface="Times New Roman" panose="02020603050405020304" pitchFamily="18" charset="0"/>
+                <a:ea typeface="Caladea"/>
+                <a:cs typeface="Caladea"/>
+              </a:rPr>
+              <a:t>, </a:t>
+            </a:r>
+            <a:r>
+              <a:rPr lang="en-IN" sz="2000" dirty="0" err="1">
+                <a:solidFill>
+                  <a:srgbClr val="000000"/>
+                </a:solidFill>
+                <a:effectLst/>
+                <a:latin typeface="Times New Roman" panose="02020603050405020304" pitchFamily="18" charset="0"/>
+                <a:ea typeface="Caladea"/>
+                <a:cs typeface="Caladea"/>
+              </a:rPr>
+              <a:t>updatedAt</a:t>
+            </a:r>
+            <a:r>
+              <a:rPr lang="en-IN" sz="2000" dirty="0">
+                <a:solidFill>
+                  <a:srgbClr val="000000"/>
+                </a:solidFill>
+                <a:effectLst/>
+                <a:latin typeface="Times New Roman" panose="02020603050405020304" pitchFamily="18" charset="0"/>
+                <a:ea typeface="Caladea"/>
+                <a:cs typeface="Caladea"/>
+              </a:rPr>
+              <a:t>}</a:t>
+            </a:r>
+          </a:p>
+          <a:p>
+            <a:pPr marL="457200" marR="0" lvl="0" indent="-457200" algn="just">
+              <a:lnSpc>
+                <a:spcPct val="150000"/>
+              </a:lnSpc>
+              <a:spcBef>
+                <a:spcPts val="0"/>
+              </a:spcBef>
+              <a:spcAft>
+                <a:spcPts val="0"/>
+              </a:spcAft>
+              <a:buFont typeface="+mj-lt"/>
+              <a:buAutoNum type="arabicPeriod" startAt="26"/>
             </a:pPr>
             <a:r>
               <a:rPr lang="en-IN" sz="2000" dirty="0">
@@ -10095,7 +10666,7 @@
 </p:sld>
 </file>
 
-<file path=ppt/slides/slide26.xml><?xml version="1.0" encoding="utf-8"?>
+<file path=ppt/slides/slide27.xml><?xml version="1.0" encoding="utf-8"?>
 <p:sld xmlns:a="http://schemas.openxmlformats.org/drawingml/2006/main" xmlns:r="http://schemas.openxmlformats.org/officeDocument/2006/relationships" xmlns:p="http://schemas.openxmlformats.org/presentationml/2006/main">
   <p:cSld>
     <p:spTree>
@@ -10581,7 +11152,7 @@
 </p:sld>
 </file>
 
-<file path=ppt/slides/slide27.xml><?xml version="1.0" encoding="utf-8"?>
+<file path=ppt/slides/slide28.xml><?xml version="1.0" encoding="utf-8"?>
 <p:sld xmlns:a="http://schemas.openxmlformats.org/drawingml/2006/main" xmlns:r="http://schemas.openxmlformats.org/officeDocument/2006/relationships" xmlns:p="http://schemas.openxmlformats.org/presentationml/2006/main">
   <p:cSld>
     <p:spTree>
